--- a/201311/webstorm.pptx
+++ b/201311/webstorm.pptx
@@ -5,7 +5,7 @@
     <p:sldMasterId id="2147483648" r:id="rId1"/>
   </p:sldMasterIdLst>
   <p:notesMasterIdLst>
-    <p:notesMasterId r:id="rId16"/>
+    <p:notesMasterId r:id="rId15"/>
   </p:notesMasterIdLst>
   <p:sldIdLst>
     <p:sldId id="256" r:id="rId2"/>
@@ -18,10 +18,9 @@
     <p:sldId id="307" r:id="rId9"/>
     <p:sldId id="310" r:id="rId10"/>
     <p:sldId id="311" r:id="rId11"/>
-    <p:sldId id="308" r:id="rId12"/>
-    <p:sldId id="313" r:id="rId13"/>
+    <p:sldId id="313" r:id="rId12"/>
+    <p:sldId id="308" r:id="rId13"/>
     <p:sldId id="309" r:id="rId14"/>
-    <p:sldId id="298" r:id="rId15"/>
   </p:sldIdLst>
   <p:sldSz cx="9144000" cy="6858000" type="screen4x3"/>
   <p:notesSz cx="6858000" cy="9144000"/>
@@ -205,7 +204,8 @@
           <a:p>
             <a:fld id="{E9C7A8BD-8474-4F3C-A886-16F7D8ECFA12}" type="datetimeFigureOut">
               <a:rPr lang="zh-CN" altLang="en-US" smtClean="0"/>
-              <a:t>2013/11/10</a:t>
+              <a:pPr/>
+              <a:t>2013/11/11</a:t>
             </a:fld>
             <a:endParaRPr lang="zh-CN" altLang="en-US"/>
           </a:p>
@@ -364,6 +364,7 @@
           <a:p>
             <a:fld id="{8A488281-87A0-4E0A-93A8-7BA1C235CD97}" type="slidenum">
               <a:rPr lang="zh-CN" altLang="en-US" smtClean="0"/>
+              <a:pPr/>
               <a:t>‹#›</a:t>
             </a:fld>
             <a:endParaRPr lang="zh-CN" altLang="en-US"/>
@@ -373,7 +374,7 @@
     </p:spTree>
     <p:extLst>
       <p:ext uri="{BB962C8B-B14F-4D97-AF65-F5344CB8AC3E}">
-        <p14:creationId xmlns:p14="http://schemas.microsoft.com/office/powerpoint/2010/main" val="1841647330"/>
+        <p14:creationId xmlns:p14="http://schemas.microsoft.com/office/powerpoint/2010/main" xmlns="" val="1841647330"/>
       </p:ext>
     </p:extLst>
   </p:cSld>
@@ -702,6 +703,7 @@
           <a:p>
             <a:fld id="{8A488281-87A0-4E0A-93A8-7BA1C235CD97}" type="slidenum">
               <a:rPr lang="zh-CN" altLang="en-US" smtClean="0"/>
+              <a:pPr/>
               <a:t>1</a:t>
             </a:fld>
             <a:endParaRPr lang="zh-CN" altLang="en-US"/>
@@ -711,7 +713,7 @@
     </p:spTree>
     <p:extLst>
       <p:ext uri="{BB962C8B-B14F-4D97-AF65-F5344CB8AC3E}">
-        <p14:creationId xmlns:p14="http://schemas.microsoft.com/office/powerpoint/2010/main" val="3405078038"/>
+        <p14:creationId xmlns:p14="http://schemas.microsoft.com/office/powerpoint/2010/main" xmlns="" val="3405078038"/>
       </p:ext>
     </p:extLst>
   </p:cSld>
@@ -765,14 +767,6 @@
           <a:bodyPr/>
           <a:lstStyle/>
           <a:p>
-            <a:r>
-              <a:rPr lang="zh-CN" altLang="en-US" dirty="0" smtClean="0"/>
-              <a:t>做个小调查，有多少人用过</a:t>
-            </a:r>
-            <a:r>
-              <a:rPr lang="en-US" altLang="zh-CN" dirty="0" smtClean="0"/>
-              <a:t>grunt</a:t>
-            </a:r>
             <a:endParaRPr lang="zh-CN" altLang="en-US" dirty="0"/>
           </a:p>
         </p:txBody>
@@ -794,6 +788,7 @@
           <a:p>
             <a:fld id="{8A488281-87A0-4E0A-93A8-7BA1C235CD97}" type="slidenum">
               <a:rPr lang="zh-CN" altLang="en-US" smtClean="0"/>
+              <a:pPr/>
               <a:t>10</a:t>
             </a:fld>
             <a:endParaRPr lang="zh-CN" altLang="en-US"/>
@@ -803,7 +798,7 @@
     </p:spTree>
     <p:extLst>
       <p:ext uri="{BB962C8B-B14F-4D97-AF65-F5344CB8AC3E}">
-        <p14:creationId xmlns:p14="http://schemas.microsoft.com/office/powerpoint/2010/main" val="711686011"/>
+        <p14:creationId xmlns:p14="http://schemas.microsoft.com/office/powerpoint/2010/main" xmlns="" val="711686011"/>
       </p:ext>
     </p:extLst>
   </p:cSld>
@@ -857,6 +852,277 @@
           <a:bodyPr/>
           <a:lstStyle/>
           <a:p>
+            <a:r>
+              <a:rPr lang="zh-CN" altLang="en-US" dirty="0" smtClean="0"/>
+              <a:t>扫地</a:t>
+            </a:r>
+            <a:r>
+              <a:rPr lang="zh-CN" altLang="en-US" dirty="0" smtClean="0"/>
+              <a:t>僧</a:t>
+            </a:r>
+            <a:r>
+              <a:rPr lang="en-US" altLang="zh-CN" dirty="0" smtClean="0"/>
+              <a:t>,</a:t>
+            </a:r>
+            <a:r>
+              <a:rPr lang="zh-CN" altLang="en-US" dirty="0" smtClean="0"/>
+              <a:t>内功深厚</a:t>
+            </a:r>
+            <a:endParaRPr lang="en-US" altLang="zh-CN" dirty="0" smtClean="0"/>
+          </a:p>
+          <a:p>
+            <a:r>
+              <a:rPr lang="zh-CN" altLang="en-US" sz="1200" b="0" i="0" kern="1200" dirty="0" smtClean="0">
+                <a:solidFill>
+                  <a:schemeClr val="tx1"/>
+                </a:solidFill>
+                <a:effectLst/>
+                <a:latin typeface="+mn-lt"/>
+                <a:ea typeface="+mn-ea"/>
+                <a:cs typeface="+mn-cs"/>
+              </a:rPr>
+              <a:t>编辑器只是一个工具而已</a:t>
+            </a:r>
+            <a:r>
+              <a:rPr lang="en-US" altLang="zh-CN" sz="1200" b="0" i="0" kern="1200" dirty="0" smtClean="0">
+                <a:solidFill>
+                  <a:schemeClr val="tx1"/>
+                </a:solidFill>
+                <a:effectLst/>
+                <a:latin typeface="+mn-lt"/>
+                <a:ea typeface="+mn-ea"/>
+                <a:cs typeface="+mn-cs"/>
+              </a:rPr>
+              <a:t>.... </a:t>
+            </a:r>
+            <a:r>
+              <a:rPr lang="zh-CN" altLang="en-US" sz="1200" b="0" i="0" kern="1200" dirty="0" smtClean="0">
+                <a:solidFill>
+                  <a:schemeClr val="tx1"/>
+                </a:solidFill>
+                <a:effectLst/>
+                <a:latin typeface="+mn-lt"/>
+                <a:ea typeface="+mn-ea"/>
+                <a:cs typeface="+mn-cs"/>
+              </a:rPr>
+              <a:t>无所谓用什么 重要的是你的思想</a:t>
+            </a:r>
+            <a:r>
+              <a:rPr lang="en-US" altLang="zh-CN" sz="1200" b="0" i="0" kern="1200" dirty="0" smtClean="0">
+                <a:solidFill>
+                  <a:schemeClr val="tx1"/>
+                </a:solidFill>
+                <a:effectLst/>
+                <a:latin typeface="+mn-lt"/>
+                <a:ea typeface="+mn-ea"/>
+                <a:cs typeface="+mn-cs"/>
+              </a:rPr>
+              <a:t>! </a:t>
+            </a:r>
+            <a:r>
+              <a:rPr lang="zh-CN" altLang="en-US" sz="1200" b="0" i="0" kern="1200" dirty="0" smtClean="0">
+                <a:solidFill>
+                  <a:schemeClr val="tx1"/>
+                </a:solidFill>
+                <a:effectLst/>
+                <a:latin typeface="+mn-lt"/>
+                <a:ea typeface="+mn-ea"/>
+                <a:cs typeface="+mn-cs"/>
+              </a:rPr>
+              <a:t>这就武侠小说中 内力深厚的人 用一根儿稻草都可以压制敌人 少林的扫地僧用的是扫帚</a:t>
+            </a:r>
+            <a:r>
+              <a:rPr lang="en-US" altLang="zh-CN" sz="1200" b="0" i="0" kern="1200" dirty="0" smtClean="0">
+                <a:solidFill>
+                  <a:schemeClr val="tx1"/>
+                </a:solidFill>
+                <a:effectLst/>
+                <a:latin typeface="+mn-lt"/>
+                <a:ea typeface="+mn-ea"/>
+                <a:cs typeface="+mn-cs"/>
+              </a:rPr>
+              <a:t>..... </a:t>
+            </a:r>
+            <a:r>
+              <a:rPr lang="zh-CN" altLang="en-US" sz="1200" b="0" i="0" kern="1200" dirty="0" smtClean="0">
+                <a:solidFill>
+                  <a:schemeClr val="tx1"/>
+                </a:solidFill>
+                <a:effectLst/>
+                <a:latin typeface="+mn-lt"/>
+                <a:ea typeface="+mn-ea"/>
+                <a:cs typeface="+mn-cs"/>
+              </a:rPr>
+              <a:t>不过一件好的兵器会让你觉得心应手 更能发挥出个人的功力</a:t>
+            </a:r>
+            <a:r>
+              <a:rPr lang="en-US" altLang="zh-CN" sz="1200" b="0" i="0" kern="1200" dirty="0" smtClean="0">
+                <a:solidFill>
+                  <a:schemeClr val="tx1"/>
+                </a:solidFill>
+                <a:effectLst/>
+                <a:latin typeface="+mn-lt"/>
+                <a:ea typeface="+mn-ea"/>
+                <a:cs typeface="+mn-cs"/>
+              </a:rPr>
+              <a:t>!! VIM</a:t>
+            </a:r>
+            <a:r>
+              <a:rPr lang="zh-CN" altLang="en-US" sz="1200" b="0" i="0" kern="1200" dirty="0" smtClean="0">
+                <a:solidFill>
+                  <a:schemeClr val="tx1"/>
+                </a:solidFill>
+                <a:effectLst/>
+                <a:latin typeface="+mn-lt"/>
+                <a:ea typeface="+mn-ea"/>
+                <a:cs typeface="+mn-cs"/>
+              </a:rPr>
+              <a:t>也好 </a:t>
+            </a:r>
+            <a:r>
+              <a:rPr lang="en-US" altLang="zh-CN" sz="1200" b="0" i="0" kern="1200" dirty="0" smtClean="0">
+                <a:solidFill>
+                  <a:schemeClr val="tx1"/>
+                </a:solidFill>
+                <a:effectLst/>
+                <a:latin typeface="+mn-lt"/>
+                <a:ea typeface="+mn-ea"/>
+                <a:cs typeface="+mn-cs"/>
+              </a:rPr>
+              <a:t>Dreamweaver</a:t>
+            </a:r>
+            <a:r>
+              <a:rPr lang="zh-CN" altLang="en-US" sz="1200" b="0" i="0" kern="1200" dirty="0" smtClean="0">
+                <a:solidFill>
+                  <a:schemeClr val="tx1"/>
+                </a:solidFill>
+                <a:effectLst/>
+                <a:latin typeface="+mn-lt"/>
+                <a:ea typeface="+mn-ea"/>
+                <a:cs typeface="+mn-cs"/>
+              </a:rPr>
+              <a:t>也好 </a:t>
+            </a:r>
+            <a:r>
+              <a:rPr lang="en-US" altLang="zh-CN" sz="1200" b="0" i="0" kern="1200" dirty="0" smtClean="0">
+                <a:solidFill>
+                  <a:schemeClr val="tx1"/>
+                </a:solidFill>
+                <a:effectLst/>
+                <a:latin typeface="+mn-lt"/>
+                <a:ea typeface="+mn-ea"/>
+                <a:cs typeface="+mn-cs"/>
+              </a:rPr>
+              <a:t>sublime</a:t>
+            </a:r>
+            <a:r>
+              <a:rPr lang="en-US" altLang="zh-CN" sz="1200" b="0" i="0" kern="1200" baseline="0" dirty="0" smtClean="0">
+                <a:solidFill>
+                  <a:schemeClr val="tx1"/>
+                </a:solidFill>
+                <a:effectLst/>
+                <a:latin typeface="+mn-lt"/>
+                <a:ea typeface="+mn-ea"/>
+                <a:cs typeface="+mn-cs"/>
+              </a:rPr>
+              <a:t> text</a:t>
+            </a:r>
+            <a:r>
+              <a:rPr lang="zh-CN" altLang="en-US" sz="1200" b="0" i="0" kern="1200" dirty="0" smtClean="0">
+                <a:solidFill>
+                  <a:schemeClr val="tx1"/>
+                </a:solidFill>
+                <a:effectLst/>
+                <a:latin typeface="+mn-lt"/>
+                <a:ea typeface="+mn-ea"/>
+                <a:cs typeface="+mn-cs"/>
+              </a:rPr>
+              <a:t>也好 不管谁是唐家霸王枪 谁是兵器排名谱第一名</a:t>
+            </a:r>
+            <a:r>
+              <a:rPr lang="en-US" altLang="zh-CN" sz="1200" b="0" i="0" kern="1200" dirty="0" smtClean="0">
+                <a:solidFill>
+                  <a:schemeClr val="tx1"/>
+                </a:solidFill>
+                <a:effectLst/>
+                <a:latin typeface="+mn-lt"/>
+                <a:ea typeface="+mn-ea"/>
+                <a:cs typeface="+mn-cs"/>
+              </a:rPr>
+              <a:t>? </a:t>
+            </a:r>
+            <a:r>
+              <a:rPr lang="zh-CN" altLang="en-US" sz="1200" b="0" i="0" kern="1200" dirty="0" smtClean="0">
+                <a:solidFill>
+                  <a:schemeClr val="tx1"/>
+                </a:solidFill>
+                <a:effectLst/>
+                <a:latin typeface="+mn-lt"/>
+                <a:ea typeface="+mn-ea"/>
+                <a:cs typeface="+mn-cs"/>
+              </a:rPr>
+              <a:t>其实真的都无所谓</a:t>
+            </a:r>
+            <a:r>
+              <a:rPr lang="en-US" altLang="zh-CN" sz="1200" b="0" i="0" kern="1200" dirty="0" smtClean="0">
+                <a:solidFill>
+                  <a:schemeClr val="tx1"/>
+                </a:solidFill>
+                <a:effectLst/>
+                <a:latin typeface="+mn-lt"/>
+                <a:ea typeface="+mn-ea"/>
+                <a:cs typeface="+mn-cs"/>
+              </a:rPr>
+              <a:t>! </a:t>
+            </a:r>
+            <a:r>
+              <a:rPr lang="zh-CN" altLang="en-US" sz="1200" b="0" i="0" kern="1200" dirty="0" smtClean="0">
+                <a:solidFill>
+                  <a:schemeClr val="tx1"/>
+                </a:solidFill>
+                <a:effectLst/>
+                <a:latin typeface="+mn-lt"/>
+                <a:ea typeface="+mn-ea"/>
+                <a:cs typeface="+mn-cs"/>
+              </a:rPr>
+              <a:t>剑宗 气宗之争本身就是无稽之谈</a:t>
+            </a:r>
+            <a:r>
+              <a:rPr lang="en-US" altLang="zh-CN" sz="1200" b="0" i="0" kern="1200" dirty="0" smtClean="0">
+                <a:solidFill>
+                  <a:schemeClr val="tx1"/>
+                </a:solidFill>
+                <a:effectLst/>
+                <a:latin typeface="+mn-lt"/>
+                <a:ea typeface="+mn-ea"/>
+                <a:cs typeface="+mn-cs"/>
+              </a:rPr>
+              <a:t>! </a:t>
+            </a:r>
+            <a:r>
+              <a:rPr lang="zh-CN" altLang="en-US" sz="1200" b="0" i="0" kern="1200" dirty="0" smtClean="0">
+                <a:solidFill>
+                  <a:schemeClr val="tx1"/>
+                </a:solidFill>
+                <a:effectLst/>
+                <a:latin typeface="+mn-lt"/>
+                <a:ea typeface="+mn-ea"/>
+                <a:cs typeface="+mn-cs"/>
+              </a:rPr>
+              <a:t>只有内力深厚 你可以把所有的兵器都能信手拈来</a:t>
+            </a:r>
+            <a:r>
+              <a:rPr lang="en-US" altLang="zh-CN" sz="1200" b="0" i="0" kern="1200" dirty="0" smtClean="0">
+                <a:solidFill>
+                  <a:schemeClr val="tx1"/>
+                </a:solidFill>
+                <a:effectLst/>
+                <a:latin typeface="+mn-lt"/>
+                <a:ea typeface="+mn-ea"/>
+                <a:cs typeface="+mn-cs"/>
+              </a:rPr>
+              <a:t>! </a:t>
+            </a:r>
             <a:endParaRPr lang="zh-CN" altLang="en-US" dirty="0"/>
           </a:p>
         </p:txBody>
@@ -878,6 +1144,7 @@
           <a:p>
             <a:fld id="{8A488281-87A0-4E0A-93A8-7BA1C235CD97}" type="slidenum">
               <a:rPr lang="zh-CN" altLang="en-US" smtClean="0"/>
+              <a:pPr/>
               <a:t>11</a:t>
             </a:fld>
             <a:endParaRPr lang="zh-CN" altLang="en-US"/>
@@ -887,7 +1154,7 @@
     </p:spTree>
     <p:extLst>
       <p:ext uri="{BB962C8B-B14F-4D97-AF65-F5344CB8AC3E}">
-        <p14:creationId xmlns:p14="http://schemas.microsoft.com/office/powerpoint/2010/main" val="711686011"/>
+        <p14:creationId xmlns:p14="http://schemas.microsoft.com/office/powerpoint/2010/main" xmlns="" val="711686011"/>
       </p:ext>
     </p:extLst>
   </p:cSld>
@@ -941,277 +1208,6 @@
           <a:bodyPr/>
           <a:lstStyle/>
           <a:p>
-            <a:r>
-              <a:rPr lang="zh-CN" altLang="en-US" dirty="0" smtClean="0"/>
-              <a:t>扫地僧</a:t>
-            </a:r>
-            <a:endParaRPr lang="en-US" altLang="zh-CN" dirty="0" smtClean="0"/>
-          </a:p>
-          <a:p>
-            <a:r>
-              <a:rPr lang="zh-CN" altLang="en-US" sz="1200" b="0" i="0" kern="1200" dirty="0" smtClean="0">
-                <a:solidFill>
-                  <a:schemeClr val="tx1"/>
-                </a:solidFill>
-                <a:effectLst/>
-                <a:latin typeface="+mn-lt"/>
-                <a:ea typeface="+mn-ea"/>
-                <a:cs typeface="+mn-cs"/>
-              </a:rPr>
-              <a:t>编辑器只是一个工具而已</a:t>
-            </a:r>
-            <a:r>
-              <a:rPr lang="en-US" altLang="zh-CN" sz="1200" b="0" i="0" kern="1200" dirty="0" smtClean="0">
-                <a:solidFill>
-                  <a:schemeClr val="tx1"/>
-                </a:solidFill>
-                <a:effectLst/>
-                <a:latin typeface="+mn-lt"/>
-                <a:ea typeface="+mn-ea"/>
-                <a:cs typeface="+mn-cs"/>
-              </a:rPr>
-              <a:t>.... </a:t>
-            </a:r>
-            <a:r>
-              <a:rPr lang="zh-CN" altLang="en-US" sz="1200" b="0" i="0" kern="1200" dirty="0" smtClean="0">
-                <a:solidFill>
-                  <a:schemeClr val="tx1"/>
-                </a:solidFill>
-                <a:effectLst/>
-                <a:latin typeface="+mn-lt"/>
-                <a:ea typeface="+mn-ea"/>
-                <a:cs typeface="+mn-cs"/>
-              </a:rPr>
-              <a:t>无所谓用什么 重要的是你的思想</a:t>
-            </a:r>
-            <a:r>
-              <a:rPr lang="en-US" altLang="zh-CN" sz="1200" b="0" i="0" kern="1200" dirty="0" smtClean="0">
-                <a:solidFill>
-                  <a:schemeClr val="tx1"/>
-                </a:solidFill>
-                <a:effectLst/>
-                <a:latin typeface="+mn-lt"/>
-                <a:ea typeface="+mn-ea"/>
-                <a:cs typeface="+mn-cs"/>
-              </a:rPr>
-              <a:t>! </a:t>
-            </a:r>
-            <a:r>
-              <a:rPr lang="zh-CN" altLang="en-US" sz="1200" b="0" i="0" kern="1200" dirty="0" smtClean="0">
-                <a:solidFill>
-                  <a:schemeClr val="tx1"/>
-                </a:solidFill>
-                <a:effectLst/>
-                <a:latin typeface="+mn-lt"/>
-                <a:ea typeface="+mn-ea"/>
-                <a:cs typeface="+mn-cs"/>
-              </a:rPr>
-              <a:t>这就武侠小说中 内力深厚的人 用一根儿稻草都可以压制敌人 少林的扫地僧用的是扫帚</a:t>
-            </a:r>
-            <a:r>
-              <a:rPr lang="en-US" altLang="zh-CN" sz="1200" b="0" i="0" kern="1200" dirty="0" smtClean="0">
-                <a:solidFill>
-                  <a:schemeClr val="tx1"/>
-                </a:solidFill>
-                <a:effectLst/>
-                <a:latin typeface="+mn-lt"/>
-                <a:ea typeface="+mn-ea"/>
-                <a:cs typeface="+mn-cs"/>
-              </a:rPr>
-              <a:t>..... </a:t>
-            </a:r>
-            <a:r>
-              <a:rPr lang="zh-CN" altLang="en-US" sz="1200" b="0" i="0" kern="1200" dirty="0" smtClean="0">
-                <a:solidFill>
-                  <a:schemeClr val="tx1"/>
-                </a:solidFill>
-                <a:effectLst/>
-                <a:latin typeface="+mn-lt"/>
-                <a:ea typeface="+mn-ea"/>
-                <a:cs typeface="+mn-cs"/>
-              </a:rPr>
-              <a:t>不过一件好的兵器会让你觉得心应手 更能发挥出个人的功力</a:t>
-            </a:r>
-            <a:r>
-              <a:rPr lang="en-US" altLang="zh-CN" sz="1200" b="0" i="0" kern="1200" dirty="0" smtClean="0">
-                <a:solidFill>
-                  <a:schemeClr val="tx1"/>
-                </a:solidFill>
-                <a:effectLst/>
-                <a:latin typeface="+mn-lt"/>
-                <a:ea typeface="+mn-ea"/>
-                <a:cs typeface="+mn-cs"/>
-              </a:rPr>
-              <a:t>!! VIM</a:t>
-            </a:r>
-            <a:r>
-              <a:rPr lang="zh-CN" altLang="en-US" sz="1200" b="0" i="0" kern="1200" dirty="0" smtClean="0">
-                <a:solidFill>
-                  <a:schemeClr val="tx1"/>
-                </a:solidFill>
-                <a:effectLst/>
-                <a:latin typeface="+mn-lt"/>
-                <a:ea typeface="+mn-ea"/>
-                <a:cs typeface="+mn-cs"/>
-              </a:rPr>
-              <a:t>也好 </a:t>
-            </a:r>
-            <a:r>
-              <a:rPr lang="en-US" altLang="zh-CN" sz="1200" b="0" i="0" kern="1200" dirty="0" smtClean="0">
-                <a:solidFill>
-                  <a:schemeClr val="tx1"/>
-                </a:solidFill>
-                <a:effectLst/>
-                <a:latin typeface="+mn-lt"/>
-                <a:ea typeface="+mn-ea"/>
-                <a:cs typeface="+mn-cs"/>
-              </a:rPr>
-              <a:t>Dreamweaver</a:t>
-            </a:r>
-            <a:r>
-              <a:rPr lang="zh-CN" altLang="en-US" sz="1200" b="0" i="0" kern="1200" dirty="0" smtClean="0">
-                <a:solidFill>
-                  <a:schemeClr val="tx1"/>
-                </a:solidFill>
-                <a:effectLst/>
-                <a:latin typeface="+mn-lt"/>
-                <a:ea typeface="+mn-ea"/>
-                <a:cs typeface="+mn-cs"/>
-              </a:rPr>
-              <a:t>也好 </a:t>
-            </a:r>
-            <a:r>
-              <a:rPr lang="en-US" altLang="zh-CN" sz="1200" b="0" i="0" kern="1200" dirty="0" smtClean="0">
-                <a:solidFill>
-                  <a:schemeClr val="tx1"/>
-                </a:solidFill>
-                <a:effectLst/>
-                <a:latin typeface="+mn-lt"/>
-                <a:ea typeface="+mn-ea"/>
-                <a:cs typeface="+mn-cs"/>
-              </a:rPr>
-              <a:t>sublime</a:t>
-            </a:r>
-            <a:r>
-              <a:rPr lang="en-US" altLang="zh-CN" sz="1200" b="0" i="0" kern="1200" baseline="0" dirty="0" smtClean="0">
-                <a:solidFill>
-                  <a:schemeClr val="tx1"/>
-                </a:solidFill>
-                <a:effectLst/>
-                <a:latin typeface="+mn-lt"/>
-                <a:ea typeface="+mn-ea"/>
-                <a:cs typeface="+mn-cs"/>
-              </a:rPr>
-              <a:t> text</a:t>
-            </a:r>
-            <a:r>
-              <a:rPr lang="zh-CN" altLang="en-US" sz="1200" b="0" i="0" kern="1200" smtClean="0">
-                <a:solidFill>
-                  <a:schemeClr val="tx1"/>
-                </a:solidFill>
-                <a:effectLst/>
-                <a:latin typeface="+mn-lt"/>
-                <a:ea typeface="+mn-ea"/>
-                <a:cs typeface="+mn-cs"/>
-              </a:rPr>
-              <a:t>也好 </a:t>
-            </a:r>
-            <a:r>
-              <a:rPr lang="zh-CN" altLang="en-US" sz="1200" b="0" i="0" kern="1200" dirty="0" smtClean="0">
-                <a:solidFill>
-                  <a:schemeClr val="tx1"/>
-                </a:solidFill>
-                <a:effectLst/>
-                <a:latin typeface="+mn-lt"/>
-                <a:ea typeface="+mn-ea"/>
-                <a:cs typeface="+mn-cs"/>
-              </a:rPr>
-              <a:t>不管谁是唐家霸王枪 谁是兵器排名谱第一名</a:t>
-            </a:r>
-            <a:r>
-              <a:rPr lang="en-US" altLang="zh-CN" sz="1200" b="0" i="0" kern="1200" dirty="0" smtClean="0">
-                <a:solidFill>
-                  <a:schemeClr val="tx1"/>
-                </a:solidFill>
-                <a:effectLst/>
-                <a:latin typeface="+mn-lt"/>
-                <a:ea typeface="+mn-ea"/>
-                <a:cs typeface="+mn-cs"/>
-              </a:rPr>
-              <a:t>? </a:t>
-            </a:r>
-            <a:r>
-              <a:rPr lang="zh-CN" altLang="en-US" sz="1200" b="0" i="0" kern="1200" dirty="0" smtClean="0">
-                <a:solidFill>
-                  <a:schemeClr val="tx1"/>
-                </a:solidFill>
-                <a:effectLst/>
-                <a:latin typeface="+mn-lt"/>
-                <a:ea typeface="+mn-ea"/>
-                <a:cs typeface="+mn-cs"/>
-              </a:rPr>
-              <a:t>其实真的都无所谓</a:t>
-            </a:r>
-            <a:r>
-              <a:rPr lang="en-US" altLang="zh-CN" sz="1200" b="0" i="0" kern="1200" dirty="0" smtClean="0">
-                <a:solidFill>
-                  <a:schemeClr val="tx1"/>
-                </a:solidFill>
-                <a:effectLst/>
-                <a:latin typeface="+mn-lt"/>
-                <a:ea typeface="+mn-ea"/>
-                <a:cs typeface="+mn-cs"/>
-              </a:rPr>
-              <a:t>! </a:t>
-            </a:r>
-            <a:r>
-              <a:rPr lang="zh-CN" altLang="en-US" sz="1200" b="0" i="0" kern="1200" dirty="0" smtClean="0">
-                <a:solidFill>
-                  <a:schemeClr val="tx1"/>
-                </a:solidFill>
-                <a:effectLst/>
-                <a:latin typeface="+mn-lt"/>
-                <a:ea typeface="+mn-ea"/>
-                <a:cs typeface="+mn-cs"/>
-              </a:rPr>
-              <a:t>剑宗 气宗之争本身就是无稽之谈</a:t>
-            </a:r>
-            <a:r>
-              <a:rPr lang="en-US" altLang="zh-CN" sz="1200" b="0" i="0" kern="1200" dirty="0" smtClean="0">
-                <a:solidFill>
-                  <a:schemeClr val="tx1"/>
-                </a:solidFill>
-                <a:effectLst/>
-                <a:latin typeface="+mn-lt"/>
-                <a:ea typeface="+mn-ea"/>
-                <a:cs typeface="+mn-cs"/>
-              </a:rPr>
-              <a:t>! </a:t>
-            </a:r>
-            <a:r>
-              <a:rPr lang="zh-CN" altLang="en-US" sz="1200" b="0" i="0" kern="1200" dirty="0" smtClean="0">
-                <a:solidFill>
-                  <a:schemeClr val="tx1"/>
-                </a:solidFill>
-                <a:effectLst/>
-                <a:latin typeface="+mn-lt"/>
-                <a:ea typeface="+mn-ea"/>
-                <a:cs typeface="+mn-cs"/>
-              </a:rPr>
-              <a:t>只有内力深厚 你可以把所有的兵器都能信手拈来</a:t>
-            </a:r>
-            <a:r>
-              <a:rPr lang="en-US" altLang="zh-CN" sz="1200" b="0" i="0" kern="1200" dirty="0" smtClean="0">
-                <a:solidFill>
-                  <a:schemeClr val="tx1"/>
-                </a:solidFill>
-                <a:effectLst/>
-                <a:latin typeface="+mn-lt"/>
-                <a:ea typeface="+mn-ea"/>
-                <a:cs typeface="+mn-cs"/>
-              </a:rPr>
-              <a:t>! </a:t>
-            </a:r>
             <a:endParaRPr lang="zh-CN" altLang="en-US" dirty="0"/>
           </a:p>
         </p:txBody>
@@ -1233,6 +1229,7 @@
           <a:p>
             <a:fld id="{8A488281-87A0-4E0A-93A8-7BA1C235CD97}" type="slidenum">
               <a:rPr lang="zh-CN" altLang="en-US" smtClean="0"/>
+              <a:pPr/>
               <a:t>12</a:t>
             </a:fld>
             <a:endParaRPr lang="zh-CN" altLang="en-US"/>
@@ -1242,7 +1239,7 @@
     </p:spTree>
     <p:extLst>
       <p:ext uri="{BB962C8B-B14F-4D97-AF65-F5344CB8AC3E}">
-        <p14:creationId xmlns:p14="http://schemas.microsoft.com/office/powerpoint/2010/main" val="711686011"/>
+        <p14:creationId xmlns:p14="http://schemas.microsoft.com/office/powerpoint/2010/main" xmlns="" val="711686011"/>
       </p:ext>
     </p:extLst>
   </p:cSld>
@@ -1317,6 +1314,7 @@
           <a:p>
             <a:fld id="{8A488281-87A0-4E0A-93A8-7BA1C235CD97}" type="slidenum">
               <a:rPr lang="zh-CN" altLang="en-US" smtClean="0"/>
+              <a:pPr/>
               <a:t>13</a:t>
             </a:fld>
             <a:endParaRPr lang="zh-CN" altLang="en-US"/>
@@ -1326,7 +1324,7 @@
     </p:spTree>
     <p:extLst>
       <p:ext uri="{BB962C8B-B14F-4D97-AF65-F5344CB8AC3E}">
-        <p14:creationId xmlns:p14="http://schemas.microsoft.com/office/powerpoint/2010/main" val="711686011"/>
+        <p14:creationId xmlns:p14="http://schemas.microsoft.com/office/powerpoint/2010/main" xmlns="" val="711686011"/>
       </p:ext>
     </p:extLst>
   </p:cSld>
@@ -1428,6 +1426,7 @@
           <a:p>
             <a:fld id="{8A488281-87A0-4E0A-93A8-7BA1C235CD97}" type="slidenum">
               <a:rPr lang="zh-CN" altLang="en-US" smtClean="0"/>
+              <a:pPr/>
               <a:t>2</a:t>
             </a:fld>
             <a:endParaRPr lang="zh-CN" altLang="en-US"/>
@@ -1437,7 +1436,7 @@
     </p:spTree>
     <p:extLst>
       <p:ext uri="{BB962C8B-B14F-4D97-AF65-F5344CB8AC3E}">
-        <p14:creationId xmlns:p14="http://schemas.microsoft.com/office/powerpoint/2010/main" val="711686011"/>
+        <p14:creationId xmlns:p14="http://schemas.microsoft.com/office/powerpoint/2010/main" xmlns="" val="711686011"/>
       </p:ext>
     </p:extLst>
   </p:cSld>
@@ -1613,6 +1612,7 @@
           <a:p>
             <a:fld id="{8A488281-87A0-4E0A-93A8-7BA1C235CD97}" type="slidenum">
               <a:rPr lang="zh-CN" altLang="en-US" smtClean="0"/>
+              <a:pPr/>
               <a:t>3</a:t>
             </a:fld>
             <a:endParaRPr lang="zh-CN" altLang="en-US"/>
@@ -1622,7 +1622,7 @@
     </p:spTree>
     <p:extLst>
       <p:ext uri="{BB962C8B-B14F-4D97-AF65-F5344CB8AC3E}">
-        <p14:creationId xmlns:p14="http://schemas.microsoft.com/office/powerpoint/2010/main" val="711686011"/>
+        <p14:creationId xmlns:p14="http://schemas.microsoft.com/office/powerpoint/2010/main" xmlns="" val="711686011"/>
       </p:ext>
     </p:extLst>
   </p:cSld>
@@ -1732,6 +1732,7 @@
           <a:p>
             <a:fld id="{8A488281-87A0-4E0A-93A8-7BA1C235CD97}" type="slidenum">
               <a:rPr lang="zh-CN" altLang="en-US" smtClean="0"/>
+              <a:pPr/>
               <a:t>4</a:t>
             </a:fld>
             <a:endParaRPr lang="zh-CN" altLang="en-US"/>
@@ -1741,7 +1742,7 @@
     </p:spTree>
     <p:extLst>
       <p:ext uri="{BB962C8B-B14F-4D97-AF65-F5344CB8AC3E}">
-        <p14:creationId xmlns:p14="http://schemas.microsoft.com/office/powerpoint/2010/main" val="711686011"/>
+        <p14:creationId xmlns:p14="http://schemas.microsoft.com/office/powerpoint/2010/main" xmlns="" val="711686011"/>
       </p:ext>
     </p:extLst>
   </p:cSld>
@@ -1824,6 +1825,7 @@
           <a:p>
             <a:fld id="{8A488281-87A0-4E0A-93A8-7BA1C235CD97}" type="slidenum">
               <a:rPr lang="zh-CN" altLang="en-US" smtClean="0"/>
+              <a:pPr/>
               <a:t>5</a:t>
             </a:fld>
             <a:endParaRPr lang="zh-CN" altLang="en-US"/>
@@ -1833,7 +1835,7 @@
     </p:spTree>
     <p:extLst>
       <p:ext uri="{BB962C8B-B14F-4D97-AF65-F5344CB8AC3E}">
-        <p14:creationId xmlns:p14="http://schemas.microsoft.com/office/powerpoint/2010/main" val="711686011"/>
+        <p14:creationId xmlns:p14="http://schemas.microsoft.com/office/powerpoint/2010/main" xmlns="" val="711686011"/>
       </p:ext>
     </p:extLst>
   </p:cSld>
@@ -1975,6 +1977,7 @@
           <a:p>
             <a:fld id="{8A488281-87A0-4E0A-93A8-7BA1C235CD97}" type="slidenum">
               <a:rPr lang="zh-CN" altLang="en-US" smtClean="0"/>
+              <a:pPr/>
               <a:t>6</a:t>
             </a:fld>
             <a:endParaRPr lang="zh-CN" altLang="en-US"/>
@@ -1984,7 +1987,7 @@
     </p:spTree>
     <p:extLst>
       <p:ext uri="{BB962C8B-B14F-4D97-AF65-F5344CB8AC3E}">
-        <p14:creationId xmlns:p14="http://schemas.microsoft.com/office/powerpoint/2010/main" val="711686011"/>
+        <p14:creationId xmlns:p14="http://schemas.microsoft.com/office/powerpoint/2010/main" xmlns="" val="711686011"/>
       </p:ext>
     </p:extLst>
   </p:cSld>
@@ -2123,6 +2126,7 @@
           <a:p>
             <a:fld id="{8A488281-87A0-4E0A-93A8-7BA1C235CD97}" type="slidenum">
               <a:rPr lang="zh-CN" altLang="en-US" smtClean="0"/>
+              <a:pPr/>
               <a:t>7</a:t>
             </a:fld>
             <a:endParaRPr lang="zh-CN" altLang="en-US"/>
@@ -2132,7 +2136,7 @@
     </p:spTree>
     <p:extLst>
       <p:ext uri="{BB962C8B-B14F-4D97-AF65-F5344CB8AC3E}">
-        <p14:creationId xmlns:p14="http://schemas.microsoft.com/office/powerpoint/2010/main" val="711686011"/>
+        <p14:creationId xmlns:p14="http://schemas.microsoft.com/office/powerpoint/2010/main" xmlns="" val="711686011"/>
       </p:ext>
     </p:extLst>
   </p:cSld>
@@ -2186,14 +2190,6 @@
           <a:bodyPr/>
           <a:lstStyle/>
           <a:p>
-            <a:r>
-              <a:rPr lang="zh-CN" altLang="en-US" dirty="0" smtClean="0"/>
-              <a:t>做个小调查，有多少人用过</a:t>
-            </a:r>
-            <a:r>
-              <a:rPr lang="en-US" altLang="zh-CN" dirty="0" smtClean="0"/>
-              <a:t>grunt</a:t>
-            </a:r>
             <a:endParaRPr lang="zh-CN" altLang="en-US" dirty="0"/>
           </a:p>
         </p:txBody>
@@ -2215,6 +2211,7 @@
           <a:p>
             <a:fld id="{8A488281-87A0-4E0A-93A8-7BA1C235CD97}" type="slidenum">
               <a:rPr lang="zh-CN" altLang="en-US" smtClean="0"/>
+              <a:pPr/>
               <a:t>8</a:t>
             </a:fld>
             <a:endParaRPr lang="zh-CN" altLang="en-US"/>
@@ -2224,7 +2221,7 @@
     </p:spTree>
     <p:extLst>
       <p:ext uri="{BB962C8B-B14F-4D97-AF65-F5344CB8AC3E}">
-        <p14:creationId xmlns:p14="http://schemas.microsoft.com/office/powerpoint/2010/main" val="711686011"/>
+        <p14:creationId xmlns:p14="http://schemas.microsoft.com/office/powerpoint/2010/main" xmlns="" val="711686011"/>
       </p:ext>
     </p:extLst>
   </p:cSld>
@@ -2278,14 +2275,6 @@
           <a:bodyPr/>
           <a:lstStyle/>
           <a:p>
-            <a:r>
-              <a:rPr lang="zh-CN" altLang="en-US" dirty="0" smtClean="0"/>
-              <a:t>做个小调查，有多少人用过</a:t>
-            </a:r>
-            <a:r>
-              <a:rPr lang="en-US" altLang="zh-CN" dirty="0" smtClean="0"/>
-              <a:t>grunt</a:t>
-            </a:r>
             <a:endParaRPr lang="zh-CN" altLang="en-US" dirty="0"/>
           </a:p>
         </p:txBody>
@@ -2307,6 +2296,7 @@
           <a:p>
             <a:fld id="{8A488281-87A0-4E0A-93A8-7BA1C235CD97}" type="slidenum">
               <a:rPr lang="zh-CN" altLang="en-US" smtClean="0"/>
+              <a:pPr/>
               <a:t>9</a:t>
             </a:fld>
             <a:endParaRPr lang="zh-CN" altLang="en-US"/>
@@ -2316,7 +2306,7 @@
     </p:spTree>
     <p:extLst>
       <p:ext uri="{BB962C8B-B14F-4D97-AF65-F5344CB8AC3E}">
-        <p14:creationId xmlns:p14="http://schemas.microsoft.com/office/powerpoint/2010/main" val="711686011"/>
+        <p14:creationId xmlns:p14="http://schemas.microsoft.com/office/powerpoint/2010/main" xmlns="" val="711686011"/>
       </p:ext>
     </p:extLst>
   </p:cSld>
@@ -2507,7 +2497,8 @@
           <a:p>
             <a:fld id="{530820CF-B880-4189-942D-D702A7CBA730}" type="datetimeFigureOut">
               <a:rPr lang="zh-CN" altLang="en-US" smtClean="0"/>
-              <a:t>2013/11/10</a:t>
+              <a:pPr/>
+              <a:t>2013/11/11</a:t>
             </a:fld>
             <a:endParaRPr lang="zh-CN" altLang="en-US"/>
           </a:p>
@@ -2549,6 +2540,7 @@
           <a:p>
             <a:fld id="{0C913308-F349-4B6D-A68A-DD1791B4A57B}" type="slidenum">
               <a:rPr lang="zh-CN" altLang="en-US" smtClean="0"/>
+              <a:pPr/>
               <a:t>‹#›</a:t>
             </a:fld>
             <a:endParaRPr lang="zh-CN" altLang="en-US"/>
@@ -2672,7 +2664,8 @@
           <a:p>
             <a:fld id="{530820CF-B880-4189-942D-D702A7CBA730}" type="datetimeFigureOut">
               <a:rPr lang="zh-CN" altLang="en-US" smtClean="0"/>
-              <a:t>2013/11/10</a:t>
+              <a:pPr/>
+              <a:t>2013/11/11</a:t>
             </a:fld>
             <a:endParaRPr lang="zh-CN" altLang="en-US"/>
           </a:p>
@@ -2714,6 +2707,7 @@
           <a:p>
             <a:fld id="{0C913308-F349-4B6D-A68A-DD1791B4A57B}" type="slidenum">
               <a:rPr lang="zh-CN" altLang="en-US" smtClean="0"/>
+              <a:pPr/>
               <a:t>‹#›</a:t>
             </a:fld>
             <a:endParaRPr lang="zh-CN" altLang="en-US"/>
@@ -2847,7 +2841,8 @@
           <a:p>
             <a:fld id="{530820CF-B880-4189-942D-D702A7CBA730}" type="datetimeFigureOut">
               <a:rPr lang="zh-CN" altLang="en-US" smtClean="0"/>
-              <a:t>2013/11/10</a:t>
+              <a:pPr/>
+              <a:t>2013/11/11</a:t>
             </a:fld>
             <a:endParaRPr lang="zh-CN" altLang="en-US"/>
           </a:p>
@@ -2889,6 +2884,7 @@
           <a:p>
             <a:fld id="{0C913308-F349-4B6D-A68A-DD1791B4A57B}" type="slidenum">
               <a:rPr lang="zh-CN" altLang="en-US" smtClean="0"/>
+              <a:pPr/>
               <a:t>‹#›</a:t>
             </a:fld>
             <a:endParaRPr lang="zh-CN" altLang="en-US"/>
@@ -3012,7 +3008,8 @@
           <a:p>
             <a:fld id="{530820CF-B880-4189-942D-D702A7CBA730}" type="datetimeFigureOut">
               <a:rPr lang="zh-CN" altLang="en-US" smtClean="0"/>
-              <a:t>2013/11/10</a:t>
+              <a:pPr/>
+              <a:t>2013/11/11</a:t>
             </a:fld>
             <a:endParaRPr lang="zh-CN" altLang="en-US"/>
           </a:p>
@@ -3054,6 +3051,7 @@
           <a:p>
             <a:fld id="{0C913308-F349-4B6D-A68A-DD1791B4A57B}" type="slidenum">
               <a:rPr lang="zh-CN" altLang="en-US" smtClean="0"/>
+              <a:pPr/>
               <a:t>‹#›</a:t>
             </a:fld>
             <a:endParaRPr lang="zh-CN" altLang="en-US"/>
@@ -3253,7 +3251,8 @@
           <a:p>
             <a:fld id="{530820CF-B880-4189-942D-D702A7CBA730}" type="datetimeFigureOut">
               <a:rPr lang="zh-CN" altLang="en-US" smtClean="0"/>
-              <a:t>2013/11/10</a:t>
+              <a:pPr/>
+              <a:t>2013/11/11</a:t>
             </a:fld>
             <a:endParaRPr lang="zh-CN" altLang="en-US"/>
           </a:p>
@@ -3295,6 +3294,7 @@
           <a:p>
             <a:fld id="{0C913308-F349-4B6D-A68A-DD1791B4A57B}" type="slidenum">
               <a:rPr lang="zh-CN" altLang="en-US" smtClean="0"/>
+              <a:pPr/>
               <a:t>‹#›</a:t>
             </a:fld>
             <a:endParaRPr lang="zh-CN" altLang="en-US"/>
@@ -3536,7 +3536,8 @@
           <a:p>
             <a:fld id="{530820CF-B880-4189-942D-D702A7CBA730}" type="datetimeFigureOut">
               <a:rPr lang="zh-CN" altLang="en-US" smtClean="0"/>
-              <a:t>2013/11/10</a:t>
+              <a:pPr/>
+              <a:t>2013/11/11</a:t>
             </a:fld>
             <a:endParaRPr lang="zh-CN" altLang="en-US"/>
           </a:p>
@@ -3578,6 +3579,7 @@
           <a:p>
             <a:fld id="{0C913308-F349-4B6D-A68A-DD1791B4A57B}" type="slidenum">
               <a:rPr lang="zh-CN" altLang="en-US" smtClean="0"/>
+              <a:pPr/>
               <a:t>‹#›</a:t>
             </a:fld>
             <a:endParaRPr lang="zh-CN" altLang="en-US"/>
@@ -3953,7 +3955,8 @@
           <a:p>
             <a:fld id="{530820CF-B880-4189-942D-D702A7CBA730}" type="datetimeFigureOut">
               <a:rPr lang="zh-CN" altLang="en-US" smtClean="0"/>
-              <a:t>2013/11/10</a:t>
+              <a:pPr/>
+              <a:t>2013/11/11</a:t>
             </a:fld>
             <a:endParaRPr lang="zh-CN" altLang="en-US"/>
           </a:p>
@@ -3995,6 +3998,7 @@
           <a:p>
             <a:fld id="{0C913308-F349-4B6D-A68A-DD1791B4A57B}" type="slidenum">
               <a:rPr lang="zh-CN" altLang="en-US" smtClean="0"/>
+              <a:pPr/>
               <a:t>‹#›</a:t>
             </a:fld>
             <a:endParaRPr lang="zh-CN" altLang="en-US"/>
@@ -4066,7 +4070,8 @@
           <a:p>
             <a:fld id="{530820CF-B880-4189-942D-D702A7CBA730}" type="datetimeFigureOut">
               <a:rPr lang="zh-CN" altLang="en-US" smtClean="0"/>
-              <a:t>2013/11/10</a:t>
+              <a:pPr/>
+              <a:t>2013/11/11</a:t>
             </a:fld>
             <a:endParaRPr lang="zh-CN" altLang="en-US"/>
           </a:p>
@@ -4108,6 +4113,7 @@
           <a:p>
             <a:fld id="{0C913308-F349-4B6D-A68A-DD1791B4A57B}" type="slidenum">
               <a:rPr lang="zh-CN" altLang="en-US" smtClean="0"/>
+              <a:pPr/>
               <a:t>‹#›</a:t>
             </a:fld>
             <a:endParaRPr lang="zh-CN" altLang="en-US"/>
@@ -4156,7 +4162,8 @@
           <a:p>
             <a:fld id="{530820CF-B880-4189-942D-D702A7CBA730}" type="datetimeFigureOut">
               <a:rPr lang="zh-CN" altLang="en-US" smtClean="0"/>
-              <a:t>2013/11/10</a:t>
+              <a:pPr/>
+              <a:t>2013/11/11</a:t>
             </a:fld>
             <a:endParaRPr lang="zh-CN" altLang="en-US"/>
           </a:p>
@@ -4198,6 +4205,7 @@
           <a:p>
             <a:fld id="{0C913308-F349-4B6D-A68A-DD1791B4A57B}" type="slidenum">
               <a:rPr lang="zh-CN" altLang="en-US" smtClean="0"/>
+              <a:pPr/>
               <a:t>‹#›</a:t>
             </a:fld>
             <a:endParaRPr lang="zh-CN" altLang="en-US"/>
@@ -4428,7 +4436,8 @@
           <a:p>
             <a:fld id="{530820CF-B880-4189-942D-D702A7CBA730}" type="datetimeFigureOut">
               <a:rPr lang="zh-CN" altLang="en-US" smtClean="0"/>
-              <a:t>2013/11/10</a:t>
+              <a:pPr/>
+              <a:t>2013/11/11</a:t>
             </a:fld>
             <a:endParaRPr lang="zh-CN" altLang="en-US"/>
           </a:p>
@@ -4470,6 +4479,7 @@
           <a:p>
             <a:fld id="{0C913308-F349-4B6D-A68A-DD1791B4A57B}" type="slidenum">
               <a:rPr lang="zh-CN" altLang="en-US" smtClean="0"/>
+              <a:pPr/>
               <a:t>‹#›</a:t>
             </a:fld>
             <a:endParaRPr lang="zh-CN" altLang="en-US"/>
@@ -4676,7 +4686,8 @@
           <a:p>
             <a:fld id="{530820CF-B880-4189-942D-D702A7CBA730}" type="datetimeFigureOut">
               <a:rPr lang="zh-CN" altLang="en-US" smtClean="0"/>
-              <a:t>2013/11/10</a:t>
+              <a:pPr/>
+              <a:t>2013/11/11</a:t>
             </a:fld>
             <a:endParaRPr lang="zh-CN" altLang="en-US"/>
           </a:p>
@@ -4718,6 +4729,7 @@
           <a:p>
             <a:fld id="{0C913308-F349-4B6D-A68A-DD1791B4A57B}" type="slidenum">
               <a:rPr lang="zh-CN" altLang="en-US" smtClean="0"/>
+              <a:pPr/>
               <a:t>‹#›</a:t>
             </a:fld>
             <a:endParaRPr lang="zh-CN" altLang="en-US"/>
@@ -4738,7 +4750,7 @@
     <p:bg>
       <p:bgPr>
         <a:blipFill dpi="0" rotWithShape="1">
-          <a:blip r:embed="rId13">
+          <a:blip r:embed="rId13" cstate="print">
             <a:lum/>
           </a:blip>
           <a:srcRect/>
@@ -4893,7 +4905,8 @@
           <a:p>
             <a:fld id="{530820CF-B880-4189-942D-D702A7CBA730}" type="datetimeFigureOut">
               <a:rPr lang="zh-CN" altLang="en-US" smtClean="0"/>
-              <a:t>2013/11/10</a:t>
+              <a:pPr/>
+              <a:t>2013/11/11</a:t>
             </a:fld>
             <a:endParaRPr lang="zh-CN" altLang="en-US"/>
           </a:p>
@@ -4971,6 +4984,7 @@
           <a:p>
             <a:fld id="{0C913308-F349-4B6D-A68A-DD1791B4A57B}" type="slidenum">
               <a:rPr lang="zh-CN" altLang="en-US" smtClean="0"/>
+              <a:pPr/>
               <a:t>‹#›</a:t>
             </a:fld>
             <a:endParaRPr lang="zh-CN" altLang="en-US"/>
@@ -5393,20 +5407,20 @@
     </p:spTree>
     <p:extLst>
       <p:ext uri="{BB962C8B-B14F-4D97-AF65-F5344CB8AC3E}">
-        <p14:creationId xmlns:p14="http://schemas.microsoft.com/office/powerpoint/2010/main" val="3662862078"/>
+        <p14:creationId xmlns:p14="http://schemas.microsoft.com/office/powerpoint/2010/main" xmlns="" val="3662862078"/>
       </p:ext>
     </p:extLst>
   </p:cSld>
   <p:clrMapOvr>
     <a:masterClrMapping/>
   </p:clrMapOvr>
-  <mc:AlternateContent xmlns:mc="http://schemas.openxmlformats.org/markup-compatibility/2006" xmlns:p14="http://schemas.microsoft.com/office/powerpoint/2010/main">
-    <mc:Choice Requires="p14">
+  <mc:AlternateContent xmlns:mc="http://schemas.openxmlformats.org/markup-compatibility/2006">
+    <mc:Choice xmlns:p14="http://schemas.microsoft.com/office/powerpoint/2010/main" xmlns="" Requires="p14">
       <p:transition spd="slow" p14:dur="1600">
         <p14:conveyor dir="l"/>
       </p:transition>
     </mc:Choice>
-    <mc:Fallback xmlns="">
+    <mc:Fallback>
       <p:transition spd="slow">
         <p:fade/>
       </p:transition>
@@ -5454,6 +5468,23 @@
           <a:bodyPr/>
           <a:lstStyle/>
           <a:p>
+            <a:r>
+              <a:rPr lang="zh-CN" altLang="en-US" dirty="0" smtClean="0">
+                <a:solidFill>
+                  <a:srgbClr val="34221C"/>
+                </a:solidFill>
+                <a:effectLst>
+                  <a:outerShdw blurRad="38100" dist="38100" dir="2700000" algn="tl">
+                    <a:srgbClr val="000000">
+                      <a:alpha val="43137"/>
+                    </a:srgbClr>
+                  </a:outerShdw>
+                </a:effectLst>
+                <a:latin typeface="YaHei Consolas Hybrid" pitchFamily="49" charset="-122"/>
+                <a:ea typeface="YaHei Consolas Hybrid" pitchFamily="49" charset="-122"/>
+              </a:rPr>
+              <a:t>终端窗口</a:t>
+            </a:r>
             <a:endParaRPr lang="zh-CN" altLang="en-US" dirty="0">
               <a:solidFill>
                 <a:srgbClr val="34221C"/>
@@ -5471,29 +5502,29 @@
           </a:p>
         </p:txBody>
       </p:sp>
-      <p:sp>
-        <p:nvSpPr>
-          <p:cNvPr id="3" name="内容占位符 2"/>
-          <p:cNvSpPr>
-            <a:spLocks noGrp="1"/>
-          </p:cNvSpPr>
+      <p:pic>
+        <p:nvPicPr>
+          <p:cNvPr id="5" name="内容占位符 4" descr="webstorm-terminal1.png"/>
+          <p:cNvPicPr>
+            <a:picLocks noGrp="1" noChangeAspect="1"/>
+          </p:cNvPicPr>
           <p:nvPr>
             <p:ph idx="1"/>
           </p:nvPr>
-        </p:nvSpPr>
-        <p:spPr/>
-        <p:txBody>
-          <a:bodyPr/>
-          <a:lstStyle/>
-          <a:p>
-            <a:pPr lvl="1"/>
-            <a:endParaRPr lang="en-US" altLang="zh-CN" dirty="0" smtClean="0">
-              <a:latin typeface="YaHei Consolas Hybrid" pitchFamily="49" charset="-122"/>
-              <a:ea typeface="YaHei Consolas Hybrid" pitchFamily="49" charset="-122"/>
-            </a:endParaRPr>
-          </a:p>
-        </p:txBody>
-      </p:sp>
+        </p:nvPicPr>
+        <p:blipFill>
+          <a:blip r:embed="rId3" cstate="print"/>
+          <a:stretch>
+            <a:fillRect/>
+          </a:stretch>
+        </p:blipFill>
+        <p:spPr>
+          <a:xfrm>
+            <a:off x="611560" y="2204864"/>
+            <a:ext cx="7277100" cy="3286125"/>
+          </a:xfrm>
+        </p:spPr>
+      </p:pic>
       <p:pic>
         <p:nvPicPr>
           <p:cNvPr id="7" name="图片 6"/>
@@ -5503,10 +5534,10 @@
           <p:nvPr/>
         </p:nvPicPr>
         <p:blipFill>
-          <a:blip r:embed="rId3">
+          <a:blip r:embed="rId4" cstate="print">
             <a:extLst>
               <a:ext uri="{28A0092B-C50C-407E-A947-70E740481C1C}">
-                <a14:useLocalDpi xmlns:a14="http://schemas.microsoft.com/office/drawing/2010/main" val="0"/>
+                <a14:useLocalDpi xmlns:a14="http://schemas.microsoft.com/office/drawing/2010/main" xmlns="" val="0"/>
               </a:ext>
             </a:extLst>
           </a:blip>
@@ -5524,163 +5555,121 @@
           </a:prstGeom>
         </p:spPr>
       </p:pic>
+      <p:sp>
+        <p:nvSpPr>
+          <p:cNvPr id="8" name="线形标注 1 7"/>
+          <p:cNvSpPr/>
+          <p:nvPr/>
+        </p:nvSpPr>
+        <p:spPr>
+          <a:xfrm>
+            <a:off x="2123728" y="1844824"/>
+            <a:ext cx="2808312" cy="612648"/>
+          </a:xfrm>
+          <a:prstGeom prst="borderCallout1">
+            <a:avLst>
+              <a:gd name="adj1" fmla="val 53078"/>
+              <a:gd name="adj2" fmla="val -193"/>
+              <a:gd name="adj3" fmla="val 112500"/>
+              <a:gd name="adj4" fmla="val -38333"/>
+            </a:avLst>
+          </a:prstGeom>
+        </p:spPr>
+        <p:style>
+          <a:lnRef idx="2">
+            <a:schemeClr val="accent1">
+              <a:shade val="50000"/>
+            </a:schemeClr>
+          </a:lnRef>
+          <a:fillRef idx="1">
+            <a:schemeClr val="accent1"/>
+          </a:fillRef>
+          <a:effectRef idx="0">
+            <a:schemeClr val="accent1"/>
+          </a:effectRef>
+          <a:fontRef idx="minor">
+            <a:schemeClr val="lt1"/>
+          </a:fontRef>
+        </p:style>
+        <p:txBody>
+          <a:bodyPr rtlCol="0" anchor="ctr"/>
+          <a:lstStyle/>
+          <a:p>
+            <a:pPr algn="ctr"/>
+            <a:r>
+              <a:rPr lang="zh-CN" altLang="en-US" dirty="0" smtClean="0"/>
+              <a:t>打开新的终端窗口</a:t>
+            </a:r>
+            <a:endParaRPr lang="zh-CN" altLang="en-US" dirty="0"/>
+          </a:p>
+        </p:txBody>
+      </p:sp>
+      <p:sp>
+        <p:nvSpPr>
+          <p:cNvPr id="9" name="线形标注 1 8"/>
+          <p:cNvSpPr/>
+          <p:nvPr/>
+        </p:nvSpPr>
+        <p:spPr>
+          <a:xfrm>
+            <a:off x="2915816" y="3573016"/>
+            <a:ext cx="2160240" cy="612648"/>
+          </a:xfrm>
+          <a:prstGeom prst="borderCallout1">
+            <a:avLst>
+              <a:gd name="adj1" fmla="val 51586"/>
+              <a:gd name="adj2" fmla="val -714"/>
+              <a:gd name="adj3" fmla="val -120336"/>
+              <a:gd name="adj4" fmla="val -87333"/>
+            </a:avLst>
+          </a:prstGeom>
+        </p:spPr>
+        <p:style>
+          <a:lnRef idx="2">
+            <a:schemeClr val="accent1">
+              <a:shade val="50000"/>
+            </a:schemeClr>
+          </a:lnRef>
+          <a:fillRef idx="1">
+            <a:schemeClr val="accent1"/>
+          </a:fillRef>
+          <a:effectRef idx="0">
+            <a:schemeClr val="accent1"/>
+          </a:effectRef>
+          <a:fontRef idx="minor">
+            <a:schemeClr val="lt1"/>
+          </a:fontRef>
+        </p:style>
+        <p:txBody>
+          <a:bodyPr rtlCol="0" anchor="ctr"/>
+          <a:lstStyle/>
+          <a:p>
+            <a:pPr algn="ctr"/>
+            <a:r>
+              <a:rPr lang="zh-CN" altLang="en-US" dirty="0" smtClean="0"/>
+              <a:t>关闭当前终端窗口</a:t>
+            </a:r>
+            <a:endParaRPr lang="zh-CN" altLang="en-US" dirty="0"/>
+          </a:p>
+        </p:txBody>
+      </p:sp>
     </p:spTree>
     <p:extLst>
       <p:ext uri="{BB962C8B-B14F-4D97-AF65-F5344CB8AC3E}">
-        <p14:creationId xmlns:p14="http://schemas.microsoft.com/office/powerpoint/2010/main" val="2886733055"/>
+        <p14:creationId xmlns:p14="http://schemas.microsoft.com/office/powerpoint/2010/main" xmlns="" val="2886733055"/>
       </p:ext>
     </p:extLst>
   </p:cSld>
   <p:clrMapOvr>
     <a:masterClrMapping/>
   </p:clrMapOvr>
-  <mc:AlternateContent xmlns:mc="http://schemas.openxmlformats.org/markup-compatibility/2006" xmlns:p14="http://schemas.microsoft.com/office/powerpoint/2010/main">
-    <mc:Choice Requires="p14">
-      <p:transition spd="slow" p14:dur="1500">
-        <p14:window dir="vert"/>
-      </p:transition>
-    </mc:Choice>
-    <mc:Fallback xmlns="">
-      <p:transition spd="slow">
-        <p:fade/>
-      </p:transition>
-    </mc:Fallback>
-  </mc:AlternateContent>
+  <p:transition spd="slow">
+    <p:wipe dir="d"/>
+  </p:transition>
   <p:timing>
     <p:tnLst>
       <p:par>
-        <p:cTn id="1" dur="indefinite" restart="never" nodeType="tmRoot">
-          <p:childTnLst>
-            <p:seq concurrent="1" nextAc="seek">
-              <p:cTn id="2" dur="indefinite" nodeType="mainSeq">
-                <p:childTnLst>
-                  <p:par>
-                    <p:cTn id="3" fill="hold">
-                      <p:stCondLst>
-                        <p:cond delay="indefinite"/>
-                      </p:stCondLst>
-                      <p:childTnLst>
-                        <p:par>
-                          <p:cTn id="4" fill="hold">
-                            <p:stCondLst>
-                              <p:cond delay="0"/>
-                            </p:stCondLst>
-                            <p:childTnLst>
-                              <p:par>
-                                <p:cTn id="5" presetID="2" presetClass="entr" presetSubtype="4" fill="hold" nodeType="clickEffect" nodePh="1">
-                                  <p:stCondLst>
-                                    <p:cond delay="0"/>
-                                  </p:stCondLst>
-                                  <p:endCondLst>
-                                    <p:cond evt="begin" delay="0">
-                                      <p:tn val="5"/>
-                                    </p:cond>
-                                  </p:endCondLst>
-                                  <p:childTnLst>
-                                    <p:set>
-                                      <p:cBhvr>
-                                        <p:cTn id="6" dur="1" fill="hold">
-                                          <p:stCondLst>
-                                            <p:cond delay="0"/>
-                                          </p:stCondLst>
-                                        </p:cTn>
-                                        <p:tgtEl>
-                                          <p:spTgt spid="3">
-                                            <p:txEl>
-                                              <p:pRg st="0" end="0"/>
-                                            </p:txEl>
-                                          </p:spTgt>
-                                        </p:tgtEl>
-                                        <p:attrNameLst>
-                                          <p:attrName>style.visibility</p:attrName>
-                                        </p:attrNameLst>
-                                      </p:cBhvr>
-                                      <p:to>
-                                        <p:strVal val="visible"/>
-                                      </p:to>
-                                    </p:set>
-                                    <p:anim calcmode="lin" valueType="num">
-                                      <p:cBhvr additive="base">
-                                        <p:cTn id="7" dur="500" fill="hold"/>
-                                        <p:tgtEl>
-                                          <p:spTgt spid="3">
-                                            <p:txEl>
-                                              <p:pRg st="0" end="0"/>
-                                            </p:txEl>
-                                          </p:spTgt>
-                                        </p:tgtEl>
-                                        <p:attrNameLst>
-                                          <p:attrName>ppt_x</p:attrName>
-                                        </p:attrNameLst>
-                                      </p:cBhvr>
-                                      <p:tavLst>
-                                        <p:tav tm="0">
-                                          <p:val>
-                                            <p:strVal val="#ppt_x"/>
-                                          </p:val>
-                                        </p:tav>
-                                        <p:tav tm="100000">
-                                          <p:val>
-                                            <p:strVal val="#ppt_x"/>
-                                          </p:val>
-                                        </p:tav>
-                                      </p:tavLst>
-                                    </p:anim>
-                                    <p:anim calcmode="lin" valueType="num">
-                                      <p:cBhvr additive="base">
-                                        <p:cTn id="8" dur="500" fill="hold"/>
-                                        <p:tgtEl>
-                                          <p:spTgt spid="3">
-                                            <p:txEl>
-                                              <p:pRg st="0" end="0"/>
-                                            </p:txEl>
-                                          </p:spTgt>
-                                        </p:tgtEl>
-                                        <p:attrNameLst>
-                                          <p:attrName>ppt_y</p:attrName>
-                                        </p:attrNameLst>
-                                      </p:cBhvr>
-                                      <p:tavLst>
-                                        <p:tav tm="0">
-                                          <p:val>
-                                            <p:strVal val="1+#ppt_h/2"/>
-                                          </p:val>
-                                        </p:tav>
-                                        <p:tav tm="100000">
-                                          <p:val>
-                                            <p:strVal val="#ppt_y"/>
-                                          </p:val>
-                                        </p:tav>
-                                      </p:tavLst>
-                                    </p:anim>
-                                  </p:childTnLst>
-                                </p:cTn>
-                              </p:par>
-                            </p:childTnLst>
-                          </p:cTn>
-                        </p:par>
-                      </p:childTnLst>
-                    </p:cTn>
-                  </p:par>
-                </p:childTnLst>
-              </p:cTn>
-              <p:prevCondLst>
-                <p:cond evt="onPrev" delay="0">
-                  <p:tgtEl>
-                    <p:sldTgt/>
-                  </p:tgtEl>
-                </p:cond>
-              </p:prevCondLst>
-              <p:nextCondLst>
-                <p:cond evt="onNext" delay="0">
-                  <p:tgtEl>
-                    <p:sldTgt/>
-                  </p:tgtEl>
-                </p:cond>
-              </p:nextCondLst>
-            </p:seq>
-          </p:childTnLst>
-        </p:cTn>
+        <p:cTn id="1" dur="indefinite" restart="never" nodeType="tmRoot"/>
       </p:par>
     </p:tnLst>
   </p:timing>
@@ -5720,7 +5709,10 @@
           <a:lstStyle/>
           <a:p>
             <a:r>
-              <a:rPr lang="zh-CN" altLang="en-US" dirty="0">
+              <a:rPr lang="zh-CN" altLang="en-US" dirty="0" smtClean="0">
+                <a:solidFill>
+                  <a:srgbClr val="34221C"/>
+                </a:solidFill>
                 <a:effectLst>
                   <a:outerShdw blurRad="38100" dist="38100" dir="2700000" algn="tl">
                     <a:srgbClr val="000000">
@@ -5731,7 +5723,7 @@
                 <a:latin typeface="YaHei Consolas Hybrid" pitchFamily="49" charset="-122"/>
                 <a:ea typeface="YaHei Consolas Hybrid" pitchFamily="49" charset="-122"/>
               </a:rPr>
-              <a:t>参考资料</a:t>
+              <a:t>只是工具</a:t>
             </a:r>
             <a:endParaRPr lang="zh-CN" altLang="en-US" dirty="0">
               <a:solidFill>
@@ -5750,77 +5742,35 @@
           </a:p>
         </p:txBody>
       </p:sp>
-      <p:sp>
-        <p:nvSpPr>
-          <p:cNvPr id="3" name="内容占位符 2"/>
-          <p:cNvSpPr>
-            <a:spLocks noGrp="1"/>
-          </p:cNvSpPr>
+      <p:pic>
+        <p:nvPicPr>
+          <p:cNvPr id="4" name="内容占位符 3"/>
+          <p:cNvPicPr>
+            <a:picLocks noGrp="1" noChangeAspect="1"/>
+          </p:cNvPicPr>
           <p:nvPr>
             <p:ph idx="1"/>
           </p:nvPr>
-        </p:nvSpPr>
-        <p:spPr/>
-        <p:txBody>
-          <a:bodyPr/>
-          <a:lstStyle/>
-          <a:p>
-            <a:pPr lvl="1"/>
-            <a:r>
-              <a:rPr lang="en-US" altLang="zh-CN" dirty="0">
-                <a:hlinkClick r:id="rId3"/>
-              </a:rPr>
-              <a:t>http://</a:t>
-            </a:r>
-            <a:r>
-              <a:rPr lang="en-US" altLang="zh-CN" dirty="0" smtClean="0">
-                <a:hlinkClick r:id="rId3"/>
-              </a:rPr>
-              <a:t>www.book.36ria.com/webstorm/index.html</a:t>
-            </a:r>
-            <a:endParaRPr lang="en-US" altLang="zh-CN" dirty="0" smtClean="0"/>
-          </a:p>
-          <a:p>
-            <a:pPr lvl="1"/>
-            <a:r>
-              <a:rPr lang="en-US" altLang="zh-CN" dirty="0">
-                <a:hlinkClick r:id="rId4"/>
-              </a:rPr>
-              <a:t>http://</a:t>
-            </a:r>
-            <a:r>
-              <a:rPr lang="en-US" altLang="zh-CN" dirty="0" smtClean="0">
-                <a:hlinkClick r:id="rId4"/>
-              </a:rPr>
-              <a:t>www.jetbrains.com/webstorm/documentation/index.html</a:t>
-            </a:r>
-            <a:endParaRPr lang="en-US" altLang="zh-CN" dirty="0" smtClean="0"/>
-          </a:p>
-          <a:p>
-            <a:pPr lvl="1"/>
-            <a:r>
-              <a:rPr lang="en-US" altLang="zh-CN" dirty="0">
-                <a:hlinkClick r:id="rId5"/>
-              </a:rPr>
-              <a:t>http://</a:t>
-            </a:r>
-            <a:r>
-              <a:rPr lang="en-US" altLang="zh-CN" dirty="0" smtClean="0">
-                <a:hlinkClick r:id="rId5"/>
-              </a:rPr>
-              <a:t>karma-runner.github.io/0.10/config/browsers.html</a:t>
-            </a:r>
-            <a:endParaRPr lang="en-US" altLang="zh-CN" dirty="0" smtClean="0"/>
-          </a:p>
-          <a:p>
-            <a:pPr lvl="1"/>
-            <a:endParaRPr lang="en-US" altLang="zh-CN" dirty="0" smtClean="0">
-              <a:latin typeface="YaHei Consolas Hybrid" pitchFamily="49" charset="-122"/>
-              <a:ea typeface="YaHei Consolas Hybrid" pitchFamily="49" charset="-122"/>
-            </a:endParaRPr>
-          </a:p>
-        </p:txBody>
-      </p:sp>
+        </p:nvPicPr>
+        <p:blipFill>
+          <a:blip r:embed="rId3" cstate="print">
+            <a:extLst>
+              <a:ext uri="{28A0092B-C50C-407E-A947-70E740481C1C}">
+                <a14:useLocalDpi xmlns:a14="http://schemas.microsoft.com/office/drawing/2010/main" xmlns="" val="0"/>
+              </a:ext>
+            </a:extLst>
+          </a:blip>
+          <a:stretch>
+            <a:fillRect/>
+          </a:stretch>
+        </p:blipFill>
+        <p:spPr>
+          <a:xfrm>
+            <a:off x="1676113" y="1600200"/>
+            <a:ext cx="5791774" cy="4525963"/>
+          </a:xfrm>
+        </p:spPr>
+      </p:pic>
       <p:pic>
         <p:nvPicPr>
           <p:cNvPr id="7" name="图片 6"/>
@@ -5830,10 +5780,10 @@
           <p:nvPr/>
         </p:nvPicPr>
         <p:blipFill>
-          <a:blip r:embed="rId6">
+          <a:blip r:embed="rId4" cstate="print">
             <a:extLst>
               <a:ext uri="{28A0092B-C50C-407E-A947-70E740481C1C}">
-                <a14:useLocalDpi xmlns:a14="http://schemas.microsoft.com/office/drawing/2010/main" val="0"/>
+                <a14:useLocalDpi xmlns:a14="http://schemas.microsoft.com/office/drawing/2010/main" xmlns="" val="0"/>
               </a:ext>
             </a:extLst>
           </a:blip>
@@ -5854,20 +5804,226 @@
     </p:spTree>
     <p:extLst>
       <p:ext uri="{BB962C8B-B14F-4D97-AF65-F5344CB8AC3E}">
-        <p14:creationId xmlns:p14="http://schemas.microsoft.com/office/powerpoint/2010/main" val="2641232916"/>
+        <p14:creationId xmlns:p14="http://schemas.microsoft.com/office/powerpoint/2010/main" xmlns="" val="1302376210"/>
       </p:ext>
     </p:extLst>
   </p:cSld>
   <p:clrMapOvr>
     <a:masterClrMapping/>
   </p:clrMapOvr>
-  <mc:AlternateContent xmlns:mc="http://schemas.openxmlformats.org/markup-compatibility/2006" xmlns:p14="http://schemas.microsoft.com/office/powerpoint/2010/main">
-    <mc:Choice Requires="p14">
+  <mc:AlternateContent xmlns:mc="http://schemas.openxmlformats.org/markup-compatibility/2006">
+    <mc:Choice xmlns:p14="http://schemas.microsoft.com/office/powerpoint/2010/main" xmlns="" Requires="p14">
       <p:transition spd="slow" p14:dur="1500">
         <p14:window dir="vert"/>
       </p:transition>
     </mc:Choice>
-    <mc:Fallback xmlns="">
+    <mc:Fallback>
+      <p:transition spd="slow">
+        <p:fade/>
+      </p:transition>
+    </mc:Fallback>
+  </mc:AlternateContent>
+  <p:timing>
+    <p:tnLst>
+      <p:par>
+        <p:cTn id="1" dur="indefinite" restart="never" nodeType="tmRoot"/>
+      </p:par>
+    </p:tnLst>
+  </p:timing>
+</p:sld>
+</file>
+
+<file path=ppt/slides/slide12.xml><?xml version="1.0" encoding="utf-8"?>
+<p:sld xmlns:a="http://schemas.openxmlformats.org/drawingml/2006/main" xmlns:r="http://schemas.openxmlformats.org/officeDocument/2006/relationships" xmlns:p="http://schemas.openxmlformats.org/presentationml/2006/main">
+  <p:cSld>
+    <p:spTree>
+      <p:nvGrpSpPr>
+        <p:cNvPr id="1" name=""/>
+        <p:cNvGrpSpPr/>
+        <p:nvPr/>
+      </p:nvGrpSpPr>
+      <p:grpSpPr>
+        <a:xfrm>
+          <a:off x="0" y="0"/>
+          <a:ext cx="0" cy="0"/>
+          <a:chOff x="0" y="0"/>
+          <a:chExt cx="0" cy="0"/>
+        </a:xfrm>
+      </p:grpSpPr>
+      <p:sp>
+        <p:nvSpPr>
+          <p:cNvPr id="2" name="标题 1"/>
+          <p:cNvSpPr>
+            <a:spLocks noGrp="1"/>
+          </p:cNvSpPr>
+          <p:nvPr>
+            <p:ph type="title"/>
+          </p:nvPr>
+        </p:nvSpPr>
+        <p:spPr/>
+        <p:txBody>
+          <a:bodyPr/>
+          <a:lstStyle/>
+          <a:p>
+            <a:r>
+              <a:rPr lang="zh-CN" altLang="en-US" dirty="0">
+                <a:effectLst>
+                  <a:outerShdw blurRad="38100" dist="38100" dir="2700000" algn="tl">
+                    <a:srgbClr val="000000">
+                      <a:alpha val="43137"/>
+                    </a:srgbClr>
+                  </a:outerShdw>
+                </a:effectLst>
+                <a:latin typeface="YaHei Consolas Hybrid" pitchFamily="49" charset="-122"/>
+                <a:ea typeface="YaHei Consolas Hybrid" pitchFamily="49" charset="-122"/>
+              </a:rPr>
+              <a:t>参考资料</a:t>
+            </a:r>
+            <a:endParaRPr lang="zh-CN" altLang="en-US" dirty="0">
+              <a:solidFill>
+                <a:srgbClr val="34221C"/>
+              </a:solidFill>
+              <a:effectLst>
+                <a:outerShdw blurRad="38100" dist="38100" dir="2700000" algn="tl">
+                  <a:srgbClr val="000000">
+                    <a:alpha val="43137"/>
+                  </a:srgbClr>
+                </a:outerShdw>
+              </a:effectLst>
+              <a:latin typeface="YaHei Consolas Hybrid" pitchFamily="49" charset="-122"/>
+              <a:ea typeface="YaHei Consolas Hybrid" pitchFamily="49" charset="-122"/>
+            </a:endParaRPr>
+          </a:p>
+        </p:txBody>
+      </p:sp>
+      <p:sp>
+        <p:nvSpPr>
+          <p:cNvPr id="3" name="内容占位符 2"/>
+          <p:cNvSpPr>
+            <a:spLocks noGrp="1"/>
+          </p:cNvSpPr>
+          <p:nvPr>
+            <p:ph idx="1"/>
+          </p:nvPr>
+        </p:nvSpPr>
+        <p:spPr/>
+        <p:txBody>
+          <a:bodyPr/>
+          <a:lstStyle/>
+          <a:p>
+            <a:pPr lvl="1"/>
+            <a:r>
+              <a:rPr lang="en-US" altLang="zh-CN" dirty="0">
+                <a:hlinkClick r:id="rId3"/>
+              </a:rPr>
+              <a:t>http://</a:t>
+            </a:r>
+            <a:r>
+              <a:rPr lang="en-US" altLang="zh-CN" dirty="0" smtClean="0">
+                <a:hlinkClick r:id="rId3"/>
+              </a:rPr>
+              <a:t>www.book.36ria.com/webstorm/index.html</a:t>
+            </a:r>
+            <a:endParaRPr lang="en-US" altLang="zh-CN" dirty="0" smtClean="0"/>
+          </a:p>
+          <a:p>
+            <a:pPr lvl="1"/>
+            <a:r>
+              <a:rPr lang="en-US" altLang="zh-CN" dirty="0">
+                <a:hlinkClick r:id="rId4"/>
+              </a:rPr>
+              <a:t>http://</a:t>
+            </a:r>
+            <a:r>
+              <a:rPr lang="en-US" altLang="zh-CN" dirty="0" smtClean="0">
+                <a:hlinkClick r:id="rId4"/>
+              </a:rPr>
+              <a:t>www.jetbrains.com/webstorm/documentation/index.html</a:t>
+            </a:r>
+            <a:endParaRPr lang="en-US" altLang="zh-CN" dirty="0" smtClean="0"/>
+          </a:p>
+          <a:p>
+            <a:pPr lvl="1"/>
+            <a:r>
+              <a:rPr lang="en-US" altLang="zh-CN" dirty="0">
+                <a:hlinkClick r:id="rId5"/>
+              </a:rPr>
+              <a:t>http://</a:t>
+            </a:r>
+            <a:r>
+              <a:rPr lang="en-US" altLang="zh-CN" dirty="0" smtClean="0">
+                <a:hlinkClick r:id="rId5"/>
+              </a:rPr>
+              <a:t>karma-runner.github.io/0.10/config/browsers.html</a:t>
+            </a:r>
+            <a:endParaRPr lang="en-US" altLang="zh-CN" dirty="0" smtClean="0"/>
+          </a:p>
+          <a:p>
+            <a:pPr lvl="1"/>
+            <a:r>
+              <a:rPr lang="en-US" altLang="zh-CN" dirty="0" smtClean="0">
+                <a:hlinkClick r:id="rId6"/>
+              </a:rPr>
+              <a:t>https://github.com/yeoman/generator-angular</a:t>
+            </a:r>
+            <a:endParaRPr lang="en-US" altLang="zh-CN" dirty="0" smtClean="0"/>
+          </a:p>
+          <a:p>
+            <a:pPr lvl="1"/>
+            <a:endParaRPr lang="en-US" altLang="zh-CN" dirty="0" smtClean="0">
+              <a:latin typeface="YaHei Consolas Hybrid" pitchFamily="49" charset="-122"/>
+              <a:ea typeface="YaHei Consolas Hybrid" pitchFamily="49" charset="-122"/>
+            </a:endParaRPr>
+          </a:p>
+        </p:txBody>
+      </p:sp>
+      <p:pic>
+        <p:nvPicPr>
+          <p:cNvPr id="7" name="图片 6"/>
+          <p:cNvPicPr>
+            <a:picLocks noChangeAspect="1"/>
+          </p:cNvPicPr>
+          <p:nvPr/>
+        </p:nvPicPr>
+        <p:blipFill>
+          <a:blip r:embed="rId7" cstate="print">
+            <a:extLst>
+              <a:ext uri="{28A0092B-C50C-407E-A947-70E740481C1C}">
+                <a14:useLocalDpi xmlns:a14="http://schemas.microsoft.com/office/drawing/2010/main" xmlns="" val="0"/>
+              </a:ext>
+            </a:extLst>
+          </a:blip>
+          <a:stretch>
+            <a:fillRect/>
+          </a:stretch>
+        </p:blipFill>
+        <p:spPr>
+          <a:xfrm>
+            <a:off x="7092280" y="6278234"/>
+            <a:ext cx="1933845" cy="523948"/>
+          </a:xfrm>
+          <a:prstGeom prst="rect">
+            <a:avLst/>
+          </a:prstGeom>
+        </p:spPr>
+      </p:pic>
+    </p:spTree>
+    <p:extLst>
+      <p:ext uri="{BB962C8B-B14F-4D97-AF65-F5344CB8AC3E}">
+        <p14:creationId xmlns:p14="http://schemas.microsoft.com/office/powerpoint/2010/main" xmlns="" val="2641232916"/>
+      </p:ext>
+    </p:extLst>
+  </p:cSld>
+  <p:clrMapOvr>
+    <a:masterClrMapping/>
+  </p:clrMapOvr>
+  <mc:AlternateContent xmlns:mc="http://schemas.openxmlformats.org/markup-compatibility/2006">
+    <mc:Choice xmlns:p14="http://schemas.microsoft.com/office/powerpoint/2010/main" xmlns="" Requires="p14">
+      <p:transition spd="slow" p14:dur="1500">
+        <p14:window dir="vert"/>
+      </p:transition>
+    </mc:Choice>
+    <mc:Fallback>
       <p:transition spd="slow">
         <p:fade/>
       </p:transition>
@@ -6190,6 +6346,109 @@
                       </p:childTnLst>
                     </p:cTn>
                   </p:par>
+                  <p:par>
+                    <p:cTn id="21" fill="hold">
+                      <p:stCondLst>
+                        <p:cond delay="indefinite"/>
+                      </p:stCondLst>
+                      <p:childTnLst>
+                        <p:par>
+                          <p:cTn id="22" fill="hold">
+                            <p:stCondLst>
+                              <p:cond delay="0"/>
+                            </p:stCondLst>
+                            <p:childTnLst>
+                              <p:par>
+                                <p:cTn id="23" presetID="2" presetClass="entr" presetSubtype="4" fill="hold" nodeType="clickEffect">
+                                  <p:stCondLst>
+                                    <p:cond delay="0"/>
+                                  </p:stCondLst>
+                                  <p:childTnLst>
+                                    <p:set>
+                                      <p:cBhvr>
+                                        <p:cTn id="24" dur="1" fill="hold">
+                                          <p:stCondLst>
+                                            <p:cond delay="0"/>
+                                          </p:stCondLst>
+                                        </p:cTn>
+                                        <p:tgtEl>
+                                          <p:spTgt spid="3">
+                                            <p:txEl>
+                                              <p:pRg st="3" end="3"/>
+                                            </p:txEl>
+                                          </p:spTgt>
+                                        </p:tgtEl>
+                                        <p:attrNameLst>
+                                          <p:attrName>style.visibility</p:attrName>
+                                        </p:attrNameLst>
+                                      </p:cBhvr>
+                                      <p:to>
+                                        <p:strVal val="visible"/>
+                                      </p:to>
+                                    </p:set>
+                                    <p:anim calcmode="lin" valueType="num">
+                                      <p:cBhvr additive="base">
+                                        <p:cTn id="25" dur="500" fill="hold"/>
+                                        <p:tgtEl>
+                                          <p:spTgt spid="3">
+                                            <p:txEl>
+                                              <p:pRg st="3" end="3"/>
+                                            </p:txEl>
+                                          </p:spTgt>
+                                        </p:tgtEl>
+                                        <p:attrNameLst>
+                                          <p:attrName>ppt_x</p:attrName>
+                                        </p:attrNameLst>
+                                      </p:cBhvr>
+                                      <p:tavLst>
+                                        <p:tav tm="0">
+                                          <p:val>
+                                            <p:strVal val="#ppt_x"/>
+                                          </p:val>
+                                        </p:tav>
+                                        <p:tav tm="100000">
+                                          <p:val>
+                                            <p:strVal val="#ppt_x"/>
+                                          </p:val>
+                                        </p:tav>
+                                      </p:tavLst>
+                                    </p:anim>
+                                    <p:anim calcmode="lin" valueType="num">
+                                      <p:cBhvr additive="base">
+                                        <p:cTn id="26" dur="500" fill="hold"/>
+                                        <p:tgtEl>
+                                          <p:spTgt spid="3">
+                                            <p:txEl>
+                                              <p:pRg st="3" end="3"/>
+                                            </p:txEl>
+                                          </p:spTgt>
+                                        </p:tgtEl>
+                                        <p:attrNameLst>
+                                          <p:attrName>ppt_y</p:attrName>
+                                        </p:attrNameLst>
+                                      </p:cBhvr>
+                                      <p:tavLst>
+                                        <p:tav tm="0">
+                                          <p:val>
+                                            <p:strVal val="1+#ppt_h/2"/>
+                                          </p:val>
+                                        </p:tav>
+                                        <p:tav tm="100000">
+                                          <p:val>
+                                            <p:strVal val="#ppt_y"/>
+                                          </p:val>
+                                        </p:tav>
+                                      </p:tavLst>
+                                    </p:anim>
+                                  </p:childTnLst>
+                                </p:cTn>
+                              </p:par>
+                            </p:childTnLst>
+                          </p:cTn>
+                        </p:par>
+                      </p:childTnLst>
+                    </p:cTn>
+                  </p:par>
                 </p:childTnLst>
               </p:cTn>
               <p:prevCondLst>
@@ -6215,7 +6474,7 @@
 </p:sld>
 </file>
 
-<file path=ppt/slides/slide12.xml><?xml version="1.0" encoding="utf-8"?>
+<file path=ppt/slides/slide13.xml><?xml version="1.0" encoding="utf-8"?>
 <p:sld xmlns:a="http://schemas.openxmlformats.org/drawingml/2006/main" xmlns:r="http://schemas.openxmlformats.org/officeDocument/2006/relationships" xmlns:p="http://schemas.openxmlformats.org/presentationml/2006/main">
   <p:cSld>
     <p:spTree>
@@ -6248,7 +6507,7 @@
           <a:lstStyle/>
           <a:p>
             <a:r>
-              <a:rPr lang="zh-CN" altLang="en-US" dirty="0" smtClean="0">
+              <a:rPr lang="en-US" altLang="zh-CN" dirty="0" smtClean="0">
                 <a:solidFill>
                   <a:srgbClr val="34221C"/>
                 </a:solidFill>
@@ -6262,7 +6521,7 @@
                 <a:latin typeface="YaHei Consolas Hybrid" pitchFamily="49" charset="-122"/>
                 <a:ea typeface="YaHei Consolas Hybrid" pitchFamily="49" charset="-122"/>
               </a:rPr>
-              <a:t>只是工具</a:t>
+              <a:t>Q&amp;A</a:t>
             </a:r>
             <a:endParaRPr lang="zh-CN" altLang="en-US" dirty="0">
               <a:solidFill>
@@ -6281,35 +6540,185 @@
           </a:p>
         </p:txBody>
       </p:sp>
-      <p:pic>
-        <p:nvPicPr>
-          <p:cNvPr id="4" name="内容占位符 3"/>
-          <p:cNvPicPr>
-            <a:picLocks noGrp="1" noChangeAspect="1"/>
-          </p:cNvPicPr>
+      <p:sp>
+        <p:nvSpPr>
+          <p:cNvPr id="3" name="内容占位符 2"/>
+          <p:cNvSpPr>
+            <a:spLocks noGrp="1"/>
+          </p:cNvSpPr>
           <p:nvPr>
             <p:ph idx="1"/>
           </p:nvPr>
-        </p:nvPicPr>
-        <p:blipFill>
-          <a:blip r:embed="rId3">
-            <a:extLst>
-              <a:ext uri="{28A0092B-C50C-407E-A947-70E740481C1C}">
-                <a14:useLocalDpi xmlns:a14="http://schemas.microsoft.com/office/drawing/2010/main" val="0"/>
-              </a:ext>
-            </a:extLst>
-          </a:blip>
-          <a:stretch>
-            <a:fillRect/>
-          </a:stretch>
-        </p:blipFill>
-        <p:spPr>
-          <a:xfrm>
-            <a:off x="1676113" y="1600200"/>
-            <a:ext cx="5791774" cy="4525963"/>
-          </a:xfrm>
-        </p:spPr>
-      </p:pic>
+        </p:nvSpPr>
+        <p:spPr/>
+        <p:txBody>
+          <a:bodyPr/>
+          <a:lstStyle/>
+          <a:p>
+            <a:pPr lvl="1"/>
+            <a:r>
+              <a:rPr lang="en-US" altLang="zh-CN" b="1" dirty="0"/>
+              <a:t>idea/</a:t>
+            </a:r>
+            <a:r>
+              <a:rPr lang="en-US" altLang="zh-CN" b="1" dirty="0" err="1"/>
+              <a:t>webstorm</a:t>
+            </a:r>
+            <a:r>
+              <a:rPr lang="en-US" altLang="zh-CN" b="1" dirty="0"/>
+              <a:t>/</a:t>
+            </a:r>
+            <a:r>
+              <a:rPr lang="en-US" altLang="zh-CN" b="1" dirty="0" err="1"/>
+              <a:t>phpstorm</a:t>
+            </a:r>
+            <a:r>
+              <a:rPr lang="zh-CN" altLang="en-US" b="1" dirty="0"/>
+              <a:t>的区别？</a:t>
+            </a:r>
+          </a:p>
+          <a:p>
+            <a:pPr marL="914400" lvl="2" indent="0">
+              <a:buNone/>
+            </a:pPr>
+            <a:r>
+              <a:rPr lang="zh-CN" altLang="en-US" dirty="0"/>
+              <a:t>相同点：三者的界面和操作基本一样，配置文件可以通用（插件不一定通用</a:t>
+            </a:r>
+            <a:r>
+              <a:rPr lang="zh-CN" altLang="en-US" dirty="0" smtClean="0"/>
+              <a:t>）</a:t>
+            </a:r>
+            <a:endParaRPr lang="en-US" altLang="zh-CN" dirty="0" smtClean="0"/>
+          </a:p>
+          <a:p>
+            <a:pPr lvl="1"/>
+            <a:r>
+              <a:rPr lang="zh-CN" altLang="en-US" b="1" dirty="0"/>
+              <a:t>功能全面性：</a:t>
+            </a:r>
+            <a:r>
+              <a:rPr lang="en-US" altLang="zh-CN" b="1" dirty="0" err="1"/>
+              <a:t>webstorm</a:t>
+            </a:r>
+            <a:r>
+              <a:rPr lang="en-US" altLang="zh-CN" b="1" dirty="0"/>
+              <a:t> &lt; </a:t>
+            </a:r>
+            <a:r>
+              <a:rPr lang="en-US" altLang="zh-CN" b="1" dirty="0" err="1"/>
+              <a:t>phpstorm</a:t>
+            </a:r>
+            <a:r>
+              <a:rPr lang="en-US" altLang="zh-CN" b="1" dirty="0"/>
+              <a:t> &lt; </a:t>
+            </a:r>
+            <a:r>
+              <a:rPr lang="en-US" altLang="zh-CN" b="1" dirty="0" smtClean="0"/>
+              <a:t>idea</a:t>
+            </a:r>
+          </a:p>
+          <a:p>
+            <a:pPr lvl="1"/>
+            <a:r>
+              <a:rPr lang="zh-CN" altLang="en-US" b="1" dirty="0"/>
+              <a:t>启动速度：</a:t>
+            </a:r>
+            <a:r>
+              <a:rPr lang="en-US" altLang="zh-CN" b="1" dirty="0"/>
+              <a:t>idea &lt; </a:t>
+            </a:r>
+            <a:r>
+              <a:rPr lang="en-US" altLang="zh-CN" b="1" dirty="0" err="1"/>
+              <a:t>phpstorm</a:t>
+            </a:r>
+            <a:r>
+              <a:rPr lang="en-US" altLang="zh-CN" b="1" dirty="0"/>
+              <a:t> &lt; </a:t>
+            </a:r>
+            <a:r>
+              <a:rPr lang="en-US" altLang="zh-CN" b="1" dirty="0" err="1" smtClean="0"/>
+              <a:t>webstorm</a:t>
+            </a:r>
+            <a:endParaRPr lang="en-US" altLang="zh-CN" b="1" dirty="0" smtClean="0"/>
+          </a:p>
+          <a:p>
+            <a:pPr lvl="1"/>
+            <a:r>
+              <a:rPr lang="zh-CN" altLang="en-US" b="1" dirty="0"/>
+              <a:t>前端支持度：</a:t>
+            </a:r>
+            <a:r>
+              <a:rPr lang="en-US" altLang="zh-CN" b="1" dirty="0"/>
+              <a:t>idea = </a:t>
+            </a:r>
+            <a:r>
+              <a:rPr lang="en-US" altLang="zh-CN" b="1" dirty="0" err="1"/>
+              <a:t>phpstorm</a:t>
+            </a:r>
+            <a:r>
+              <a:rPr lang="en-US" altLang="zh-CN" b="1" dirty="0"/>
+              <a:t> &lt; </a:t>
+            </a:r>
+            <a:r>
+              <a:rPr lang="en-US" altLang="zh-CN" b="1" dirty="0" err="1" smtClean="0"/>
+              <a:t>webstorm</a:t>
+            </a:r>
+            <a:endParaRPr lang="en-US" altLang="zh-CN" b="1" dirty="0" smtClean="0"/>
+          </a:p>
+          <a:p>
+            <a:pPr lvl="1"/>
+            <a:r>
+              <a:rPr lang="zh-CN" altLang="en-US" b="1" dirty="0"/>
+              <a:t>易用性：</a:t>
+            </a:r>
+            <a:r>
+              <a:rPr lang="en-US" altLang="zh-CN" b="1" dirty="0"/>
+              <a:t>idea &lt; </a:t>
+            </a:r>
+            <a:r>
+              <a:rPr lang="en-US" altLang="zh-CN" b="1" dirty="0" err="1"/>
+              <a:t>phpstorm</a:t>
+            </a:r>
+            <a:r>
+              <a:rPr lang="en-US" altLang="zh-CN" b="1" dirty="0"/>
+              <a:t> &lt; </a:t>
+            </a:r>
+            <a:r>
+              <a:rPr lang="en-US" altLang="zh-CN" b="1" dirty="0" err="1" smtClean="0"/>
+              <a:t>webstorm</a:t>
+            </a:r>
+            <a:endParaRPr lang="en-US" altLang="zh-CN" b="1" dirty="0" smtClean="0"/>
+          </a:p>
+          <a:p>
+            <a:pPr lvl="1"/>
+            <a:r>
+              <a:rPr lang="zh-CN" altLang="en-US" b="1" dirty="0"/>
+              <a:t>插件数：</a:t>
+            </a:r>
+            <a:r>
+              <a:rPr lang="en-US" altLang="zh-CN" b="1" dirty="0" err="1"/>
+              <a:t>webstorm</a:t>
+            </a:r>
+            <a:r>
+              <a:rPr lang="en-US" altLang="zh-CN" b="1" dirty="0"/>
+              <a:t> &lt; </a:t>
+            </a:r>
+            <a:r>
+              <a:rPr lang="en-US" altLang="zh-CN" b="1" dirty="0" err="1"/>
+              <a:t>phpstorm</a:t>
+            </a:r>
+            <a:r>
+              <a:rPr lang="en-US" altLang="zh-CN" b="1" dirty="0"/>
+              <a:t> &lt; idea</a:t>
+            </a:r>
+            <a:endParaRPr lang="en-US" altLang="zh-CN" dirty="0" smtClean="0">
+              <a:latin typeface="YaHei Consolas Hybrid" pitchFamily="49" charset="-122"/>
+              <a:ea typeface="YaHei Consolas Hybrid" pitchFamily="49" charset="-122"/>
+            </a:endParaRPr>
+          </a:p>
+        </p:txBody>
+      </p:sp>
       <p:pic>
         <p:nvPicPr>
           <p:cNvPr id="7" name="图片 6"/>
@@ -6319,10 +6728,10 @@
           <p:nvPr/>
         </p:nvPicPr>
         <p:blipFill>
-          <a:blip r:embed="rId4">
+          <a:blip r:embed="rId3" cstate="print">
             <a:extLst>
               <a:ext uri="{28A0092B-C50C-407E-A947-70E740481C1C}">
-                <a14:useLocalDpi xmlns:a14="http://schemas.microsoft.com/office/drawing/2010/main" val="0"/>
+                <a14:useLocalDpi xmlns:a14="http://schemas.microsoft.com/office/drawing/2010/main" xmlns="" val="0"/>
               </a:ext>
             </a:extLst>
           </a:blip>
@@ -6343,327 +6752,20 @@
     </p:spTree>
     <p:extLst>
       <p:ext uri="{BB962C8B-B14F-4D97-AF65-F5344CB8AC3E}">
-        <p14:creationId xmlns:p14="http://schemas.microsoft.com/office/powerpoint/2010/main" val="1302376210"/>
+        <p14:creationId xmlns:p14="http://schemas.microsoft.com/office/powerpoint/2010/main" xmlns="" val="3226780528"/>
       </p:ext>
     </p:extLst>
   </p:cSld>
   <p:clrMapOvr>
     <a:masterClrMapping/>
   </p:clrMapOvr>
-  <mc:AlternateContent xmlns:mc="http://schemas.openxmlformats.org/markup-compatibility/2006" xmlns:p14="http://schemas.microsoft.com/office/powerpoint/2010/main">
-    <mc:Choice Requires="p14">
+  <mc:AlternateContent xmlns:mc="http://schemas.openxmlformats.org/markup-compatibility/2006">
+    <mc:Choice xmlns:p14="http://schemas.microsoft.com/office/powerpoint/2010/main" xmlns="" Requires="p14">
       <p:transition spd="slow" p14:dur="1500">
         <p14:window dir="vert"/>
       </p:transition>
     </mc:Choice>
-    <mc:Fallback xmlns="">
-      <p:transition spd="slow">
-        <p:fade/>
-      </p:transition>
-    </mc:Fallback>
-  </mc:AlternateContent>
-  <p:timing>
-    <p:tnLst>
-      <p:par>
-        <p:cTn id="1" dur="indefinite" restart="never" nodeType="tmRoot"/>
-      </p:par>
-    </p:tnLst>
-  </p:timing>
-</p:sld>
-</file>
-
-<file path=ppt/slides/slide13.xml><?xml version="1.0" encoding="utf-8"?>
-<p:sld xmlns:a="http://schemas.openxmlformats.org/drawingml/2006/main" xmlns:r="http://schemas.openxmlformats.org/officeDocument/2006/relationships" xmlns:p="http://schemas.openxmlformats.org/presentationml/2006/main">
-  <p:cSld>
-    <p:spTree>
-      <p:nvGrpSpPr>
-        <p:cNvPr id="1" name=""/>
-        <p:cNvGrpSpPr/>
-        <p:nvPr/>
-      </p:nvGrpSpPr>
-      <p:grpSpPr>
-        <a:xfrm>
-          <a:off x="0" y="0"/>
-          <a:ext cx="0" cy="0"/>
-          <a:chOff x="0" y="0"/>
-          <a:chExt cx="0" cy="0"/>
-        </a:xfrm>
-      </p:grpSpPr>
-      <p:sp>
-        <p:nvSpPr>
-          <p:cNvPr id="2" name="标题 1"/>
-          <p:cNvSpPr>
-            <a:spLocks noGrp="1"/>
-          </p:cNvSpPr>
-          <p:nvPr>
-            <p:ph type="title"/>
-          </p:nvPr>
-        </p:nvSpPr>
-        <p:spPr/>
-        <p:txBody>
-          <a:bodyPr/>
-          <a:lstStyle/>
-          <a:p>
-            <a:r>
-              <a:rPr lang="en-US" altLang="zh-CN" dirty="0" smtClean="0">
-                <a:solidFill>
-                  <a:srgbClr val="34221C"/>
-                </a:solidFill>
-                <a:effectLst>
-                  <a:outerShdw blurRad="38100" dist="38100" dir="2700000" algn="tl">
-                    <a:srgbClr val="000000">
-                      <a:alpha val="43137"/>
-                    </a:srgbClr>
-                  </a:outerShdw>
-                </a:effectLst>
-                <a:latin typeface="YaHei Consolas Hybrid" pitchFamily="49" charset="-122"/>
-                <a:ea typeface="YaHei Consolas Hybrid" pitchFamily="49" charset="-122"/>
-              </a:rPr>
-              <a:t>Q&amp;A</a:t>
-            </a:r>
-            <a:endParaRPr lang="zh-CN" altLang="en-US" dirty="0">
-              <a:solidFill>
-                <a:srgbClr val="34221C"/>
-              </a:solidFill>
-              <a:effectLst>
-                <a:outerShdw blurRad="38100" dist="38100" dir="2700000" algn="tl">
-                  <a:srgbClr val="000000">
-                    <a:alpha val="43137"/>
-                  </a:srgbClr>
-                </a:outerShdw>
-              </a:effectLst>
-              <a:latin typeface="YaHei Consolas Hybrid" pitchFamily="49" charset="-122"/>
-              <a:ea typeface="YaHei Consolas Hybrid" pitchFamily="49" charset="-122"/>
-            </a:endParaRPr>
-          </a:p>
-        </p:txBody>
-      </p:sp>
-      <p:sp>
-        <p:nvSpPr>
-          <p:cNvPr id="3" name="内容占位符 2"/>
-          <p:cNvSpPr>
-            <a:spLocks noGrp="1"/>
-          </p:cNvSpPr>
-          <p:nvPr>
-            <p:ph idx="1"/>
-          </p:nvPr>
-        </p:nvSpPr>
-        <p:spPr/>
-        <p:txBody>
-          <a:bodyPr/>
-          <a:lstStyle/>
-          <a:p>
-            <a:pPr lvl="1"/>
-            <a:r>
-              <a:rPr lang="en-US" altLang="zh-CN" b="1" dirty="0"/>
-              <a:t>idea/</a:t>
-            </a:r>
-            <a:r>
-              <a:rPr lang="en-US" altLang="zh-CN" b="1" dirty="0" err="1"/>
-              <a:t>webstorm</a:t>
-            </a:r>
-            <a:r>
-              <a:rPr lang="en-US" altLang="zh-CN" b="1" dirty="0"/>
-              <a:t>/</a:t>
-            </a:r>
-            <a:r>
-              <a:rPr lang="en-US" altLang="zh-CN" b="1" dirty="0" err="1"/>
-              <a:t>phpstorm</a:t>
-            </a:r>
-            <a:r>
-              <a:rPr lang="zh-CN" altLang="en-US" b="1" dirty="0"/>
-              <a:t>的区别？</a:t>
-            </a:r>
-          </a:p>
-          <a:p>
-            <a:pPr marL="914400" lvl="2" indent="0">
-              <a:buNone/>
-            </a:pPr>
-            <a:r>
-              <a:rPr lang="zh-CN" altLang="en-US" dirty="0"/>
-              <a:t>相同点：三者的界面和操作基本一样，配置文件可以通用（插件不一定通用</a:t>
-            </a:r>
-            <a:r>
-              <a:rPr lang="zh-CN" altLang="en-US" dirty="0" smtClean="0"/>
-              <a:t>）</a:t>
-            </a:r>
-            <a:endParaRPr lang="en-US" altLang="zh-CN" dirty="0" smtClean="0"/>
-          </a:p>
-          <a:p>
-            <a:pPr lvl="1"/>
-            <a:r>
-              <a:rPr lang="zh-CN" altLang="en-US" b="1" dirty="0"/>
-              <a:t>功能全面性：</a:t>
-            </a:r>
-            <a:r>
-              <a:rPr lang="en-US" altLang="zh-CN" b="1" dirty="0" err="1"/>
-              <a:t>webstorm</a:t>
-            </a:r>
-            <a:r>
-              <a:rPr lang="en-US" altLang="zh-CN" b="1" dirty="0"/>
-              <a:t> &lt; </a:t>
-            </a:r>
-            <a:r>
-              <a:rPr lang="en-US" altLang="zh-CN" b="1" dirty="0" err="1"/>
-              <a:t>phpstorm</a:t>
-            </a:r>
-            <a:r>
-              <a:rPr lang="en-US" altLang="zh-CN" b="1" dirty="0"/>
-              <a:t> &lt; </a:t>
-            </a:r>
-            <a:r>
-              <a:rPr lang="en-US" altLang="zh-CN" b="1" dirty="0" smtClean="0"/>
-              <a:t>idea</a:t>
-            </a:r>
-          </a:p>
-          <a:p>
-            <a:pPr lvl="1"/>
-            <a:r>
-              <a:rPr lang="zh-CN" altLang="en-US" b="1" dirty="0"/>
-              <a:t>启动速度：</a:t>
-            </a:r>
-            <a:r>
-              <a:rPr lang="en-US" altLang="zh-CN" b="1" dirty="0"/>
-              <a:t>idea &lt; </a:t>
-            </a:r>
-            <a:r>
-              <a:rPr lang="en-US" altLang="zh-CN" b="1" dirty="0" err="1"/>
-              <a:t>phpstorm</a:t>
-            </a:r>
-            <a:r>
-              <a:rPr lang="en-US" altLang="zh-CN" b="1" dirty="0"/>
-              <a:t> &lt; </a:t>
-            </a:r>
-            <a:r>
-              <a:rPr lang="en-US" altLang="zh-CN" b="1" dirty="0" err="1" smtClean="0"/>
-              <a:t>webstorm</a:t>
-            </a:r>
-            <a:endParaRPr lang="en-US" altLang="zh-CN" b="1" dirty="0" smtClean="0"/>
-          </a:p>
-          <a:p>
-            <a:pPr lvl="1"/>
-            <a:r>
-              <a:rPr lang="zh-CN" altLang="en-US" b="1" dirty="0"/>
-              <a:t>前端支持度：</a:t>
-            </a:r>
-            <a:r>
-              <a:rPr lang="en-US" altLang="zh-CN" b="1" dirty="0"/>
-              <a:t>idea = </a:t>
-            </a:r>
-            <a:r>
-              <a:rPr lang="en-US" altLang="zh-CN" b="1" dirty="0" err="1"/>
-              <a:t>phpstorm</a:t>
-            </a:r>
-            <a:r>
-              <a:rPr lang="en-US" altLang="zh-CN" b="1" dirty="0"/>
-              <a:t> &lt; </a:t>
-            </a:r>
-            <a:r>
-              <a:rPr lang="en-US" altLang="zh-CN" b="1" dirty="0" err="1" smtClean="0"/>
-              <a:t>webstorm</a:t>
-            </a:r>
-            <a:endParaRPr lang="en-US" altLang="zh-CN" b="1" dirty="0" smtClean="0"/>
-          </a:p>
-          <a:p>
-            <a:pPr lvl="1"/>
-            <a:r>
-              <a:rPr lang="zh-CN" altLang="en-US" b="1" dirty="0"/>
-              <a:t>易用性：</a:t>
-            </a:r>
-            <a:r>
-              <a:rPr lang="en-US" altLang="zh-CN" b="1" dirty="0"/>
-              <a:t>idea &lt; </a:t>
-            </a:r>
-            <a:r>
-              <a:rPr lang="en-US" altLang="zh-CN" b="1" dirty="0" err="1"/>
-              <a:t>phpstorm</a:t>
-            </a:r>
-            <a:r>
-              <a:rPr lang="en-US" altLang="zh-CN" b="1" dirty="0"/>
-              <a:t> &lt; </a:t>
-            </a:r>
-            <a:r>
-              <a:rPr lang="en-US" altLang="zh-CN" b="1" dirty="0" err="1" smtClean="0"/>
-              <a:t>webstorm</a:t>
-            </a:r>
-            <a:endParaRPr lang="en-US" altLang="zh-CN" b="1" dirty="0" smtClean="0"/>
-          </a:p>
-          <a:p>
-            <a:pPr lvl="1"/>
-            <a:r>
-              <a:rPr lang="zh-CN" altLang="en-US" b="1" dirty="0"/>
-              <a:t>插件数：</a:t>
-            </a:r>
-            <a:r>
-              <a:rPr lang="en-US" altLang="zh-CN" b="1" dirty="0" err="1"/>
-              <a:t>webstorm</a:t>
-            </a:r>
-            <a:r>
-              <a:rPr lang="en-US" altLang="zh-CN" b="1" dirty="0"/>
-              <a:t> &lt; </a:t>
-            </a:r>
-            <a:r>
-              <a:rPr lang="en-US" altLang="zh-CN" b="1" dirty="0" err="1"/>
-              <a:t>phpstorm</a:t>
-            </a:r>
-            <a:r>
-              <a:rPr lang="en-US" altLang="zh-CN" b="1" dirty="0"/>
-              <a:t> &lt; idea</a:t>
-            </a:r>
-            <a:endParaRPr lang="en-US" altLang="zh-CN" dirty="0" smtClean="0">
-              <a:latin typeface="YaHei Consolas Hybrid" pitchFamily="49" charset="-122"/>
-              <a:ea typeface="YaHei Consolas Hybrid" pitchFamily="49" charset="-122"/>
-            </a:endParaRPr>
-          </a:p>
-        </p:txBody>
-      </p:sp>
-      <p:pic>
-        <p:nvPicPr>
-          <p:cNvPr id="7" name="图片 6"/>
-          <p:cNvPicPr>
-            <a:picLocks noChangeAspect="1"/>
-          </p:cNvPicPr>
-          <p:nvPr/>
-        </p:nvPicPr>
-        <p:blipFill>
-          <a:blip r:embed="rId3">
-            <a:extLst>
-              <a:ext uri="{28A0092B-C50C-407E-A947-70E740481C1C}">
-                <a14:useLocalDpi xmlns:a14="http://schemas.microsoft.com/office/drawing/2010/main" val="0"/>
-              </a:ext>
-            </a:extLst>
-          </a:blip>
-          <a:stretch>
-            <a:fillRect/>
-          </a:stretch>
-        </p:blipFill>
-        <p:spPr>
-          <a:xfrm>
-            <a:off x="7092280" y="6278234"/>
-            <a:ext cx="1933845" cy="523948"/>
-          </a:xfrm>
-          <a:prstGeom prst="rect">
-            <a:avLst/>
-          </a:prstGeom>
-        </p:spPr>
-      </p:pic>
-    </p:spTree>
-    <p:extLst>
-      <p:ext uri="{BB962C8B-B14F-4D97-AF65-F5344CB8AC3E}">
-        <p14:creationId xmlns:p14="http://schemas.microsoft.com/office/powerpoint/2010/main" val="3226780528"/>
-      </p:ext>
-    </p:extLst>
-  </p:cSld>
-  <p:clrMapOvr>
-    <a:masterClrMapping/>
-  </p:clrMapOvr>
-  <mc:AlternateContent xmlns:mc="http://schemas.openxmlformats.org/markup-compatibility/2006" xmlns:p14="http://schemas.microsoft.com/office/powerpoint/2010/main">
-    <mc:Choice Requires="p14">
-      <p:transition spd="slow" p14:dur="1500">
-        <p14:window dir="vert"/>
-      </p:transition>
-    </mc:Choice>
-    <mc:Fallback xmlns="">
+    <mc:Fallback>
       <p:transition spd="slow">
         <p:fade/>
       </p:transition>
@@ -7423,103 +7525,6 @@
 </p:sld>
 </file>
 
-<file path=ppt/slides/slide14.xml><?xml version="1.0" encoding="utf-8"?>
-<p:sld xmlns:a="http://schemas.openxmlformats.org/drawingml/2006/main" xmlns:r="http://schemas.openxmlformats.org/officeDocument/2006/relationships" xmlns:p="http://schemas.openxmlformats.org/presentationml/2006/main">
-  <p:cSld>
-    <p:spTree>
-      <p:nvGrpSpPr>
-        <p:cNvPr id="1" name=""/>
-        <p:cNvGrpSpPr/>
-        <p:nvPr/>
-      </p:nvGrpSpPr>
-      <p:grpSpPr>
-        <a:xfrm>
-          <a:off x="0" y="0"/>
-          <a:ext cx="0" cy="0"/>
-          <a:chOff x="0" y="0"/>
-          <a:chExt cx="0" cy="0"/>
-        </a:xfrm>
-      </p:grpSpPr>
-      <p:sp>
-        <p:nvSpPr>
-          <p:cNvPr id="3" name="内容占位符 2"/>
-          <p:cNvSpPr>
-            <a:spLocks noGrp="1"/>
-          </p:cNvSpPr>
-          <p:nvPr>
-            <p:ph idx="1"/>
-          </p:nvPr>
-        </p:nvSpPr>
-        <p:spPr>
-          <a:xfrm>
-            <a:off x="457200" y="836712"/>
-            <a:ext cx="8229600" cy="5289451"/>
-          </a:xfrm>
-        </p:spPr>
-        <p:txBody>
-          <a:bodyPr>
-            <a:normAutofit/>
-          </a:bodyPr>
-          <a:lstStyle/>
-          <a:p>
-            <a:pPr marL="0" indent="0" algn="ctr">
-              <a:buNone/>
-            </a:pPr>
-            <a:endParaRPr lang="en-US" altLang="zh-CN" sz="8000" dirty="0" smtClean="0">
-              <a:latin typeface="YaHei Consolas Hybrid" pitchFamily="49" charset="-122"/>
-              <a:ea typeface="YaHei Consolas Hybrid" pitchFamily="49" charset="-122"/>
-            </a:endParaRPr>
-          </a:p>
-          <a:p>
-            <a:pPr marL="0" indent="0" algn="ctr">
-              <a:buNone/>
-            </a:pPr>
-            <a:r>
-              <a:rPr lang="en-US" altLang="zh-CN" sz="8000" dirty="0" smtClean="0">
-                <a:latin typeface="YaHei Consolas Hybrid" pitchFamily="49" charset="-122"/>
-                <a:ea typeface="YaHei Consolas Hybrid" pitchFamily="49" charset="-122"/>
-              </a:rPr>
-              <a:t>QA</a:t>
-            </a:r>
-            <a:endParaRPr lang="zh-CN" altLang="en-US" sz="8000" dirty="0">
-              <a:latin typeface="YaHei Consolas Hybrid" pitchFamily="49" charset="-122"/>
-              <a:ea typeface="YaHei Consolas Hybrid" pitchFamily="49" charset="-122"/>
-            </a:endParaRPr>
-          </a:p>
-        </p:txBody>
-      </p:sp>
-    </p:spTree>
-    <p:extLst>
-      <p:ext uri="{BB962C8B-B14F-4D97-AF65-F5344CB8AC3E}">
-        <p14:creationId xmlns:p14="http://schemas.microsoft.com/office/powerpoint/2010/main" val="1205465150"/>
-      </p:ext>
-    </p:extLst>
-  </p:cSld>
-  <p:clrMapOvr>
-    <a:masterClrMapping/>
-  </p:clrMapOvr>
-  <mc:AlternateContent xmlns:mc="http://schemas.openxmlformats.org/markup-compatibility/2006" xmlns:p14="http://schemas.microsoft.com/office/powerpoint/2010/main">
-    <mc:Choice Requires="p14">
-      <p:transition spd="slow" p14:dur="1500">
-        <p14:window dir="vert"/>
-      </p:transition>
-    </mc:Choice>
-    <mc:Fallback xmlns="">
-      <p:transition spd="slow">
-        <p:fade/>
-      </p:transition>
-    </mc:Fallback>
-  </mc:AlternateContent>
-  <p:timing>
-    <p:tnLst>
-      <p:par>
-        <p:cTn id="1" dur="indefinite" restart="never" nodeType="tmRoot"/>
-      </p:par>
-    </p:tnLst>
-  </p:timing>
-</p:sld>
-</file>
-
 <file path=ppt/slides/slide2.xml><?xml version="1.0" encoding="utf-8"?>
 <p:sld xmlns:a="http://schemas.openxmlformats.org/drawingml/2006/main" xmlns:r="http://schemas.openxmlformats.org/officeDocument/2006/relationships" xmlns:p="http://schemas.openxmlformats.org/presentationml/2006/main">
   <p:cSld>
@@ -7601,10 +7606,10 @@
           <p:nvPr/>
         </p:nvPicPr>
         <p:blipFill>
-          <a:blip r:embed="rId3">
+          <a:blip r:embed="rId3" cstate="print">
             <a:extLst>
               <a:ext uri="{28A0092B-C50C-407E-A947-70E740481C1C}">
-                <a14:useLocalDpi xmlns:a14="http://schemas.microsoft.com/office/drawing/2010/main" val="0"/>
+                <a14:useLocalDpi xmlns:a14="http://schemas.microsoft.com/office/drawing/2010/main" xmlns="" val="0"/>
               </a:ext>
             </a:extLst>
           </a:blip>
@@ -7631,10 +7636,10 @@
           <p:nvPr/>
         </p:nvPicPr>
         <p:blipFill>
-          <a:blip r:embed="rId4">
+          <a:blip r:embed="rId4" cstate="print">
             <a:extLst>
               <a:ext uri="{28A0092B-C50C-407E-A947-70E740481C1C}">
-                <a14:useLocalDpi xmlns:a14="http://schemas.microsoft.com/office/drawing/2010/main" val="0"/>
+                <a14:useLocalDpi xmlns:a14="http://schemas.microsoft.com/office/drawing/2010/main" xmlns="" val="0"/>
               </a:ext>
             </a:extLst>
           </a:blip>
@@ -7654,7 +7659,7 @@
           <a:noFill/>
           <a:extLst>
             <a:ext uri="{909E8E84-426E-40DD-AFC4-6F175D3DCCD1}">
-              <a14:hiddenFill xmlns:a14="http://schemas.microsoft.com/office/drawing/2010/main">
+              <a14:hiddenFill xmlns:a14="http://schemas.microsoft.com/office/drawing/2010/main" xmlns="">
                 <a:solidFill>
                   <a:srgbClr val="FFFFFF"/>
                 </a:solidFill>
@@ -7666,20 +7671,20 @@
     </p:spTree>
     <p:extLst>
       <p:ext uri="{BB962C8B-B14F-4D97-AF65-F5344CB8AC3E}">
-        <p14:creationId xmlns:p14="http://schemas.microsoft.com/office/powerpoint/2010/main" val="3273569125"/>
+        <p14:creationId xmlns:p14="http://schemas.microsoft.com/office/powerpoint/2010/main" xmlns="" val="3273569125"/>
       </p:ext>
     </p:extLst>
   </p:cSld>
   <p:clrMapOvr>
     <a:masterClrMapping/>
   </p:clrMapOvr>
-  <mc:AlternateContent xmlns:mc="http://schemas.openxmlformats.org/markup-compatibility/2006" xmlns:p14="http://schemas.microsoft.com/office/powerpoint/2010/main">
-    <mc:Choice Requires="p14">
+  <mc:AlternateContent xmlns:mc="http://schemas.openxmlformats.org/markup-compatibility/2006">
+    <mc:Choice xmlns:p14="http://schemas.microsoft.com/office/powerpoint/2010/main" xmlns="" Requires="p14">
       <p:transition spd="slow" p14:dur="1500">
         <p14:window dir="vert"/>
       </p:transition>
     </mc:Choice>
-    <mc:Fallback xmlns="">
+    <mc:Fallback>
       <p:transition spd="slow">
         <p:fade/>
       </p:transition>
@@ -7758,10 +7763,10 @@
           <p:nvPr/>
         </p:nvPicPr>
         <p:blipFill>
-          <a:blip r:embed="rId3">
+          <a:blip r:embed="rId3" cstate="print">
             <a:extLst>
               <a:ext uri="{28A0092B-C50C-407E-A947-70E740481C1C}">
-                <a14:useLocalDpi xmlns:a14="http://schemas.microsoft.com/office/drawing/2010/main" val="0"/>
+                <a14:useLocalDpi xmlns:a14="http://schemas.microsoft.com/office/drawing/2010/main" xmlns="" val="0"/>
               </a:ext>
             </a:extLst>
           </a:blip>
@@ -7788,10 +7793,10 @@
           <p:nvPr/>
         </p:nvPicPr>
         <p:blipFill>
-          <a:blip r:embed="rId4">
+          <a:blip r:embed="rId4" cstate="print">
             <a:extLst>
               <a:ext uri="{28A0092B-C50C-407E-A947-70E740481C1C}">
-                <a14:useLocalDpi xmlns:a14="http://schemas.microsoft.com/office/drawing/2010/main" val="0"/>
+                <a14:useLocalDpi xmlns:a14="http://schemas.microsoft.com/office/drawing/2010/main" xmlns="" val="0"/>
               </a:ext>
             </a:extLst>
           </a:blip>
@@ -7811,7 +7816,7 @@
           <a:noFill/>
           <a:extLst>
             <a:ext uri="{909E8E84-426E-40DD-AFC4-6F175D3DCCD1}">
-              <a14:hiddenFill xmlns:a14="http://schemas.microsoft.com/office/drawing/2010/main">
+              <a14:hiddenFill xmlns:a14="http://schemas.microsoft.com/office/drawing/2010/main" xmlns="">
                 <a:solidFill>
                   <a:srgbClr val="FFFFFF"/>
                 </a:solidFill>
@@ -7989,10 +7994,10 @@
           <p:nvPr/>
         </p:nvPicPr>
         <p:blipFill>
-          <a:blip r:embed="rId5">
+          <a:blip r:embed="rId5" cstate="print">
             <a:extLst>
               <a:ext uri="{28A0092B-C50C-407E-A947-70E740481C1C}">
-                <a14:useLocalDpi xmlns:a14="http://schemas.microsoft.com/office/drawing/2010/main" val="0"/>
+                <a14:useLocalDpi xmlns:a14="http://schemas.microsoft.com/office/drawing/2010/main" xmlns="" val="0"/>
               </a:ext>
             </a:extLst>
           </a:blip>
@@ -8012,7 +8017,7 @@
           <a:noFill/>
           <a:extLst>
             <a:ext uri="{909E8E84-426E-40DD-AFC4-6F175D3DCCD1}">
-              <a14:hiddenFill xmlns:a14="http://schemas.microsoft.com/office/drawing/2010/main">
+              <a14:hiddenFill xmlns:a14="http://schemas.microsoft.com/office/drawing/2010/main" xmlns="">
                 <a:solidFill>
                   <a:srgbClr val="FFFFFF"/>
                 </a:solidFill>
@@ -8030,10 +8035,10 @@
           <p:nvPr/>
         </p:nvPicPr>
         <p:blipFill>
-          <a:blip r:embed="rId6">
+          <a:blip r:embed="rId6" cstate="print">
             <a:extLst>
               <a:ext uri="{28A0092B-C50C-407E-A947-70E740481C1C}">
-                <a14:useLocalDpi xmlns:a14="http://schemas.microsoft.com/office/drawing/2010/main" val="0"/>
+                <a14:useLocalDpi xmlns:a14="http://schemas.microsoft.com/office/drawing/2010/main" xmlns="" val="0"/>
               </a:ext>
             </a:extLst>
           </a:blip>
@@ -8054,20 +8059,20 @@
     </p:spTree>
     <p:extLst>
       <p:ext uri="{BB962C8B-B14F-4D97-AF65-F5344CB8AC3E}">
-        <p14:creationId xmlns:p14="http://schemas.microsoft.com/office/powerpoint/2010/main" val="175660331"/>
+        <p14:creationId xmlns:p14="http://schemas.microsoft.com/office/powerpoint/2010/main" xmlns="" val="175660331"/>
       </p:ext>
     </p:extLst>
   </p:cSld>
   <p:clrMapOvr>
     <a:masterClrMapping/>
   </p:clrMapOvr>
-  <mc:AlternateContent xmlns:mc="http://schemas.openxmlformats.org/markup-compatibility/2006" xmlns:p14="http://schemas.microsoft.com/office/powerpoint/2010/main">
-    <mc:Choice Requires="p14">
+  <mc:AlternateContent xmlns:mc="http://schemas.openxmlformats.org/markup-compatibility/2006">
+    <mc:Choice xmlns:p14="http://schemas.microsoft.com/office/powerpoint/2010/main" xmlns="" Requires="p14">
       <p:transition spd="slow" p14:dur="1500">
         <p14:window dir="vert"/>
       </p:transition>
     </mc:Choice>
-    <mc:Fallback xmlns="">
+    <mc:Fallback>
       <p:transition spd="slow">
         <p:fade/>
       </p:transition>
@@ -8238,10 +8243,10 @@
           <p:nvPr/>
         </p:nvPicPr>
         <p:blipFill>
-          <a:blip r:embed="rId3">
+          <a:blip r:embed="rId3" cstate="print">
             <a:extLst>
               <a:ext uri="{28A0092B-C50C-407E-A947-70E740481C1C}">
-                <a14:useLocalDpi xmlns:a14="http://schemas.microsoft.com/office/drawing/2010/main" val="0"/>
+                <a14:useLocalDpi xmlns:a14="http://schemas.microsoft.com/office/drawing/2010/main" xmlns="" val="0"/>
               </a:ext>
             </a:extLst>
           </a:blip>
@@ -8268,10 +8273,10 @@
           <p:nvPr/>
         </p:nvPicPr>
         <p:blipFill>
-          <a:blip r:embed="rId4">
+          <a:blip r:embed="rId4" cstate="print">
             <a:extLst>
               <a:ext uri="{28A0092B-C50C-407E-A947-70E740481C1C}">
-                <a14:useLocalDpi xmlns:a14="http://schemas.microsoft.com/office/drawing/2010/main" val="0"/>
+                <a14:useLocalDpi xmlns:a14="http://schemas.microsoft.com/office/drawing/2010/main" xmlns="" val="0"/>
               </a:ext>
             </a:extLst>
           </a:blip>
@@ -8291,7 +8296,7 @@
           <a:noFill/>
           <a:extLst>
             <a:ext uri="{909E8E84-426E-40DD-AFC4-6F175D3DCCD1}">
-              <a14:hiddenFill xmlns:a14="http://schemas.microsoft.com/office/drawing/2010/main">
+              <a14:hiddenFill xmlns:a14="http://schemas.microsoft.com/office/drawing/2010/main" xmlns="">
                 <a:solidFill>
                   <a:srgbClr val="FFFFFF"/>
                 </a:solidFill>
@@ -8303,20 +8308,20 @@
     </p:spTree>
     <p:extLst>
       <p:ext uri="{BB962C8B-B14F-4D97-AF65-F5344CB8AC3E}">
-        <p14:creationId xmlns:p14="http://schemas.microsoft.com/office/powerpoint/2010/main" val="220479022"/>
+        <p14:creationId xmlns:p14="http://schemas.microsoft.com/office/powerpoint/2010/main" xmlns="" val="220479022"/>
       </p:ext>
     </p:extLst>
   </p:cSld>
   <p:clrMapOvr>
     <a:masterClrMapping/>
   </p:clrMapOvr>
-  <mc:AlternateContent xmlns:mc="http://schemas.openxmlformats.org/markup-compatibility/2006" xmlns:p14="http://schemas.microsoft.com/office/powerpoint/2010/main">
-    <mc:Choice Requires="p14">
+  <mc:AlternateContent xmlns:mc="http://schemas.openxmlformats.org/markup-compatibility/2006">
+    <mc:Choice xmlns:p14="http://schemas.microsoft.com/office/powerpoint/2010/main" xmlns="" Requires="p14">
       <p:transition spd="slow" p14:dur="1500">
         <p14:window dir="vert"/>
       </p:transition>
     </mc:Choice>
-    <mc:Fallback xmlns="">
+    <mc:Fallback>
       <p:transition spd="slow">
         <p:fade/>
       </p:transition>
@@ -8358,10 +8363,10 @@
           <p:nvPr/>
         </p:nvPicPr>
         <p:blipFill>
-          <a:blip r:embed="rId3">
+          <a:blip r:embed="rId3" cstate="print">
             <a:extLst>
               <a:ext uri="{28A0092B-C50C-407E-A947-70E740481C1C}">
-                <a14:useLocalDpi xmlns:a14="http://schemas.microsoft.com/office/drawing/2010/main" val="0"/>
+                <a14:useLocalDpi xmlns:a14="http://schemas.microsoft.com/office/drawing/2010/main" xmlns="" val="0"/>
               </a:ext>
             </a:extLst>
           </a:blip>
@@ -8438,20 +8443,20 @@
     </p:spTree>
     <p:extLst>
       <p:ext uri="{BB962C8B-B14F-4D97-AF65-F5344CB8AC3E}">
-        <p14:creationId xmlns:p14="http://schemas.microsoft.com/office/powerpoint/2010/main" val="648935037"/>
+        <p14:creationId xmlns:p14="http://schemas.microsoft.com/office/powerpoint/2010/main" xmlns="" val="648935037"/>
       </p:ext>
     </p:extLst>
   </p:cSld>
   <p:clrMapOvr>
     <a:masterClrMapping/>
   </p:clrMapOvr>
-  <mc:AlternateContent xmlns:mc="http://schemas.openxmlformats.org/markup-compatibility/2006" xmlns:p14="http://schemas.microsoft.com/office/powerpoint/2010/main">
-    <mc:Choice Requires="p14">
+  <mc:AlternateContent xmlns:mc="http://schemas.openxmlformats.org/markup-compatibility/2006">
+    <mc:Choice xmlns:p14="http://schemas.microsoft.com/office/powerpoint/2010/main" xmlns="" Requires="p14">
       <p:transition spd="slow" p14:dur="1500">
         <p14:window dir="vert"/>
       </p:transition>
     </mc:Choice>
-    <mc:Fallback xmlns="">
+    <mc:Fallback>
       <p:transition spd="slow">
         <p:fade/>
       </p:transition>
@@ -8493,10 +8498,10 @@
           <p:nvPr/>
         </p:nvPicPr>
         <p:blipFill>
-          <a:blip r:embed="rId3">
+          <a:blip r:embed="rId3" cstate="print">
             <a:extLst>
               <a:ext uri="{28A0092B-C50C-407E-A947-70E740481C1C}">
-                <a14:useLocalDpi xmlns:a14="http://schemas.microsoft.com/office/drawing/2010/main" val="0"/>
+                <a14:useLocalDpi xmlns:a14="http://schemas.microsoft.com/office/drawing/2010/main" xmlns="" val="0"/>
               </a:ext>
             </a:extLst>
           </a:blip>
@@ -8514,47 +8519,6 @@
           </a:prstGeom>
         </p:spPr>
       </p:pic>
-      <p:pic>
-        <p:nvPicPr>
-          <p:cNvPr id="4098" name="Picture 2" descr="C:\Users\lzz\Desktop\ws_window.png"/>
-          <p:cNvPicPr>
-            <a:picLocks noChangeAspect="1" noChangeArrowheads="1"/>
-          </p:cNvPicPr>
-          <p:nvPr/>
-        </p:nvPicPr>
-        <p:blipFill>
-          <a:blip r:embed="rId4">
-            <a:extLst>
-              <a:ext uri="{28A0092B-C50C-407E-A947-70E740481C1C}">
-                <a14:useLocalDpi xmlns:a14="http://schemas.microsoft.com/office/drawing/2010/main" val="0"/>
-              </a:ext>
-            </a:extLst>
-          </a:blip>
-          <a:srcRect/>
-          <a:stretch>
-            <a:fillRect/>
-          </a:stretch>
-        </p:blipFill>
-        <p:spPr bwMode="auto">
-          <a:xfrm>
-            <a:off x="1043608" y="1355632"/>
-            <a:ext cx="7273857" cy="5184576"/>
-          </a:xfrm>
-          <a:prstGeom prst="rect">
-            <a:avLst/>
-          </a:prstGeom>
-          <a:noFill/>
-          <a:extLst>
-            <a:ext uri="{909E8E84-426E-40DD-AFC4-6F175D3DCCD1}">
-              <a14:hiddenFill xmlns:a14="http://schemas.microsoft.com/office/drawing/2010/main">
-                <a:solidFill>
-                  <a:srgbClr val="FFFFFF"/>
-                </a:solidFill>
-              </a14:hiddenFill>
-            </a:ext>
-          </a:extLst>
-        </p:spPr>
-      </p:pic>
       <p:sp>
         <p:nvSpPr>
           <p:cNvPr id="8" name="标题 1"/>
@@ -8626,23 +8590,257 @@
           </a:p>
         </p:txBody>
       </p:sp>
+      <p:pic>
+        <p:nvPicPr>
+          <p:cNvPr id="12" name="图片 11" descr="webstorm-main.jpg.jpg"/>
+          <p:cNvPicPr>
+            <a:picLocks noChangeAspect="1"/>
+          </p:cNvPicPr>
+          <p:nvPr/>
+        </p:nvPicPr>
+        <p:blipFill>
+          <a:blip r:embed="rId4" cstate="print"/>
+          <a:stretch>
+            <a:fillRect/>
+          </a:stretch>
+        </p:blipFill>
+        <p:spPr>
+          <a:xfrm>
+            <a:off x="0" y="1196752"/>
+            <a:ext cx="9144000" cy="5980253"/>
+          </a:xfrm>
+          <a:prstGeom prst="rect">
+            <a:avLst/>
+          </a:prstGeom>
+        </p:spPr>
+      </p:pic>
+      <p:sp>
+        <p:nvSpPr>
+          <p:cNvPr id="9" name="椭圆 8"/>
+          <p:cNvSpPr/>
+          <p:nvPr/>
+        </p:nvSpPr>
+        <p:spPr>
+          <a:xfrm>
+            <a:off x="6444208" y="1484784"/>
+            <a:ext cx="360040" cy="360040"/>
+          </a:xfrm>
+          <a:prstGeom prst="ellipse">
+            <a:avLst/>
+          </a:prstGeom>
+        </p:spPr>
+        <p:style>
+          <a:lnRef idx="2">
+            <a:schemeClr val="accent5"/>
+          </a:lnRef>
+          <a:fillRef idx="1">
+            <a:schemeClr val="lt1"/>
+          </a:fillRef>
+          <a:effectRef idx="0">
+            <a:schemeClr val="accent5"/>
+          </a:effectRef>
+          <a:fontRef idx="minor">
+            <a:schemeClr val="dk1"/>
+          </a:fontRef>
+        </p:style>
+        <p:txBody>
+          <a:bodyPr rtlCol="0" anchor="ctr"/>
+          <a:lstStyle/>
+          <a:p>
+            <a:pPr algn="ctr"/>
+            <a:r>
+              <a:rPr lang="en-US" altLang="zh-CN" dirty="0" smtClean="0"/>
+              <a:t>1</a:t>
+            </a:r>
+            <a:endParaRPr lang="zh-CN" altLang="en-US" dirty="0"/>
+          </a:p>
+        </p:txBody>
+      </p:sp>
+      <p:sp>
+        <p:nvSpPr>
+          <p:cNvPr id="13" name="椭圆 12"/>
+          <p:cNvSpPr/>
+          <p:nvPr/>
+        </p:nvSpPr>
+        <p:spPr>
+          <a:xfrm>
+            <a:off x="2339752" y="1700808"/>
+            <a:ext cx="360040" cy="360040"/>
+          </a:xfrm>
+          <a:prstGeom prst="ellipse">
+            <a:avLst/>
+          </a:prstGeom>
+        </p:spPr>
+        <p:style>
+          <a:lnRef idx="2">
+            <a:schemeClr val="accent5"/>
+          </a:lnRef>
+          <a:fillRef idx="1">
+            <a:schemeClr val="lt1"/>
+          </a:fillRef>
+          <a:effectRef idx="0">
+            <a:schemeClr val="accent5"/>
+          </a:effectRef>
+          <a:fontRef idx="minor">
+            <a:schemeClr val="dk1"/>
+          </a:fontRef>
+        </p:style>
+        <p:txBody>
+          <a:bodyPr rtlCol="0" anchor="ctr"/>
+          <a:lstStyle/>
+          <a:p>
+            <a:pPr algn="ctr"/>
+            <a:r>
+              <a:rPr lang="en-US" altLang="zh-CN" dirty="0" smtClean="0"/>
+              <a:t>2</a:t>
+            </a:r>
+            <a:endParaRPr lang="zh-CN" altLang="en-US" dirty="0"/>
+          </a:p>
+        </p:txBody>
+      </p:sp>
+      <p:sp>
+        <p:nvSpPr>
+          <p:cNvPr id="14" name="椭圆 13"/>
+          <p:cNvSpPr/>
+          <p:nvPr/>
+        </p:nvSpPr>
+        <p:spPr>
+          <a:xfrm>
+            <a:off x="3707904" y="5949280"/>
+            <a:ext cx="360040" cy="360040"/>
+          </a:xfrm>
+          <a:prstGeom prst="ellipse">
+            <a:avLst/>
+          </a:prstGeom>
+        </p:spPr>
+        <p:style>
+          <a:lnRef idx="2">
+            <a:schemeClr val="accent5"/>
+          </a:lnRef>
+          <a:fillRef idx="1">
+            <a:schemeClr val="lt1"/>
+          </a:fillRef>
+          <a:effectRef idx="0">
+            <a:schemeClr val="accent5"/>
+          </a:effectRef>
+          <a:fontRef idx="minor">
+            <a:schemeClr val="dk1"/>
+          </a:fontRef>
+        </p:style>
+        <p:txBody>
+          <a:bodyPr rtlCol="0" anchor="ctr"/>
+          <a:lstStyle/>
+          <a:p>
+            <a:pPr algn="ctr"/>
+            <a:r>
+              <a:rPr lang="en-US" altLang="zh-CN" dirty="0" smtClean="0"/>
+              <a:t>3</a:t>
+            </a:r>
+            <a:endParaRPr lang="zh-CN" altLang="en-US" dirty="0"/>
+          </a:p>
+        </p:txBody>
+      </p:sp>
+      <p:sp>
+        <p:nvSpPr>
+          <p:cNvPr id="15" name="椭圆 14"/>
+          <p:cNvSpPr/>
+          <p:nvPr/>
+        </p:nvSpPr>
+        <p:spPr>
+          <a:xfrm>
+            <a:off x="6156176" y="3717032"/>
+            <a:ext cx="360040" cy="360040"/>
+          </a:xfrm>
+          <a:prstGeom prst="ellipse">
+            <a:avLst/>
+          </a:prstGeom>
+        </p:spPr>
+        <p:style>
+          <a:lnRef idx="2">
+            <a:schemeClr val="accent5"/>
+          </a:lnRef>
+          <a:fillRef idx="1">
+            <a:schemeClr val="lt1"/>
+          </a:fillRef>
+          <a:effectRef idx="0">
+            <a:schemeClr val="accent5"/>
+          </a:effectRef>
+          <a:fontRef idx="minor">
+            <a:schemeClr val="dk1"/>
+          </a:fontRef>
+        </p:style>
+        <p:txBody>
+          <a:bodyPr rtlCol="0" anchor="ctr"/>
+          <a:lstStyle/>
+          <a:p>
+            <a:pPr algn="ctr"/>
+            <a:r>
+              <a:rPr lang="en-US" altLang="zh-CN" dirty="0" smtClean="0"/>
+              <a:t>4</a:t>
+            </a:r>
+            <a:endParaRPr lang="zh-CN" altLang="en-US" dirty="0"/>
+          </a:p>
+        </p:txBody>
+      </p:sp>
+      <p:sp>
+        <p:nvSpPr>
+          <p:cNvPr id="16" name="椭圆 15"/>
+          <p:cNvSpPr/>
+          <p:nvPr/>
+        </p:nvSpPr>
+        <p:spPr>
+          <a:xfrm>
+            <a:off x="1907704" y="3717032"/>
+            <a:ext cx="360040" cy="360040"/>
+          </a:xfrm>
+          <a:prstGeom prst="ellipse">
+            <a:avLst/>
+          </a:prstGeom>
+        </p:spPr>
+        <p:style>
+          <a:lnRef idx="2">
+            <a:schemeClr val="accent5"/>
+          </a:lnRef>
+          <a:fillRef idx="1">
+            <a:schemeClr val="lt1"/>
+          </a:fillRef>
+          <a:effectRef idx="0">
+            <a:schemeClr val="accent5"/>
+          </a:effectRef>
+          <a:fontRef idx="minor">
+            <a:schemeClr val="dk1"/>
+          </a:fontRef>
+        </p:style>
+        <p:txBody>
+          <a:bodyPr rtlCol="0" anchor="ctr"/>
+          <a:lstStyle/>
+          <a:p>
+            <a:pPr algn="ctr"/>
+            <a:r>
+              <a:rPr lang="en-US" altLang="zh-CN" dirty="0" smtClean="0"/>
+              <a:t>5</a:t>
+            </a:r>
+            <a:endParaRPr lang="zh-CN" altLang="en-US" dirty="0"/>
+          </a:p>
+        </p:txBody>
+      </p:sp>
     </p:spTree>
     <p:extLst>
       <p:ext uri="{BB962C8B-B14F-4D97-AF65-F5344CB8AC3E}">
-        <p14:creationId xmlns:p14="http://schemas.microsoft.com/office/powerpoint/2010/main" val="3245424489"/>
+        <p14:creationId xmlns:p14="http://schemas.microsoft.com/office/powerpoint/2010/main" xmlns="" val="3245424489"/>
       </p:ext>
     </p:extLst>
   </p:cSld>
   <p:clrMapOvr>
     <a:masterClrMapping/>
   </p:clrMapOvr>
-  <mc:AlternateContent xmlns:mc="http://schemas.openxmlformats.org/markup-compatibility/2006" xmlns:p14="http://schemas.microsoft.com/office/powerpoint/2010/main">
-    <mc:Choice Requires="p14">
+  <mc:AlternateContent xmlns:mc="http://schemas.openxmlformats.org/markup-compatibility/2006">
+    <mc:Choice xmlns:p14="http://schemas.microsoft.com/office/powerpoint/2010/main" xmlns="" Requires="p14">
       <p:transition spd="slow" p14:dur="1500">
         <p14:window dir="vert"/>
       </p:transition>
     </mc:Choice>
-    <mc:Fallback xmlns="">
+    <mc:Fallback>
       <p:transition spd="slow">
         <p:fade/>
       </p:transition>
@@ -8761,43 +8959,43 @@
             <a:pPr lvl="1"/>
             <a:r>
               <a:rPr lang="zh-CN" altLang="en-US" dirty="0" smtClean="0">
-                <a:latin typeface="YaHei Consolas Hybrid" pitchFamily="49" charset="-122"/>
-                <a:ea typeface="YaHei Consolas Hybrid" pitchFamily="49" charset="-122"/>
+                <a:latin typeface="YaHei Consolas Hybrid" pitchFamily="34" charset="-122"/>
+                <a:ea typeface="YaHei Consolas Hybrid" pitchFamily="34" charset="-122"/>
               </a:rPr>
               <a:t>内置版本控制</a:t>
             </a:r>
             <a:r>
               <a:rPr lang="en-US" altLang="zh-CN" dirty="0" err="1" smtClean="0">
-                <a:latin typeface="YaHei Consolas Hybrid" pitchFamily="49" charset="-122"/>
-                <a:ea typeface="YaHei Consolas Hybrid" pitchFamily="49" charset="-122"/>
+                <a:latin typeface="YaHei Consolas Hybrid" pitchFamily="34" charset="-122"/>
+                <a:ea typeface="YaHei Consolas Hybrid" pitchFamily="34" charset="-122"/>
               </a:rPr>
               <a:t>svn,git,cvs</a:t>
             </a:r>
             <a:r>
               <a:rPr lang="en-US" altLang="zh-CN" dirty="0" smtClean="0">
-                <a:latin typeface="YaHei Consolas Hybrid" pitchFamily="49" charset="-122"/>
-                <a:ea typeface="YaHei Consolas Hybrid" pitchFamily="49" charset="-122"/>
+                <a:latin typeface="YaHei Consolas Hybrid" pitchFamily="34" charset="-122"/>
+                <a:ea typeface="YaHei Consolas Hybrid" pitchFamily="34" charset="-122"/>
               </a:rPr>
               <a:t>(</a:t>
             </a:r>
             <a:r>
               <a:rPr lang="zh-CN" altLang="en-US" dirty="0" smtClean="0">
-                <a:latin typeface="YaHei Consolas Hybrid" pitchFamily="49" charset="-122"/>
-                <a:ea typeface="YaHei Consolas Hybrid" pitchFamily="49" charset="-122"/>
+                <a:latin typeface="YaHei Consolas Hybrid" pitchFamily="34" charset="-122"/>
+                <a:ea typeface="YaHei Consolas Hybrid" pitchFamily="34" charset="-122"/>
               </a:rPr>
               <a:t>还支持</a:t>
             </a:r>
             <a:r>
               <a:rPr lang="en-US" altLang="zh-CN" dirty="0" err="1" smtClean="0">
-                <a:latin typeface="YaHei Consolas Hybrid" pitchFamily="49" charset="-122"/>
-                <a:ea typeface="YaHei Consolas Hybrid" pitchFamily="49" charset="-122"/>
+                <a:latin typeface="YaHei Consolas Hybrid" pitchFamily="34" charset="-122"/>
+                <a:ea typeface="YaHei Consolas Hybrid" pitchFamily="34" charset="-122"/>
               </a:rPr>
               <a:t>github</a:t>
             </a:r>
             <a:r>
               <a:rPr lang="en-US" altLang="zh-CN" dirty="0" smtClean="0">
-                <a:latin typeface="YaHei Consolas Hybrid" pitchFamily="49" charset="-122"/>
-                <a:ea typeface="YaHei Consolas Hybrid" pitchFamily="49" charset="-122"/>
+                <a:latin typeface="YaHei Consolas Hybrid" pitchFamily="34" charset="-122"/>
+                <a:ea typeface="YaHei Consolas Hybrid" pitchFamily="34" charset="-122"/>
               </a:rPr>
               <a:t>)</a:t>
             </a:r>
@@ -8806,92 +9004,92 @@
             <a:pPr lvl="1"/>
             <a:r>
               <a:rPr lang="zh-CN" altLang="en-US" dirty="0" smtClean="0">
-                <a:latin typeface="YaHei Consolas Hybrid" pitchFamily="49" charset="-122"/>
-                <a:ea typeface="YaHei Consolas Hybrid" pitchFamily="49" charset="-122"/>
+                <a:latin typeface="YaHei Consolas Hybrid" pitchFamily="34" charset="-122"/>
+                <a:ea typeface="YaHei Consolas Hybrid" pitchFamily="34" charset="-122"/>
               </a:rPr>
               <a:t>内置本地历史功能</a:t>
             </a:r>
             <a:endParaRPr lang="en-US" altLang="zh-CN" dirty="0" smtClean="0">
-              <a:latin typeface="YaHei Consolas Hybrid" pitchFamily="49" charset="-122"/>
-              <a:ea typeface="YaHei Consolas Hybrid" pitchFamily="49" charset="-122"/>
+              <a:latin typeface="YaHei Consolas Hybrid" pitchFamily="34" charset="-122"/>
+              <a:ea typeface="YaHei Consolas Hybrid" pitchFamily="34" charset="-122"/>
             </a:endParaRPr>
           </a:p>
           <a:p>
             <a:pPr lvl="1"/>
             <a:r>
               <a:rPr lang="zh-CN" altLang="en-US" dirty="0" smtClean="0">
-                <a:latin typeface="YaHei Consolas Hybrid" pitchFamily="49" charset="-122"/>
-                <a:ea typeface="YaHei Consolas Hybrid" pitchFamily="49" charset="-122"/>
+                <a:latin typeface="YaHei Consolas Hybrid" pitchFamily="34" charset="-122"/>
+                <a:ea typeface="YaHei Consolas Hybrid" pitchFamily="34" charset="-122"/>
               </a:rPr>
               <a:t>支持</a:t>
             </a:r>
             <a:r>
               <a:rPr lang="en-US" altLang="zh-CN" dirty="0" err="1" smtClean="0">
-                <a:latin typeface="YaHei Consolas Hybrid" pitchFamily="49" charset="-122"/>
-                <a:ea typeface="YaHei Consolas Hybrid" pitchFamily="49" charset="-122"/>
+                <a:latin typeface="YaHei Consolas Hybrid" pitchFamily="34" charset="-122"/>
+                <a:ea typeface="YaHei Consolas Hybrid" pitchFamily="34" charset="-122"/>
               </a:rPr>
               <a:t>NodeJS,webstorm</a:t>
             </a:r>
             <a:r>
               <a:rPr lang="en-US" altLang="zh-CN" dirty="0" smtClean="0">
-                <a:latin typeface="YaHei Consolas Hybrid" pitchFamily="49" charset="-122"/>
-                <a:ea typeface="YaHei Consolas Hybrid" pitchFamily="49" charset="-122"/>
+                <a:latin typeface="YaHei Consolas Hybrid" pitchFamily="34" charset="-122"/>
+                <a:ea typeface="YaHei Consolas Hybrid" pitchFamily="34" charset="-122"/>
               </a:rPr>
               <a:t> 7</a:t>
             </a:r>
             <a:r>
               <a:rPr lang="zh-CN" altLang="en-US" dirty="0" smtClean="0">
-                <a:latin typeface="YaHei Consolas Hybrid" pitchFamily="49" charset="-122"/>
-                <a:ea typeface="YaHei Consolas Hybrid" pitchFamily="49" charset="-122"/>
+                <a:latin typeface="YaHei Consolas Hybrid" pitchFamily="34" charset="-122"/>
+                <a:ea typeface="YaHei Consolas Hybrid" pitchFamily="34" charset="-122"/>
               </a:rPr>
               <a:t>集成了</a:t>
             </a:r>
             <a:r>
               <a:rPr lang="en-US" altLang="zh-CN" dirty="0" err="1" smtClean="0">
-                <a:latin typeface="YaHei Consolas Hybrid" pitchFamily="49" charset="-122"/>
-                <a:ea typeface="YaHei Consolas Hybrid" pitchFamily="49" charset="-122"/>
+                <a:latin typeface="YaHei Consolas Hybrid" pitchFamily="34" charset="-122"/>
+                <a:ea typeface="YaHei Consolas Hybrid" pitchFamily="34" charset="-122"/>
               </a:rPr>
               <a:t>npm</a:t>
             </a:r>
             <a:r>
               <a:rPr lang="zh-CN" altLang="en-US" dirty="0" smtClean="0">
-                <a:latin typeface="YaHei Consolas Hybrid" pitchFamily="49" charset="-122"/>
-                <a:ea typeface="YaHei Consolas Hybrid" pitchFamily="49" charset="-122"/>
+                <a:latin typeface="YaHei Consolas Hybrid" pitchFamily="34" charset="-122"/>
+                <a:ea typeface="YaHei Consolas Hybrid" pitchFamily="34" charset="-122"/>
               </a:rPr>
               <a:t>包管理器</a:t>
             </a:r>
             <a:endParaRPr lang="en-US" altLang="zh-CN" dirty="0" smtClean="0">
-              <a:latin typeface="YaHei Consolas Hybrid" pitchFamily="49" charset="-122"/>
-              <a:ea typeface="YaHei Consolas Hybrid" pitchFamily="49" charset="-122"/>
+              <a:latin typeface="YaHei Consolas Hybrid" pitchFamily="34" charset="-122"/>
+              <a:ea typeface="YaHei Consolas Hybrid" pitchFamily="34" charset="-122"/>
             </a:endParaRPr>
           </a:p>
           <a:p>
             <a:pPr lvl="1"/>
             <a:r>
               <a:rPr lang="zh-CN" altLang="en-US" dirty="0" smtClean="0">
-                <a:latin typeface="YaHei Consolas Hybrid" pitchFamily="49" charset="-122"/>
-                <a:ea typeface="YaHei Consolas Hybrid" pitchFamily="49" charset="-122"/>
+                <a:latin typeface="YaHei Consolas Hybrid" pitchFamily="34" charset="-122"/>
+                <a:ea typeface="YaHei Consolas Hybrid" pitchFamily="34" charset="-122"/>
               </a:rPr>
               <a:t>内置</a:t>
             </a:r>
             <a:r>
               <a:rPr lang="en-US" altLang="zh-CN" dirty="0" smtClean="0">
-                <a:latin typeface="YaHei Consolas Hybrid" pitchFamily="49" charset="-122"/>
-                <a:ea typeface="YaHei Consolas Hybrid" pitchFamily="49" charset="-122"/>
+                <a:latin typeface="YaHei Consolas Hybrid" pitchFamily="34" charset="-122"/>
+                <a:ea typeface="YaHei Consolas Hybrid" pitchFamily="34" charset="-122"/>
               </a:rPr>
               <a:t>Terminal window(</a:t>
             </a:r>
             <a:r>
               <a:rPr lang="zh-CN" altLang="en-US" dirty="0" smtClean="0">
-                <a:latin typeface="YaHei Consolas Hybrid" pitchFamily="49" charset="-122"/>
-                <a:ea typeface="YaHei Consolas Hybrid" pitchFamily="49" charset="-122"/>
+                <a:latin typeface="YaHei Consolas Hybrid" pitchFamily="34" charset="-122"/>
+                <a:ea typeface="YaHei Consolas Hybrid" pitchFamily="34" charset="-122"/>
               </a:rPr>
               <a:t>终端窗口</a:t>
             </a:r>
             <a:r>
               <a:rPr lang="en-US" altLang="zh-CN" dirty="0" smtClean="0">
-                <a:latin typeface="YaHei Consolas Hybrid" pitchFamily="49" charset="-122"/>
-                <a:ea typeface="YaHei Consolas Hybrid" pitchFamily="49" charset="-122"/>
+                <a:latin typeface="YaHei Consolas Hybrid" pitchFamily="34" charset="-122"/>
+                <a:ea typeface="YaHei Consolas Hybrid" pitchFamily="34" charset="-122"/>
               </a:rPr>
               <a:t>)</a:t>
             </a:r>
@@ -8899,126 +9097,217 @@
           <a:p>
             <a:pPr lvl="1"/>
             <a:r>
-              <a:rPr lang="zh-CN" altLang="en-US" dirty="0" smtClean="0"/>
+              <a:rPr lang="zh-CN" altLang="en-US" dirty="0" smtClean="0">
+                <a:latin typeface="YaHei Consolas Hybrid" pitchFamily="34" charset="-122"/>
+                <a:ea typeface="YaHei Consolas Hybrid" pitchFamily="34" charset="-122"/>
+              </a:rPr>
               <a:t>支持</a:t>
             </a:r>
             <a:r>
-              <a:rPr lang="en-US" altLang="zh-CN" dirty="0" smtClean="0"/>
+              <a:rPr lang="en-US" altLang="zh-CN" dirty="0" smtClean="0">
+                <a:latin typeface="YaHei Consolas Hybrid" pitchFamily="34" charset="-122"/>
+                <a:ea typeface="YaHei Consolas Hybrid" pitchFamily="34" charset="-122"/>
+              </a:rPr>
               <a:t>EJS</a:t>
             </a:r>
             <a:r>
-              <a:rPr lang="zh-CN" altLang="en-US" dirty="0" smtClean="0"/>
+              <a:rPr lang="zh-CN" altLang="en-US" dirty="0" smtClean="0">
+                <a:latin typeface="YaHei Consolas Hybrid" pitchFamily="34" charset="-122"/>
+                <a:ea typeface="YaHei Consolas Hybrid" pitchFamily="34" charset="-122"/>
+              </a:rPr>
               <a:t>、</a:t>
             </a:r>
             <a:r>
-              <a:rPr lang="en-US" altLang="zh-CN" dirty="0" smtClean="0"/>
+              <a:rPr lang="en-US" altLang="zh-CN" dirty="0" smtClean="0">
+                <a:latin typeface="YaHei Consolas Hybrid" pitchFamily="34" charset="-122"/>
+                <a:ea typeface="YaHei Consolas Hybrid" pitchFamily="34" charset="-122"/>
+              </a:rPr>
               <a:t>Mustache</a:t>
             </a:r>
             <a:r>
-              <a:rPr lang="zh-CN" altLang="en-US" dirty="0" smtClean="0"/>
+              <a:rPr lang="zh-CN" altLang="en-US" dirty="0" smtClean="0">
+                <a:latin typeface="YaHei Consolas Hybrid" pitchFamily="34" charset="-122"/>
+                <a:ea typeface="YaHei Consolas Hybrid" pitchFamily="34" charset="-122"/>
+              </a:rPr>
               <a:t>、</a:t>
             </a:r>
             <a:r>
-              <a:rPr lang="en-US" altLang="zh-CN" dirty="0" smtClean="0"/>
+              <a:rPr lang="en-US" altLang="zh-CN" dirty="0" smtClean="0">
+                <a:latin typeface="YaHei Consolas Hybrid" pitchFamily="34" charset="-122"/>
+                <a:ea typeface="YaHei Consolas Hybrid" pitchFamily="34" charset="-122"/>
+              </a:rPr>
               <a:t>Jade</a:t>
             </a:r>
             <a:r>
-              <a:rPr lang="zh-CN" altLang="en-US" dirty="0" smtClean="0"/>
+              <a:rPr lang="zh-CN" altLang="en-US" dirty="0" smtClean="0">
+                <a:latin typeface="YaHei Consolas Hybrid" pitchFamily="34" charset="-122"/>
+                <a:ea typeface="YaHei Consolas Hybrid" pitchFamily="34" charset="-122"/>
+              </a:rPr>
               <a:t>和</a:t>
             </a:r>
             <a:r>
-              <a:rPr lang="en-US" altLang="zh-CN" dirty="0" smtClean="0"/>
+              <a:rPr lang="en-US" altLang="zh-CN" dirty="0" smtClean="0">
+                <a:latin typeface="YaHei Consolas Hybrid" pitchFamily="34" charset="-122"/>
+                <a:ea typeface="YaHei Consolas Hybrid" pitchFamily="34" charset="-122"/>
+              </a:rPr>
               <a:t>Handlebars</a:t>
             </a:r>
             <a:r>
-              <a:rPr lang="zh-CN" altLang="en-US" dirty="0" smtClean="0"/>
+              <a:rPr lang="zh-CN" altLang="en-US" dirty="0" smtClean="0">
+                <a:latin typeface="YaHei Consolas Hybrid" pitchFamily="34" charset="-122"/>
+                <a:ea typeface="YaHei Consolas Hybrid" pitchFamily="34" charset="-122"/>
+              </a:rPr>
               <a:t>模板</a:t>
             </a:r>
-            <a:endParaRPr lang="en-US" altLang="zh-CN" dirty="0" smtClean="0"/>
+            <a:endParaRPr lang="en-US" altLang="zh-CN" dirty="0" smtClean="0">
+              <a:latin typeface="YaHei Consolas Hybrid" pitchFamily="34" charset="-122"/>
+              <a:ea typeface="YaHei Consolas Hybrid" pitchFamily="34" charset="-122"/>
+            </a:endParaRPr>
           </a:p>
           <a:p>
             <a:pPr lvl="1"/>
             <a:r>
-              <a:rPr lang="zh-CN" altLang="en-US" dirty="0" smtClean="0"/>
+              <a:rPr lang="zh-CN" altLang="en-US" dirty="0" smtClean="0">
+                <a:latin typeface="YaHei Consolas Hybrid" pitchFamily="34" charset="-122"/>
+                <a:ea typeface="YaHei Consolas Hybrid" pitchFamily="34" charset="-122"/>
+              </a:rPr>
               <a:t>支持</a:t>
             </a:r>
             <a:r>
-              <a:rPr lang="en-US" altLang="zh-CN" dirty="0" smtClean="0"/>
+              <a:rPr lang="en-US" altLang="zh-CN" dirty="0" smtClean="0">
+                <a:latin typeface="YaHei Consolas Hybrid" pitchFamily="34" charset="-122"/>
+                <a:ea typeface="YaHei Consolas Hybrid" pitchFamily="34" charset="-122"/>
+              </a:rPr>
               <a:t>Stylus</a:t>
             </a:r>
             <a:r>
-              <a:rPr lang="zh-CN" altLang="en-US" dirty="0" smtClean="0"/>
+              <a:rPr lang="zh-CN" altLang="en-US" dirty="0" smtClean="0">
+                <a:latin typeface="YaHei Consolas Hybrid" pitchFamily="34" charset="-122"/>
+                <a:ea typeface="YaHei Consolas Hybrid" pitchFamily="34" charset="-122"/>
+              </a:rPr>
               <a:t>、</a:t>
             </a:r>
             <a:r>
-              <a:rPr lang="en-US" altLang="zh-CN" dirty="0" smtClean="0"/>
+              <a:rPr lang="en-US" altLang="zh-CN" dirty="0" smtClean="0">
+                <a:latin typeface="YaHei Consolas Hybrid" pitchFamily="34" charset="-122"/>
+                <a:ea typeface="YaHei Consolas Hybrid" pitchFamily="34" charset="-122"/>
+              </a:rPr>
               <a:t>Sass</a:t>
             </a:r>
             <a:r>
-              <a:rPr lang="zh-CN" altLang="en-US" dirty="0" smtClean="0"/>
+              <a:rPr lang="zh-CN" altLang="en-US" dirty="0" smtClean="0">
+                <a:latin typeface="YaHei Consolas Hybrid" pitchFamily="34" charset="-122"/>
+                <a:ea typeface="YaHei Consolas Hybrid" pitchFamily="34" charset="-122"/>
+              </a:rPr>
               <a:t>、</a:t>
             </a:r>
             <a:r>
-              <a:rPr lang="en-US" altLang="zh-CN" dirty="0" smtClean="0"/>
+              <a:rPr lang="en-US" altLang="zh-CN" dirty="0" smtClean="0">
+                <a:latin typeface="YaHei Consolas Hybrid" pitchFamily="34" charset="-122"/>
+                <a:ea typeface="YaHei Consolas Hybrid" pitchFamily="34" charset="-122"/>
+              </a:rPr>
               <a:t>Less</a:t>
             </a:r>
           </a:p>
           <a:p>
             <a:pPr lvl="1"/>
             <a:r>
-              <a:rPr lang="zh-CN" altLang="en-US" dirty="0" smtClean="0"/>
+              <a:rPr lang="zh-CN" altLang="en-US" dirty="0" smtClean="0">
+                <a:latin typeface="YaHei Consolas Hybrid" pitchFamily="34" charset="-122"/>
+                <a:ea typeface="YaHei Consolas Hybrid" pitchFamily="34" charset="-122"/>
+              </a:rPr>
               <a:t>支持</a:t>
             </a:r>
             <a:r>
-              <a:rPr lang="en-US" altLang="zh-CN" dirty="0" err="1" smtClean="0"/>
+              <a:rPr lang="en-US" altLang="zh-CN" dirty="0" err="1" smtClean="0">
+                <a:latin typeface="YaHei Consolas Hybrid" pitchFamily="34" charset="-122"/>
+                <a:ea typeface="YaHei Consolas Hybrid" pitchFamily="34" charset="-122"/>
+              </a:rPr>
               <a:t>CoffeeScript</a:t>
             </a:r>
             <a:r>
-              <a:rPr lang="zh-CN" altLang="en-US" dirty="0" smtClean="0"/>
+              <a:rPr lang="zh-CN" altLang="en-US" dirty="0" smtClean="0">
+                <a:latin typeface="YaHei Consolas Hybrid" pitchFamily="34" charset="-122"/>
+                <a:ea typeface="YaHei Consolas Hybrid" pitchFamily="34" charset="-122"/>
+              </a:rPr>
               <a:t>、</a:t>
             </a:r>
             <a:r>
-              <a:rPr lang="en-US" altLang="zh-CN" dirty="0" err="1" smtClean="0"/>
+              <a:rPr lang="en-US" altLang="zh-CN" dirty="0" err="1" smtClean="0">
+                <a:latin typeface="YaHei Consolas Hybrid" pitchFamily="34" charset="-122"/>
+                <a:ea typeface="YaHei Consolas Hybrid" pitchFamily="34" charset="-122"/>
+              </a:rPr>
               <a:t>TypeScript</a:t>
             </a:r>
             <a:r>
-              <a:rPr lang="zh-CN" altLang="en-US" dirty="0" smtClean="0"/>
+              <a:rPr lang="zh-CN" altLang="en-US" dirty="0" smtClean="0">
+                <a:latin typeface="YaHei Consolas Hybrid" pitchFamily="34" charset="-122"/>
+                <a:ea typeface="YaHei Consolas Hybrid" pitchFamily="34" charset="-122"/>
+              </a:rPr>
               <a:t>、</a:t>
             </a:r>
             <a:r>
-              <a:rPr lang="en-US" altLang="zh-CN" dirty="0" smtClean="0"/>
+              <a:rPr lang="en-US" altLang="zh-CN" dirty="0" smtClean="0">
+                <a:latin typeface="YaHei Consolas Hybrid" pitchFamily="34" charset="-122"/>
+                <a:ea typeface="YaHei Consolas Hybrid" pitchFamily="34" charset="-122"/>
+              </a:rPr>
               <a:t>Dart</a:t>
             </a:r>
           </a:p>
           <a:p>
             <a:pPr lvl="1"/>
             <a:r>
-              <a:rPr lang="zh-CN" altLang="en-US" dirty="0" smtClean="0"/>
+              <a:rPr lang="zh-CN" altLang="en-US" dirty="0" smtClean="0">
+                <a:latin typeface="YaHei Consolas Hybrid" pitchFamily="34" charset="-122"/>
+                <a:ea typeface="YaHei Consolas Hybrid" pitchFamily="34" charset="-122"/>
+              </a:rPr>
               <a:t>内置了</a:t>
             </a:r>
             <a:r>
-              <a:rPr lang="en-US" altLang="zh-CN" dirty="0" smtClean="0"/>
+              <a:rPr lang="en-US" altLang="zh-CN" dirty="0" smtClean="0">
+                <a:latin typeface="YaHei Consolas Hybrid" pitchFamily="34" charset="-122"/>
+                <a:ea typeface="YaHei Consolas Hybrid" pitchFamily="34" charset="-122"/>
+              </a:rPr>
               <a:t>Karma test runner</a:t>
             </a:r>
           </a:p>
           <a:p>
             <a:pPr lvl="1"/>
             <a:r>
-              <a:rPr lang="zh-CN" altLang="en-US" dirty="0" smtClean="0"/>
+              <a:rPr lang="zh-CN" altLang="en-US" dirty="0" smtClean="0">
+                <a:latin typeface="YaHei Consolas Hybrid" pitchFamily="34" charset="-122"/>
+                <a:ea typeface="YaHei Consolas Hybrid" pitchFamily="34" charset="-122"/>
+              </a:rPr>
               <a:t>支持</a:t>
             </a:r>
             <a:r>
-              <a:rPr lang="en-US" altLang="zh-CN" dirty="0" smtClean="0"/>
+              <a:rPr lang="en-US" altLang="zh-CN" dirty="0" smtClean="0">
+                <a:latin typeface="YaHei Consolas Hybrid" pitchFamily="34" charset="-122"/>
+                <a:ea typeface="YaHei Consolas Hybrid" pitchFamily="34" charset="-122"/>
+              </a:rPr>
               <a:t>Live Edit</a:t>
             </a:r>
           </a:p>
           <a:p>
             <a:pPr lvl="1"/>
             <a:r>
-              <a:rPr lang="zh-CN" altLang="en-US" dirty="0" smtClean="0"/>
-              <a:t>等等包含了前端应有的功能</a:t>
-            </a:r>
-            <a:endParaRPr lang="en-US" altLang="zh-CN" dirty="0" smtClean="0"/>
+              <a:rPr lang="zh-CN" altLang="en-US" dirty="0" smtClean="0">
+                <a:latin typeface="YaHei Consolas Hybrid" pitchFamily="34" charset="-122"/>
+                <a:ea typeface="YaHei Consolas Hybrid" pitchFamily="34" charset="-122"/>
+              </a:rPr>
+              <a:t>等等前端</a:t>
+            </a:r>
+            <a:r>
+              <a:rPr lang="zh-CN" altLang="en-US" dirty="0" smtClean="0">
+                <a:latin typeface="YaHei Consolas Hybrid" pitchFamily="34" charset="-122"/>
+                <a:ea typeface="YaHei Consolas Hybrid" pitchFamily="34" charset="-122"/>
+              </a:rPr>
+              <a:t>应有的功能</a:t>
+            </a:r>
+            <a:endParaRPr lang="en-US" altLang="zh-CN" dirty="0" smtClean="0">
+              <a:latin typeface="YaHei Consolas Hybrid" pitchFamily="34" charset="-122"/>
+              <a:ea typeface="YaHei Consolas Hybrid" pitchFamily="34" charset="-122"/>
+            </a:endParaRPr>
           </a:p>
           <a:p>
             <a:pPr lvl="1"/>
@@ -9049,10 +9338,10 @@
           <p:nvPr/>
         </p:nvPicPr>
         <p:blipFill>
-          <a:blip r:embed="rId3">
+          <a:blip r:embed="rId3" cstate="print">
             <a:extLst>
               <a:ext uri="{28A0092B-C50C-407E-A947-70E740481C1C}">
-                <a14:useLocalDpi xmlns:a14="http://schemas.microsoft.com/office/drawing/2010/main" val="0"/>
+                <a14:useLocalDpi xmlns:a14="http://schemas.microsoft.com/office/drawing/2010/main" xmlns="" val="0"/>
               </a:ext>
             </a:extLst>
           </a:blip>
@@ -9073,20 +9362,20 @@
     </p:spTree>
     <p:extLst>
       <p:ext uri="{BB962C8B-B14F-4D97-AF65-F5344CB8AC3E}">
-        <p14:creationId xmlns:p14="http://schemas.microsoft.com/office/powerpoint/2010/main" val="4245618278"/>
+        <p14:creationId xmlns:p14="http://schemas.microsoft.com/office/powerpoint/2010/main" xmlns="" val="4245618278"/>
       </p:ext>
     </p:extLst>
   </p:cSld>
   <p:clrMapOvr>
     <a:masterClrMapping/>
   </p:clrMapOvr>
-  <mc:AlternateContent xmlns:mc="http://schemas.openxmlformats.org/markup-compatibility/2006" xmlns:p14="http://schemas.microsoft.com/office/powerpoint/2010/main">
-    <mc:Choice Requires="p14">
+  <mc:AlternateContent xmlns:mc="http://schemas.openxmlformats.org/markup-compatibility/2006">
+    <mc:Choice xmlns:p14="http://schemas.microsoft.com/office/powerpoint/2010/main" xmlns="" Requires="p14">
       <p:transition spd="slow" p14:dur="1500">
         <p14:window dir="vert"/>
       </p:transition>
     </mc:Choice>
-    <mc:Fallback xmlns="">
+    <mc:Fallback>
       <p:transition spd="slow">
         <p:fade/>
       </p:transition>
@@ -10187,6 +10476,23 @@
           <a:bodyPr/>
           <a:lstStyle/>
           <a:p>
+            <a:r>
+              <a:rPr lang="zh-CN" altLang="en-US" dirty="0" smtClean="0">
+                <a:solidFill>
+                  <a:srgbClr val="34221C"/>
+                </a:solidFill>
+                <a:effectLst>
+                  <a:outerShdw blurRad="38100" dist="38100" dir="2700000" algn="tl">
+                    <a:srgbClr val="000000">
+                      <a:alpha val="43137"/>
+                    </a:srgbClr>
+                  </a:outerShdw>
+                </a:effectLst>
+                <a:latin typeface="YaHei Consolas Hybrid" pitchFamily="49" charset="-122"/>
+                <a:ea typeface="YaHei Consolas Hybrid" pitchFamily="49" charset="-122"/>
+              </a:rPr>
+              <a:t>版本控制</a:t>
+            </a:r>
             <a:endParaRPr lang="zh-CN" altLang="en-US" dirty="0">
               <a:solidFill>
                 <a:srgbClr val="34221C"/>
@@ -10220,6 +10526,34 @@
           <a:lstStyle/>
           <a:p>
             <a:pPr lvl="1"/>
+            <a:r>
+              <a:rPr lang="zh-CN" altLang="en-US" dirty="0" smtClean="0">
+                <a:latin typeface="YaHei Consolas Hybrid" pitchFamily="49" charset="-122"/>
+                <a:ea typeface="YaHei Consolas Hybrid" pitchFamily="49" charset="-122"/>
+              </a:rPr>
+              <a:t>文件字体颜色代表的意思</a:t>
+            </a:r>
+            <a:endParaRPr lang="en-US" altLang="zh-CN" dirty="0" smtClean="0">
+              <a:latin typeface="YaHei Consolas Hybrid" pitchFamily="49" charset="-122"/>
+              <a:ea typeface="YaHei Consolas Hybrid" pitchFamily="49" charset="-122"/>
+            </a:endParaRPr>
+          </a:p>
+          <a:p>
+            <a:pPr lvl="1"/>
+            <a:r>
+              <a:rPr lang="zh-CN" altLang="en-US" dirty="0" smtClean="0">
+                <a:latin typeface="YaHei Consolas Hybrid" pitchFamily="49" charset="-122"/>
+                <a:ea typeface="YaHei Consolas Hybrid" pitchFamily="49" charset="-122"/>
+              </a:rPr>
+              <a:t>代码更新</a:t>
+            </a:r>
+            <a:endParaRPr lang="en-US" altLang="zh-CN" dirty="0" smtClean="0">
+              <a:latin typeface="YaHei Consolas Hybrid" pitchFamily="49" charset="-122"/>
+              <a:ea typeface="YaHei Consolas Hybrid" pitchFamily="49" charset="-122"/>
+            </a:endParaRPr>
+          </a:p>
+          <a:p>
+            <a:pPr lvl="1"/>
             <a:endParaRPr lang="en-US" altLang="zh-CN" dirty="0" smtClean="0">
               <a:latin typeface="YaHei Consolas Hybrid" pitchFamily="49" charset="-122"/>
               <a:ea typeface="YaHei Consolas Hybrid" pitchFamily="49" charset="-122"/>
@@ -10236,10 +10570,10 @@
           <p:nvPr/>
         </p:nvPicPr>
         <p:blipFill>
-          <a:blip r:embed="rId3">
+          <a:blip r:embed="rId3" cstate="print">
             <a:extLst>
               <a:ext uri="{28A0092B-C50C-407E-A947-70E740481C1C}">
-                <a14:useLocalDpi xmlns:a14="http://schemas.microsoft.com/office/drawing/2010/main" val="0"/>
+                <a14:useLocalDpi xmlns:a14="http://schemas.microsoft.com/office/drawing/2010/main" xmlns="" val="0"/>
               </a:ext>
             </a:extLst>
           </a:blip>
@@ -10257,23 +10591,181 @@
           </a:prstGeom>
         </p:spPr>
       </p:pic>
+      <p:graphicFrame>
+        <p:nvGraphicFramePr>
+          <p:cNvPr id="9" name="表格 8"/>
+          <p:cNvGraphicFramePr>
+            <a:graphicFrameLocks noGrp="1"/>
+          </p:cNvGraphicFramePr>
+          <p:nvPr/>
+        </p:nvGraphicFramePr>
+        <p:xfrm>
+          <a:off x="1547664" y="908720"/>
+          <a:ext cx="6096000" cy="1010920"/>
+        </p:xfrm>
+        <a:graphic>
+          <a:graphicData uri="http://schemas.openxmlformats.org/drawingml/2006/table">
+            <a:tbl>
+              <a:tblPr firstRow="1" bandRow="1">
+                <a:tableStyleId>{5C22544A-7EE6-4342-B048-85BDC9FD1C3A}</a:tableStyleId>
+              </a:tblPr>
+              <a:tblGrid>
+                <a:gridCol w="1524000"/>
+                <a:gridCol w="1524000"/>
+                <a:gridCol w="1524000"/>
+                <a:gridCol w="1524000"/>
+              </a:tblGrid>
+              <a:tr h="370840">
+                <a:tc>
+                  <a:txBody>
+                    <a:bodyPr/>
+                    <a:lstStyle/>
+                    <a:p>
+                      <a:r>
+                        <a:rPr lang="zh-CN" altLang="en-US" dirty="0" smtClean="0"/>
+                        <a:t>灰色</a:t>
+                      </a:r>
+                      <a:endParaRPr lang="zh-CN" altLang="en-US" dirty="0"/>
+                    </a:p>
+                  </a:txBody>
+                  <a:tcPr>
+                    <a:solidFill>
+                      <a:schemeClr val="bg1">
+                        <a:lumMod val="65000"/>
+                      </a:schemeClr>
+                    </a:solidFill>
+                  </a:tcPr>
+                </a:tc>
+                <a:tc>
+                  <a:txBody>
+                    <a:bodyPr/>
+                    <a:lstStyle/>
+                    <a:p>
+                      <a:r>
+                        <a:rPr lang="zh-CN" altLang="en-US" dirty="0" smtClean="0"/>
+                        <a:t>红色</a:t>
+                      </a:r>
+                      <a:endParaRPr lang="zh-CN" altLang="en-US" dirty="0"/>
+                    </a:p>
+                  </a:txBody>
+                  <a:tcPr>
+                    <a:solidFill>
+                      <a:srgbClr val="C00000"/>
+                    </a:solidFill>
+                  </a:tcPr>
+                </a:tc>
+                <a:tc>
+                  <a:txBody>
+                    <a:bodyPr/>
+                    <a:lstStyle/>
+                    <a:p>
+                      <a:r>
+                        <a:rPr lang="zh-CN" altLang="en-US" dirty="0" smtClean="0"/>
+                        <a:t>绿色</a:t>
+                      </a:r>
+                      <a:endParaRPr lang="zh-CN" altLang="en-US" dirty="0"/>
+                    </a:p>
+                  </a:txBody>
+                  <a:tcPr>
+                    <a:solidFill>
+                      <a:srgbClr val="00B050"/>
+                    </a:solidFill>
+                  </a:tcPr>
+                </a:tc>
+                <a:tc>
+                  <a:txBody>
+                    <a:bodyPr/>
+                    <a:lstStyle/>
+                    <a:p>
+                      <a:r>
+                        <a:rPr lang="zh-CN" altLang="en-US" dirty="0" smtClean="0"/>
+                        <a:t>蓝色</a:t>
+                      </a:r>
+                      <a:endParaRPr lang="zh-CN" altLang="en-US" dirty="0"/>
+                    </a:p>
+                  </a:txBody>
+                  <a:tcPr/>
+                </a:tc>
+              </a:tr>
+              <a:tr h="370840">
+                <a:tc>
+                  <a:txBody>
+                    <a:bodyPr/>
+                    <a:lstStyle/>
+                    <a:p>
+                      <a:r>
+                        <a:rPr lang="zh-CN" altLang="en-US" dirty="0" smtClean="0"/>
+                        <a:t>不加入版本控制的文件</a:t>
+                      </a:r>
+                      <a:endParaRPr lang="zh-CN" altLang="en-US" dirty="0"/>
+                    </a:p>
+                  </a:txBody>
+                  <a:tcPr/>
+                </a:tc>
+                <a:tc>
+                  <a:txBody>
+                    <a:bodyPr/>
+                    <a:lstStyle/>
+                    <a:p>
+                      <a:r>
+                        <a:rPr lang="zh-CN" altLang="en-US" dirty="0" smtClean="0"/>
+                        <a:t>未加入版本控制的文件</a:t>
+                      </a:r>
+                      <a:endParaRPr lang="zh-CN" altLang="en-US" dirty="0"/>
+                    </a:p>
+                  </a:txBody>
+                  <a:tcPr/>
+                </a:tc>
+                <a:tc>
+                  <a:txBody>
+                    <a:bodyPr/>
+                    <a:lstStyle/>
+                    <a:p>
+                      <a:r>
+                        <a:rPr lang="zh-CN" altLang="en-US" dirty="0" smtClean="0"/>
+                        <a:t>已加入版本控件的文件</a:t>
+                      </a:r>
+                      <a:endParaRPr lang="zh-CN" altLang="en-US" dirty="0"/>
+                    </a:p>
+                  </a:txBody>
+                  <a:tcPr/>
+                </a:tc>
+                <a:tc>
+                  <a:txBody>
+                    <a:bodyPr/>
+                    <a:lstStyle/>
+                    <a:p>
+                      <a:r>
+                        <a:rPr lang="zh-CN" altLang="en-US" dirty="0" smtClean="0"/>
+                        <a:t>已修改的文件</a:t>
+                      </a:r>
+                      <a:endParaRPr lang="zh-CN" altLang="en-US" dirty="0"/>
+                    </a:p>
+                  </a:txBody>
+                  <a:tcPr/>
+                </a:tc>
+              </a:tr>
+            </a:tbl>
+          </a:graphicData>
+        </a:graphic>
+      </p:graphicFrame>
     </p:spTree>
     <p:extLst>
       <p:ext uri="{BB962C8B-B14F-4D97-AF65-F5344CB8AC3E}">
-        <p14:creationId xmlns:p14="http://schemas.microsoft.com/office/powerpoint/2010/main" val="3461232025"/>
+        <p14:creationId xmlns:p14="http://schemas.microsoft.com/office/powerpoint/2010/main" xmlns="" val="3461232025"/>
       </p:ext>
     </p:extLst>
   </p:cSld>
   <p:clrMapOvr>
     <a:masterClrMapping/>
   </p:clrMapOvr>
-  <mc:AlternateContent xmlns:mc="http://schemas.openxmlformats.org/markup-compatibility/2006" xmlns:p14="http://schemas.microsoft.com/office/powerpoint/2010/main">
-    <mc:Choice Requires="p14">
+  <mc:AlternateContent xmlns:mc="http://schemas.openxmlformats.org/markup-compatibility/2006">
+    <mc:Choice xmlns:p14="http://schemas.microsoft.com/office/powerpoint/2010/main" xmlns="" Requires="p14">
       <p:transition spd="slow" p14:dur="1500">
         <p14:window dir="vert"/>
       </p:transition>
     </mc:Choice>
-    <mc:Fallback xmlns="">
+    <mc:Fallback>
       <p:transition spd="slow">
         <p:fade/>
       </p:transition>
@@ -10300,15 +10792,10 @@
                             </p:stCondLst>
                             <p:childTnLst>
                               <p:par>
-                                <p:cTn id="5" presetID="2" presetClass="entr" presetSubtype="4" fill="hold" nodeType="clickEffect" nodePh="1">
+                                <p:cTn id="5" presetID="2" presetClass="entr" presetSubtype="4" fill="hold" nodeType="clickEffect">
                                   <p:stCondLst>
                                     <p:cond delay="0"/>
                                   </p:stCondLst>
-                                  <p:endCondLst>
-                                    <p:cond evt="begin" delay="0">
-                                      <p:tn val="5"/>
-                                    </p:cond>
-                                  </p:endCondLst>
                                   <p:childTnLst>
                                     <p:set>
                                       <p:cBhvr>
@@ -10395,189 +10882,27 @@
                       </p:childTnLst>
                     </p:cTn>
                   </p:par>
-                </p:childTnLst>
-              </p:cTn>
-              <p:prevCondLst>
-                <p:cond evt="onPrev" delay="0">
-                  <p:tgtEl>
-                    <p:sldTgt/>
-                  </p:tgtEl>
-                </p:cond>
-              </p:prevCondLst>
-              <p:nextCondLst>
-                <p:cond evt="onNext" delay="0">
-                  <p:tgtEl>
-                    <p:sldTgt/>
-                  </p:tgtEl>
-                </p:cond>
-              </p:nextCondLst>
-            </p:seq>
-          </p:childTnLst>
-        </p:cTn>
-      </p:par>
-    </p:tnLst>
-  </p:timing>
-</p:sld>
-</file>
-
-<file path=ppt/slides/slide9.xml><?xml version="1.0" encoding="utf-8"?>
-<p:sld xmlns:a="http://schemas.openxmlformats.org/drawingml/2006/main" xmlns:r="http://schemas.openxmlformats.org/officeDocument/2006/relationships" xmlns:p="http://schemas.openxmlformats.org/presentationml/2006/main">
-  <p:cSld>
-    <p:spTree>
-      <p:nvGrpSpPr>
-        <p:cNvPr id="1" name=""/>
-        <p:cNvGrpSpPr/>
-        <p:nvPr/>
-      </p:nvGrpSpPr>
-      <p:grpSpPr>
-        <a:xfrm>
-          <a:off x="0" y="0"/>
-          <a:ext cx="0" cy="0"/>
-          <a:chOff x="0" y="0"/>
-          <a:chExt cx="0" cy="0"/>
-        </a:xfrm>
-      </p:grpSpPr>
-      <p:sp>
-        <p:nvSpPr>
-          <p:cNvPr id="2" name="标题 1"/>
-          <p:cNvSpPr>
-            <a:spLocks noGrp="1"/>
-          </p:cNvSpPr>
-          <p:nvPr>
-            <p:ph type="title"/>
-          </p:nvPr>
-        </p:nvSpPr>
-        <p:spPr/>
-        <p:txBody>
-          <a:bodyPr/>
-          <a:lstStyle/>
-          <a:p>
-            <a:endParaRPr lang="zh-CN" altLang="en-US" dirty="0">
-              <a:solidFill>
-                <a:srgbClr val="34221C"/>
-              </a:solidFill>
-              <a:effectLst>
-                <a:outerShdw blurRad="38100" dist="38100" dir="2700000" algn="tl">
-                  <a:srgbClr val="000000">
-                    <a:alpha val="43137"/>
-                  </a:srgbClr>
-                </a:outerShdw>
-              </a:effectLst>
-              <a:latin typeface="YaHei Consolas Hybrid" pitchFamily="49" charset="-122"/>
-              <a:ea typeface="YaHei Consolas Hybrid" pitchFamily="49" charset="-122"/>
-            </a:endParaRPr>
-          </a:p>
-        </p:txBody>
-      </p:sp>
-      <p:sp>
-        <p:nvSpPr>
-          <p:cNvPr id="3" name="内容占位符 2"/>
-          <p:cNvSpPr>
-            <a:spLocks noGrp="1"/>
-          </p:cNvSpPr>
-          <p:nvPr>
-            <p:ph idx="1"/>
-          </p:nvPr>
-        </p:nvSpPr>
-        <p:spPr/>
-        <p:txBody>
-          <a:bodyPr/>
-          <a:lstStyle/>
-          <a:p>
-            <a:pPr lvl="1"/>
-            <a:endParaRPr lang="en-US" altLang="zh-CN" dirty="0" smtClean="0">
-              <a:latin typeface="YaHei Consolas Hybrid" pitchFamily="49" charset="-122"/>
-              <a:ea typeface="YaHei Consolas Hybrid" pitchFamily="49" charset="-122"/>
-            </a:endParaRPr>
-          </a:p>
-        </p:txBody>
-      </p:sp>
-      <p:pic>
-        <p:nvPicPr>
-          <p:cNvPr id="7" name="图片 6"/>
-          <p:cNvPicPr>
-            <a:picLocks noChangeAspect="1"/>
-          </p:cNvPicPr>
-          <p:nvPr/>
-        </p:nvPicPr>
-        <p:blipFill>
-          <a:blip r:embed="rId3">
-            <a:extLst>
-              <a:ext uri="{28A0092B-C50C-407E-A947-70E740481C1C}">
-                <a14:useLocalDpi xmlns:a14="http://schemas.microsoft.com/office/drawing/2010/main" val="0"/>
-              </a:ext>
-            </a:extLst>
-          </a:blip>
-          <a:stretch>
-            <a:fillRect/>
-          </a:stretch>
-        </p:blipFill>
-        <p:spPr>
-          <a:xfrm>
-            <a:off x="7092280" y="6278234"/>
-            <a:ext cx="1933845" cy="523948"/>
-          </a:xfrm>
-          <a:prstGeom prst="rect">
-            <a:avLst/>
-          </a:prstGeom>
-        </p:spPr>
-      </p:pic>
-    </p:spTree>
-    <p:extLst>
-      <p:ext uri="{BB962C8B-B14F-4D97-AF65-F5344CB8AC3E}">
-        <p14:creationId xmlns:p14="http://schemas.microsoft.com/office/powerpoint/2010/main" val="2874167865"/>
-      </p:ext>
-    </p:extLst>
-  </p:cSld>
-  <p:clrMapOvr>
-    <a:masterClrMapping/>
-  </p:clrMapOvr>
-  <mc:AlternateContent xmlns:mc="http://schemas.openxmlformats.org/markup-compatibility/2006" xmlns:p14="http://schemas.microsoft.com/office/powerpoint/2010/main">
-    <mc:Choice Requires="p14">
-      <p:transition spd="slow" p14:dur="1500">
-        <p14:window dir="vert"/>
-      </p:transition>
-    </mc:Choice>
-    <mc:Fallback xmlns="">
-      <p:transition spd="slow">
-        <p:fade/>
-      </p:transition>
-    </mc:Fallback>
-  </mc:AlternateContent>
-  <p:timing>
-    <p:tnLst>
-      <p:par>
-        <p:cTn id="1" dur="indefinite" restart="never" nodeType="tmRoot">
-          <p:childTnLst>
-            <p:seq concurrent="1" nextAc="seek">
-              <p:cTn id="2" dur="indefinite" nodeType="mainSeq">
-                <p:childTnLst>
                   <p:par>
-                    <p:cTn id="3" fill="hold">
+                    <p:cTn id="9" fill="hold">
                       <p:stCondLst>
                         <p:cond delay="indefinite"/>
                       </p:stCondLst>
                       <p:childTnLst>
                         <p:par>
-                          <p:cTn id="4" fill="hold">
+                          <p:cTn id="10" fill="hold">
                             <p:stCondLst>
                               <p:cond delay="0"/>
                             </p:stCondLst>
                             <p:childTnLst>
                               <p:par>
-                                <p:cTn id="5" presetID="2" presetClass="entr" presetSubtype="4" fill="hold" nodeType="clickEffect" nodePh="1">
+                                <p:cTn id="11" presetID="2" presetClass="entr" presetSubtype="4" fill="hold" nodeType="clickEffect">
                                   <p:stCondLst>
                                     <p:cond delay="0"/>
                                   </p:stCondLst>
-                                  <p:endCondLst>
-                                    <p:cond evt="begin" delay="0">
-                                      <p:tn val="5"/>
-                                    </p:cond>
-                                  </p:endCondLst>
                                   <p:childTnLst>
                                     <p:set>
                                       <p:cBhvr>
-                                        <p:cTn id="6" dur="1" fill="hold">
+                                        <p:cTn id="12" dur="1" fill="hold">
                                           <p:stCondLst>
                                             <p:cond delay="0"/>
                                           </p:stCondLst>
@@ -10585,7 +10910,7 @@
                                         <p:tgtEl>
                                           <p:spTgt spid="3">
                                             <p:txEl>
-                                              <p:pRg st="0" end="0"/>
+                                              <p:pRg st="1" end="1"/>
                                             </p:txEl>
                                           </p:spTgt>
                                         </p:tgtEl>
@@ -10599,11 +10924,11 @@
                                     </p:set>
                                     <p:anim calcmode="lin" valueType="num">
                                       <p:cBhvr additive="base">
-                                        <p:cTn id="7" dur="500" fill="hold"/>
+                                        <p:cTn id="13" dur="500" fill="hold"/>
                                         <p:tgtEl>
                                           <p:spTgt spid="3">
                                             <p:txEl>
-                                              <p:pRg st="0" end="0"/>
+                                              <p:pRg st="1" end="1"/>
                                             </p:txEl>
                                           </p:spTgt>
                                         </p:tgtEl>
@@ -10626,11 +10951,11 @@
                                     </p:anim>
                                     <p:anim calcmode="lin" valueType="num">
                                       <p:cBhvr additive="base">
-                                        <p:cTn id="8" dur="500" fill="hold"/>
+                                        <p:cTn id="14" dur="500" fill="hold"/>
                                         <p:tgtEl>
                                           <p:spTgt spid="3">
                                             <p:txEl>
-                                              <p:pRg st="0" end="0"/>
+                                              <p:pRg st="1" end="1"/>
                                             </p:txEl>
                                           </p:spTgt>
                                         </p:tgtEl>
@@ -10679,6 +11004,223 @@
             </p:seq>
           </p:childTnLst>
         </p:cTn>
+      </p:par>
+    </p:tnLst>
+  </p:timing>
+</p:sld>
+</file>
+
+<file path=ppt/slides/slide9.xml><?xml version="1.0" encoding="utf-8"?>
+<p:sld xmlns:a="http://schemas.openxmlformats.org/drawingml/2006/main" xmlns:r="http://schemas.openxmlformats.org/officeDocument/2006/relationships" xmlns:p="http://schemas.openxmlformats.org/presentationml/2006/main">
+  <p:cSld>
+    <p:spTree>
+      <p:nvGrpSpPr>
+        <p:cNvPr id="1" name=""/>
+        <p:cNvGrpSpPr/>
+        <p:nvPr/>
+      </p:nvGrpSpPr>
+      <p:grpSpPr>
+        <a:xfrm>
+          <a:off x="0" y="0"/>
+          <a:ext cx="0" cy="0"/>
+          <a:chOff x="0" y="0"/>
+          <a:chExt cx="0" cy="0"/>
+        </a:xfrm>
+      </p:grpSpPr>
+      <p:sp>
+        <p:nvSpPr>
+          <p:cNvPr id="2" name="标题 1"/>
+          <p:cNvSpPr>
+            <a:spLocks noGrp="1"/>
+          </p:cNvSpPr>
+          <p:nvPr>
+            <p:ph type="title"/>
+          </p:nvPr>
+        </p:nvSpPr>
+        <p:spPr/>
+        <p:txBody>
+          <a:bodyPr/>
+          <a:lstStyle/>
+          <a:p>
+            <a:r>
+              <a:rPr lang="zh-CN" altLang="en-US" dirty="0" smtClean="0">
+                <a:solidFill>
+                  <a:srgbClr val="34221C"/>
+                </a:solidFill>
+                <a:effectLst>
+                  <a:outerShdw blurRad="38100" dist="38100" dir="2700000" algn="tl">
+                    <a:srgbClr val="000000">
+                      <a:alpha val="43137"/>
+                    </a:srgbClr>
+                  </a:outerShdw>
+                </a:effectLst>
+                <a:latin typeface="YaHei Consolas Hybrid" pitchFamily="49" charset="-122"/>
+                <a:ea typeface="YaHei Consolas Hybrid" pitchFamily="49" charset="-122"/>
+              </a:rPr>
+              <a:t>本地历史功能</a:t>
+            </a:r>
+            <a:endParaRPr lang="zh-CN" altLang="en-US" dirty="0">
+              <a:solidFill>
+                <a:srgbClr val="34221C"/>
+              </a:solidFill>
+              <a:effectLst>
+                <a:outerShdw blurRad="38100" dist="38100" dir="2700000" algn="tl">
+                  <a:srgbClr val="000000">
+                    <a:alpha val="43137"/>
+                  </a:srgbClr>
+                </a:outerShdw>
+              </a:effectLst>
+              <a:latin typeface="YaHei Consolas Hybrid" pitchFamily="49" charset="-122"/>
+              <a:ea typeface="YaHei Consolas Hybrid" pitchFamily="49" charset="-122"/>
+            </a:endParaRPr>
+          </a:p>
+        </p:txBody>
+      </p:sp>
+      <p:pic>
+        <p:nvPicPr>
+          <p:cNvPr id="7" name="图片 6"/>
+          <p:cNvPicPr>
+            <a:picLocks noChangeAspect="1"/>
+          </p:cNvPicPr>
+          <p:nvPr/>
+        </p:nvPicPr>
+        <p:blipFill>
+          <a:blip r:embed="rId3" cstate="print">
+            <a:extLst>
+              <a:ext uri="{28A0092B-C50C-407E-A947-70E740481C1C}">
+                <a14:useLocalDpi xmlns:a14="http://schemas.microsoft.com/office/drawing/2010/main" xmlns="" val="0"/>
+              </a:ext>
+            </a:extLst>
+          </a:blip>
+          <a:stretch>
+            <a:fillRect/>
+          </a:stretch>
+        </p:blipFill>
+        <p:spPr>
+          <a:xfrm>
+            <a:off x="7092280" y="6278234"/>
+            <a:ext cx="1933845" cy="523948"/>
+          </a:xfrm>
+          <a:prstGeom prst="rect">
+            <a:avLst/>
+          </a:prstGeom>
+        </p:spPr>
+      </p:pic>
+      <p:sp>
+        <p:nvSpPr>
+          <p:cNvPr id="8" name="动作按钮: 前进或下一项 7">
+            <a:hlinkClick r:id="rId4" action="ppaction://program" highlightClick="1"/>
+          </p:cNvPr>
+          <p:cNvSpPr/>
+          <p:nvPr/>
+        </p:nvSpPr>
+        <p:spPr>
+          <a:xfrm>
+            <a:off x="3851920" y="3501008"/>
+            <a:ext cx="576064" cy="432048"/>
+          </a:xfrm>
+          <a:prstGeom prst="actionButtonForwardNext">
+            <a:avLst/>
+          </a:prstGeom>
+        </p:spPr>
+        <p:style>
+          <a:lnRef idx="2">
+            <a:schemeClr val="accent1">
+              <a:shade val="50000"/>
+            </a:schemeClr>
+          </a:lnRef>
+          <a:fillRef idx="1">
+            <a:schemeClr val="accent1"/>
+          </a:fillRef>
+          <a:effectRef idx="0">
+            <a:schemeClr val="accent1"/>
+          </a:effectRef>
+          <a:fontRef idx="minor">
+            <a:schemeClr val="lt1"/>
+          </a:fontRef>
+        </p:style>
+        <p:txBody>
+          <a:bodyPr rtlCol="0" anchor="ctr"/>
+          <a:lstStyle/>
+          <a:p>
+            <a:pPr algn="ctr"/>
+            <a:endParaRPr lang="zh-CN" altLang="en-US"/>
+          </a:p>
+        </p:txBody>
+      </p:sp>
+      <p:sp>
+        <p:nvSpPr>
+          <p:cNvPr id="9" name="内容占位符 8"/>
+          <p:cNvSpPr>
+            <a:spLocks noGrp="1"/>
+          </p:cNvSpPr>
+          <p:nvPr>
+            <p:ph idx="1"/>
+          </p:nvPr>
+        </p:nvSpPr>
+        <p:spPr/>
+        <p:txBody>
+          <a:bodyPr/>
+          <a:lstStyle/>
+          <a:p>
+            <a:r>
+              <a:rPr lang="zh-CN" altLang="en-US" dirty="0" smtClean="0"/>
+              <a:t>工</a:t>
+            </a:r>
+            <a:endParaRPr lang="zh-CN" altLang="en-US" dirty="0"/>
+          </a:p>
+        </p:txBody>
+      </p:sp>
+      <p:pic>
+        <p:nvPicPr>
+          <p:cNvPr id="10" name="图片 9" descr="local-history1.jpg"/>
+          <p:cNvPicPr>
+            <a:picLocks noChangeAspect="1"/>
+          </p:cNvPicPr>
+          <p:nvPr/>
+        </p:nvPicPr>
+        <p:blipFill>
+          <a:blip r:embed="rId5" cstate="print"/>
+          <a:stretch>
+            <a:fillRect/>
+          </a:stretch>
+        </p:blipFill>
+        <p:spPr>
+          <a:xfrm>
+            <a:off x="0" y="1700808"/>
+            <a:ext cx="9144000" cy="2532482"/>
+          </a:xfrm>
+          <a:prstGeom prst="rect">
+            <a:avLst/>
+          </a:prstGeom>
+        </p:spPr>
+      </p:pic>
+    </p:spTree>
+    <p:extLst>
+      <p:ext uri="{BB962C8B-B14F-4D97-AF65-F5344CB8AC3E}">
+        <p14:creationId xmlns:p14="http://schemas.microsoft.com/office/powerpoint/2010/main" xmlns="" val="2874167865"/>
+      </p:ext>
+    </p:extLst>
+  </p:cSld>
+  <p:clrMapOvr>
+    <a:masterClrMapping/>
+  </p:clrMapOvr>
+  <mc:AlternateContent xmlns:mc="http://schemas.openxmlformats.org/markup-compatibility/2006">
+    <mc:Choice xmlns:p14="http://schemas.microsoft.com/office/powerpoint/2010/main" xmlns="" Requires="p14">
+      <p:transition spd="slow" p14:dur="1500">
+        <p14:window dir="vert"/>
+      </p:transition>
+    </mc:Choice>
+    <mc:Fallback>
+      <p:transition spd="slow">
+        <p:fade/>
+      </p:transition>
+    </mc:Fallback>
+  </mc:AlternateContent>
+  <p:timing>
+    <p:tnLst>
+      <p:par>
+        <p:cTn id="1" dur="indefinite" restart="never" nodeType="tmRoot"/>
       </p:par>
     </p:tnLst>
   </p:timing>

--- a/201311/webstorm.pptx
+++ b/201311/webstorm.pptx
@@ -5,7 +5,7 @@
     <p:sldMasterId id="2147483648" r:id="rId1"/>
   </p:sldMasterIdLst>
   <p:notesMasterIdLst>
-    <p:notesMasterId r:id="rId15"/>
+    <p:notesMasterId r:id="rId21"/>
   </p:notesMasterIdLst>
   <p:sldIdLst>
     <p:sldId id="256" r:id="rId2"/>
@@ -17,10 +17,16 @@
     <p:sldId id="305" r:id="rId8"/>
     <p:sldId id="307" r:id="rId9"/>
     <p:sldId id="310" r:id="rId10"/>
-    <p:sldId id="311" r:id="rId11"/>
-    <p:sldId id="313" r:id="rId12"/>
-    <p:sldId id="308" r:id="rId13"/>
-    <p:sldId id="309" r:id="rId14"/>
+    <p:sldId id="314" r:id="rId11"/>
+    <p:sldId id="316" r:id="rId12"/>
+    <p:sldId id="317" r:id="rId13"/>
+    <p:sldId id="315" r:id="rId14"/>
+    <p:sldId id="318" r:id="rId15"/>
+    <p:sldId id="311" r:id="rId16"/>
+    <p:sldId id="319" r:id="rId17"/>
+    <p:sldId id="313" r:id="rId18"/>
+    <p:sldId id="308" r:id="rId19"/>
+    <p:sldId id="309" r:id="rId20"/>
   </p:sldIdLst>
   <p:sldSz cx="9144000" cy="6858000" type="screen4x3"/>
   <p:notesSz cx="6858000" cy="9144000"/>
@@ -374,7 +380,7 @@
     </p:spTree>
     <p:extLst>
       <p:ext uri="{BB962C8B-B14F-4D97-AF65-F5344CB8AC3E}">
-        <p14:creationId xmlns:p14="http://schemas.microsoft.com/office/powerpoint/2010/main" xmlns="" val="1841647330"/>
+        <p14:creationId xmlns:p14="http://schemas.microsoft.com/office/powerpoint/2010/main" val="1841647330"/>
       </p:ext>
     </p:extLst>
   </p:cSld>
@@ -713,7 +719,7 @@
     </p:spTree>
     <p:extLst>
       <p:ext uri="{BB962C8B-B14F-4D97-AF65-F5344CB8AC3E}">
-        <p14:creationId xmlns:p14="http://schemas.microsoft.com/office/powerpoint/2010/main" xmlns="" val="3405078038"/>
+        <p14:creationId xmlns:p14="http://schemas.microsoft.com/office/powerpoint/2010/main" val="3405078038"/>
       </p:ext>
     </p:extLst>
   </p:cSld>
@@ -798,7 +804,7 @@
     </p:spTree>
     <p:extLst>
       <p:ext uri="{BB962C8B-B14F-4D97-AF65-F5344CB8AC3E}">
-        <p14:creationId xmlns:p14="http://schemas.microsoft.com/office/powerpoint/2010/main" xmlns="" val="711686011"/>
+        <p14:creationId xmlns:p14="http://schemas.microsoft.com/office/powerpoint/2010/main" val="711686011"/>
       </p:ext>
     </p:extLst>
   </p:cSld>
@@ -852,277 +858,6 @@
           <a:bodyPr/>
           <a:lstStyle/>
           <a:p>
-            <a:r>
-              <a:rPr lang="zh-CN" altLang="en-US" dirty="0" smtClean="0"/>
-              <a:t>扫地</a:t>
-            </a:r>
-            <a:r>
-              <a:rPr lang="zh-CN" altLang="en-US" dirty="0" smtClean="0"/>
-              <a:t>僧</a:t>
-            </a:r>
-            <a:r>
-              <a:rPr lang="en-US" altLang="zh-CN" dirty="0" smtClean="0"/>
-              <a:t>,</a:t>
-            </a:r>
-            <a:r>
-              <a:rPr lang="zh-CN" altLang="en-US" dirty="0" smtClean="0"/>
-              <a:t>内功深厚</a:t>
-            </a:r>
-            <a:endParaRPr lang="en-US" altLang="zh-CN" dirty="0" smtClean="0"/>
-          </a:p>
-          <a:p>
-            <a:r>
-              <a:rPr lang="zh-CN" altLang="en-US" sz="1200" b="0" i="0" kern="1200" dirty="0" smtClean="0">
-                <a:solidFill>
-                  <a:schemeClr val="tx1"/>
-                </a:solidFill>
-                <a:effectLst/>
-                <a:latin typeface="+mn-lt"/>
-                <a:ea typeface="+mn-ea"/>
-                <a:cs typeface="+mn-cs"/>
-              </a:rPr>
-              <a:t>编辑器只是一个工具而已</a:t>
-            </a:r>
-            <a:r>
-              <a:rPr lang="en-US" altLang="zh-CN" sz="1200" b="0" i="0" kern="1200" dirty="0" smtClean="0">
-                <a:solidFill>
-                  <a:schemeClr val="tx1"/>
-                </a:solidFill>
-                <a:effectLst/>
-                <a:latin typeface="+mn-lt"/>
-                <a:ea typeface="+mn-ea"/>
-                <a:cs typeface="+mn-cs"/>
-              </a:rPr>
-              <a:t>.... </a:t>
-            </a:r>
-            <a:r>
-              <a:rPr lang="zh-CN" altLang="en-US" sz="1200" b="0" i="0" kern="1200" dirty="0" smtClean="0">
-                <a:solidFill>
-                  <a:schemeClr val="tx1"/>
-                </a:solidFill>
-                <a:effectLst/>
-                <a:latin typeface="+mn-lt"/>
-                <a:ea typeface="+mn-ea"/>
-                <a:cs typeface="+mn-cs"/>
-              </a:rPr>
-              <a:t>无所谓用什么 重要的是你的思想</a:t>
-            </a:r>
-            <a:r>
-              <a:rPr lang="en-US" altLang="zh-CN" sz="1200" b="0" i="0" kern="1200" dirty="0" smtClean="0">
-                <a:solidFill>
-                  <a:schemeClr val="tx1"/>
-                </a:solidFill>
-                <a:effectLst/>
-                <a:latin typeface="+mn-lt"/>
-                <a:ea typeface="+mn-ea"/>
-                <a:cs typeface="+mn-cs"/>
-              </a:rPr>
-              <a:t>! </a:t>
-            </a:r>
-            <a:r>
-              <a:rPr lang="zh-CN" altLang="en-US" sz="1200" b="0" i="0" kern="1200" dirty="0" smtClean="0">
-                <a:solidFill>
-                  <a:schemeClr val="tx1"/>
-                </a:solidFill>
-                <a:effectLst/>
-                <a:latin typeface="+mn-lt"/>
-                <a:ea typeface="+mn-ea"/>
-                <a:cs typeface="+mn-cs"/>
-              </a:rPr>
-              <a:t>这就武侠小说中 内力深厚的人 用一根儿稻草都可以压制敌人 少林的扫地僧用的是扫帚</a:t>
-            </a:r>
-            <a:r>
-              <a:rPr lang="en-US" altLang="zh-CN" sz="1200" b="0" i="0" kern="1200" dirty="0" smtClean="0">
-                <a:solidFill>
-                  <a:schemeClr val="tx1"/>
-                </a:solidFill>
-                <a:effectLst/>
-                <a:latin typeface="+mn-lt"/>
-                <a:ea typeface="+mn-ea"/>
-                <a:cs typeface="+mn-cs"/>
-              </a:rPr>
-              <a:t>..... </a:t>
-            </a:r>
-            <a:r>
-              <a:rPr lang="zh-CN" altLang="en-US" sz="1200" b="0" i="0" kern="1200" dirty="0" smtClean="0">
-                <a:solidFill>
-                  <a:schemeClr val="tx1"/>
-                </a:solidFill>
-                <a:effectLst/>
-                <a:latin typeface="+mn-lt"/>
-                <a:ea typeface="+mn-ea"/>
-                <a:cs typeface="+mn-cs"/>
-              </a:rPr>
-              <a:t>不过一件好的兵器会让你觉得心应手 更能发挥出个人的功力</a:t>
-            </a:r>
-            <a:r>
-              <a:rPr lang="en-US" altLang="zh-CN" sz="1200" b="0" i="0" kern="1200" dirty="0" smtClean="0">
-                <a:solidFill>
-                  <a:schemeClr val="tx1"/>
-                </a:solidFill>
-                <a:effectLst/>
-                <a:latin typeface="+mn-lt"/>
-                <a:ea typeface="+mn-ea"/>
-                <a:cs typeface="+mn-cs"/>
-              </a:rPr>
-              <a:t>!! VIM</a:t>
-            </a:r>
-            <a:r>
-              <a:rPr lang="zh-CN" altLang="en-US" sz="1200" b="0" i="0" kern="1200" dirty="0" smtClean="0">
-                <a:solidFill>
-                  <a:schemeClr val="tx1"/>
-                </a:solidFill>
-                <a:effectLst/>
-                <a:latin typeface="+mn-lt"/>
-                <a:ea typeface="+mn-ea"/>
-                <a:cs typeface="+mn-cs"/>
-              </a:rPr>
-              <a:t>也好 </a:t>
-            </a:r>
-            <a:r>
-              <a:rPr lang="en-US" altLang="zh-CN" sz="1200" b="0" i="0" kern="1200" dirty="0" smtClean="0">
-                <a:solidFill>
-                  <a:schemeClr val="tx1"/>
-                </a:solidFill>
-                <a:effectLst/>
-                <a:latin typeface="+mn-lt"/>
-                <a:ea typeface="+mn-ea"/>
-                <a:cs typeface="+mn-cs"/>
-              </a:rPr>
-              <a:t>Dreamweaver</a:t>
-            </a:r>
-            <a:r>
-              <a:rPr lang="zh-CN" altLang="en-US" sz="1200" b="0" i="0" kern="1200" dirty="0" smtClean="0">
-                <a:solidFill>
-                  <a:schemeClr val="tx1"/>
-                </a:solidFill>
-                <a:effectLst/>
-                <a:latin typeface="+mn-lt"/>
-                <a:ea typeface="+mn-ea"/>
-                <a:cs typeface="+mn-cs"/>
-              </a:rPr>
-              <a:t>也好 </a:t>
-            </a:r>
-            <a:r>
-              <a:rPr lang="en-US" altLang="zh-CN" sz="1200" b="0" i="0" kern="1200" dirty="0" smtClean="0">
-                <a:solidFill>
-                  <a:schemeClr val="tx1"/>
-                </a:solidFill>
-                <a:effectLst/>
-                <a:latin typeface="+mn-lt"/>
-                <a:ea typeface="+mn-ea"/>
-                <a:cs typeface="+mn-cs"/>
-              </a:rPr>
-              <a:t>sublime</a:t>
-            </a:r>
-            <a:r>
-              <a:rPr lang="en-US" altLang="zh-CN" sz="1200" b="0" i="0" kern="1200" baseline="0" dirty="0" smtClean="0">
-                <a:solidFill>
-                  <a:schemeClr val="tx1"/>
-                </a:solidFill>
-                <a:effectLst/>
-                <a:latin typeface="+mn-lt"/>
-                <a:ea typeface="+mn-ea"/>
-                <a:cs typeface="+mn-cs"/>
-              </a:rPr>
-              <a:t> text</a:t>
-            </a:r>
-            <a:r>
-              <a:rPr lang="zh-CN" altLang="en-US" sz="1200" b="0" i="0" kern="1200" dirty="0" smtClean="0">
-                <a:solidFill>
-                  <a:schemeClr val="tx1"/>
-                </a:solidFill>
-                <a:effectLst/>
-                <a:latin typeface="+mn-lt"/>
-                <a:ea typeface="+mn-ea"/>
-                <a:cs typeface="+mn-cs"/>
-              </a:rPr>
-              <a:t>也好 不管谁是唐家霸王枪 谁是兵器排名谱第一名</a:t>
-            </a:r>
-            <a:r>
-              <a:rPr lang="en-US" altLang="zh-CN" sz="1200" b="0" i="0" kern="1200" dirty="0" smtClean="0">
-                <a:solidFill>
-                  <a:schemeClr val="tx1"/>
-                </a:solidFill>
-                <a:effectLst/>
-                <a:latin typeface="+mn-lt"/>
-                <a:ea typeface="+mn-ea"/>
-                <a:cs typeface="+mn-cs"/>
-              </a:rPr>
-              <a:t>? </a:t>
-            </a:r>
-            <a:r>
-              <a:rPr lang="zh-CN" altLang="en-US" sz="1200" b="0" i="0" kern="1200" dirty="0" smtClean="0">
-                <a:solidFill>
-                  <a:schemeClr val="tx1"/>
-                </a:solidFill>
-                <a:effectLst/>
-                <a:latin typeface="+mn-lt"/>
-                <a:ea typeface="+mn-ea"/>
-                <a:cs typeface="+mn-cs"/>
-              </a:rPr>
-              <a:t>其实真的都无所谓</a:t>
-            </a:r>
-            <a:r>
-              <a:rPr lang="en-US" altLang="zh-CN" sz="1200" b="0" i="0" kern="1200" dirty="0" smtClean="0">
-                <a:solidFill>
-                  <a:schemeClr val="tx1"/>
-                </a:solidFill>
-                <a:effectLst/>
-                <a:latin typeface="+mn-lt"/>
-                <a:ea typeface="+mn-ea"/>
-                <a:cs typeface="+mn-cs"/>
-              </a:rPr>
-              <a:t>! </a:t>
-            </a:r>
-            <a:r>
-              <a:rPr lang="zh-CN" altLang="en-US" sz="1200" b="0" i="0" kern="1200" dirty="0" smtClean="0">
-                <a:solidFill>
-                  <a:schemeClr val="tx1"/>
-                </a:solidFill>
-                <a:effectLst/>
-                <a:latin typeface="+mn-lt"/>
-                <a:ea typeface="+mn-ea"/>
-                <a:cs typeface="+mn-cs"/>
-              </a:rPr>
-              <a:t>剑宗 气宗之争本身就是无稽之谈</a:t>
-            </a:r>
-            <a:r>
-              <a:rPr lang="en-US" altLang="zh-CN" sz="1200" b="0" i="0" kern="1200" dirty="0" smtClean="0">
-                <a:solidFill>
-                  <a:schemeClr val="tx1"/>
-                </a:solidFill>
-                <a:effectLst/>
-                <a:latin typeface="+mn-lt"/>
-                <a:ea typeface="+mn-ea"/>
-                <a:cs typeface="+mn-cs"/>
-              </a:rPr>
-              <a:t>! </a:t>
-            </a:r>
-            <a:r>
-              <a:rPr lang="zh-CN" altLang="en-US" sz="1200" b="0" i="0" kern="1200" dirty="0" smtClean="0">
-                <a:solidFill>
-                  <a:schemeClr val="tx1"/>
-                </a:solidFill>
-                <a:effectLst/>
-                <a:latin typeface="+mn-lt"/>
-                <a:ea typeface="+mn-ea"/>
-                <a:cs typeface="+mn-cs"/>
-              </a:rPr>
-              <a:t>只有内力深厚 你可以把所有的兵器都能信手拈来</a:t>
-            </a:r>
-            <a:r>
-              <a:rPr lang="en-US" altLang="zh-CN" sz="1200" b="0" i="0" kern="1200" dirty="0" smtClean="0">
-                <a:solidFill>
-                  <a:schemeClr val="tx1"/>
-                </a:solidFill>
-                <a:effectLst/>
-                <a:latin typeface="+mn-lt"/>
-                <a:ea typeface="+mn-ea"/>
-                <a:cs typeface="+mn-cs"/>
-              </a:rPr>
-              <a:t>! </a:t>
-            </a:r>
             <a:endParaRPr lang="zh-CN" altLang="en-US" dirty="0"/>
           </a:p>
         </p:txBody>
@@ -1154,7 +889,7 @@
     </p:spTree>
     <p:extLst>
       <p:ext uri="{BB962C8B-B14F-4D97-AF65-F5344CB8AC3E}">
-        <p14:creationId xmlns:p14="http://schemas.microsoft.com/office/powerpoint/2010/main" xmlns="" val="711686011"/>
+        <p14:creationId xmlns:p14="http://schemas.microsoft.com/office/powerpoint/2010/main" val="711686011"/>
       </p:ext>
     </p:extLst>
   </p:cSld>
@@ -1239,7 +974,7 @@
     </p:spTree>
     <p:extLst>
       <p:ext uri="{BB962C8B-B14F-4D97-AF65-F5344CB8AC3E}">
-        <p14:creationId xmlns:p14="http://schemas.microsoft.com/office/powerpoint/2010/main" xmlns="" val="711686011"/>
+        <p14:creationId xmlns:p14="http://schemas.microsoft.com/office/powerpoint/2010/main" val="711686011"/>
       </p:ext>
     </p:extLst>
   </p:cSld>
@@ -1324,7 +1059,784 @@
     </p:spTree>
     <p:extLst>
       <p:ext uri="{BB962C8B-B14F-4D97-AF65-F5344CB8AC3E}">
-        <p14:creationId xmlns:p14="http://schemas.microsoft.com/office/powerpoint/2010/main" xmlns="" val="711686011"/>
+        <p14:creationId xmlns:p14="http://schemas.microsoft.com/office/powerpoint/2010/main" val="711686011"/>
+      </p:ext>
+    </p:extLst>
+  </p:cSld>
+  <p:clrMapOvr>
+    <a:masterClrMapping/>
+  </p:clrMapOvr>
+</p:notes>
+</file>
+
+<file path=ppt/notesSlides/notesSlide14.xml><?xml version="1.0" encoding="utf-8"?>
+<p:notes xmlns:a="http://schemas.openxmlformats.org/drawingml/2006/main" xmlns:r="http://schemas.openxmlformats.org/officeDocument/2006/relationships" xmlns:p="http://schemas.openxmlformats.org/presentationml/2006/main">
+  <p:cSld>
+    <p:spTree>
+      <p:nvGrpSpPr>
+        <p:cNvPr id="1" name=""/>
+        <p:cNvGrpSpPr/>
+        <p:nvPr/>
+      </p:nvGrpSpPr>
+      <p:grpSpPr>
+        <a:xfrm>
+          <a:off x="0" y="0"/>
+          <a:ext cx="0" cy="0"/>
+          <a:chOff x="0" y="0"/>
+          <a:chExt cx="0" cy="0"/>
+        </a:xfrm>
+      </p:grpSpPr>
+      <p:sp>
+        <p:nvSpPr>
+          <p:cNvPr id="2" name="幻灯片图像占位符 1"/>
+          <p:cNvSpPr>
+            <a:spLocks noGrp="1" noRot="1" noChangeAspect="1"/>
+          </p:cNvSpPr>
+          <p:nvPr>
+            <p:ph type="sldImg"/>
+          </p:nvPr>
+        </p:nvSpPr>
+        <p:spPr/>
+      </p:sp>
+      <p:sp>
+        <p:nvSpPr>
+          <p:cNvPr id="3" name="备注占位符 2"/>
+          <p:cNvSpPr>
+            <a:spLocks noGrp="1"/>
+          </p:cNvSpPr>
+          <p:nvPr>
+            <p:ph type="body" idx="1"/>
+          </p:nvPr>
+        </p:nvSpPr>
+        <p:spPr/>
+        <p:txBody>
+          <a:bodyPr/>
+          <a:lstStyle/>
+          <a:p>
+            <a:endParaRPr lang="zh-CN" altLang="en-US" dirty="0"/>
+          </a:p>
+        </p:txBody>
+      </p:sp>
+      <p:sp>
+        <p:nvSpPr>
+          <p:cNvPr id="4" name="灯片编号占位符 3"/>
+          <p:cNvSpPr>
+            <a:spLocks noGrp="1"/>
+          </p:cNvSpPr>
+          <p:nvPr>
+            <p:ph type="sldNum" sz="quarter" idx="10"/>
+          </p:nvPr>
+        </p:nvSpPr>
+        <p:spPr/>
+        <p:txBody>
+          <a:bodyPr/>
+          <a:lstStyle/>
+          <a:p>
+            <a:fld id="{8A488281-87A0-4E0A-93A8-7BA1C235CD97}" type="slidenum">
+              <a:rPr lang="zh-CN" altLang="en-US" smtClean="0"/>
+              <a:pPr/>
+              <a:t>14</a:t>
+            </a:fld>
+            <a:endParaRPr lang="zh-CN" altLang="en-US"/>
+          </a:p>
+        </p:txBody>
+      </p:sp>
+    </p:spTree>
+    <p:extLst>
+      <p:ext uri="{BB962C8B-B14F-4D97-AF65-F5344CB8AC3E}">
+        <p14:creationId xmlns:p14="http://schemas.microsoft.com/office/powerpoint/2010/main" val="711686011"/>
+      </p:ext>
+    </p:extLst>
+  </p:cSld>
+  <p:clrMapOvr>
+    <a:masterClrMapping/>
+  </p:clrMapOvr>
+</p:notes>
+</file>
+
+<file path=ppt/notesSlides/notesSlide15.xml><?xml version="1.0" encoding="utf-8"?>
+<p:notes xmlns:a="http://schemas.openxmlformats.org/drawingml/2006/main" xmlns:r="http://schemas.openxmlformats.org/officeDocument/2006/relationships" xmlns:p="http://schemas.openxmlformats.org/presentationml/2006/main">
+  <p:cSld>
+    <p:spTree>
+      <p:nvGrpSpPr>
+        <p:cNvPr id="1" name=""/>
+        <p:cNvGrpSpPr/>
+        <p:nvPr/>
+      </p:nvGrpSpPr>
+      <p:grpSpPr>
+        <a:xfrm>
+          <a:off x="0" y="0"/>
+          <a:ext cx="0" cy="0"/>
+          <a:chOff x="0" y="0"/>
+          <a:chExt cx="0" cy="0"/>
+        </a:xfrm>
+      </p:grpSpPr>
+      <p:sp>
+        <p:nvSpPr>
+          <p:cNvPr id="2" name="幻灯片图像占位符 1"/>
+          <p:cNvSpPr>
+            <a:spLocks noGrp="1" noRot="1" noChangeAspect="1"/>
+          </p:cNvSpPr>
+          <p:nvPr>
+            <p:ph type="sldImg"/>
+          </p:nvPr>
+        </p:nvSpPr>
+        <p:spPr/>
+      </p:sp>
+      <p:sp>
+        <p:nvSpPr>
+          <p:cNvPr id="3" name="备注占位符 2"/>
+          <p:cNvSpPr>
+            <a:spLocks noGrp="1"/>
+          </p:cNvSpPr>
+          <p:nvPr>
+            <p:ph type="body" idx="1"/>
+          </p:nvPr>
+        </p:nvSpPr>
+        <p:spPr/>
+        <p:txBody>
+          <a:bodyPr/>
+          <a:lstStyle/>
+          <a:p>
+            <a:endParaRPr lang="zh-CN" altLang="en-US" dirty="0"/>
+          </a:p>
+        </p:txBody>
+      </p:sp>
+      <p:sp>
+        <p:nvSpPr>
+          <p:cNvPr id="4" name="灯片编号占位符 3"/>
+          <p:cNvSpPr>
+            <a:spLocks noGrp="1"/>
+          </p:cNvSpPr>
+          <p:nvPr>
+            <p:ph type="sldNum" sz="quarter" idx="10"/>
+          </p:nvPr>
+        </p:nvSpPr>
+        <p:spPr/>
+        <p:txBody>
+          <a:bodyPr/>
+          <a:lstStyle/>
+          <a:p>
+            <a:fld id="{8A488281-87A0-4E0A-93A8-7BA1C235CD97}" type="slidenum">
+              <a:rPr lang="zh-CN" altLang="en-US" smtClean="0"/>
+              <a:pPr/>
+              <a:t>15</a:t>
+            </a:fld>
+            <a:endParaRPr lang="zh-CN" altLang="en-US"/>
+          </a:p>
+        </p:txBody>
+      </p:sp>
+    </p:spTree>
+    <p:extLst>
+      <p:ext uri="{BB962C8B-B14F-4D97-AF65-F5344CB8AC3E}">
+        <p14:creationId xmlns:p14="http://schemas.microsoft.com/office/powerpoint/2010/main" val="711686011"/>
+      </p:ext>
+    </p:extLst>
+  </p:cSld>
+  <p:clrMapOvr>
+    <a:masterClrMapping/>
+  </p:clrMapOvr>
+</p:notes>
+</file>
+
+<file path=ppt/notesSlides/notesSlide16.xml><?xml version="1.0" encoding="utf-8"?>
+<p:notes xmlns:a="http://schemas.openxmlformats.org/drawingml/2006/main" xmlns:r="http://schemas.openxmlformats.org/officeDocument/2006/relationships" xmlns:p="http://schemas.openxmlformats.org/presentationml/2006/main">
+  <p:cSld>
+    <p:spTree>
+      <p:nvGrpSpPr>
+        <p:cNvPr id="1" name=""/>
+        <p:cNvGrpSpPr/>
+        <p:nvPr/>
+      </p:nvGrpSpPr>
+      <p:grpSpPr>
+        <a:xfrm>
+          <a:off x="0" y="0"/>
+          <a:ext cx="0" cy="0"/>
+          <a:chOff x="0" y="0"/>
+          <a:chExt cx="0" cy="0"/>
+        </a:xfrm>
+      </p:grpSpPr>
+      <p:sp>
+        <p:nvSpPr>
+          <p:cNvPr id="2" name="幻灯片图像占位符 1"/>
+          <p:cNvSpPr>
+            <a:spLocks noGrp="1" noRot="1" noChangeAspect="1"/>
+          </p:cNvSpPr>
+          <p:nvPr>
+            <p:ph type="sldImg"/>
+          </p:nvPr>
+        </p:nvSpPr>
+        <p:spPr/>
+      </p:sp>
+      <p:sp>
+        <p:nvSpPr>
+          <p:cNvPr id="3" name="备注占位符 2"/>
+          <p:cNvSpPr>
+            <a:spLocks noGrp="1"/>
+          </p:cNvSpPr>
+          <p:nvPr>
+            <p:ph type="body" idx="1"/>
+          </p:nvPr>
+        </p:nvSpPr>
+        <p:spPr/>
+        <p:txBody>
+          <a:bodyPr/>
+          <a:lstStyle/>
+          <a:p>
+            <a:endParaRPr lang="zh-CN" altLang="en-US" dirty="0"/>
+          </a:p>
+        </p:txBody>
+      </p:sp>
+      <p:sp>
+        <p:nvSpPr>
+          <p:cNvPr id="4" name="灯片编号占位符 3"/>
+          <p:cNvSpPr>
+            <a:spLocks noGrp="1"/>
+          </p:cNvSpPr>
+          <p:nvPr>
+            <p:ph type="sldNum" sz="quarter" idx="10"/>
+          </p:nvPr>
+        </p:nvSpPr>
+        <p:spPr/>
+        <p:txBody>
+          <a:bodyPr/>
+          <a:lstStyle/>
+          <a:p>
+            <a:fld id="{8A488281-87A0-4E0A-93A8-7BA1C235CD97}" type="slidenum">
+              <a:rPr lang="zh-CN" altLang="en-US" smtClean="0"/>
+              <a:pPr/>
+              <a:t>16</a:t>
+            </a:fld>
+            <a:endParaRPr lang="zh-CN" altLang="en-US"/>
+          </a:p>
+        </p:txBody>
+      </p:sp>
+    </p:spTree>
+    <p:extLst>
+      <p:ext uri="{BB962C8B-B14F-4D97-AF65-F5344CB8AC3E}">
+        <p14:creationId xmlns:p14="http://schemas.microsoft.com/office/powerpoint/2010/main" val="711686011"/>
+      </p:ext>
+    </p:extLst>
+  </p:cSld>
+  <p:clrMapOvr>
+    <a:masterClrMapping/>
+  </p:clrMapOvr>
+</p:notes>
+</file>
+
+<file path=ppt/notesSlides/notesSlide17.xml><?xml version="1.0" encoding="utf-8"?>
+<p:notes xmlns:a="http://schemas.openxmlformats.org/drawingml/2006/main" xmlns:r="http://schemas.openxmlformats.org/officeDocument/2006/relationships" xmlns:p="http://schemas.openxmlformats.org/presentationml/2006/main">
+  <p:cSld>
+    <p:spTree>
+      <p:nvGrpSpPr>
+        <p:cNvPr id="1" name=""/>
+        <p:cNvGrpSpPr/>
+        <p:nvPr/>
+      </p:nvGrpSpPr>
+      <p:grpSpPr>
+        <a:xfrm>
+          <a:off x="0" y="0"/>
+          <a:ext cx="0" cy="0"/>
+          <a:chOff x="0" y="0"/>
+          <a:chExt cx="0" cy="0"/>
+        </a:xfrm>
+      </p:grpSpPr>
+      <p:sp>
+        <p:nvSpPr>
+          <p:cNvPr id="2" name="幻灯片图像占位符 1"/>
+          <p:cNvSpPr>
+            <a:spLocks noGrp="1" noRot="1" noChangeAspect="1"/>
+          </p:cNvSpPr>
+          <p:nvPr>
+            <p:ph type="sldImg"/>
+          </p:nvPr>
+        </p:nvSpPr>
+        <p:spPr/>
+      </p:sp>
+      <p:sp>
+        <p:nvSpPr>
+          <p:cNvPr id="3" name="备注占位符 2"/>
+          <p:cNvSpPr>
+            <a:spLocks noGrp="1"/>
+          </p:cNvSpPr>
+          <p:nvPr>
+            <p:ph type="body" idx="1"/>
+          </p:nvPr>
+        </p:nvSpPr>
+        <p:spPr/>
+        <p:txBody>
+          <a:bodyPr/>
+          <a:lstStyle/>
+          <a:p>
+            <a:r>
+              <a:rPr lang="zh-CN" altLang="en-US" dirty="0" smtClean="0"/>
+              <a:t>扫地僧</a:t>
+            </a:r>
+            <a:r>
+              <a:rPr lang="en-US" altLang="zh-CN" dirty="0" smtClean="0"/>
+              <a:t>,</a:t>
+            </a:r>
+            <a:r>
+              <a:rPr lang="zh-CN" altLang="en-US" dirty="0" smtClean="0"/>
+              <a:t>内功深厚</a:t>
+            </a:r>
+            <a:endParaRPr lang="en-US" altLang="zh-CN" dirty="0" smtClean="0"/>
+          </a:p>
+          <a:p>
+            <a:r>
+              <a:rPr lang="zh-CN" altLang="en-US" sz="1200" b="0" i="0" kern="1200" dirty="0" smtClean="0">
+                <a:solidFill>
+                  <a:schemeClr val="tx1"/>
+                </a:solidFill>
+                <a:effectLst/>
+                <a:latin typeface="+mn-lt"/>
+                <a:ea typeface="+mn-ea"/>
+                <a:cs typeface="+mn-cs"/>
+              </a:rPr>
+              <a:t>编辑器只是一个工具而已</a:t>
+            </a:r>
+            <a:r>
+              <a:rPr lang="en-US" altLang="zh-CN" sz="1200" b="0" i="0" kern="1200" dirty="0" smtClean="0">
+                <a:solidFill>
+                  <a:schemeClr val="tx1"/>
+                </a:solidFill>
+                <a:effectLst/>
+                <a:latin typeface="+mn-lt"/>
+                <a:ea typeface="+mn-ea"/>
+                <a:cs typeface="+mn-cs"/>
+              </a:rPr>
+              <a:t>.... </a:t>
+            </a:r>
+            <a:r>
+              <a:rPr lang="zh-CN" altLang="en-US" sz="1200" b="0" i="0" kern="1200" dirty="0" smtClean="0">
+                <a:solidFill>
+                  <a:schemeClr val="tx1"/>
+                </a:solidFill>
+                <a:effectLst/>
+                <a:latin typeface="+mn-lt"/>
+                <a:ea typeface="+mn-ea"/>
+                <a:cs typeface="+mn-cs"/>
+              </a:rPr>
+              <a:t>无所谓用什么 重要的是你的思想</a:t>
+            </a:r>
+            <a:r>
+              <a:rPr lang="en-US" altLang="zh-CN" sz="1200" b="0" i="0" kern="1200" dirty="0" smtClean="0">
+                <a:solidFill>
+                  <a:schemeClr val="tx1"/>
+                </a:solidFill>
+                <a:effectLst/>
+                <a:latin typeface="+mn-lt"/>
+                <a:ea typeface="+mn-ea"/>
+                <a:cs typeface="+mn-cs"/>
+              </a:rPr>
+              <a:t>! </a:t>
+            </a:r>
+            <a:r>
+              <a:rPr lang="zh-CN" altLang="en-US" sz="1200" b="0" i="0" kern="1200" dirty="0" smtClean="0">
+                <a:solidFill>
+                  <a:schemeClr val="tx1"/>
+                </a:solidFill>
+                <a:effectLst/>
+                <a:latin typeface="+mn-lt"/>
+                <a:ea typeface="+mn-ea"/>
+                <a:cs typeface="+mn-cs"/>
+              </a:rPr>
+              <a:t>这就武侠小说中 内力深厚的人 用一根儿稻草都可以压制敌人 少林的扫地僧用的是扫帚</a:t>
+            </a:r>
+            <a:r>
+              <a:rPr lang="en-US" altLang="zh-CN" sz="1200" b="0" i="0" kern="1200" dirty="0" smtClean="0">
+                <a:solidFill>
+                  <a:schemeClr val="tx1"/>
+                </a:solidFill>
+                <a:effectLst/>
+                <a:latin typeface="+mn-lt"/>
+                <a:ea typeface="+mn-ea"/>
+                <a:cs typeface="+mn-cs"/>
+              </a:rPr>
+              <a:t>..... </a:t>
+            </a:r>
+            <a:r>
+              <a:rPr lang="zh-CN" altLang="en-US" sz="1200" b="0" i="0" kern="1200" dirty="0" smtClean="0">
+                <a:solidFill>
+                  <a:schemeClr val="tx1"/>
+                </a:solidFill>
+                <a:effectLst/>
+                <a:latin typeface="+mn-lt"/>
+                <a:ea typeface="+mn-ea"/>
+                <a:cs typeface="+mn-cs"/>
+              </a:rPr>
+              <a:t>不过一件好的兵器会让你觉得心应手 更能发挥出个人的功力</a:t>
+            </a:r>
+            <a:r>
+              <a:rPr lang="en-US" altLang="zh-CN" sz="1200" b="0" i="0" kern="1200" dirty="0" smtClean="0">
+                <a:solidFill>
+                  <a:schemeClr val="tx1"/>
+                </a:solidFill>
+                <a:effectLst/>
+                <a:latin typeface="+mn-lt"/>
+                <a:ea typeface="+mn-ea"/>
+                <a:cs typeface="+mn-cs"/>
+              </a:rPr>
+              <a:t>!! VIM</a:t>
+            </a:r>
+            <a:r>
+              <a:rPr lang="zh-CN" altLang="en-US" sz="1200" b="0" i="0" kern="1200" dirty="0" smtClean="0">
+                <a:solidFill>
+                  <a:schemeClr val="tx1"/>
+                </a:solidFill>
+                <a:effectLst/>
+                <a:latin typeface="+mn-lt"/>
+                <a:ea typeface="+mn-ea"/>
+                <a:cs typeface="+mn-cs"/>
+              </a:rPr>
+              <a:t>也好 </a:t>
+            </a:r>
+            <a:r>
+              <a:rPr lang="en-US" altLang="zh-CN" sz="1200" b="0" i="0" kern="1200" dirty="0" smtClean="0">
+                <a:solidFill>
+                  <a:schemeClr val="tx1"/>
+                </a:solidFill>
+                <a:effectLst/>
+                <a:latin typeface="+mn-lt"/>
+                <a:ea typeface="+mn-ea"/>
+                <a:cs typeface="+mn-cs"/>
+              </a:rPr>
+              <a:t>Dreamweaver</a:t>
+            </a:r>
+            <a:r>
+              <a:rPr lang="zh-CN" altLang="en-US" sz="1200" b="0" i="0" kern="1200" dirty="0" smtClean="0">
+                <a:solidFill>
+                  <a:schemeClr val="tx1"/>
+                </a:solidFill>
+                <a:effectLst/>
+                <a:latin typeface="+mn-lt"/>
+                <a:ea typeface="+mn-ea"/>
+                <a:cs typeface="+mn-cs"/>
+              </a:rPr>
+              <a:t>也好 </a:t>
+            </a:r>
+            <a:r>
+              <a:rPr lang="en-US" altLang="zh-CN" sz="1200" b="0" i="0" kern="1200" dirty="0" smtClean="0">
+                <a:solidFill>
+                  <a:schemeClr val="tx1"/>
+                </a:solidFill>
+                <a:effectLst/>
+                <a:latin typeface="+mn-lt"/>
+                <a:ea typeface="+mn-ea"/>
+                <a:cs typeface="+mn-cs"/>
+              </a:rPr>
+              <a:t>sublime</a:t>
+            </a:r>
+            <a:r>
+              <a:rPr lang="en-US" altLang="zh-CN" sz="1200" b="0" i="0" kern="1200" baseline="0" dirty="0" smtClean="0">
+                <a:solidFill>
+                  <a:schemeClr val="tx1"/>
+                </a:solidFill>
+                <a:effectLst/>
+                <a:latin typeface="+mn-lt"/>
+                <a:ea typeface="+mn-ea"/>
+                <a:cs typeface="+mn-cs"/>
+              </a:rPr>
+              <a:t> text</a:t>
+            </a:r>
+            <a:r>
+              <a:rPr lang="zh-CN" altLang="en-US" sz="1200" b="0" i="0" kern="1200" dirty="0" smtClean="0">
+                <a:solidFill>
+                  <a:schemeClr val="tx1"/>
+                </a:solidFill>
+                <a:effectLst/>
+                <a:latin typeface="+mn-lt"/>
+                <a:ea typeface="+mn-ea"/>
+                <a:cs typeface="+mn-cs"/>
+              </a:rPr>
+              <a:t>也好 不管谁是唐家霸王枪 谁是兵器排名谱第一名</a:t>
+            </a:r>
+            <a:r>
+              <a:rPr lang="en-US" altLang="zh-CN" sz="1200" b="0" i="0" kern="1200" dirty="0" smtClean="0">
+                <a:solidFill>
+                  <a:schemeClr val="tx1"/>
+                </a:solidFill>
+                <a:effectLst/>
+                <a:latin typeface="+mn-lt"/>
+                <a:ea typeface="+mn-ea"/>
+                <a:cs typeface="+mn-cs"/>
+              </a:rPr>
+              <a:t>? </a:t>
+            </a:r>
+            <a:r>
+              <a:rPr lang="zh-CN" altLang="en-US" sz="1200" b="0" i="0" kern="1200" dirty="0" smtClean="0">
+                <a:solidFill>
+                  <a:schemeClr val="tx1"/>
+                </a:solidFill>
+                <a:effectLst/>
+                <a:latin typeface="+mn-lt"/>
+                <a:ea typeface="+mn-ea"/>
+                <a:cs typeface="+mn-cs"/>
+              </a:rPr>
+              <a:t>其实真的都无所谓</a:t>
+            </a:r>
+            <a:r>
+              <a:rPr lang="en-US" altLang="zh-CN" sz="1200" b="0" i="0" kern="1200" dirty="0" smtClean="0">
+                <a:solidFill>
+                  <a:schemeClr val="tx1"/>
+                </a:solidFill>
+                <a:effectLst/>
+                <a:latin typeface="+mn-lt"/>
+                <a:ea typeface="+mn-ea"/>
+                <a:cs typeface="+mn-cs"/>
+              </a:rPr>
+              <a:t>! </a:t>
+            </a:r>
+            <a:r>
+              <a:rPr lang="zh-CN" altLang="en-US" sz="1200" b="0" i="0" kern="1200" dirty="0" smtClean="0">
+                <a:solidFill>
+                  <a:schemeClr val="tx1"/>
+                </a:solidFill>
+                <a:effectLst/>
+                <a:latin typeface="+mn-lt"/>
+                <a:ea typeface="+mn-ea"/>
+                <a:cs typeface="+mn-cs"/>
+              </a:rPr>
+              <a:t>剑宗 气宗之争本身就是无稽之谈</a:t>
+            </a:r>
+            <a:r>
+              <a:rPr lang="en-US" altLang="zh-CN" sz="1200" b="0" i="0" kern="1200" dirty="0" smtClean="0">
+                <a:solidFill>
+                  <a:schemeClr val="tx1"/>
+                </a:solidFill>
+                <a:effectLst/>
+                <a:latin typeface="+mn-lt"/>
+                <a:ea typeface="+mn-ea"/>
+                <a:cs typeface="+mn-cs"/>
+              </a:rPr>
+              <a:t>! </a:t>
+            </a:r>
+            <a:r>
+              <a:rPr lang="zh-CN" altLang="en-US" sz="1200" b="0" i="0" kern="1200" dirty="0" smtClean="0">
+                <a:solidFill>
+                  <a:schemeClr val="tx1"/>
+                </a:solidFill>
+                <a:effectLst/>
+                <a:latin typeface="+mn-lt"/>
+                <a:ea typeface="+mn-ea"/>
+                <a:cs typeface="+mn-cs"/>
+              </a:rPr>
+              <a:t>只有内力深厚 你可以把所有的兵器都能信手拈来</a:t>
+            </a:r>
+            <a:r>
+              <a:rPr lang="en-US" altLang="zh-CN" sz="1200" b="0" i="0" kern="1200" dirty="0" smtClean="0">
+                <a:solidFill>
+                  <a:schemeClr val="tx1"/>
+                </a:solidFill>
+                <a:effectLst/>
+                <a:latin typeface="+mn-lt"/>
+                <a:ea typeface="+mn-ea"/>
+                <a:cs typeface="+mn-cs"/>
+              </a:rPr>
+              <a:t>! </a:t>
+            </a:r>
+            <a:endParaRPr lang="zh-CN" altLang="en-US" dirty="0"/>
+          </a:p>
+        </p:txBody>
+      </p:sp>
+      <p:sp>
+        <p:nvSpPr>
+          <p:cNvPr id="4" name="灯片编号占位符 3"/>
+          <p:cNvSpPr>
+            <a:spLocks noGrp="1"/>
+          </p:cNvSpPr>
+          <p:nvPr>
+            <p:ph type="sldNum" sz="quarter" idx="10"/>
+          </p:nvPr>
+        </p:nvSpPr>
+        <p:spPr/>
+        <p:txBody>
+          <a:bodyPr/>
+          <a:lstStyle/>
+          <a:p>
+            <a:fld id="{8A488281-87A0-4E0A-93A8-7BA1C235CD97}" type="slidenum">
+              <a:rPr lang="zh-CN" altLang="en-US" smtClean="0"/>
+              <a:pPr/>
+              <a:t>17</a:t>
+            </a:fld>
+            <a:endParaRPr lang="zh-CN" altLang="en-US"/>
+          </a:p>
+        </p:txBody>
+      </p:sp>
+    </p:spTree>
+    <p:extLst>
+      <p:ext uri="{BB962C8B-B14F-4D97-AF65-F5344CB8AC3E}">
+        <p14:creationId xmlns:p14="http://schemas.microsoft.com/office/powerpoint/2010/main" val="711686011"/>
+      </p:ext>
+    </p:extLst>
+  </p:cSld>
+  <p:clrMapOvr>
+    <a:masterClrMapping/>
+  </p:clrMapOvr>
+</p:notes>
+</file>
+
+<file path=ppt/notesSlides/notesSlide18.xml><?xml version="1.0" encoding="utf-8"?>
+<p:notes xmlns:a="http://schemas.openxmlformats.org/drawingml/2006/main" xmlns:r="http://schemas.openxmlformats.org/officeDocument/2006/relationships" xmlns:p="http://schemas.openxmlformats.org/presentationml/2006/main">
+  <p:cSld>
+    <p:spTree>
+      <p:nvGrpSpPr>
+        <p:cNvPr id="1" name=""/>
+        <p:cNvGrpSpPr/>
+        <p:nvPr/>
+      </p:nvGrpSpPr>
+      <p:grpSpPr>
+        <a:xfrm>
+          <a:off x="0" y="0"/>
+          <a:ext cx="0" cy="0"/>
+          <a:chOff x="0" y="0"/>
+          <a:chExt cx="0" cy="0"/>
+        </a:xfrm>
+      </p:grpSpPr>
+      <p:sp>
+        <p:nvSpPr>
+          <p:cNvPr id="2" name="幻灯片图像占位符 1"/>
+          <p:cNvSpPr>
+            <a:spLocks noGrp="1" noRot="1" noChangeAspect="1"/>
+          </p:cNvSpPr>
+          <p:nvPr>
+            <p:ph type="sldImg"/>
+          </p:nvPr>
+        </p:nvSpPr>
+        <p:spPr/>
+      </p:sp>
+      <p:sp>
+        <p:nvSpPr>
+          <p:cNvPr id="3" name="备注占位符 2"/>
+          <p:cNvSpPr>
+            <a:spLocks noGrp="1"/>
+          </p:cNvSpPr>
+          <p:nvPr>
+            <p:ph type="body" idx="1"/>
+          </p:nvPr>
+        </p:nvSpPr>
+        <p:spPr/>
+        <p:txBody>
+          <a:bodyPr/>
+          <a:lstStyle/>
+          <a:p>
+            <a:endParaRPr lang="zh-CN" altLang="en-US" dirty="0"/>
+          </a:p>
+        </p:txBody>
+      </p:sp>
+      <p:sp>
+        <p:nvSpPr>
+          <p:cNvPr id="4" name="灯片编号占位符 3"/>
+          <p:cNvSpPr>
+            <a:spLocks noGrp="1"/>
+          </p:cNvSpPr>
+          <p:nvPr>
+            <p:ph type="sldNum" sz="quarter" idx="10"/>
+          </p:nvPr>
+        </p:nvSpPr>
+        <p:spPr/>
+        <p:txBody>
+          <a:bodyPr/>
+          <a:lstStyle/>
+          <a:p>
+            <a:fld id="{8A488281-87A0-4E0A-93A8-7BA1C235CD97}" type="slidenum">
+              <a:rPr lang="zh-CN" altLang="en-US" smtClean="0"/>
+              <a:pPr/>
+              <a:t>18</a:t>
+            </a:fld>
+            <a:endParaRPr lang="zh-CN" altLang="en-US"/>
+          </a:p>
+        </p:txBody>
+      </p:sp>
+    </p:spTree>
+    <p:extLst>
+      <p:ext uri="{BB962C8B-B14F-4D97-AF65-F5344CB8AC3E}">
+        <p14:creationId xmlns:p14="http://schemas.microsoft.com/office/powerpoint/2010/main" val="711686011"/>
+      </p:ext>
+    </p:extLst>
+  </p:cSld>
+  <p:clrMapOvr>
+    <a:masterClrMapping/>
+  </p:clrMapOvr>
+</p:notes>
+</file>
+
+<file path=ppt/notesSlides/notesSlide19.xml><?xml version="1.0" encoding="utf-8"?>
+<p:notes xmlns:a="http://schemas.openxmlformats.org/drawingml/2006/main" xmlns:r="http://schemas.openxmlformats.org/officeDocument/2006/relationships" xmlns:p="http://schemas.openxmlformats.org/presentationml/2006/main">
+  <p:cSld>
+    <p:spTree>
+      <p:nvGrpSpPr>
+        <p:cNvPr id="1" name=""/>
+        <p:cNvGrpSpPr/>
+        <p:nvPr/>
+      </p:nvGrpSpPr>
+      <p:grpSpPr>
+        <a:xfrm>
+          <a:off x="0" y="0"/>
+          <a:ext cx="0" cy="0"/>
+          <a:chOff x="0" y="0"/>
+          <a:chExt cx="0" cy="0"/>
+        </a:xfrm>
+      </p:grpSpPr>
+      <p:sp>
+        <p:nvSpPr>
+          <p:cNvPr id="2" name="幻灯片图像占位符 1"/>
+          <p:cNvSpPr>
+            <a:spLocks noGrp="1" noRot="1" noChangeAspect="1"/>
+          </p:cNvSpPr>
+          <p:nvPr>
+            <p:ph type="sldImg"/>
+          </p:nvPr>
+        </p:nvSpPr>
+        <p:spPr/>
+      </p:sp>
+      <p:sp>
+        <p:nvSpPr>
+          <p:cNvPr id="3" name="备注占位符 2"/>
+          <p:cNvSpPr>
+            <a:spLocks noGrp="1"/>
+          </p:cNvSpPr>
+          <p:nvPr>
+            <p:ph type="body" idx="1"/>
+          </p:nvPr>
+        </p:nvSpPr>
+        <p:spPr/>
+        <p:txBody>
+          <a:bodyPr/>
+          <a:lstStyle/>
+          <a:p>
+            <a:endParaRPr lang="zh-CN" altLang="en-US" dirty="0"/>
+          </a:p>
+        </p:txBody>
+      </p:sp>
+      <p:sp>
+        <p:nvSpPr>
+          <p:cNvPr id="4" name="灯片编号占位符 3"/>
+          <p:cNvSpPr>
+            <a:spLocks noGrp="1"/>
+          </p:cNvSpPr>
+          <p:nvPr>
+            <p:ph type="sldNum" sz="quarter" idx="10"/>
+          </p:nvPr>
+        </p:nvSpPr>
+        <p:spPr/>
+        <p:txBody>
+          <a:bodyPr/>
+          <a:lstStyle/>
+          <a:p>
+            <a:fld id="{8A488281-87A0-4E0A-93A8-7BA1C235CD97}" type="slidenum">
+              <a:rPr lang="zh-CN" altLang="en-US" smtClean="0"/>
+              <a:pPr/>
+              <a:t>19</a:t>
+            </a:fld>
+            <a:endParaRPr lang="zh-CN" altLang="en-US"/>
+          </a:p>
+        </p:txBody>
+      </p:sp>
+    </p:spTree>
+    <p:extLst>
+      <p:ext uri="{BB962C8B-B14F-4D97-AF65-F5344CB8AC3E}">
+        <p14:creationId xmlns:p14="http://schemas.microsoft.com/office/powerpoint/2010/main" val="711686011"/>
       </p:ext>
     </p:extLst>
   </p:cSld>
@@ -1436,7 +1948,7 @@
     </p:spTree>
     <p:extLst>
       <p:ext uri="{BB962C8B-B14F-4D97-AF65-F5344CB8AC3E}">
-        <p14:creationId xmlns:p14="http://schemas.microsoft.com/office/powerpoint/2010/main" xmlns="" val="711686011"/>
+        <p14:creationId xmlns:p14="http://schemas.microsoft.com/office/powerpoint/2010/main" val="711686011"/>
       </p:ext>
     </p:extLst>
   </p:cSld>
@@ -1622,7 +2134,7 @@
     </p:spTree>
     <p:extLst>
       <p:ext uri="{BB962C8B-B14F-4D97-AF65-F5344CB8AC3E}">
-        <p14:creationId xmlns:p14="http://schemas.microsoft.com/office/powerpoint/2010/main" xmlns="" val="711686011"/>
+        <p14:creationId xmlns:p14="http://schemas.microsoft.com/office/powerpoint/2010/main" val="711686011"/>
       </p:ext>
     </p:extLst>
   </p:cSld>
@@ -1742,7 +2254,7 @@
     </p:spTree>
     <p:extLst>
       <p:ext uri="{BB962C8B-B14F-4D97-AF65-F5344CB8AC3E}">
-        <p14:creationId xmlns:p14="http://schemas.microsoft.com/office/powerpoint/2010/main" xmlns="" val="711686011"/>
+        <p14:creationId xmlns:p14="http://schemas.microsoft.com/office/powerpoint/2010/main" val="711686011"/>
       </p:ext>
     </p:extLst>
   </p:cSld>
@@ -1835,7 +2347,7 @@
     </p:spTree>
     <p:extLst>
       <p:ext uri="{BB962C8B-B14F-4D97-AF65-F5344CB8AC3E}">
-        <p14:creationId xmlns:p14="http://schemas.microsoft.com/office/powerpoint/2010/main" xmlns="" val="711686011"/>
+        <p14:creationId xmlns:p14="http://schemas.microsoft.com/office/powerpoint/2010/main" val="711686011"/>
       </p:ext>
     </p:extLst>
   </p:cSld>
@@ -1904,7 +2416,43 @@
             </a:pPr>
             <a:r>
               <a:rPr lang="zh-CN" altLang="en-US" baseline="0" dirty="0" smtClean="0"/>
-              <a:t>工程目录面包屑</a:t>
+              <a:t>工程目录</a:t>
+            </a:r>
+            <a:r>
+              <a:rPr lang="zh-CN" altLang="en-US" baseline="0" dirty="0" smtClean="0"/>
+              <a:t>面包屑</a:t>
+            </a:r>
+            <a:endParaRPr lang="en-US" altLang="zh-CN" baseline="0" dirty="0" smtClean="0"/>
+          </a:p>
+          <a:p>
+            <a:pPr marL="228600" marR="0" indent="-228600" algn="l" defTabSz="914400" rtl="0" eaLnBrk="1" fontAlgn="auto" latinLnBrk="0" hangingPunct="1">
+              <a:lnSpc>
+                <a:spcPct val="100000"/>
+              </a:lnSpc>
+              <a:spcBef>
+                <a:spcPts val="0"/>
+              </a:spcBef>
+              <a:spcAft>
+                <a:spcPts val="0"/>
+              </a:spcAft>
+              <a:buClrTx/>
+              <a:buSzTx/>
+              <a:buFontTx/>
+              <a:buAutoNum type="arabicPeriod"/>
+              <a:tabLst/>
+              <a:defRPr/>
+            </a:pPr>
+            <a:r>
+              <a:rPr lang="zh-CN" altLang="en-US" baseline="0" dirty="0" smtClean="0"/>
+              <a:t>工具窗口，如加入收藏，查看</a:t>
+            </a:r>
+            <a:r>
+              <a:rPr lang="en-US" altLang="zh-CN" baseline="0" dirty="0" err="1" smtClean="0"/>
+              <a:t>js</a:t>
+            </a:r>
+            <a:r>
+              <a:rPr lang="zh-CN" altLang="en-US" baseline="0" dirty="0" smtClean="0"/>
+              <a:t>构造器</a:t>
             </a:r>
             <a:endParaRPr lang="en-US" altLang="zh-CN" baseline="0" dirty="0" smtClean="0"/>
           </a:p>
@@ -1931,31 +2479,33 @@
             <a:endParaRPr lang="en-US" altLang="zh-CN" baseline="0" dirty="0" smtClean="0"/>
           </a:p>
           <a:p>
+            <a:pPr marL="228600" marR="0" indent="-228600" algn="l" defTabSz="914400" rtl="0" eaLnBrk="1" fontAlgn="auto" latinLnBrk="0" hangingPunct="1">
+              <a:lnSpc>
+                <a:spcPct val="100000"/>
+              </a:lnSpc>
+              <a:spcBef>
+                <a:spcPts val="0"/>
+              </a:spcBef>
+              <a:spcAft>
+                <a:spcPts val="0"/>
+              </a:spcAft>
+              <a:buClrTx/>
+              <a:buSzTx/>
+              <a:buFontTx/>
+              <a:buAutoNum type="arabicPeriod"/>
+              <a:tabLst/>
+              <a:defRPr/>
+            </a:pPr>
+            <a:r>
+              <a:rPr lang="zh-CN" altLang="en-US" baseline="0" dirty="0" smtClean="0"/>
+              <a:t>代码编辑区域</a:t>
+            </a:r>
+            <a:endParaRPr lang="en-US" altLang="zh-CN" baseline="0" dirty="0" smtClean="0"/>
+          </a:p>
+          <a:p>
             <a:pPr marL="228600" indent="-228600">
               <a:buAutoNum type="arabicPeriod"/>
             </a:pPr>
-            <a:r>
-              <a:rPr lang="zh-CN" altLang="en-US" baseline="0" dirty="0" smtClean="0"/>
-              <a:t>代码编辑区域</a:t>
-            </a:r>
-            <a:endParaRPr lang="en-US" altLang="zh-CN" baseline="0" dirty="0" smtClean="0"/>
-          </a:p>
-          <a:p>
-            <a:pPr marL="228600" indent="-228600">
-              <a:buAutoNum type="arabicPeriod"/>
-            </a:pPr>
-            <a:r>
-              <a:rPr lang="zh-CN" altLang="en-US" baseline="0" dirty="0" smtClean="0"/>
-              <a:t>工具窗口，如加入收藏，查看</a:t>
-            </a:r>
-            <a:r>
-              <a:rPr lang="en-US" altLang="zh-CN" baseline="0" dirty="0" err="1" smtClean="0"/>
-              <a:t>js</a:t>
-            </a:r>
-            <a:r>
-              <a:rPr lang="zh-CN" altLang="en-US" baseline="0" dirty="0" smtClean="0"/>
-              <a:t>构造器</a:t>
-            </a:r>
             <a:endParaRPr lang="zh-CN" altLang="en-US" dirty="0"/>
           </a:p>
         </p:txBody>
@@ -1987,7 +2537,7 @@
     </p:spTree>
     <p:extLst>
       <p:ext uri="{BB962C8B-B14F-4D97-AF65-F5344CB8AC3E}">
-        <p14:creationId xmlns:p14="http://schemas.microsoft.com/office/powerpoint/2010/main" xmlns="" val="711686011"/>
+        <p14:creationId xmlns:p14="http://schemas.microsoft.com/office/powerpoint/2010/main" val="711686011"/>
       </p:ext>
     </p:extLst>
   </p:cSld>
@@ -2136,7 +2686,7 @@
     </p:spTree>
     <p:extLst>
       <p:ext uri="{BB962C8B-B14F-4D97-AF65-F5344CB8AC3E}">
-        <p14:creationId xmlns:p14="http://schemas.microsoft.com/office/powerpoint/2010/main" xmlns="" val="711686011"/>
+        <p14:creationId xmlns:p14="http://schemas.microsoft.com/office/powerpoint/2010/main" val="711686011"/>
       </p:ext>
     </p:extLst>
   </p:cSld>
@@ -2221,7 +2771,7 @@
     </p:spTree>
     <p:extLst>
       <p:ext uri="{BB962C8B-B14F-4D97-AF65-F5344CB8AC3E}">
-        <p14:creationId xmlns:p14="http://schemas.microsoft.com/office/powerpoint/2010/main" xmlns="" val="711686011"/>
+        <p14:creationId xmlns:p14="http://schemas.microsoft.com/office/powerpoint/2010/main" val="711686011"/>
       </p:ext>
     </p:extLst>
   </p:cSld>
@@ -2306,7 +2856,7 @@
     </p:spTree>
     <p:extLst>
       <p:ext uri="{BB962C8B-B14F-4D97-AF65-F5344CB8AC3E}">
-        <p14:creationId xmlns:p14="http://schemas.microsoft.com/office/powerpoint/2010/main" xmlns="" val="711686011"/>
+        <p14:creationId xmlns:p14="http://schemas.microsoft.com/office/powerpoint/2010/main" val="711686011"/>
       </p:ext>
     </p:extLst>
   </p:cSld>
@@ -5407,20 +5957,20 @@
     </p:spTree>
     <p:extLst>
       <p:ext uri="{BB962C8B-B14F-4D97-AF65-F5344CB8AC3E}">
-        <p14:creationId xmlns:p14="http://schemas.microsoft.com/office/powerpoint/2010/main" xmlns="" val="3662862078"/>
+        <p14:creationId xmlns:p14="http://schemas.microsoft.com/office/powerpoint/2010/main" val="3662862078"/>
       </p:ext>
     </p:extLst>
   </p:cSld>
   <p:clrMapOvr>
     <a:masterClrMapping/>
   </p:clrMapOvr>
-  <mc:AlternateContent xmlns:mc="http://schemas.openxmlformats.org/markup-compatibility/2006">
-    <mc:Choice xmlns:p14="http://schemas.microsoft.com/office/powerpoint/2010/main" xmlns="" Requires="p14">
+  <mc:AlternateContent xmlns:mc="http://schemas.openxmlformats.org/markup-compatibility/2006" xmlns:p14="http://schemas.microsoft.com/office/powerpoint/2010/main">
+    <mc:Choice Requires="p14">
       <p:transition spd="slow" p14:dur="1600">
         <p14:conveyor dir="l"/>
       </p:transition>
     </mc:Choice>
-    <mc:Fallback>
+    <mc:Fallback xmlns="">
       <p:transition spd="slow">
         <p:fade/>
       </p:transition>
@@ -5468,6 +6018,1331 @@
           <a:bodyPr/>
           <a:lstStyle/>
           <a:p>
+            <a:endParaRPr lang="zh-CN" altLang="en-US" dirty="0">
+              <a:solidFill>
+                <a:srgbClr val="34221C"/>
+              </a:solidFill>
+              <a:effectLst>
+                <a:outerShdw blurRad="38100" dist="38100" dir="2700000" algn="tl">
+                  <a:srgbClr val="000000">
+                    <a:alpha val="43137"/>
+                  </a:srgbClr>
+                </a:outerShdw>
+              </a:effectLst>
+              <a:latin typeface="YaHei Consolas Hybrid" pitchFamily="49" charset="-122"/>
+              <a:ea typeface="YaHei Consolas Hybrid" pitchFamily="49" charset="-122"/>
+            </a:endParaRPr>
+          </a:p>
+        </p:txBody>
+      </p:sp>
+      <p:sp>
+        <p:nvSpPr>
+          <p:cNvPr id="3" name="内容占位符 2"/>
+          <p:cNvSpPr>
+            <a:spLocks noGrp="1"/>
+          </p:cNvSpPr>
+          <p:nvPr>
+            <p:ph idx="1"/>
+          </p:nvPr>
+        </p:nvSpPr>
+        <p:spPr/>
+        <p:txBody>
+          <a:bodyPr/>
+          <a:lstStyle/>
+          <a:p>
+            <a:pPr lvl="1"/>
+            <a:endParaRPr lang="en-US" altLang="zh-CN" dirty="0" smtClean="0">
+              <a:latin typeface="YaHei Consolas Hybrid" pitchFamily="49" charset="-122"/>
+              <a:ea typeface="YaHei Consolas Hybrid" pitchFamily="49" charset="-122"/>
+            </a:endParaRPr>
+          </a:p>
+        </p:txBody>
+      </p:sp>
+      <p:pic>
+        <p:nvPicPr>
+          <p:cNvPr id="7" name="图片 6"/>
+          <p:cNvPicPr>
+            <a:picLocks noChangeAspect="1"/>
+          </p:cNvPicPr>
+          <p:nvPr/>
+        </p:nvPicPr>
+        <p:blipFill>
+          <a:blip r:embed="rId3" cstate="print">
+            <a:extLst>
+              <a:ext uri="{28A0092B-C50C-407E-A947-70E740481C1C}">
+                <a14:useLocalDpi xmlns:a14="http://schemas.microsoft.com/office/drawing/2010/main" val="0"/>
+              </a:ext>
+            </a:extLst>
+          </a:blip>
+          <a:stretch>
+            <a:fillRect/>
+          </a:stretch>
+        </p:blipFill>
+        <p:spPr>
+          <a:xfrm>
+            <a:off x="7092280" y="6278234"/>
+            <a:ext cx="1933845" cy="523948"/>
+          </a:xfrm>
+          <a:prstGeom prst="rect">
+            <a:avLst/>
+          </a:prstGeom>
+        </p:spPr>
+      </p:pic>
+    </p:spTree>
+    <p:extLst>
+      <p:ext uri="{BB962C8B-B14F-4D97-AF65-F5344CB8AC3E}">
+        <p14:creationId xmlns:p14="http://schemas.microsoft.com/office/powerpoint/2010/main" val="298730135"/>
+      </p:ext>
+    </p:extLst>
+  </p:cSld>
+  <p:clrMapOvr>
+    <a:masterClrMapping/>
+  </p:clrMapOvr>
+  <mc:AlternateContent xmlns:mc="http://schemas.openxmlformats.org/markup-compatibility/2006" xmlns:p14="http://schemas.microsoft.com/office/powerpoint/2010/main">
+    <mc:Choice Requires="p14">
+      <p:transition spd="slow" p14:dur="1500">
+        <p14:window dir="vert"/>
+      </p:transition>
+    </mc:Choice>
+    <mc:Fallback xmlns="">
+      <p:transition spd="slow">
+        <p:fade/>
+      </p:transition>
+    </mc:Fallback>
+  </mc:AlternateContent>
+  <p:timing>
+    <p:tnLst>
+      <p:par>
+        <p:cTn id="1" dur="indefinite" restart="never" nodeType="tmRoot">
+          <p:childTnLst>
+            <p:seq concurrent="1" nextAc="seek">
+              <p:cTn id="2" dur="indefinite" nodeType="mainSeq">
+                <p:childTnLst>
+                  <p:par>
+                    <p:cTn id="3" fill="hold">
+                      <p:stCondLst>
+                        <p:cond delay="indefinite"/>
+                      </p:stCondLst>
+                      <p:childTnLst>
+                        <p:par>
+                          <p:cTn id="4" fill="hold">
+                            <p:stCondLst>
+                              <p:cond delay="0"/>
+                            </p:stCondLst>
+                            <p:childTnLst>
+                              <p:par>
+                                <p:cTn id="5" presetID="2" presetClass="entr" presetSubtype="4" fill="hold" nodeType="clickEffect" nodePh="1">
+                                  <p:stCondLst>
+                                    <p:cond delay="0"/>
+                                  </p:stCondLst>
+                                  <p:endCondLst>
+                                    <p:cond evt="begin" delay="0">
+                                      <p:tn val="5"/>
+                                    </p:cond>
+                                  </p:endCondLst>
+                                  <p:childTnLst>
+                                    <p:set>
+                                      <p:cBhvr>
+                                        <p:cTn id="6" dur="1" fill="hold">
+                                          <p:stCondLst>
+                                            <p:cond delay="0"/>
+                                          </p:stCondLst>
+                                        </p:cTn>
+                                        <p:tgtEl>
+                                          <p:spTgt spid="3">
+                                            <p:txEl>
+                                              <p:pRg st="0" end="0"/>
+                                            </p:txEl>
+                                          </p:spTgt>
+                                        </p:tgtEl>
+                                        <p:attrNameLst>
+                                          <p:attrName>style.visibility</p:attrName>
+                                        </p:attrNameLst>
+                                      </p:cBhvr>
+                                      <p:to>
+                                        <p:strVal val="visible"/>
+                                      </p:to>
+                                    </p:set>
+                                    <p:anim calcmode="lin" valueType="num">
+                                      <p:cBhvr additive="base">
+                                        <p:cTn id="7" dur="500" fill="hold"/>
+                                        <p:tgtEl>
+                                          <p:spTgt spid="3">
+                                            <p:txEl>
+                                              <p:pRg st="0" end="0"/>
+                                            </p:txEl>
+                                          </p:spTgt>
+                                        </p:tgtEl>
+                                        <p:attrNameLst>
+                                          <p:attrName>ppt_x</p:attrName>
+                                        </p:attrNameLst>
+                                      </p:cBhvr>
+                                      <p:tavLst>
+                                        <p:tav tm="0">
+                                          <p:val>
+                                            <p:strVal val="#ppt_x"/>
+                                          </p:val>
+                                        </p:tav>
+                                        <p:tav tm="100000">
+                                          <p:val>
+                                            <p:strVal val="#ppt_x"/>
+                                          </p:val>
+                                        </p:tav>
+                                      </p:tavLst>
+                                    </p:anim>
+                                    <p:anim calcmode="lin" valueType="num">
+                                      <p:cBhvr additive="base">
+                                        <p:cTn id="8" dur="500" fill="hold"/>
+                                        <p:tgtEl>
+                                          <p:spTgt spid="3">
+                                            <p:txEl>
+                                              <p:pRg st="0" end="0"/>
+                                            </p:txEl>
+                                          </p:spTgt>
+                                        </p:tgtEl>
+                                        <p:attrNameLst>
+                                          <p:attrName>ppt_y</p:attrName>
+                                        </p:attrNameLst>
+                                      </p:cBhvr>
+                                      <p:tavLst>
+                                        <p:tav tm="0">
+                                          <p:val>
+                                            <p:strVal val="1+#ppt_h/2"/>
+                                          </p:val>
+                                        </p:tav>
+                                        <p:tav tm="100000">
+                                          <p:val>
+                                            <p:strVal val="#ppt_y"/>
+                                          </p:val>
+                                        </p:tav>
+                                      </p:tavLst>
+                                    </p:anim>
+                                  </p:childTnLst>
+                                </p:cTn>
+                              </p:par>
+                            </p:childTnLst>
+                          </p:cTn>
+                        </p:par>
+                      </p:childTnLst>
+                    </p:cTn>
+                  </p:par>
+                </p:childTnLst>
+              </p:cTn>
+              <p:prevCondLst>
+                <p:cond evt="onPrev" delay="0">
+                  <p:tgtEl>
+                    <p:sldTgt/>
+                  </p:tgtEl>
+                </p:cond>
+              </p:prevCondLst>
+              <p:nextCondLst>
+                <p:cond evt="onNext" delay="0">
+                  <p:tgtEl>
+                    <p:sldTgt/>
+                  </p:tgtEl>
+                </p:cond>
+              </p:nextCondLst>
+            </p:seq>
+          </p:childTnLst>
+        </p:cTn>
+      </p:par>
+    </p:tnLst>
+  </p:timing>
+</p:sld>
+</file>
+
+<file path=ppt/slides/slide11.xml><?xml version="1.0" encoding="utf-8"?>
+<p:sld xmlns:a="http://schemas.openxmlformats.org/drawingml/2006/main" xmlns:r="http://schemas.openxmlformats.org/officeDocument/2006/relationships" xmlns:p="http://schemas.openxmlformats.org/presentationml/2006/main">
+  <p:cSld>
+    <p:spTree>
+      <p:nvGrpSpPr>
+        <p:cNvPr id="1" name=""/>
+        <p:cNvGrpSpPr/>
+        <p:nvPr/>
+      </p:nvGrpSpPr>
+      <p:grpSpPr>
+        <a:xfrm>
+          <a:off x="0" y="0"/>
+          <a:ext cx="0" cy="0"/>
+          <a:chOff x="0" y="0"/>
+          <a:chExt cx="0" cy="0"/>
+        </a:xfrm>
+      </p:grpSpPr>
+      <p:sp>
+        <p:nvSpPr>
+          <p:cNvPr id="2" name="标题 1"/>
+          <p:cNvSpPr>
+            <a:spLocks noGrp="1"/>
+          </p:cNvSpPr>
+          <p:nvPr>
+            <p:ph type="title"/>
+          </p:nvPr>
+        </p:nvSpPr>
+        <p:spPr/>
+        <p:txBody>
+          <a:bodyPr/>
+          <a:lstStyle/>
+          <a:p>
+            <a:endParaRPr lang="zh-CN" altLang="en-US" dirty="0">
+              <a:solidFill>
+                <a:srgbClr val="34221C"/>
+              </a:solidFill>
+              <a:effectLst>
+                <a:outerShdw blurRad="38100" dist="38100" dir="2700000" algn="tl">
+                  <a:srgbClr val="000000">
+                    <a:alpha val="43137"/>
+                  </a:srgbClr>
+                </a:outerShdw>
+              </a:effectLst>
+              <a:latin typeface="YaHei Consolas Hybrid" pitchFamily="49" charset="-122"/>
+              <a:ea typeface="YaHei Consolas Hybrid" pitchFamily="49" charset="-122"/>
+            </a:endParaRPr>
+          </a:p>
+        </p:txBody>
+      </p:sp>
+      <p:sp>
+        <p:nvSpPr>
+          <p:cNvPr id="3" name="内容占位符 2"/>
+          <p:cNvSpPr>
+            <a:spLocks noGrp="1"/>
+          </p:cNvSpPr>
+          <p:nvPr>
+            <p:ph idx="1"/>
+          </p:nvPr>
+        </p:nvSpPr>
+        <p:spPr/>
+        <p:txBody>
+          <a:bodyPr/>
+          <a:lstStyle/>
+          <a:p>
+            <a:pPr lvl="1"/>
+            <a:endParaRPr lang="en-US" altLang="zh-CN" dirty="0" smtClean="0">
+              <a:latin typeface="YaHei Consolas Hybrid" pitchFamily="49" charset="-122"/>
+              <a:ea typeface="YaHei Consolas Hybrid" pitchFamily="49" charset="-122"/>
+            </a:endParaRPr>
+          </a:p>
+        </p:txBody>
+      </p:sp>
+      <p:pic>
+        <p:nvPicPr>
+          <p:cNvPr id="7" name="图片 6"/>
+          <p:cNvPicPr>
+            <a:picLocks noChangeAspect="1"/>
+          </p:cNvPicPr>
+          <p:nvPr/>
+        </p:nvPicPr>
+        <p:blipFill>
+          <a:blip r:embed="rId3" cstate="print">
+            <a:extLst>
+              <a:ext uri="{28A0092B-C50C-407E-A947-70E740481C1C}">
+                <a14:useLocalDpi xmlns:a14="http://schemas.microsoft.com/office/drawing/2010/main" val="0"/>
+              </a:ext>
+            </a:extLst>
+          </a:blip>
+          <a:stretch>
+            <a:fillRect/>
+          </a:stretch>
+        </p:blipFill>
+        <p:spPr>
+          <a:xfrm>
+            <a:off x="7092280" y="6278234"/>
+            <a:ext cx="1933845" cy="523948"/>
+          </a:xfrm>
+          <a:prstGeom prst="rect">
+            <a:avLst/>
+          </a:prstGeom>
+        </p:spPr>
+      </p:pic>
+    </p:spTree>
+    <p:extLst>
+      <p:ext uri="{BB962C8B-B14F-4D97-AF65-F5344CB8AC3E}">
+        <p14:creationId xmlns:p14="http://schemas.microsoft.com/office/powerpoint/2010/main" val="1358235552"/>
+      </p:ext>
+    </p:extLst>
+  </p:cSld>
+  <p:clrMapOvr>
+    <a:masterClrMapping/>
+  </p:clrMapOvr>
+  <mc:AlternateContent xmlns:mc="http://schemas.openxmlformats.org/markup-compatibility/2006" xmlns:p14="http://schemas.microsoft.com/office/powerpoint/2010/main">
+    <mc:Choice Requires="p14">
+      <p:transition spd="slow" p14:dur="1500">
+        <p14:window dir="vert"/>
+      </p:transition>
+    </mc:Choice>
+    <mc:Fallback xmlns="">
+      <p:transition spd="slow">
+        <p:fade/>
+      </p:transition>
+    </mc:Fallback>
+  </mc:AlternateContent>
+  <p:timing>
+    <p:tnLst>
+      <p:par>
+        <p:cTn id="1" dur="indefinite" restart="never" nodeType="tmRoot">
+          <p:childTnLst>
+            <p:seq concurrent="1" nextAc="seek">
+              <p:cTn id="2" dur="indefinite" nodeType="mainSeq">
+                <p:childTnLst>
+                  <p:par>
+                    <p:cTn id="3" fill="hold">
+                      <p:stCondLst>
+                        <p:cond delay="indefinite"/>
+                      </p:stCondLst>
+                      <p:childTnLst>
+                        <p:par>
+                          <p:cTn id="4" fill="hold">
+                            <p:stCondLst>
+                              <p:cond delay="0"/>
+                            </p:stCondLst>
+                            <p:childTnLst>
+                              <p:par>
+                                <p:cTn id="5" presetID="2" presetClass="entr" presetSubtype="4" fill="hold" nodeType="clickEffect" nodePh="1">
+                                  <p:stCondLst>
+                                    <p:cond delay="0"/>
+                                  </p:stCondLst>
+                                  <p:endCondLst>
+                                    <p:cond evt="begin" delay="0">
+                                      <p:tn val="5"/>
+                                    </p:cond>
+                                  </p:endCondLst>
+                                  <p:childTnLst>
+                                    <p:set>
+                                      <p:cBhvr>
+                                        <p:cTn id="6" dur="1" fill="hold">
+                                          <p:stCondLst>
+                                            <p:cond delay="0"/>
+                                          </p:stCondLst>
+                                        </p:cTn>
+                                        <p:tgtEl>
+                                          <p:spTgt spid="3">
+                                            <p:txEl>
+                                              <p:pRg st="0" end="0"/>
+                                            </p:txEl>
+                                          </p:spTgt>
+                                        </p:tgtEl>
+                                        <p:attrNameLst>
+                                          <p:attrName>style.visibility</p:attrName>
+                                        </p:attrNameLst>
+                                      </p:cBhvr>
+                                      <p:to>
+                                        <p:strVal val="visible"/>
+                                      </p:to>
+                                    </p:set>
+                                    <p:anim calcmode="lin" valueType="num">
+                                      <p:cBhvr additive="base">
+                                        <p:cTn id="7" dur="500" fill="hold"/>
+                                        <p:tgtEl>
+                                          <p:spTgt spid="3">
+                                            <p:txEl>
+                                              <p:pRg st="0" end="0"/>
+                                            </p:txEl>
+                                          </p:spTgt>
+                                        </p:tgtEl>
+                                        <p:attrNameLst>
+                                          <p:attrName>ppt_x</p:attrName>
+                                        </p:attrNameLst>
+                                      </p:cBhvr>
+                                      <p:tavLst>
+                                        <p:tav tm="0">
+                                          <p:val>
+                                            <p:strVal val="#ppt_x"/>
+                                          </p:val>
+                                        </p:tav>
+                                        <p:tav tm="100000">
+                                          <p:val>
+                                            <p:strVal val="#ppt_x"/>
+                                          </p:val>
+                                        </p:tav>
+                                      </p:tavLst>
+                                    </p:anim>
+                                    <p:anim calcmode="lin" valueType="num">
+                                      <p:cBhvr additive="base">
+                                        <p:cTn id="8" dur="500" fill="hold"/>
+                                        <p:tgtEl>
+                                          <p:spTgt spid="3">
+                                            <p:txEl>
+                                              <p:pRg st="0" end="0"/>
+                                            </p:txEl>
+                                          </p:spTgt>
+                                        </p:tgtEl>
+                                        <p:attrNameLst>
+                                          <p:attrName>ppt_y</p:attrName>
+                                        </p:attrNameLst>
+                                      </p:cBhvr>
+                                      <p:tavLst>
+                                        <p:tav tm="0">
+                                          <p:val>
+                                            <p:strVal val="1+#ppt_h/2"/>
+                                          </p:val>
+                                        </p:tav>
+                                        <p:tav tm="100000">
+                                          <p:val>
+                                            <p:strVal val="#ppt_y"/>
+                                          </p:val>
+                                        </p:tav>
+                                      </p:tavLst>
+                                    </p:anim>
+                                  </p:childTnLst>
+                                </p:cTn>
+                              </p:par>
+                            </p:childTnLst>
+                          </p:cTn>
+                        </p:par>
+                      </p:childTnLst>
+                    </p:cTn>
+                  </p:par>
+                </p:childTnLst>
+              </p:cTn>
+              <p:prevCondLst>
+                <p:cond evt="onPrev" delay="0">
+                  <p:tgtEl>
+                    <p:sldTgt/>
+                  </p:tgtEl>
+                </p:cond>
+              </p:prevCondLst>
+              <p:nextCondLst>
+                <p:cond evt="onNext" delay="0">
+                  <p:tgtEl>
+                    <p:sldTgt/>
+                  </p:tgtEl>
+                </p:cond>
+              </p:nextCondLst>
+            </p:seq>
+          </p:childTnLst>
+        </p:cTn>
+      </p:par>
+    </p:tnLst>
+  </p:timing>
+</p:sld>
+</file>
+
+<file path=ppt/slides/slide12.xml><?xml version="1.0" encoding="utf-8"?>
+<p:sld xmlns:a="http://schemas.openxmlformats.org/drawingml/2006/main" xmlns:r="http://schemas.openxmlformats.org/officeDocument/2006/relationships" xmlns:p="http://schemas.openxmlformats.org/presentationml/2006/main">
+  <p:cSld>
+    <p:spTree>
+      <p:nvGrpSpPr>
+        <p:cNvPr id="1" name=""/>
+        <p:cNvGrpSpPr/>
+        <p:nvPr/>
+      </p:nvGrpSpPr>
+      <p:grpSpPr>
+        <a:xfrm>
+          <a:off x="0" y="0"/>
+          <a:ext cx="0" cy="0"/>
+          <a:chOff x="0" y="0"/>
+          <a:chExt cx="0" cy="0"/>
+        </a:xfrm>
+      </p:grpSpPr>
+      <p:sp>
+        <p:nvSpPr>
+          <p:cNvPr id="2" name="标题 1"/>
+          <p:cNvSpPr>
+            <a:spLocks noGrp="1"/>
+          </p:cNvSpPr>
+          <p:nvPr>
+            <p:ph type="title"/>
+          </p:nvPr>
+        </p:nvSpPr>
+        <p:spPr/>
+        <p:txBody>
+          <a:bodyPr/>
+          <a:lstStyle/>
+          <a:p>
+            <a:endParaRPr lang="zh-CN" altLang="en-US" dirty="0">
+              <a:solidFill>
+                <a:srgbClr val="34221C"/>
+              </a:solidFill>
+              <a:effectLst>
+                <a:outerShdw blurRad="38100" dist="38100" dir="2700000" algn="tl">
+                  <a:srgbClr val="000000">
+                    <a:alpha val="43137"/>
+                  </a:srgbClr>
+                </a:outerShdw>
+              </a:effectLst>
+              <a:latin typeface="YaHei Consolas Hybrid" pitchFamily="49" charset="-122"/>
+              <a:ea typeface="YaHei Consolas Hybrid" pitchFamily="49" charset="-122"/>
+            </a:endParaRPr>
+          </a:p>
+        </p:txBody>
+      </p:sp>
+      <p:sp>
+        <p:nvSpPr>
+          <p:cNvPr id="3" name="内容占位符 2"/>
+          <p:cNvSpPr>
+            <a:spLocks noGrp="1"/>
+          </p:cNvSpPr>
+          <p:nvPr>
+            <p:ph idx="1"/>
+          </p:nvPr>
+        </p:nvSpPr>
+        <p:spPr/>
+        <p:txBody>
+          <a:bodyPr/>
+          <a:lstStyle/>
+          <a:p>
+            <a:pPr lvl="1"/>
+            <a:endParaRPr lang="en-US" altLang="zh-CN" dirty="0" smtClean="0">
+              <a:latin typeface="YaHei Consolas Hybrid" pitchFamily="49" charset="-122"/>
+              <a:ea typeface="YaHei Consolas Hybrid" pitchFamily="49" charset="-122"/>
+            </a:endParaRPr>
+          </a:p>
+        </p:txBody>
+      </p:sp>
+      <p:pic>
+        <p:nvPicPr>
+          <p:cNvPr id="7" name="图片 6"/>
+          <p:cNvPicPr>
+            <a:picLocks noChangeAspect="1"/>
+          </p:cNvPicPr>
+          <p:nvPr/>
+        </p:nvPicPr>
+        <p:blipFill>
+          <a:blip r:embed="rId3" cstate="print">
+            <a:extLst>
+              <a:ext uri="{28A0092B-C50C-407E-A947-70E740481C1C}">
+                <a14:useLocalDpi xmlns:a14="http://schemas.microsoft.com/office/drawing/2010/main" val="0"/>
+              </a:ext>
+            </a:extLst>
+          </a:blip>
+          <a:stretch>
+            <a:fillRect/>
+          </a:stretch>
+        </p:blipFill>
+        <p:spPr>
+          <a:xfrm>
+            <a:off x="7092280" y="6278234"/>
+            <a:ext cx="1933845" cy="523948"/>
+          </a:xfrm>
+          <a:prstGeom prst="rect">
+            <a:avLst/>
+          </a:prstGeom>
+        </p:spPr>
+      </p:pic>
+    </p:spTree>
+    <p:extLst>
+      <p:ext uri="{BB962C8B-B14F-4D97-AF65-F5344CB8AC3E}">
+        <p14:creationId xmlns:p14="http://schemas.microsoft.com/office/powerpoint/2010/main" val="1358235552"/>
+      </p:ext>
+    </p:extLst>
+  </p:cSld>
+  <p:clrMapOvr>
+    <a:masterClrMapping/>
+  </p:clrMapOvr>
+  <mc:AlternateContent xmlns:mc="http://schemas.openxmlformats.org/markup-compatibility/2006" xmlns:p14="http://schemas.microsoft.com/office/powerpoint/2010/main">
+    <mc:Choice Requires="p14">
+      <p:transition spd="slow" p14:dur="1500">
+        <p14:window dir="vert"/>
+      </p:transition>
+    </mc:Choice>
+    <mc:Fallback xmlns="">
+      <p:transition spd="slow">
+        <p:fade/>
+      </p:transition>
+    </mc:Fallback>
+  </mc:AlternateContent>
+  <p:timing>
+    <p:tnLst>
+      <p:par>
+        <p:cTn id="1" dur="indefinite" restart="never" nodeType="tmRoot">
+          <p:childTnLst>
+            <p:seq concurrent="1" nextAc="seek">
+              <p:cTn id="2" dur="indefinite" nodeType="mainSeq">
+                <p:childTnLst>
+                  <p:par>
+                    <p:cTn id="3" fill="hold">
+                      <p:stCondLst>
+                        <p:cond delay="indefinite"/>
+                      </p:stCondLst>
+                      <p:childTnLst>
+                        <p:par>
+                          <p:cTn id="4" fill="hold">
+                            <p:stCondLst>
+                              <p:cond delay="0"/>
+                            </p:stCondLst>
+                            <p:childTnLst>
+                              <p:par>
+                                <p:cTn id="5" presetID="2" presetClass="entr" presetSubtype="4" fill="hold" nodeType="clickEffect" nodePh="1">
+                                  <p:stCondLst>
+                                    <p:cond delay="0"/>
+                                  </p:stCondLst>
+                                  <p:endCondLst>
+                                    <p:cond evt="begin" delay="0">
+                                      <p:tn val="5"/>
+                                    </p:cond>
+                                  </p:endCondLst>
+                                  <p:childTnLst>
+                                    <p:set>
+                                      <p:cBhvr>
+                                        <p:cTn id="6" dur="1" fill="hold">
+                                          <p:stCondLst>
+                                            <p:cond delay="0"/>
+                                          </p:stCondLst>
+                                        </p:cTn>
+                                        <p:tgtEl>
+                                          <p:spTgt spid="3">
+                                            <p:txEl>
+                                              <p:pRg st="0" end="0"/>
+                                            </p:txEl>
+                                          </p:spTgt>
+                                        </p:tgtEl>
+                                        <p:attrNameLst>
+                                          <p:attrName>style.visibility</p:attrName>
+                                        </p:attrNameLst>
+                                      </p:cBhvr>
+                                      <p:to>
+                                        <p:strVal val="visible"/>
+                                      </p:to>
+                                    </p:set>
+                                    <p:anim calcmode="lin" valueType="num">
+                                      <p:cBhvr additive="base">
+                                        <p:cTn id="7" dur="500" fill="hold"/>
+                                        <p:tgtEl>
+                                          <p:spTgt spid="3">
+                                            <p:txEl>
+                                              <p:pRg st="0" end="0"/>
+                                            </p:txEl>
+                                          </p:spTgt>
+                                        </p:tgtEl>
+                                        <p:attrNameLst>
+                                          <p:attrName>ppt_x</p:attrName>
+                                        </p:attrNameLst>
+                                      </p:cBhvr>
+                                      <p:tavLst>
+                                        <p:tav tm="0">
+                                          <p:val>
+                                            <p:strVal val="#ppt_x"/>
+                                          </p:val>
+                                        </p:tav>
+                                        <p:tav tm="100000">
+                                          <p:val>
+                                            <p:strVal val="#ppt_x"/>
+                                          </p:val>
+                                        </p:tav>
+                                      </p:tavLst>
+                                    </p:anim>
+                                    <p:anim calcmode="lin" valueType="num">
+                                      <p:cBhvr additive="base">
+                                        <p:cTn id="8" dur="500" fill="hold"/>
+                                        <p:tgtEl>
+                                          <p:spTgt spid="3">
+                                            <p:txEl>
+                                              <p:pRg st="0" end="0"/>
+                                            </p:txEl>
+                                          </p:spTgt>
+                                        </p:tgtEl>
+                                        <p:attrNameLst>
+                                          <p:attrName>ppt_y</p:attrName>
+                                        </p:attrNameLst>
+                                      </p:cBhvr>
+                                      <p:tavLst>
+                                        <p:tav tm="0">
+                                          <p:val>
+                                            <p:strVal val="1+#ppt_h/2"/>
+                                          </p:val>
+                                        </p:tav>
+                                        <p:tav tm="100000">
+                                          <p:val>
+                                            <p:strVal val="#ppt_y"/>
+                                          </p:val>
+                                        </p:tav>
+                                      </p:tavLst>
+                                    </p:anim>
+                                  </p:childTnLst>
+                                </p:cTn>
+                              </p:par>
+                            </p:childTnLst>
+                          </p:cTn>
+                        </p:par>
+                      </p:childTnLst>
+                    </p:cTn>
+                  </p:par>
+                </p:childTnLst>
+              </p:cTn>
+              <p:prevCondLst>
+                <p:cond evt="onPrev" delay="0">
+                  <p:tgtEl>
+                    <p:sldTgt/>
+                  </p:tgtEl>
+                </p:cond>
+              </p:prevCondLst>
+              <p:nextCondLst>
+                <p:cond evt="onNext" delay="0">
+                  <p:tgtEl>
+                    <p:sldTgt/>
+                  </p:tgtEl>
+                </p:cond>
+              </p:nextCondLst>
+            </p:seq>
+          </p:childTnLst>
+        </p:cTn>
+      </p:par>
+    </p:tnLst>
+  </p:timing>
+</p:sld>
+</file>
+
+<file path=ppt/slides/slide13.xml><?xml version="1.0" encoding="utf-8"?>
+<p:sld xmlns:a="http://schemas.openxmlformats.org/drawingml/2006/main" xmlns:r="http://schemas.openxmlformats.org/officeDocument/2006/relationships" xmlns:p="http://schemas.openxmlformats.org/presentationml/2006/main">
+  <p:cSld>
+    <p:spTree>
+      <p:nvGrpSpPr>
+        <p:cNvPr id="1" name=""/>
+        <p:cNvGrpSpPr/>
+        <p:nvPr/>
+      </p:nvGrpSpPr>
+      <p:grpSpPr>
+        <a:xfrm>
+          <a:off x="0" y="0"/>
+          <a:ext cx="0" cy="0"/>
+          <a:chOff x="0" y="0"/>
+          <a:chExt cx="0" cy="0"/>
+        </a:xfrm>
+      </p:grpSpPr>
+      <p:sp>
+        <p:nvSpPr>
+          <p:cNvPr id="2" name="标题 1"/>
+          <p:cNvSpPr>
+            <a:spLocks noGrp="1"/>
+          </p:cNvSpPr>
+          <p:nvPr>
+            <p:ph type="title"/>
+          </p:nvPr>
+        </p:nvSpPr>
+        <p:spPr/>
+        <p:txBody>
+          <a:bodyPr/>
+          <a:lstStyle/>
+          <a:p>
+            <a:endParaRPr lang="zh-CN" altLang="en-US" dirty="0">
+              <a:solidFill>
+                <a:srgbClr val="34221C"/>
+              </a:solidFill>
+              <a:effectLst>
+                <a:outerShdw blurRad="38100" dist="38100" dir="2700000" algn="tl">
+                  <a:srgbClr val="000000">
+                    <a:alpha val="43137"/>
+                  </a:srgbClr>
+                </a:outerShdw>
+              </a:effectLst>
+              <a:latin typeface="YaHei Consolas Hybrid" pitchFamily="49" charset="-122"/>
+              <a:ea typeface="YaHei Consolas Hybrid" pitchFamily="49" charset="-122"/>
+            </a:endParaRPr>
+          </a:p>
+        </p:txBody>
+      </p:sp>
+      <p:sp>
+        <p:nvSpPr>
+          <p:cNvPr id="3" name="内容占位符 2"/>
+          <p:cNvSpPr>
+            <a:spLocks noGrp="1"/>
+          </p:cNvSpPr>
+          <p:nvPr>
+            <p:ph idx="1"/>
+          </p:nvPr>
+        </p:nvSpPr>
+        <p:spPr/>
+        <p:txBody>
+          <a:bodyPr/>
+          <a:lstStyle/>
+          <a:p>
+            <a:pPr lvl="1"/>
+            <a:endParaRPr lang="en-US" altLang="zh-CN" dirty="0" smtClean="0">
+              <a:latin typeface="YaHei Consolas Hybrid" pitchFamily="49" charset="-122"/>
+              <a:ea typeface="YaHei Consolas Hybrid" pitchFamily="49" charset="-122"/>
+            </a:endParaRPr>
+          </a:p>
+        </p:txBody>
+      </p:sp>
+      <p:pic>
+        <p:nvPicPr>
+          <p:cNvPr id="7" name="图片 6"/>
+          <p:cNvPicPr>
+            <a:picLocks noChangeAspect="1"/>
+          </p:cNvPicPr>
+          <p:nvPr/>
+        </p:nvPicPr>
+        <p:blipFill>
+          <a:blip r:embed="rId3" cstate="print">
+            <a:extLst>
+              <a:ext uri="{28A0092B-C50C-407E-A947-70E740481C1C}">
+                <a14:useLocalDpi xmlns:a14="http://schemas.microsoft.com/office/drawing/2010/main" val="0"/>
+              </a:ext>
+            </a:extLst>
+          </a:blip>
+          <a:stretch>
+            <a:fillRect/>
+          </a:stretch>
+        </p:blipFill>
+        <p:spPr>
+          <a:xfrm>
+            <a:off x="7092280" y="6278234"/>
+            <a:ext cx="1933845" cy="523948"/>
+          </a:xfrm>
+          <a:prstGeom prst="rect">
+            <a:avLst/>
+          </a:prstGeom>
+        </p:spPr>
+      </p:pic>
+    </p:spTree>
+    <p:extLst>
+      <p:ext uri="{BB962C8B-B14F-4D97-AF65-F5344CB8AC3E}">
+        <p14:creationId xmlns:p14="http://schemas.microsoft.com/office/powerpoint/2010/main" val="4024772275"/>
+      </p:ext>
+    </p:extLst>
+  </p:cSld>
+  <p:clrMapOvr>
+    <a:masterClrMapping/>
+  </p:clrMapOvr>
+  <mc:AlternateContent xmlns:mc="http://schemas.openxmlformats.org/markup-compatibility/2006" xmlns:p14="http://schemas.microsoft.com/office/powerpoint/2010/main">
+    <mc:Choice Requires="p14">
+      <p:transition spd="slow" p14:dur="1500">
+        <p14:window dir="vert"/>
+      </p:transition>
+    </mc:Choice>
+    <mc:Fallback xmlns="">
+      <p:transition spd="slow">
+        <p:fade/>
+      </p:transition>
+    </mc:Fallback>
+  </mc:AlternateContent>
+  <p:timing>
+    <p:tnLst>
+      <p:par>
+        <p:cTn id="1" dur="indefinite" restart="never" nodeType="tmRoot">
+          <p:childTnLst>
+            <p:seq concurrent="1" nextAc="seek">
+              <p:cTn id="2" dur="indefinite" nodeType="mainSeq">
+                <p:childTnLst>
+                  <p:par>
+                    <p:cTn id="3" fill="hold">
+                      <p:stCondLst>
+                        <p:cond delay="indefinite"/>
+                      </p:stCondLst>
+                      <p:childTnLst>
+                        <p:par>
+                          <p:cTn id="4" fill="hold">
+                            <p:stCondLst>
+                              <p:cond delay="0"/>
+                            </p:stCondLst>
+                            <p:childTnLst>
+                              <p:par>
+                                <p:cTn id="5" presetID="2" presetClass="entr" presetSubtype="4" fill="hold" nodeType="clickEffect" nodePh="1">
+                                  <p:stCondLst>
+                                    <p:cond delay="0"/>
+                                  </p:stCondLst>
+                                  <p:endCondLst>
+                                    <p:cond evt="begin" delay="0">
+                                      <p:tn val="5"/>
+                                    </p:cond>
+                                  </p:endCondLst>
+                                  <p:childTnLst>
+                                    <p:set>
+                                      <p:cBhvr>
+                                        <p:cTn id="6" dur="1" fill="hold">
+                                          <p:stCondLst>
+                                            <p:cond delay="0"/>
+                                          </p:stCondLst>
+                                        </p:cTn>
+                                        <p:tgtEl>
+                                          <p:spTgt spid="3">
+                                            <p:txEl>
+                                              <p:pRg st="0" end="0"/>
+                                            </p:txEl>
+                                          </p:spTgt>
+                                        </p:tgtEl>
+                                        <p:attrNameLst>
+                                          <p:attrName>style.visibility</p:attrName>
+                                        </p:attrNameLst>
+                                      </p:cBhvr>
+                                      <p:to>
+                                        <p:strVal val="visible"/>
+                                      </p:to>
+                                    </p:set>
+                                    <p:anim calcmode="lin" valueType="num">
+                                      <p:cBhvr additive="base">
+                                        <p:cTn id="7" dur="500" fill="hold"/>
+                                        <p:tgtEl>
+                                          <p:spTgt spid="3">
+                                            <p:txEl>
+                                              <p:pRg st="0" end="0"/>
+                                            </p:txEl>
+                                          </p:spTgt>
+                                        </p:tgtEl>
+                                        <p:attrNameLst>
+                                          <p:attrName>ppt_x</p:attrName>
+                                        </p:attrNameLst>
+                                      </p:cBhvr>
+                                      <p:tavLst>
+                                        <p:tav tm="0">
+                                          <p:val>
+                                            <p:strVal val="#ppt_x"/>
+                                          </p:val>
+                                        </p:tav>
+                                        <p:tav tm="100000">
+                                          <p:val>
+                                            <p:strVal val="#ppt_x"/>
+                                          </p:val>
+                                        </p:tav>
+                                      </p:tavLst>
+                                    </p:anim>
+                                    <p:anim calcmode="lin" valueType="num">
+                                      <p:cBhvr additive="base">
+                                        <p:cTn id="8" dur="500" fill="hold"/>
+                                        <p:tgtEl>
+                                          <p:spTgt spid="3">
+                                            <p:txEl>
+                                              <p:pRg st="0" end="0"/>
+                                            </p:txEl>
+                                          </p:spTgt>
+                                        </p:tgtEl>
+                                        <p:attrNameLst>
+                                          <p:attrName>ppt_y</p:attrName>
+                                        </p:attrNameLst>
+                                      </p:cBhvr>
+                                      <p:tavLst>
+                                        <p:tav tm="0">
+                                          <p:val>
+                                            <p:strVal val="1+#ppt_h/2"/>
+                                          </p:val>
+                                        </p:tav>
+                                        <p:tav tm="100000">
+                                          <p:val>
+                                            <p:strVal val="#ppt_y"/>
+                                          </p:val>
+                                        </p:tav>
+                                      </p:tavLst>
+                                    </p:anim>
+                                  </p:childTnLst>
+                                </p:cTn>
+                              </p:par>
+                            </p:childTnLst>
+                          </p:cTn>
+                        </p:par>
+                      </p:childTnLst>
+                    </p:cTn>
+                  </p:par>
+                </p:childTnLst>
+              </p:cTn>
+              <p:prevCondLst>
+                <p:cond evt="onPrev" delay="0">
+                  <p:tgtEl>
+                    <p:sldTgt/>
+                  </p:tgtEl>
+                </p:cond>
+              </p:prevCondLst>
+              <p:nextCondLst>
+                <p:cond evt="onNext" delay="0">
+                  <p:tgtEl>
+                    <p:sldTgt/>
+                  </p:tgtEl>
+                </p:cond>
+              </p:nextCondLst>
+            </p:seq>
+          </p:childTnLst>
+        </p:cTn>
+      </p:par>
+    </p:tnLst>
+  </p:timing>
+</p:sld>
+</file>
+
+<file path=ppt/slides/slide14.xml><?xml version="1.0" encoding="utf-8"?>
+<p:sld xmlns:a="http://schemas.openxmlformats.org/drawingml/2006/main" xmlns:r="http://schemas.openxmlformats.org/officeDocument/2006/relationships" xmlns:p="http://schemas.openxmlformats.org/presentationml/2006/main">
+  <p:cSld>
+    <p:spTree>
+      <p:nvGrpSpPr>
+        <p:cNvPr id="1" name=""/>
+        <p:cNvGrpSpPr/>
+        <p:nvPr/>
+      </p:nvGrpSpPr>
+      <p:grpSpPr>
+        <a:xfrm>
+          <a:off x="0" y="0"/>
+          <a:ext cx="0" cy="0"/>
+          <a:chOff x="0" y="0"/>
+          <a:chExt cx="0" cy="0"/>
+        </a:xfrm>
+      </p:grpSpPr>
+      <p:sp>
+        <p:nvSpPr>
+          <p:cNvPr id="2" name="标题 1"/>
+          <p:cNvSpPr>
+            <a:spLocks noGrp="1"/>
+          </p:cNvSpPr>
+          <p:nvPr>
+            <p:ph type="title"/>
+          </p:nvPr>
+        </p:nvSpPr>
+        <p:spPr/>
+        <p:txBody>
+          <a:bodyPr/>
+          <a:lstStyle/>
+          <a:p>
+            <a:endParaRPr lang="zh-CN" altLang="en-US" dirty="0">
+              <a:solidFill>
+                <a:srgbClr val="34221C"/>
+              </a:solidFill>
+              <a:effectLst>
+                <a:outerShdw blurRad="38100" dist="38100" dir="2700000" algn="tl">
+                  <a:srgbClr val="000000">
+                    <a:alpha val="43137"/>
+                  </a:srgbClr>
+                </a:outerShdw>
+              </a:effectLst>
+              <a:latin typeface="YaHei Consolas Hybrid" pitchFamily="49" charset="-122"/>
+              <a:ea typeface="YaHei Consolas Hybrid" pitchFamily="49" charset="-122"/>
+            </a:endParaRPr>
+          </a:p>
+        </p:txBody>
+      </p:sp>
+      <p:sp>
+        <p:nvSpPr>
+          <p:cNvPr id="3" name="内容占位符 2"/>
+          <p:cNvSpPr>
+            <a:spLocks noGrp="1"/>
+          </p:cNvSpPr>
+          <p:nvPr>
+            <p:ph idx="1"/>
+          </p:nvPr>
+        </p:nvSpPr>
+        <p:spPr/>
+        <p:txBody>
+          <a:bodyPr/>
+          <a:lstStyle/>
+          <a:p>
+            <a:pPr lvl="1"/>
+            <a:endParaRPr lang="en-US" altLang="zh-CN" dirty="0" smtClean="0">
+              <a:latin typeface="YaHei Consolas Hybrid" pitchFamily="49" charset="-122"/>
+              <a:ea typeface="YaHei Consolas Hybrid" pitchFamily="49" charset="-122"/>
+            </a:endParaRPr>
+          </a:p>
+        </p:txBody>
+      </p:sp>
+      <p:pic>
+        <p:nvPicPr>
+          <p:cNvPr id="7" name="图片 6"/>
+          <p:cNvPicPr>
+            <a:picLocks noChangeAspect="1"/>
+          </p:cNvPicPr>
+          <p:nvPr/>
+        </p:nvPicPr>
+        <p:blipFill>
+          <a:blip r:embed="rId3" cstate="print">
+            <a:extLst>
+              <a:ext uri="{28A0092B-C50C-407E-A947-70E740481C1C}">
+                <a14:useLocalDpi xmlns:a14="http://schemas.microsoft.com/office/drawing/2010/main" val="0"/>
+              </a:ext>
+            </a:extLst>
+          </a:blip>
+          <a:stretch>
+            <a:fillRect/>
+          </a:stretch>
+        </p:blipFill>
+        <p:spPr>
+          <a:xfrm>
+            <a:off x="7092280" y="6278234"/>
+            <a:ext cx="1933845" cy="523948"/>
+          </a:xfrm>
+          <a:prstGeom prst="rect">
+            <a:avLst/>
+          </a:prstGeom>
+        </p:spPr>
+      </p:pic>
+    </p:spTree>
+    <p:extLst>
+      <p:ext uri="{BB962C8B-B14F-4D97-AF65-F5344CB8AC3E}">
+        <p14:creationId xmlns:p14="http://schemas.microsoft.com/office/powerpoint/2010/main" val="3272322428"/>
+      </p:ext>
+    </p:extLst>
+  </p:cSld>
+  <p:clrMapOvr>
+    <a:masterClrMapping/>
+  </p:clrMapOvr>
+  <mc:AlternateContent xmlns:mc="http://schemas.openxmlformats.org/markup-compatibility/2006" xmlns:p14="http://schemas.microsoft.com/office/powerpoint/2010/main">
+    <mc:Choice Requires="p14">
+      <p:transition spd="slow" p14:dur="1500">
+        <p14:window dir="vert"/>
+      </p:transition>
+    </mc:Choice>
+    <mc:Fallback xmlns="">
+      <p:transition spd="slow">
+        <p:fade/>
+      </p:transition>
+    </mc:Fallback>
+  </mc:AlternateContent>
+  <p:timing>
+    <p:tnLst>
+      <p:par>
+        <p:cTn id="1" dur="indefinite" restart="never" nodeType="tmRoot">
+          <p:childTnLst>
+            <p:seq concurrent="1" nextAc="seek">
+              <p:cTn id="2" dur="indefinite" nodeType="mainSeq">
+                <p:childTnLst>
+                  <p:par>
+                    <p:cTn id="3" fill="hold">
+                      <p:stCondLst>
+                        <p:cond delay="indefinite"/>
+                      </p:stCondLst>
+                      <p:childTnLst>
+                        <p:par>
+                          <p:cTn id="4" fill="hold">
+                            <p:stCondLst>
+                              <p:cond delay="0"/>
+                            </p:stCondLst>
+                            <p:childTnLst>
+                              <p:par>
+                                <p:cTn id="5" presetID="2" presetClass="entr" presetSubtype="4" fill="hold" nodeType="clickEffect" nodePh="1">
+                                  <p:stCondLst>
+                                    <p:cond delay="0"/>
+                                  </p:stCondLst>
+                                  <p:endCondLst>
+                                    <p:cond evt="begin" delay="0">
+                                      <p:tn val="5"/>
+                                    </p:cond>
+                                  </p:endCondLst>
+                                  <p:childTnLst>
+                                    <p:set>
+                                      <p:cBhvr>
+                                        <p:cTn id="6" dur="1" fill="hold">
+                                          <p:stCondLst>
+                                            <p:cond delay="0"/>
+                                          </p:stCondLst>
+                                        </p:cTn>
+                                        <p:tgtEl>
+                                          <p:spTgt spid="3">
+                                            <p:txEl>
+                                              <p:pRg st="0" end="0"/>
+                                            </p:txEl>
+                                          </p:spTgt>
+                                        </p:tgtEl>
+                                        <p:attrNameLst>
+                                          <p:attrName>style.visibility</p:attrName>
+                                        </p:attrNameLst>
+                                      </p:cBhvr>
+                                      <p:to>
+                                        <p:strVal val="visible"/>
+                                      </p:to>
+                                    </p:set>
+                                    <p:anim calcmode="lin" valueType="num">
+                                      <p:cBhvr additive="base">
+                                        <p:cTn id="7" dur="500" fill="hold"/>
+                                        <p:tgtEl>
+                                          <p:spTgt spid="3">
+                                            <p:txEl>
+                                              <p:pRg st="0" end="0"/>
+                                            </p:txEl>
+                                          </p:spTgt>
+                                        </p:tgtEl>
+                                        <p:attrNameLst>
+                                          <p:attrName>ppt_x</p:attrName>
+                                        </p:attrNameLst>
+                                      </p:cBhvr>
+                                      <p:tavLst>
+                                        <p:tav tm="0">
+                                          <p:val>
+                                            <p:strVal val="#ppt_x"/>
+                                          </p:val>
+                                        </p:tav>
+                                        <p:tav tm="100000">
+                                          <p:val>
+                                            <p:strVal val="#ppt_x"/>
+                                          </p:val>
+                                        </p:tav>
+                                      </p:tavLst>
+                                    </p:anim>
+                                    <p:anim calcmode="lin" valueType="num">
+                                      <p:cBhvr additive="base">
+                                        <p:cTn id="8" dur="500" fill="hold"/>
+                                        <p:tgtEl>
+                                          <p:spTgt spid="3">
+                                            <p:txEl>
+                                              <p:pRg st="0" end="0"/>
+                                            </p:txEl>
+                                          </p:spTgt>
+                                        </p:tgtEl>
+                                        <p:attrNameLst>
+                                          <p:attrName>ppt_y</p:attrName>
+                                        </p:attrNameLst>
+                                      </p:cBhvr>
+                                      <p:tavLst>
+                                        <p:tav tm="0">
+                                          <p:val>
+                                            <p:strVal val="1+#ppt_h/2"/>
+                                          </p:val>
+                                        </p:tav>
+                                        <p:tav tm="100000">
+                                          <p:val>
+                                            <p:strVal val="#ppt_y"/>
+                                          </p:val>
+                                        </p:tav>
+                                      </p:tavLst>
+                                    </p:anim>
+                                  </p:childTnLst>
+                                </p:cTn>
+                              </p:par>
+                            </p:childTnLst>
+                          </p:cTn>
+                        </p:par>
+                      </p:childTnLst>
+                    </p:cTn>
+                  </p:par>
+                </p:childTnLst>
+              </p:cTn>
+              <p:prevCondLst>
+                <p:cond evt="onPrev" delay="0">
+                  <p:tgtEl>
+                    <p:sldTgt/>
+                  </p:tgtEl>
+                </p:cond>
+              </p:prevCondLst>
+              <p:nextCondLst>
+                <p:cond evt="onNext" delay="0">
+                  <p:tgtEl>
+                    <p:sldTgt/>
+                  </p:tgtEl>
+                </p:cond>
+              </p:nextCondLst>
+            </p:seq>
+          </p:childTnLst>
+        </p:cTn>
+      </p:par>
+    </p:tnLst>
+  </p:timing>
+</p:sld>
+</file>
+
+<file path=ppt/slides/slide15.xml><?xml version="1.0" encoding="utf-8"?>
+<p:sld xmlns:a="http://schemas.openxmlformats.org/drawingml/2006/main" xmlns:r="http://schemas.openxmlformats.org/officeDocument/2006/relationships" xmlns:p="http://schemas.openxmlformats.org/presentationml/2006/main">
+  <p:cSld>
+    <p:spTree>
+      <p:nvGrpSpPr>
+        <p:cNvPr id="1" name=""/>
+        <p:cNvGrpSpPr/>
+        <p:nvPr/>
+      </p:nvGrpSpPr>
+      <p:grpSpPr>
+        <a:xfrm>
+          <a:off x="0" y="0"/>
+          <a:ext cx="0" cy="0"/>
+          <a:chOff x="0" y="0"/>
+          <a:chExt cx="0" cy="0"/>
+        </a:xfrm>
+      </p:grpSpPr>
+      <p:sp>
+        <p:nvSpPr>
+          <p:cNvPr id="2" name="标题 1"/>
+          <p:cNvSpPr>
+            <a:spLocks noGrp="1"/>
+          </p:cNvSpPr>
+          <p:nvPr>
+            <p:ph type="title"/>
+          </p:nvPr>
+        </p:nvSpPr>
+        <p:spPr/>
+        <p:txBody>
+          <a:bodyPr/>
+          <a:lstStyle/>
+          <a:p>
             <a:r>
               <a:rPr lang="zh-CN" altLang="en-US" dirty="0" smtClean="0">
                 <a:solidFill>
@@ -5537,7 +7412,7 @@
           <a:blip r:embed="rId4" cstate="print">
             <a:extLst>
               <a:ext uri="{28A0092B-C50C-407E-A947-70E740481C1C}">
-                <a14:useLocalDpi xmlns:a14="http://schemas.microsoft.com/office/drawing/2010/main" xmlns="" val="0"/>
+                <a14:useLocalDpi xmlns:a14="http://schemas.microsoft.com/office/drawing/2010/main" val="0"/>
               </a:ext>
             </a:extLst>
           </a:blip>
@@ -5576,19 +7451,17 @@
           </a:prstGeom>
         </p:spPr>
         <p:style>
-          <a:lnRef idx="2">
-            <a:schemeClr val="accent1">
-              <a:shade val="50000"/>
-            </a:schemeClr>
+          <a:lnRef idx="1">
+            <a:schemeClr val="accent1"/>
           </a:lnRef>
-          <a:fillRef idx="1">
+          <a:fillRef idx="2">
             <a:schemeClr val="accent1"/>
           </a:fillRef>
-          <a:effectRef idx="0">
+          <a:effectRef idx="1">
             <a:schemeClr val="accent1"/>
           </a:effectRef>
           <a:fontRef idx="minor">
-            <a:schemeClr val="lt1"/>
+            <a:schemeClr val="dk1"/>
           </a:fontRef>
         </p:style>
         <p:txBody>
@@ -5625,19 +7498,17 @@
           </a:prstGeom>
         </p:spPr>
         <p:style>
-          <a:lnRef idx="2">
-            <a:schemeClr val="accent1">
-              <a:shade val="50000"/>
-            </a:schemeClr>
+          <a:lnRef idx="1">
+            <a:schemeClr val="accent1"/>
           </a:lnRef>
-          <a:fillRef idx="1">
+          <a:fillRef idx="2">
             <a:schemeClr val="accent1"/>
           </a:fillRef>
-          <a:effectRef idx="0">
+          <a:effectRef idx="1">
             <a:schemeClr val="accent1"/>
           </a:effectRef>
           <a:fontRef idx="minor">
-            <a:schemeClr val="lt1"/>
+            <a:schemeClr val="dk1"/>
           </a:fontRef>
         </p:style>
         <p:txBody>
@@ -5656,7 +7527,7 @@
     </p:spTree>
     <p:extLst>
       <p:ext uri="{BB962C8B-B14F-4D97-AF65-F5344CB8AC3E}">
-        <p14:creationId xmlns:p14="http://schemas.microsoft.com/office/powerpoint/2010/main" xmlns="" val="2886733055"/>
+        <p14:creationId xmlns:p14="http://schemas.microsoft.com/office/powerpoint/2010/main" val="2886733055"/>
       </p:ext>
     </p:extLst>
   </p:cSld>
@@ -5676,7 +7547,7 @@
 </p:sld>
 </file>
 
-<file path=ppt/slides/slide11.xml><?xml version="1.0" encoding="utf-8"?>
+<file path=ppt/slides/slide16.xml><?xml version="1.0" encoding="utf-8"?>
 <p:sld xmlns:a="http://schemas.openxmlformats.org/drawingml/2006/main" xmlns:r="http://schemas.openxmlformats.org/officeDocument/2006/relationships" xmlns:p="http://schemas.openxmlformats.org/presentationml/2006/main">
   <p:cSld>
     <p:spTree>
@@ -5723,7 +7594,7 @@
                 <a:latin typeface="YaHei Consolas Hybrid" pitchFamily="49" charset="-122"/>
                 <a:ea typeface="YaHei Consolas Hybrid" pitchFamily="49" charset="-122"/>
               </a:rPr>
-              <a:t>只是工具</a:t>
+              <a:t>我也不是完美的</a:t>
             </a:r>
             <a:endParaRPr lang="zh-CN" altLang="en-US" dirty="0">
               <a:solidFill>
@@ -5742,6 +7613,596 @@
           </a:p>
         </p:txBody>
       </p:sp>
+      <p:sp>
+        <p:nvSpPr>
+          <p:cNvPr id="3" name="内容占位符 2"/>
+          <p:cNvSpPr>
+            <a:spLocks noGrp="1"/>
+          </p:cNvSpPr>
+          <p:nvPr>
+            <p:ph idx="1"/>
+          </p:nvPr>
+        </p:nvSpPr>
+        <p:spPr/>
+        <p:txBody>
+          <a:bodyPr/>
+          <a:lstStyle/>
+          <a:p>
+            <a:pPr lvl="1"/>
+            <a:r>
+              <a:rPr lang="zh-CN" altLang="en-US" dirty="0" smtClean="0">
+                <a:latin typeface="YaHei Consolas Hybrid" pitchFamily="49" charset="-122"/>
+                <a:ea typeface="YaHei Consolas Hybrid" pitchFamily="49" charset="-122"/>
+              </a:rPr>
+              <a:t>只有英文版本且是收费的</a:t>
+            </a:r>
+            <a:endParaRPr lang="en-US" altLang="zh-CN" dirty="0" smtClean="0">
+              <a:latin typeface="YaHei Consolas Hybrid" pitchFamily="49" charset="-122"/>
+              <a:ea typeface="YaHei Consolas Hybrid" pitchFamily="49" charset="-122"/>
+            </a:endParaRPr>
+          </a:p>
+          <a:p>
+            <a:pPr lvl="1"/>
+            <a:r>
+              <a:rPr lang="zh-CN" altLang="en-US" dirty="0" smtClean="0">
+                <a:latin typeface="YaHei Consolas Hybrid" pitchFamily="49" charset="-122"/>
+                <a:ea typeface="YaHei Consolas Hybrid" pitchFamily="49" charset="-122"/>
+              </a:rPr>
+              <a:t>只能打开当个工程</a:t>
+            </a:r>
+            <a:endParaRPr lang="en-US" altLang="zh-CN" dirty="0" smtClean="0">
+              <a:latin typeface="YaHei Consolas Hybrid" pitchFamily="49" charset="-122"/>
+              <a:ea typeface="YaHei Consolas Hybrid" pitchFamily="49" charset="-122"/>
+            </a:endParaRPr>
+          </a:p>
+          <a:p>
+            <a:pPr lvl="1"/>
+            <a:r>
+              <a:rPr lang="zh-CN" altLang="en-US" dirty="0" smtClean="0">
+                <a:latin typeface="YaHei Consolas Hybrid" pitchFamily="49" charset="-122"/>
+                <a:ea typeface="YaHei Consolas Hybrid" pitchFamily="49" charset="-122"/>
+              </a:rPr>
+              <a:t>本身可提供的插件不多，不如</a:t>
+            </a:r>
+            <a:r>
+              <a:rPr lang="en-US" altLang="zh-CN" dirty="0" smtClean="0">
+                <a:latin typeface="YaHei Consolas Hybrid" pitchFamily="49" charset="-122"/>
+                <a:ea typeface="YaHei Consolas Hybrid" pitchFamily="49" charset="-122"/>
+              </a:rPr>
+              <a:t>sublime text,</a:t>
+            </a:r>
+            <a:r>
+              <a:rPr lang="zh-CN" altLang="en-US" dirty="0" smtClean="0">
+                <a:latin typeface="YaHei Consolas Hybrid" pitchFamily="49" charset="-122"/>
+                <a:ea typeface="YaHei Consolas Hybrid" pitchFamily="49" charset="-122"/>
+              </a:rPr>
+              <a:t>但内置的已够用</a:t>
+            </a:r>
+            <a:endParaRPr lang="en-US" altLang="zh-CN" dirty="0" smtClean="0">
+              <a:latin typeface="YaHei Consolas Hybrid" pitchFamily="49" charset="-122"/>
+              <a:ea typeface="YaHei Consolas Hybrid" pitchFamily="49" charset="-122"/>
+            </a:endParaRPr>
+          </a:p>
+          <a:p>
+            <a:pPr lvl="1"/>
+            <a:endParaRPr lang="en-US" altLang="zh-CN" dirty="0" smtClean="0">
+              <a:latin typeface="YaHei Consolas Hybrid" pitchFamily="49" charset="-122"/>
+              <a:ea typeface="YaHei Consolas Hybrid" pitchFamily="49" charset="-122"/>
+            </a:endParaRPr>
+          </a:p>
+          <a:p>
+            <a:pPr lvl="1"/>
+            <a:endParaRPr lang="en-US" altLang="zh-CN" dirty="0" smtClean="0">
+              <a:latin typeface="YaHei Consolas Hybrid" pitchFamily="49" charset="-122"/>
+              <a:ea typeface="YaHei Consolas Hybrid" pitchFamily="49" charset="-122"/>
+            </a:endParaRPr>
+          </a:p>
+        </p:txBody>
+      </p:sp>
+      <p:pic>
+        <p:nvPicPr>
+          <p:cNvPr id="7" name="图片 6"/>
+          <p:cNvPicPr>
+            <a:picLocks noChangeAspect="1"/>
+          </p:cNvPicPr>
+          <p:nvPr/>
+        </p:nvPicPr>
+        <p:blipFill>
+          <a:blip r:embed="rId3" cstate="print">
+            <a:extLst>
+              <a:ext uri="{28A0092B-C50C-407E-A947-70E740481C1C}">
+                <a14:useLocalDpi xmlns:a14="http://schemas.microsoft.com/office/drawing/2010/main" val="0"/>
+              </a:ext>
+            </a:extLst>
+          </a:blip>
+          <a:stretch>
+            <a:fillRect/>
+          </a:stretch>
+        </p:blipFill>
+        <p:spPr>
+          <a:xfrm>
+            <a:off x="7092280" y="6278234"/>
+            <a:ext cx="1933845" cy="523948"/>
+          </a:xfrm>
+          <a:prstGeom prst="rect">
+            <a:avLst/>
+          </a:prstGeom>
+        </p:spPr>
+      </p:pic>
+      <p:sp>
+        <p:nvSpPr>
+          <p:cNvPr id="4" name="TextBox 3"/>
+          <p:cNvSpPr txBox="1"/>
+          <p:nvPr/>
+        </p:nvSpPr>
+        <p:spPr>
+          <a:xfrm>
+            <a:off x="755576" y="6278234"/>
+            <a:ext cx="6093848" cy="369332"/>
+          </a:xfrm>
+          <a:prstGeom prst="rect">
+            <a:avLst/>
+          </a:prstGeom>
+          <a:noFill/>
+        </p:spPr>
+        <p:txBody>
+          <a:bodyPr wrap="none" rtlCol="0">
+            <a:spAutoFit/>
+          </a:bodyPr>
+          <a:lstStyle/>
+          <a:p>
+            <a:r>
+              <a:rPr lang="zh-CN" altLang="en-US" dirty="0" smtClean="0">
+                <a:hlinkClick r:id="rId4"/>
+              </a:rPr>
+              <a:t>购买开源正版：</a:t>
+            </a:r>
+            <a:r>
+              <a:rPr lang="en-US" altLang="zh-CN" dirty="0" smtClean="0">
+                <a:hlinkClick r:id="rId4"/>
+              </a:rPr>
+              <a:t>http</a:t>
+            </a:r>
+            <a:r>
+              <a:rPr lang="en-US" altLang="zh-CN" dirty="0">
+                <a:hlinkClick r:id="rId4"/>
+              </a:rPr>
+              <a:t>://www.oschina.net/shop/jetbrains_2013</a:t>
+            </a:r>
+            <a:endParaRPr lang="zh-CN" altLang="en-US" dirty="0"/>
+          </a:p>
+        </p:txBody>
+      </p:sp>
+    </p:spTree>
+    <p:extLst>
+      <p:ext uri="{BB962C8B-B14F-4D97-AF65-F5344CB8AC3E}">
+        <p14:creationId xmlns:p14="http://schemas.microsoft.com/office/powerpoint/2010/main" val="1842906623"/>
+      </p:ext>
+    </p:extLst>
+  </p:cSld>
+  <p:clrMapOvr>
+    <a:masterClrMapping/>
+  </p:clrMapOvr>
+  <mc:AlternateContent xmlns:mc="http://schemas.openxmlformats.org/markup-compatibility/2006" xmlns:p14="http://schemas.microsoft.com/office/powerpoint/2010/main">
+    <mc:Choice Requires="p14">
+      <p:transition spd="slow" p14:dur="1500">
+        <p14:window dir="vert"/>
+      </p:transition>
+    </mc:Choice>
+    <mc:Fallback xmlns="">
+      <p:transition spd="slow">
+        <p:fade/>
+      </p:transition>
+    </mc:Fallback>
+  </mc:AlternateContent>
+  <p:timing>
+    <p:tnLst>
+      <p:par>
+        <p:cTn id="1" dur="indefinite" restart="never" nodeType="tmRoot">
+          <p:childTnLst>
+            <p:seq concurrent="1" nextAc="seek">
+              <p:cTn id="2" dur="indefinite" nodeType="mainSeq">
+                <p:childTnLst>
+                  <p:par>
+                    <p:cTn id="3" fill="hold">
+                      <p:stCondLst>
+                        <p:cond delay="indefinite"/>
+                      </p:stCondLst>
+                      <p:childTnLst>
+                        <p:par>
+                          <p:cTn id="4" fill="hold">
+                            <p:stCondLst>
+                              <p:cond delay="0"/>
+                            </p:stCondLst>
+                            <p:childTnLst>
+                              <p:par>
+                                <p:cTn id="5" presetID="2" presetClass="entr" presetSubtype="4" fill="hold" nodeType="clickEffect">
+                                  <p:stCondLst>
+                                    <p:cond delay="0"/>
+                                  </p:stCondLst>
+                                  <p:childTnLst>
+                                    <p:set>
+                                      <p:cBhvr>
+                                        <p:cTn id="6" dur="1" fill="hold">
+                                          <p:stCondLst>
+                                            <p:cond delay="0"/>
+                                          </p:stCondLst>
+                                        </p:cTn>
+                                        <p:tgtEl>
+                                          <p:spTgt spid="3">
+                                            <p:txEl>
+                                              <p:pRg st="0" end="0"/>
+                                            </p:txEl>
+                                          </p:spTgt>
+                                        </p:tgtEl>
+                                        <p:attrNameLst>
+                                          <p:attrName>style.visibility</p:attrName>
+                                        </p:attrNameLst>
+                                      </p:cBhvr>
+                                      <p:to>
+                                        <p:strVal val="visible"/>
+                                      </p:to>
+                                    </p:set>
+                                    <p:anim calcmode="lin" valueType="num">
+                                      <p:cBhvr additive="base">
+                                        <p:cTn id="7" dur="500" fill="hold"/>
+                                        <p:tgtEl>
+                                          <p:spTgt spid="3">
+                                            <p:txEl>
+                                              <p:pRg st="0" end="0"/>
+                                            </p:txEl>
+                                          </p:spTgt>
+                                        </p:tgtEl>
+                                        <p:attrNameLst>
+                                          <p:attrName>ppt_x</p:attrName>
+                                        </p:attrNameLst>
+                                      </p:cBhvr>
+                                      <p:tavLst>
+                                        <p:tav tm="0">
+                                          <p:val>
+                                            <p:strVal val="#ppt_x"/>
+                                          </p:val>
+                                        </p:tav>
+                                        <p:tav tm="100000">
+                                          <p:val>
+                                            <p:strVal val="#ppt_x"/>
+                                          </p:val>
+                                        </p:tav>
+                                      </p:tavLst>
+                                    </p:anim>
+                                    <p:anim calcmode="lin" valueType="num">
+                                      <p:cBhvr additive="base">
+                                        <p:cTn id="8" dur="500" fill="hold"/>
+                                        <p:tgtEl>
+                                          <p:spTgt spid="3">
+                                            <p:txEl>
+                                              <p:pRg st="0" end="0"/>
+                                            </p:txEl>
+                                          </p:spTgt>
+                                        </p:tgtEl>
+                                        <p:attrNameLst>
+                                          <p:attrName>ppt_y</p:attrName>
+                                        </p:attrNameLst>
+                                      </p:cBhvr>
+                                      <p:tavLst>
+                                        <p:tav tm="0">
+                                          <p:val>
+                                            <p:strVal val="1+#ppt_h/2"/>
+                                          </p:val>
+                                        </p:tav>
+                                        <p:tav tm="100000">
+                                          <p:val>
+                                            <p:strVal val="#ppt_y"/>
+                                          </p:val>
+                                        </p:tav>
+                                      </p:tavLst>
+                                    </p:anim>
+                                  </p:childTnLst>
+                                </p:cTn>
+                              </p:par>
+                            </p:childTnLst>
+                          </p:cTn>
+                        </p:par>
+                      </p:childTnLst>
+                    </p:cTn>
+                  </p:par>
+                  <p:par>
+                    <p:cTn id="9" fill="hold">
+                      <p:stCondLst>
+                        <p:cond delay="indefinite"/>
+                      </p:stCondLst>
+                      <p:childTnLst>
+                        <p:par>
+                          <p:cTn id="10" fill="hold">
+                            <p:stCondLst>
+                              <p:cond delay="0"/>
+                            </p:stCondLst>
+                            <p:childTnLst>
+                              <p:par>
+                                <p:cTn id="11" presetID="2" presetClass="entr" presetSubtype="4" fill="hold" nodeType="clickEffect">
+                                  <p:stCondLst>
+                                    <p:cond delay="0"/>
+                                  </p:stCondLst>
+                                  <p:childTnLst>
+                                    <p:set>
+                                      <p:cBhvr>
+                                        <p:cTn id="12" dur="1" fill="hold">
+                                          <p:stCondLst>
+                                            <p:cond delay="0"/>
+                                          </p:stCondLst>
+                                        </p:cTn>
+                                        <p:tgtEl>
+                                          <p:spTgt spid="3">
+                                            <p:txEl>
+                                              <p:pRg st="1" end="1"/>
+                                            </p:txEl>
+                                          </p:spTgt>
+                                        </p:tgtEl>
+                                        <p:attrNameLst>
+                                          <p:attrName>style.visibility</p:attrName>
+                                        </p:attrNameLst>
+                                      </p:cBhvr>
+                                      <p:to>
+                                        <p:strVal val="visible"/>
+                                      </p:to>
+                                    </p:set>
+                                    <p:anim calcmode="lin" valueType="num">
+                                      <p:cBhvr additive="base">
+                                        <p:cTn id="13" dur="500" fill="hold"/>
+                                        <p:tgtEl>
+                                          <p:spTgt spid="3">
+                                            <p:txEl>
+                                              <p:pRg st="1" end="1"/>
+                                            </p:txEl>
+                                          </p:spTgt>
+                                        </p:tgtEl>
+                                        <p:attrNameLst>
+                                          <p:attrName>ppt_x</p:attrName>
+                                        </p:attrNameLst>
+                                      </p:cBhvr>
+                                      <p:tavLst>
+                                        <p:tav tm="0">
+                                          <p:val>
+                                            <p:strVal val="#ppt_x"/>
+                                          </p:val>
+                                        </p:tav>
+                                        <p:tav tm="100000">
+                                          <p:val>
+                                            <p:strVal val="#ppt_x"/>
+                                          </p:val>
+                                        </p:tav>
+                                      </p:tavLst>
+                                    </p:anim>
+                                    <p:anim calcmode="lin" valueType="num">
+                                      <p:cBhvr additive="base">
+                                        <p:cTn id="14" dur="500" fill="hold"/>
+                                        <p:tgtEl>
+                                          <p:spTgt spid="3">
+                                            <p:txEl>
+                                              <p:pRg st="1" end="1"/>
+                                            </p:txEl>
+                                          </p:spTgt>
+                                        </p:tgtEl>
+                                        <p:attrNameLst>
+                                          <p:attrName>ppt_y</p:attrName>
+                                        </p:attrNameLst>
+                                      </p:cBhvr>
+                                      <p:tavLst>
+                                        <p:tav tm="0">
+                                          <p:val>
+                                            <p:strVal val="1+#ppt_h/2"/>
+                                          </p:val>
+                                        </p:tav>
+                                        <p:tav tm="100000">
+                                          <p:val>
+                                            <p:strVal val="#ppt_y"/>
+                                          </p:val>
+                                        </p:tav>
+                                      </p:tavLst>
+                                    </p:anim>
+                                  </p:childTnLst>
+                                </p:cTn>
+                              </p:par>
+                            </p:childTnLst>
+                          </p:cTn>
+                        </p:par>
+                      </p:childTnLst>
+                    </p:cTn>
+                  </p:par>
+                  <p:par>
+                    <p:cTn id="15" fill="hold">
+                      <p:stCondLst>
+                        <p:cond delay="indefinite"/>
+                      </p:stCondLst>
+                      <p:childTnLst>
+                        <p:par>
+                          <p:cTn id="16" fill="hold">
+                            <p:stCondLst>
+                              <p:cond delay="0"/>
+                            </p:stCondLst>
+                            <p:childTnLst>
+                              <p:par>
+                                <p:cTn id="17" presetID="2" presetClass="entr" presetSubtype="4" fill="hold" nodeType="clickEffect">
+                                  <p:stCondLst>
+                                    <p:cond delay="0"/>
+                                  </p:stCondLst>
+                                  <p:childTnLst>
+                                    <p:set>
+                                      <p:cBhvr>
+                                        <p:cTn id="18" dur="1" fill="hold">
+                                          <p:stCondLst>
+                                            <p:cond delay="0"/>
+                                          </p:stCondLst>
+                                        </p:cTn>
+                                        <p:tgtEl>
+                                          <p:spTgt spid="3">
+                                            <p:txEl>
+                                              <p:pRg st="2" end="2"/>
+                                            </p:txEl>
+                                          </p:spTgt>
+                                        </p:tgtEl>
+                                        <p:attrNameLst>
+                                          <p:attrName>style.visibility</p:attrName>
+                                        </p:attrNameLst>
+                                      </p:cBhvr>
+                                      <p:to>
+                                        <p:strVal val="visible"/>
+                                      </p:to>
+                                    </p:set>
+                                    <p:anim calcmode="lin" valueType="num">
+                                      <p:cBhvr additive="base">
+                                        <p:cTn id="19" dur="500" fill="hold"/>
+                                        <p:tgtEl>
+                                          <p:spTgt spid="3">
+                                            <p:txEl>
+                                              <p:pRg st="2" end="2"/>
+                                            </p:txEl>
+                                          </p:spTgt>
+                                        </p:tgtEl>
+                                        <p:attrNameLst>
+                                          <p:attrName>ppt_x</p:attrName>
+                                        </p:attrNameLst>
+                                      </p:cBhvr>
+                                      <p:tavLst>
+                                        <p:tav tm="0">
+                                          <p:val>
+                                            <p:strVal val="#ppt_x"/>
+                                          </p:val>
+                                        </p:tav>
+                                        <p:tav tm="100000">
+                                          <p:val>
+                                            <p:strVal val="#ppt_x"/>
+                                          </p:val>
+                                        </p:tav>
+                                      </p:tavLst>
+                                    </p:anim>
+                                    <p:anim calcmode="lin" valueType="num">
+                                      <p:cBhvr additive="base">
+                                        <p:cTn id="20" dur="500" fill="hold"/>
+                                        <p:tgtEl>
+                                          <p:spTgt spid="3">
+                                            <p:txEl>
+                                              <p:pRg st="2" end="2"/>
+                                            </p:txEl>
+                                          </p:spTgt>
+                                        </p:tgtEl>
+                                        <p:attrNameLst>
+                                          <p:attrName>ppt_y</p:attrName>
+                                        </p:attrNameLst>
+                                      </p:cBhvr>
+                                      <p:tavLst>
+                                        <p:tav tm="0">
+                                          <p:val>
+                                            <p:strVal val="1+#ppt_h/2"/>
+                                          </p:val>
+                                        </p:tav>
+                                        <p:tav tm="100000">
+                                          <p:val>
+                                            <p:strVal val="#ppt_y"/>
+                                          </p:val>
+                                        </p:tav>
+                                      </p:tavLst>
+                                    </p:anim>
+                                  </p:childTnLst>
+                                </p:cTn>
+                              </p:par>
+                            </p:childTnLst>
+                          </p:cTn>
+                        </p:par>
+                      </p:childTnLst>
+                    </p:cTn>
+                  </p:par>
+                </p:childTnLst>
+              </p:cTn>
+              <p:prevCondLst>
+                <p:cond evt="onPrev" delay="0">
+                  <p:tgtEl>
+                    <p:sldTgt/>
+                  </p:tgtEl>
+                </p:cond>
+              </p:prevCondLst>
+              <p:nextCondLst>
+                <p:cond evt="onNext" delay="0">
+                  <p:tgtEl>
+                    <p:sldTgt/>
+                  </p:tgtEl>
+                </p:cond>
+              </p:nextCondLst>
+            </p:seq>
+          </p:childTnLst>
+        </p:cTn>
+      </p:par>
+    </p:tnLst>
+  </p:timing>
+</p:sld>
+</file>
+
+<file path=ppt/slides/slide17.xml><?xml version="1.0" encoding="utf-8"?>
+<p:sld xmlns:a="http://schemas.openxmlformats.org/drawingml/2006/main" xmlns:r="http://schemas.openxmlformats.org/officeDocument/2006/relationships" xmlns:p="http://schemas.openxmlformats.org/presentationml/2006/main">
+  <p:cSld>
+    <p:spTree>
+      <p:nvGrpSpPr>
+        <p:cNvPr id="1" name=""/>
+        <p:cNvGrpSpPr/>
+        <p:nvPr/>
+      </p:nvGrpSpPr>
+      <p:grpSpPr>
+        <a:xfrm>
+          <a:off x="0" y="0"/>
+          <a:ext cx="0" cy="0"/>
+          <a:chOff x="0" y="0"/>
+          <a:chExt cx="0" cy="0"/>
+        </a:xfrm>
+      </p:grpSpPr>
+      <p:sp>
+        <p:nvSpPr>
+          <p:cNvPr id="2" name="标题 1"/>
+          <p:cNvSpPr>
+            <a:spLocks noGrp="1"/>
+          </p:cNvSpPr>
+          <p:nvPr>
+            <p:ph type="title"/>
+          </p:nvPr>
+        </p:nvSpPr>
+        <p:spPr/>
+        <p:txBody>
+          <a:bodyPr/>
+          <a:lstStyle/>
+          <a:p>
+            <a:r>
+              <a:rPr lang="zh-CN" altLang="en-US" dirty="0" smtClean="0">
+                <a:solidFill>
+                  <a:srgbClr val="34221C"/>
+                </a:solidFill>
+                <a:effectLst>
+                  <a:outerShdw blurRad="38100" dist="38100" dir="2700000" algn="tl">
+                    <a:srgbClr val="000000">
+                      <a:alpha val="43137"/>
+                    </a:srgbClr>
+                  </a:outerShdw>
+                </a:effectLst>
+                <a:latin typeface="YaHei Consolas Hybrid" pitchFamily="49" charset="-122"/>
+                <a:ea typeface="YaHei Consolas Hybrid" pitchFamily="49" charset="-122"/>
+              </a:rPr>
+              <a:t>只是工具</a:t>
+            </a:r>
+            <a:endParaRPr lang="zh-CN" altLang="en-US" dirty="0">
+              <a:solidFill>
+                <a:srgbClr val="34221C"/>
+              </a:solidFill>
+              <a:effectLst>
+                <a:outerShdw blurRad="38100" dist="38100" dir="2700000" algn="tl">
+                  <a:srgbClr val="000000">
+                    <a:alpha val="43137"/>
+                  </a:srgbClr>
+                </a:outerShdw>
+              </a:effectLst>
+              <a:latin typeface="YaHei Consolas Hybrid" pitchFamily="49" charset="-122"/>
+              <a:ea typeface="YaHei Consolas Hybrid" pitchFamily="49" charset="-122"/>
+            </a:endParaRPr>
+          </a:p>
+        </p:txBody>
+      </p:sp>
       <p:pic>
         <p:nvPicPr>
           <p:cNvPr id="4" name="内容占位符 3"/>
@@ -5756,7 +8217,7 @@
           <a:blip r:embed="rId3" cstate="print">
             <a:extLst>
               <a:ext uri="{28A0092B-C50C-407E-A947-70E740481C1C}">
-                <a14:useLocalDpi xmlns:a14="http://schemas.microsoft.com/office/drawing/2010/main" xmlns="" val="0"/>
+                <a14:useLocalDpi xmlns:a14="http://schemas.microsoft.com/office/drawing/2010/main" val="0"/>
               </a:ext>
             </a:extLst>
           </a:blip>
@@ -5783,7 +8244,7 @@
           <a:blip r:embed="rId4" cstate="print">
             <a:extLst>
               <a:ext uri="{28A0092B-C50C-407E-A947-70E740481C1C}">
-                <a14:useLocalDpi xmlns:a14="http://schemas.microsoft.com/office/drawing/2010/main" xmlns="" val="0"/>
+                <a14:useLocalDpi xmlns:a14="http://schemas.microsoft.com/office/drawing/2010/main" val="0"/>
               </a:ext>
             </a:extLst>
           </a:blip>
@@ -5804,20 +8265,20 @@
     </p:spTree>
     <p:extLst>
       <p:ext uri="{BB962C8B-B14F-4D97-AF65-F5344CB8AC3E}">
-        <p14:creationId xmlns:p14="http://schemas.microsoft.com/office/powerpoint/2010/main" xmlns="" val="1302376210"/>
+        <p14:creationId xmlns:p14="http://schemas.microsoft.com/office/powerpoint/2010/main" val="1302376210"/>
       </p:ext>
     </p:extLst>
   </p:cSld>
   <p:clrMapOvr>
     <a:masterClrMapping/>
   </p:clrMapOvr>
-  <mc:AlternateContent xmlns:mc="http://schemas.openxmlformats.org/markup-compatibility/2006">
-    <mc:Choice xmlns:p14="http://schemas.microsoft.com/office/powerpoint/2010/main" xmlns="" Requires="p14">
+  <mc:AlternateContent xmlns:mc="http://schemas.openxmlformats.org/markup-compatibility/2006" xmlns:p14="http://schemas.microsoft.com/office/powerpoint/2010/main">
+    <mc:Choice Requires="p14">
       <p:transition spd="slow" p14:dur="1500">
         <p14:window dir="vert"/>
       </p:transition>
     </mc:Choice>
-    <mc:Fallback>
+    <mc:Fallback xmlns="">
       <p:transition spd="slow">
         <p:fade/>
       </p:transition>
@@ -5833,7 +8294,7 @@
 </p:sld>
 </file>
 
-<file path=ppt/slides/slide12.xml><?xml version="1.0" encoding="utf-8"?>
+<file path=ppt/slides/slide18.xml><?xml version="1.0" encoding="utf-8"?>
 <p:sld xmlns:a="http://schemas.openxmlformats.org/drawingml/2006/main" xmlns:r="http://schemas.openxmlformats.org/officeDocument/2006/relationships" xmlns:p="http://schemas.openxmlformats.org/presentationml/2006/main">
   <p:cSld>
     <p:spTree>
@@ -5989,7 +8450,7 @@
           <a:blip r:embed="rId7" cstate="print">
             <a:extLst>
               <a:ext uri="{28A0092B-C50C-407E-A947-70E740481C1C}">
-                <a14:useLocalDpi xmlns:a14="http://schemas.microsoft.com/office/drawing/2010/main" xmlns="" val="0"/>
+                <a14:useLocalDpi xmlns:a14="http://schemas.microsoft.com/office/drawing/2010/main" val="0"/>
               </a:ext>
             </a:extLst>
           </a:blip>
@@ -6010,20 +8471,20 @@
     </p:spTree>
     <p:extLst>
       <p:ext uri="{BB962C8B-B14F-4D97-AF65-F5344CB8AC3E}">
-        <p14:creationId xmlns:p14="http://schemas.microsoft.com/office/powerpoint/2010/main" xmlns="" val="2641232916"/>
+        <p14:creationId xmlns:p14="http://schemas.microsoft.com/office/powerpoint/2010/main" val="2641232916"/>
       </p:ext>
     </p:extLst>
   </p:cSld>
   <p:clrMapOvr>
     <a:masterClrMapping/>
   </p:clrMapOvr>
-  <mc:AlternateContent xmlns:mc="http://schemas.openxmlformats.org/markup-compatibility/2006">
-    <mc:Choice xmlns:p14="http://schemas.microsoft.com/office/powerpoint/2010/main" xmlns="" Requires="p14">
+  <mc:AlternateContent xmlns:mc="http://schemas.openxmlformats.org/markup-compatibility/2006" xmlns:p14="http://schemas.microsoft.com/office/powerpoint/2010/main">
+    <mc:Choice Requires="p14">
       <p:transition spd="slow" p14:dur="1500">
         <p14:window dir="vert"/>
       </p:transition>
     </mc:Choice>
-    <mc:Fallback>
+    <mc:Fallback xmlns="">
       <p:transition spd="slow">
         <p:fade/>
       </p:transition>
@@ -6474,7 +8935,7 @@
 </p:sld>
 </file>
 
-<file path=ppt/slides/slide13.xml><?xml version="1.0" encoding="utf-8"?>
+<file path=ppt/slides/slide19.xml><?xml version="1.0" encoding="utf-8"?>
 <p:sld xmlns:a="http://schemas.openxmlformats.org/drawingml/2006/main" xmlns:r="http://schemas.openxmlformats.org/officeDocument/2006/relationships" xmlns:p="http://schemas.openxmlformats.org/presentationml/2006/main">
   <p:cSld>
     <p:spTree>
@@ -6731,7 +9192,7 @@
           <a:blip r:embed="rId3" cstate="print">
             <a:extLst>
               <a:ext uri="{28A0092B-C50C-407E-A947-70E740481C1C}">
-                <a14:useLocalDpi xmlns:a14="http://schemas.microsoft.com/office/drawing/2010/main" xmlns="" val="0"/>
+                <a14:useLocalDpi xmlns:a14="http://schemas.microsoft.com/office/drawing/2010/main" val="0"/>
               </a:ext>
             </a:extLst>
           </a:blip>
@@ -6752,20 +9213,20 @@
     </p:spTree>
     <p:extLst>
       <p:ext uri="{BB962C8B-B14F-4D97-AF65-F5344CB8AC3E}">
-        <p14:creationId xmlns:p14="http://schemas.microsoft.com/office/powerpoint/2010/main" xmlns="" val="3226780528"/>
+        <p14:creationId xmlns:p14="http://schemas.microsoft.com/office/powerpoint/2010/main" val="3226780528"/>
       </p:ext>
     </p:extLst>
   </p:cSld>
   <p:clrMapOvr>
     <a:masterClrMapping/>
   </p:clrMapOvr>
-  <mc:AlternateContent xmlns:mc="http://schemas.openxmlformats.org/markup-compatibility/2006">
-    <mc:Choice xmlns:p14="http://schemas.microsoft.com/office/powerpoint/2010/main" xmlns="" Requires="p14">
+  <mc:AlternateContent xmlns:mc="http://schemas.openxmlformats.org/markup-compatibility/2006" xmlns:p14="http://schemas.microsoft.com/office/powerpoint/2010/main">
+    <mc:Choice Requires="p14">
       <p:transition spd="slow" p14:dur="1500">
         <p14:window dir="vert"/>
       </p:transition>
     </mc:Choice>
-    <mc:Fallback>
+    <mc:Fallback xmlns="">
       <p:transition spd="slow">
         <p:fade/>
       </p:transition>
@@ -7609,7 +10070,7 @@
           <a:blip r:embed="rId3" cstate="print">
             <a:extLst>
               <a:ext uri="{28A0092B-C50C-407E-A947-70E740481C1C}">
-                <a14:useLocalDpi xmlns:a14="http://schemas.microsoft.com/office/drawing/2010/main" xmlns="" val="0"/>
+                <a14:useLocalDpi xmlns:a14="http://schemas.microsoft.com/office/drawing/2010/main" val="0"/>
               </a:ext>
             </a:extLst>
           </a:blip>
@@ -7639,7 +10100,7 @@
           <a:blip r:embed="rId4" cstate="print">
             <a:extLst>
               <a:ext uri="{28A0092B-C50C-407E-A947-70E740481C1C}">
-                <a14:useLocalDpi xmlns:a14="http://schemas.microsoft.com/office/drawing/2010/main" xmlns="" val="0"/>
+                <a14:useLocalDpi xmlns:a14="http://schemas.microsoft.com/office/drawing/2010/main" val="0"/>
               </a:ext>
             </a:extLst>
           </a:blip>
@@ -7659,7 +10120,7 @@
           <a:noFill/>
           <a:extLst>
             <a:ext uri="{909E8E84-426E-40DD-AFC4-6F175D3DCCD1}">
-              <a14:hiddenFill xmlns:a14="http://schemas.microsoft.com/office/drawing/2010/main" xmlns="">
+              <a14:hiddenFill xmlns:a14="http://schemas.microsoft.com/office/drawing/2010/main">
                 <a:solidFill>
                   <a:srgbClr val="FFFFFF"/>
                 </a:solidFill>
@@ -7671,20 +10132,20 @@
     </p:spTree>
     <p:extLst>
       <p:ext uri="{BB962C8B-B14F-4D97-AF65-F5344CB8AC3E}">
-        <p14:creationId xmlns:p14="http://schemas.microsoft.com/office/powerpoint/2010/main" xmlns="" val="3273569125"/>
+        <p14:creationId xmlns:p14="http://schemas.microsoft.com/office/powerpoint/2010/main" val="3273569125"/>
       </p:ext>
     </p:extLst>
   </p:cSld>
   <p:clrMapOvr>
     <a:masterClrMapping/>
   </p:clrMapOvr>
-  <mc:AlternateContent xmlns:mc="http://schemas.openxmlformats.org/markup-compatibility/2006">
-    <mc:Choice xmlns:p14="http://schemas.microsoft.com/office/powerpoint/2010/main" xmlns="" Requires="p14">
+  <mc:AlternateContent xmlns:mc="http://schemas.openxmlformats.org/markup-compatibility/2006" xmlns:p14="http://schemas.microsoft.com/office/powerpoint/2010/main">
+    <mc:Choice Requires="p14">
       <p:transition spd="slow" p14:dur="1500">
         <p14:window dir="vert"/>
       </p:transition>
     </mc:Choice>
-    <mc:Fallback>
+    <mc:Fallback xmlns="">
       <p:transition spd="slow">
         <p:fade/>
       </p:transition>
@@ -7766,7 +10227,7 @@
           <a:blip r:embed="rId3" cstate="print">
             <a:extLst>
               <a:ext uri="{28A0092B-C50C-407E-A947-70E740481C1C}">
-                <a14:useLocalDpi xmlns:a14="http://schemas.microsoft.com/office/drawing/2010/main" xmlns="" val="0"/>
+                <a14:useLocalDpi xmlns:a14="http://schemas.microsoft.com/office/drawing/2010/main" val="0"/>
               </a:ext>
             </a:extLst>
           </a:blip>
@@ -7796,7 +10257,7 @@
           <a:blip r:embed="rId4" cstate="print">
             <a:extLst>
               <a:ext uri="{28A0092B-C50C-407E-A947-70E740481C1C}">
-                <a14:useLocalDpi xmlns:a14="http://schemas.microsoft.com/office/drawing/2010/main" xmlns="" val="0"/>
+                <a14:useLocalDpi xmlns:a14="http://schemas.microsoft.com/office/drawing/2010/main" val="0"/>
               </a:ext>
             </a:extLst>
           </a:blip>
@@ -7816,7 +10277,7 @@
           <a:noFill/>
           <a:extLst>
             <a:ext uri="{909E8E84-426E-40DD-AFC4-6F175D3DCCD1}">
-              <a14:hiddenFill xmlns:a14="http://schemas.microsoft.com/office/drawing/2010/main" xmlns="">
+              <a14:hiddenFill xmlns:a14="http://schemas.microsoft.com/office/drawing/2010/main">
                 <a:solidFill>
                   <a:srgbClr val="FFFFFF"/>
                 </a:solidFill>
@@ -7997,7 +10458,7 @@
           <a:blip r:embed="rId5" cstate="print">
             <a:extLst>
               <a:ext uri="{28A0092B-C50C-407E-A947-70E740481C1C}">
-                <a14:useLocalDpi xmlns:a14="http://schemas.microsoft.com/office/drawing/2010/main" xmlns="" val="0"/>
+                <a14:useLocalDpi xmlns:a14="http://schemas.microsoft.com/office/drawing/2010/main" val="0"/>
               </a:ext>
             </a:extLst>
           </a:blip>
@@ -8017,7 +10478,7 @@
           <a:noFill/>
           <a:extLst>
             <a:ext uri="{909E8E84-426E-40DD-AFC4-6F175D3DCCD1}">
-              <a14:hiddenFill xmlns:a14="http://schemas.microsoft.com/office/drawing/2010/main" xmlns="">
+              <a14:hiddenFill xmlns:a14="http://schemas.microsoft.com/office/drawing/2010/main">
                 <a:solidFill>
                   <a:srgbClr val="FFFFFF"/>
                 </a:solidFill>
@@ -8038,7 +10499,7 @@
           <a:blip r:embed="rId6" cstate="print">
             <a:extLst>
               <a:ext uri="{28A0092B-C50C-407E-A947-70E740481C1C}">
-                <a14:useLocalDpi xmlns:a14="http://schemas.microsoft.com/office/drawing/2010/main" xmlns="" val="0"/>
+                <a14:useLocalDpi xmlns:a14="http://schemas.microsoft.com/office/drawing/2010/main" val="0"/>
               </a:ext>
             </a:extLst>
           </a:blip>
@@ -8059,20 +10520,20 @@
     </p:spTree>
     <p:extLst>
       <p:ext uri="{BB962C8B-B14F-4D97-AF65-F5344CB8AC3E}">
-        <p14:creationId xmlns:p14="http://schemas.microsoft.com/office/powerpoint/2010/main" xmlns="" val="175660331"/>
+        <p14:creationId xmlns:p14="http://schemas.microsoft.com/office/powerpoint/2010/main" val="175660331"/>
       </p:ext>
     </p:extLst>
   </p:cSld>
   <p:clrMapOvr>
     <a:masterClrMapping/>
   </p:clrMapOvr>
-  <mc:AlternateContent xmlns:mc="http://schemas.openxmlformats.org/markup-compatibility/2006">
-    <mc:Choice xmlns:p14="http://schemas.microsoft.com/office/powerpoint/2010/main" xmlns="" Requires="p14">
+  <mc:AlternateContent xmlns:mc="http://schemas.openxmlformats.org/markup-compatibility/2006" xmlns:p14="http://schemas.microsoft.com/office/powerpoint/2010/main">
+    <mc:Choice Requires="p14">
       <p:transition spd="slow" p14:dur="1500">
         <p14:window dir="vert"/>
       </p:transition>
     </mc:Choice>
-    <mc:Fallback>
+    <mc:Fallback xmlns="">
       <p:transition spd="slow">
         <p:fade/>
       </p:transition>
@@ -8246,7 +10707,7 @@
           <a:blip r:embed="rId3" cstate="print">
             <a:extLst>
               <a:ext uri="{28A0092B-C50C-407E-A947-70E740481C1C}">
-                <a14:useLocalDpi xmlns:a14="http://schemas.microsoft.com/office/drawing/2010/main" xmlns="" val="0"/>
+                <a14:useLocalDpi xmlns:a14="http://schemas.microsoft.com/office/drawing/2010/main" val="0"/>
               </a:ext>
             </a:extLst>
           </a:blip>
@@ -8276,7 +10737,7 @@
           <a:blip r:embed="rId4" cstate="print">
             <a:extLst>
               <a:ext uri="{28A0092B-C50C-407E-A947-70E740481C1C}">
-                <a14:useLocalDpi xmlns:a14="http://schemas.microsoft.com/office/drawing/2010/main" xmlns="" val="0"/>
+                <a14:useLocalDpi xmlns:a14="http://schemas.microsoft.com/office/drawing/2010/main" val="0"/>
               </a:ext>
             </a:extLst>
           </a:blip>
@@ -8296,7 +10757,7 @@
           <a:noFill/>
           <a:extLst>
             <a:ext uri="{909E8E84-426E-40DD-AFC4-6F175D3DCCD1}">
-              <a14:hiddenFill xmlns:a14="http://schemas.microsoft.com/office/drawing/2010/main" xmlns="">
+              <a14:hiddenFill xmlns:a14="http://schemas.microsoft.com/office/drawing/2010/main">
                 <a:solidFill>
                   <a:srgbClr val="FFFFFF"/>
                 </a:solidFill>
@@ -8308,20 +10769,20 @@
     </p:spTree>
     <p:extLst>
       <p:ext uri="{BB962C8B-B14F-4D97-AF65-F5344CB8AC3E}">
-        <p14:creationId xmlns:p14="http://schemas.microsoft.com/office/powerpoint/2010/main" xmlns="" val="220479022"/>
+        <p14:creationId xmlns:p14="http://schemas.microsoft.com/office/powerpoint/2010/main" val="220479022"/>
       </p:ext>
     </p:extLst>
   </p:cSld>
   <p:clrMapOvr>
     <a:masterClrMapping/>
   </p:clrMapOvr>
-  <mc:AlternateContent xmlns:mc="http://schemas.openxmlformats.org/markup-compatibility/2006">
-    <mc:Choice xmlns:p14="http://schemas.microsoft.com/office/powerpoint/2010/main" xmlns="" Requires="p14">
+  <mc:AlternateContent xmlns:mc="http://schemas.openxmlformats.org/markup-compatibility/2006" xmlns:p14="http://schemas.microsoft.com/office/powerpoint/2010/main">
+    <mc:Choice Requires="p14">
       <p:transition spd="slow" p14:dur="1500">
         <p14:window dir="vert"/>
       </p:transition>
     </mc:Choice>
-    <mc:Fallback>
+    <mc:Fallback xmlns="">
       <p:transition spd="slow">
         <p:fade/>
       </p:transition>
@@ -8366,7 +10827,7 @@
           <a:blip r:embed="rId3" cstate="print">
             <a:extLst>
               <a:ext uri="{28A0092B-C50C-407E-A947-70E740481C1C}">
-                <a14:useLocalDpi xmlns:a14="http://schemas.microsoft.com/office/drawing/2010/main" xmlns="" val="0"/>
+                <a14:useLocalDpi xmlns:a14="http://schemas.microsoft.com/office/drawing/2010/main" val="0"/>
               </a:ext>
             </a:extLst>
           </a:blip>
@@ -8443,20 +10904,20 @@
     </p:spTree>
     <p:extLst>
       <p:ext uri="{BB962C8B-B14F-4D97-AF65-F5344CB8AC3E}">
-        <p14:creationId xmlns:p14="http://schemas.microsoft.com/office/powerpoint/2010/main" xmlns="" val="648935037"/>
+        <p14:creationId xmlns:p14="http://schemas.microsoft.com/office/powerpoint/2010/main" val="648935037"/>
       </p:ext>
     </p:extLst>
   </p:cSld>
   <p:clrMapOvr>
     <a:masterClrMapping/>
   </p:clrMapOvr>
-  <mc:AlternateContent xmlns:mc="http://schemas.openxmlformats.org/markup-compatibility/2006">
-    <mc:Choice xmlns:p14="http://schemas.microsoft.com/office/powerpoint/2010/main" xmlns="" Requires="p14">
+  <mc:AlternateContent xmlns:mc="http://schemas.openxmlformats.org/markup-compatibility/2006" xmlns:p14="http://schemas.microsoft.com/office/powerpoint/2010/main">
+    <mc:Choice Requires="p14">
       <p:transition spd="slow" p14:dur="1500">
         <p14:window dir="vert"/>
       </p:transition>
     </mc:Choice>
-    <mc:Fallback>
+    <mc:Fallback xmlns="">
       <p:transition spd="slow">
         <p:fade/>
       </p:transition>
@@ -8501,7 +10962,7 @@
           <a:blip r:embed="rId3" cstate="print">
             <a:extLst>
               <a:ext uri="{28A0092B-C50C-407E-A947-70E740481C1C}">
-                <a14:useLocalDpi xmlns:a14="http://schemas.microsoft.com/office/drawing/2010/main" xmlns="" val="0"/>
+                <a14:useLocalDpi xmlns:a14="http://schemas.microsoft.com/office/drawing/2010/main" val="0"/>
               </a:ext>
             </a:extLst>
           </a:blip>
@@ -8734,7 +11195,7 @@
             <a:pPr algn="ctr"/>
             <a:r>
               <a:rPr lang="en-US" altLang="zh-CN" dirty="0" smtClean="0"/>
-              <a:t>3</a:t>
+              <a:t>4</a:t>
             </a:r>
             <a:endParaRPr lang="zh-CN" altLang="en-US" dirty="0"/>
           </a:p>
@@ -8776,7 +11237,7 @@
             <a:pPr algn="ctr"/>
             <a:r>
               <a:rPr lang="en-US" altLang="zh-CN" dirty="0" smtClean="0"/>
-              <a:t>4</a:t>
+              <a:t>5</a:t>
             </a:r>
             <a:endParaRPr lang="zh-CN" altLang="en-US" dirty="0"/>
           </a:p>
@@ -8818,29 +11279,334 @@
             <a:pPr algn="ctr"/>
             <a:r>
               <a:rPr lang="en-US" altLang="zh-CN" dirty="0" smtClean="0"/>
-              <a:t>5</a:t>
+              <a:t>3</a:t>
             </a:r>
             <a:endParaRPr lang="zh-CN" altLang="en-US" dirty="0"/>
+          </a:p>
+        </p:txBody>
+      </p:sp>
+      <p:sp>
+        <p:nvSpPr>
+          <p:cNvPr id="2" name="TextBox 1"/>
+          <p:cNvSpPr txBox="1"/>
+          <p:nvPr/>
+        </p:nvSpPr>
+        <p:spPr>
+          <a:xfrm>
+            <a:off x="6948264" y="1484784"/>
+            <a:ext cx="1569660" cy="369332"/>
+          </a:xfrm>
+          <a:prstGeom prst="rect">
+            <a:avLst/>
+          </a:prstGeom>
+        </p:spPr>
+        <p:style>
+          <a:lnRef idx="1">
+            <a:schemeClr val="accent1"/>
+          </a:lnRef>
+          <a:fillRef idx="2">
+            <a:schemeClr val="accent1"/>
+          </a:fillRef>
+          <a:effectRef idx="1">
+            <a:schemeClr val="accent1"/>
+          </a:effectRef>
+          <a:fontRef idx="minor">
+            <a:schemeClr val="dk1"/>
+          </a:fontRef>
+        </p:style>
+        <p:txBody>
+          <a:bodyPr wrap="none" rtlCol="0">
+            <a:spAutoFit/>
+          </a:bodyPr>
+          <a:lstStyle/>
+          <a:p>
+            <a:r>
+              <a:rPr lang="zh-CN" altLang="en-US" dirty="0" smtClean="0">
+                <a:effectLst>
+                  <a:outerShdw blurRad="38100" dist="38100" dir="2700000" algn="tl">
+                    <a:srgbClr val="000000">
+                      <a:alpha val="43137"/>
+                    </a:srgbClr>
+                  </a:outerShdw>
+                </a:effectLst>
+                <a:ea typeface="YaHei Consolas Hybrid"/>
+              </a:rPr>
+              <a:t>菜单和工具栏</a:t>
+            </a:r>
+            <a:endParaRPr lang="zh-CN" altLang="en-US" dirty="0">
+              <a:effectLst>
+                <a:outerShdw blurRad="38100" dist="38100" dir="2700000" algn="tl">
+                  <a:srgbClr val="000000">
+                    <a:alpha val="43137"/>
+                  </a:srgbClr>
+                </a:outerShdw>
+              </a:effectLst>
+              <a:ea typeface="YaHei Consolas Hybrid"/>
+            </a:endParaRPr>
+          </a:p>
+        </p:txBody>
+      </p:sp>
+      <p:sp>
+        <p:nvSpPr>
+          <p:cNvPr id="3" name="TextBox 2"/>
+          <p:cNvSpPr txBox="1"/>
+          <p:nvPr/>
+        </p:nvSpPr>
+        <p:spPr>
+          <a:xfrm>
+            <a:off x="2843808" y="1700808"/>
+            <a:ext cx="1800493" cy="369332"/>
+          </a:xfrm>
+          <a:prstGeom prst="rect">
+            <a:avLst/>
+          </a:prstGeom>
+        </p:spPr>
+        <p:style>
+          <a:lnRef idx="1">
+            <a:schemeClr val="accent1"/>
+          </a:lnRef>
+          <a:fillRef idx="2">
+            <a:schemeClr val="accent1"/>
+          </a:fillRef>
+          <a:effectRef idx="1">
+            <a:schemeClr val="accent1"/>
+          </a:effectRef>
+          <a:fontRef idx="minor">
+            <a:schemeClr val="dk1"/>
+          </a:fontRef>
+        </p:style>
+        <p:txBody>
+          <a:bodyPr wrap="none" rtlCol="0">
+            <a:spAutoFit/>
+          </a:bodyPr>
+          <a:lstStyle/>
+          <a:p>
+            <a:r>
+              <a:rPr lang="zh-CN" altLang="en-US" dirty="0" smtClean="0">
+                <a:effectLst>
+                  <a:outerShdw blurRad="38100" dist="38100" dir="2700000" algn="tl">
+                    <a:srgbClr val="000000">
+                      <a:alpha val="43137"/>
+                    </a:srgbClr>
+                  </a:outerShdw>
+                </a:effectLst>
+                <a:ea typeface="YaHei Consolas Hybrid"/>
+              </a:rPr>
+              <a:t>工程目录面包屑</a:t>
+            </a:r>
+            <a:endParaRPr lang="zh-CN" altLang="en-US" dirty="0">
+              <a:effectLst>
+                <a:outerShdw blurRad="38100" dist="38100" dir="2700000" algn="tl">
+                  <a:srgbClr val="000000">
+                    <a:alpha val="43137"/>
+                  </a:srgbClr>
+                </a:outerShdw>
+              </a:effectLst>
+              <a:ea typeface="YaHei Consolas Hybrid"/>
+            </a:endParaRPr>
+          </a:p>
+        </p:txBody>
+      </p:sp>
+      <p:sp>
+        <p:nvSpPr>
+          <p:cNvPr id="4" name="TextBox 3"/>
+          <p:cNvSpPr txBox="1"/>
+          <p:nvPr/>
+        </p:nvSpPr>
+        <p:spPr>
+          <a:xfrm>
+            <a:off x="6653916" y="3712386"/>
+            <a:ext cx="1569660" cy="369332"/>
+          </a:xfrm>
+          <a:prstGeom prst="rect">
+            <a:avLst/>
+          </a:prstGeom>
+        </p:spPr>
+        <p:style>
+          <a:lnRef idx="1">
+            <a:schemeClr val="accent1"/>
+          </a:lnRef>
+          <a:fillRef idx="2">
+            <a:schemeClr val="accent1"/>
+          </a:fillRef>
+          <a:effectRef idx="1">
+            <a:schemeClr val="accent1"/>
+          </a:effectRef>
+          <a:fontRef idx="minor">
+            <a:schemeClr val="dk1"/>
+          </a:fontRef>
+        </p:style>
+        <p:txBody>
+          <a:bodyPr wrap="none" rtlCol="0">
+            <a:spAutoFit/>
+          </a:bodyPr>
+          <a:lstStyle/>
+          <a:p>
+            <a:r>
+              <a:rPr lang="zh-CN" altLang="en-US" dirty="0" smtClean="0">
+                <a:effectLst>
+                  <a:outerShdw blurRad="38100" dist="38100" dir="2700000" algn="tl">
+                    <a:srgbClr val="000000">
+                      <a:alpha val="43137"/>
+                    </a:srgbClr>
+                  </a:outerShdw>
+                </a:effectLst>
+                <a:ea typeface="YaHei Consolas Hybrid"/>
+              </a:rPr>
+              <a:t>代码编辑区域</a:t>
+            </a:r>
+            <a:endParaRPr lang="zh-CN" altLang="en-US" dirty="0">
+              <a:effectLst>
+                <a:outerShdw blurRad="38100" dist="38100" dir="2700000" algn="tl">
+                  <a:srgbClr val="000000">
+                    <a:alpha val="43137"/>
+                  </a:srgbClr>
+                </a:outerShdw>
+              </a:effectLst>
+              <a:ea typeface="YaHei Consolas Hybrid"/>
+            </a:endParaRPr>
+          </a:p>
+        </p:txBody>
+      </p:sp>
+      <p:sp>
+        <p:nvSpPr>
+          <p:cNvPr id="17" name="TextBox 16"/>
+          <p:cNvSpPr txBox="1"/>
+          <p:nvPr/>
+        </p:nvSpPr>
+        <p:spPr>
+          <a:xfrm>
+            <a:off x="4211960" y="5949280"/>
+            <a:ext cx="1338828" cy="369332"/>
+          </a:xfrm>
+          <a:prstGeom prst="rect">
+            <a:avLst/>
+          </a:prstGeom>
+        </p:spPr>
+        <p:style>
+          <a:lnRef idx="1">
+            <a:schemeClr val="accent1"/>
+          </a:lnRef>
+          <a:fillRef idx="2">
+            <a:schemeClr val="accent1"/>
+          </a:fillRef>
+          <a:effectRef idx="1">
+            <a:schemeClr val="accent1"/>
+          </a:effectRef>
+          <a:fontRef idx="minor">
+            <a:schemeClr val="dk1"/>
+          </a:fontRef>
+        </p:style>
+        <p:txBody>
+          <a:bodyPr wrap="none" rtlCol="0">
+            <a:spAutoFit/>
+          </a:bodyPr>
+          <a:lstStyle/>
+          <a:p>
+            <a:r>
+              <a:rPr lang="zh-CN" altLang="en-US" dirty="0" smtClean="0">
+                <a:effectLst>
+                  <a:outerShdw blurRad="38100" dist="38100" dir="2700000" algn="tl">
+                    <a:srgbClr val="000000">
+                      <a:alpha val="43137"/>
+                    </a:srgbClr>
+                  </a:outerShdw>
+                </a:effectLst>
+                <a:ea typeface="YaHei Consolas Hybrid"/>
+              </a:rPr>
+              <a:t>工程状态栏</a:t>
+            </a:r>
+            <a:endParaRPr lang="zh-CN" altLang="en-US" dirty="0">
+              <a:effectLst>
+                <a:outerShdw blurRad="38100" dist="38100" dir="2700000" algn="tl">
+                  <a:srgbClr val="000000">
+                    <a:alpha val="43137"/>
+                  </a:srgbClr>
+                </a:outerShdw>
+              </a:effectLst>
+              <a:ea typeface="YaHei Consolas Hybrid"/>
+            </a:endParaRPr>
+          </a:p>
+        </p:txBody>
+      </p:sp>
+      <p:sp>
+        <p:nvSpPr>
+          <p:cNvPr id="18" name="TextBox 17"/>
+          <p:cNvSpPr txBox="1"/>
+          <p:nvPr/>
+        </p:nvSpPr>
+        <p:spPr>
+          <a:xfrm>
+            <a:off x="2339752" y="3707740"/>
+            <a:ext cx="1107996" cy="369332"/>
+          </a:xfrm>
+          <a:prstGeom prst="rect">
+            <a:avLst/>
+          </a:prstGeom>
+        </p:spPr>
+        <p:style>
+          <a:lnRef idx="1">
+            <a:schemeClr val="accent1"/>
+          </a:lnRef>
+          <a:fillRef idx="2">
+            <a:schemeClr val="accent1"/>
+          </a:fillRef>
+          <a:effectRef idx="1">
+            <a:schemeClr val="accent1"/>
+          </a:effectRef>
+          <a:fontRef idx="minor">
+            <a:schemeClr val="dk1"/>
+          </a:fontRef>
+        </p:style>
+        <p:txBody>
+          <a:bodyPr wrap="none" rtlCol="0">
+            <a:spAutoFit/>
+          </a:bodyPr>
+          <a:lstStyle/>
+          <a:p>
+            <a:r>
+              <a:rPr lang="zh-CN" altLang="en-US" dirty="0" smtClean="0">
+                <a:effectLst>
+                  <a:outerShdw blurRad="38100" dist="38100" dir="2700000" algn="tl">
+                    <a:srgbClr val="000000">
+                      <a:alpha val="43137"/>
+                    </a:srgbClr>
+                  </a:outerShdw>
+                </a:effectLst>
+                <a:ea typeface="YaHei Consolas Hybrid"/>
+              </a:rPr>
+              <a:t>工具窗口</a:t>
+            </a:r>
+            <a:endParaRPr lang="zh-CN" altLang="en-US" dirty="0">
+              <a:effectLst>
+                <a:outerShdw blurRad="38100" dist="38100" dir="2700000" algn="tl">
+                  <a:srgbClr val="000000">
+                    <a:alpha val="43137"/>
+                  </a:srgbClr>
+                </a:outerShdw>
+              </a:effectLst>
+              <a:ea typeface="YaHei Consolas Hybrid"/>
+            </a:endParaRPr>
           </a:p>
         </p:txBody>
       </p:sp>
     </p:spTree>
     <p:extLst>
       <p:ext uri="{BB962C8B-B14F-4D97-AF65-F5344CB8AC3E}">
-        <p14:creationId xmlns:p14="http://schemas.microsoft.com/office/powerpoint/2010/main" xmlns="" val="3245424489"/>
+        <p14:creationId xmlns:p14="http://schemas.microsoft.com/office/powerpoint/2010/main" val="3245424489"/>
       </p:ext>
     </p:extLst>
   </p:cSld>
   <p:clrMapOvr>
     <a:masterClrMapping/>
   </p:clrMapOvr>
-  <mc:AlternateContent xmlns:mc="http://schemas.openxmlformats.org/markup-compatibility/2006">
-    <mc:Choice xmlns:p14="http://schemas.microsoft.com/office/powerpoint/2010/main" xmlns="" Requires="p14">
+  <mc:AlternateContent xmlns:mc="http://schemas.openxmlformats.org/markup-compatibility/2006" xmlns:p14="http://schemas.microsoft.com/office/powerpoint/2010/main">
+    <mc:Choice Requires="p14">
       <p:transition spd="slow" p14:dur="1500">
         <p14:window dir="vert"/>
       </p:transition>
     </mc:Choice>
-    <mc:Fallback>
+    <mc:Fallback xmlns="">
       <p:transition spd="slow">
         <p:fade/>
       </p:transition>
@@ -8849,9 +11615,304 @@
   <p:timing>
     <p:tnLst>
       <p:par>
-        <p:cTn id="1" dur="indefinite" restart="never" nodeType="tmRoot"/>
+        <p:cTn id="1" dur="indefinite" restart="never" nodeType="tmRoot">
+          <p:childTnLst>
+            <p:seq concurrent="1" nextAc="seek">
+              <p:cTn id="2" dur="indefinite" nodeType="mainSeq">
+                <p:childTnLst>
+                  <p:par>
+                    <p:cTn id="3" fill="hold">
+                      <p:stCondLst>
+                        <p:cond delay="indefinite"/>
+                      </p:stCondLst>
+                      <p:childTnLst>
+                        <p:par>
+                          <p:cTn id="4" fill="hold">
+                            <p:stCondLst>
+                              <p:cond delay="0"/>
+                            </p:stCondLst>
+                            <p:childTnLst>
+                              <p:par>
+                                <p:cTn id="5" presetID="10" presetClass="entr" presetSubtype="0" fill="hold" grpId="0" nodeType="clickEffect">
+                                  <p:stCondLst>
+                                    <p:cond delay="0"/>
+                                  </p:stCondLst>
+                                  <p:childTnLst>
+                                    <p:set>
+                                      <p:cBhvr>
+                                        <p:cTn id="6" dur="1" fill="hold">
+                                          <p:stCondLst>
+                                            <p:cond delay="0"/>
+                                          </p:stCondLst>
+                                        </p:cTn>
+                                        <p:tgtEl>
+                                          <p:spTgt spid="2"/>
+                                        </p:tgtEl>
+                                        <p:attrNameLst>
+                                          <p:attrName>style.visibility</p:attrName>
+                                        </p:attrNameLst>
+                                      </p:cBhvr>
+                                      <p:to>
+                                        <p:strVal val="visible"/>
+                                      </p:to>
+                                    </p:set>
+                                    <p:animEffect transition="in" filter="fade">
+                                      <p:cBhvr>
+                                        <p:cTn id="7" dur="500"/>
+                                        <p:tgtEl>
+                                          <p:spTgt spid="2"/>
+                                        </p:tgtEl>
+                                      </p:cBhvr>
+                                    </p:animEffect>
+                                  </p:childTnLst>
+                                </p:cTn>
+                              </p:par>
+                            </p:childTnLst>
+                          </p:cTn>
+                        </p:par>
+                      </p:childTnLst>
+                    </p:cTn>
+                  </p:par>
+                  <p:par>
+                    <p:cTn id="8" fill="hold">
+                      <p:stCondLst>
+                        <p:cond delay="indefinite"/>
+                      </p:stCondLst>
+                      <p:childTnLst>
+                        <p:par>
+                          <p:cTn id="9" fill="hold">
+                            <p:stCondLst>
+                              <p:cond delay="0"/>
+                            </p:stCondLst>
+                            <p:childTnLst>
+                              <p:par>
+                                <p:cTn id="10" presetID="10" presetClass="entr" presetSubtype="0" fill="hold" grpId="0" nodeType="clickEffect">
+                                  <p:stCondLst>
+                                    <p:cond delay="0"/>
+                                  </p:stCondLst>
+                                  <p:childTnLst>
+                                    <p:set>
+                                      <p:cBhvr>
+                                        <p:cTn id="11" dur="1" fill="hold">
+                                          <p:stCondLst>
+                                            <p:cond delay="0"/>
+                                          </p:stCondLst>
+                                        </p:cTn>
+                                        <p:tgtEl>
+                                          <p:spTgt spid="3"/>
+                                        </p:tgtEl>
+                                        <p:attrNameLst>
+                                          <p:attrName>style.visibility</p:attrName>
+                                        </p:attrNameLst>
+                                      </p:cBhvr>
+                                      <p:to>
+                                        <p:strVal val="visible"/>
+                                      </p:to>
+                                    </p:set>
+                                    <p:animEffect transition="in" filter="fade">
+                                      <p:cBhvr>
+                                        <p:cTn id="12" dur="500"/>
+                                        <p:tgtEl>
+                                          <p:spTgt spid="3"/>
+                                        </p:tgtEl>
+                                      </p:cBhvr>
+                                    </p:animEffect>
+                                  </p:childTnLst>
+                                </p:cTn>
+                              </p:par>
+                            </p:childTnLst>
+                          </p:cTn>
+                        </p:par>
+                      </p:childTnLst>
+                    </p:cTn>
+                  </p:par>
+                  <p:par>
+                    <p:cTn id="13" fill="hold">
+                      <p:stCondLst>
+                        <p:cond delay="indefinite"/>
+                      </p:stCondLst>
+                      <p:childTnLst>
+                        <p:par>
+                          <p:cTn id="14" fill="hold">
+                            <p:stCondLst>
+                              <p:cond delay="0"/>
+                            </p:stCondLst>
+                            <p:childTnLst>
+                              <p:par>
+                                <p:cTn id="15" presetID="10" presetClass="entr" presetSubtype="0" fill="hold" grpId="0" nodeType="clickEffect">
+                                  <p:stCondLst>
+                                    <p:cond delay="0"/>
+                                  </p:stCondLst>
+                                  <p:childTnLst>
+                                    <p:set>
+                                      <p:cBhvr>
+                                        <p:cTn id="16" dur="1" fill="hold">
+                                          <p:stCondLst>
+                                            <p:cond delay="0"/>
+                                          </p:stCondLst>
+                                        </p:cTn>
+                                        <p:tgtEl>
+                                          <p:spTgt spid="18"/>
+                                        </p:tgtEl>
+                                        <p:attrNameLst>
+                                          <p:attrName>style.visibility</p:attrName>
+                                        </p:attrNameLst>
+                                      </p:cBhvr>
+                                      <p:to>
+                                        <p:strVal val="visible"/>
+                                      </p:to>
+                                    </p:set>
+                                    <p:animEffect transition="in" filter="fade">
+                                      <p:cBhvr>
+                                        <p:cTn id="17" dur="500"/>
+                                        <p:tgtEl>
+                                          <p:spTgt spid="18"/>
+                                        </p:tgtEl>
+                                      </p:cBhvr>
+                                    </p:animEffect>
+                                  </p:childTnLst>
+                                </p:cTn>
+                              </p:par>
+                            </p:childTnLst>
+                          </p:cTn>
+                        </p:par>
+                      </p:childTnLst>
+                    </p:cTn>
+                  </p:par>
+                  <p:par>
+                    <p:cTn id="18" fill="hold">
+                      <p:stCondLst>
+                        <p:cond delay="indefinite"/>
+                      </p:stCondLst>
+                      <p:childTnLst>
+                        <p:par>
+                          <p:cTn id="19" fill="hold">
+                            <p:stCondLst>
+                              <p:cond delay="0"/>
+                            </p:stCondLst>
+                            <p:childTnLst>
+                              <p:par>
+                                <p:cTn id="20" presetID="10" presetClass="entr" presetSubtype="0" fill="hold" grpId="0" nodeType="clickEffect">
+                                  <p:stCondLst>
+                                    <p:cond delay="0"/>
+                                  </p:stCondLst>
+                                  <p:childTnLst>
+                                    <p:set>
+                                      <p:cBhvr>
+                                        <p:cTn id="21" dur="1" fill="hold">
+                                          <p:stCondLst>
+                                            <p:cond delay="0"/>
+                                          </p:stCondLst>
+                                        </p:cTn>
+                                        <p:tgtEl>
+                                          <p:spTgt spid="17"/>
+                                        </p:tgtEl>
+                                        <p:attrNameLst>
+                                          <p:attrName>style.visibility</p:attrName>
+                                        </p:attrNameLst>
+                                      </p:cBhvr>
+                                      <p:to>
+                                        <p:strVal val="visible"/>
+                                      </p:to>
+                                    </p:set>
+                                    <p:animEffect transition="in" filter="fade">
+                                      <p:cBhvr>
+                                        <p:cTn id="22" dur="500"/>
+                                        <p:tgtEl>
+                                          <p:spTgt spid="17"/>
+                                        </p:tgtEl>
+                                      </p:cBhvr>
+                                    </p:animEffect>
+                                  </p:childTnLst>
+                                </p:cTn>
+                              </p:par>
+                            </p:childTnLst>
+                          </p:cTn>
+                        </p:par>
+                      </p:childTnLst>
+                    </p:cTn>
+                  </p:par>
+                  <p:par>
+                    <p:cTn id="23" fill="hold">
+                      <p:stCondLst>
+                        <p:cond delay="indefinite"/>
+                      </p:stCondLst>
+                      <p:childTnLst>
+                        <p:par>
+                          <p:cTn id="24" fill="hold">
+                            <p:stCondLst>
+                              <p:cond delay="0"/>
+                            </p:stCondLst>
+                            <p:childTnLst>
+                              <p:par>
+                                <p:cTn id="25" presetID="10" presetClass="entr" presetSubtype="0" fill="hold" grpId="0" nodeType="clickEffect">
+                                  <p:stCondLst>
+                                    <p:cond delay="0"/>
+                                  </p:stCondLst>
+                                  <p:childTnLst>
+                                    <p:set>
+                                      <p:cBhvr>
+                                        <p:cTn id="26" dur="1" fill="hold">
+                                          <p:stCondLst>
+                                            <p:cond delay="0"/>
+                                          </p:stCondLst>
+                                        </p:cTn>
+                                        <p:tgtEl>
+                                          <p:spTgt spid="4"/>
+                                        </p:tgtEl>
+                                        <p:attrNameLst>
+                                          <p:attrName>style.visibility</p:attrName>
+                                        </p:attrNameLst>
+                                      </p:cBhvr>
+                                      <p:to>
+                                        <p:strVal val="visible"/>
+                                      </p:to>
+                                    </p:set>
+                                    <p:animEffect transition="in" filter="fade">
+                                      <p:cBhvr>
+                                        <p:cTn id="27" dur="500"/>
+                                        <p:tgtEl>
+                                          <p:spTgt spid="4"/>
+                                        </p:tgtEl>
+                                      </p:cBhvr>
+                                    </p:animEffect>
+                                  </p:childTnLst>
+                                </p:cTn>
+                              </p:par>
+                            </p:childTnLst>
+                          </p:cTn>
+                        </p:par>
+                      </p:childTnLst>
+                    </p:cTn>
+                  </p:par>
+                </p:childTnLst>
+              </p:cTn>
+              <p:prevCondLst>
+                <p:cond evt="onPrev" delay="0">
+                  <p:tgtEl>
+                    <p:sldTgt/>
+                  </p:tgtEl>
+                </p:cond>
+              </p:prevCondLst>
+              <p:nextCondLst>
+                <p:cond evt="onNext" delay="0">
+                  <p:tgtEl>
+                    <p:sldTgt/>
+                  </p:tgtEl>
+                </p:cond>
+              </p:nextCondLst>
+            </p:seq>
+          </p:childTnLst>
+        </p:cTn>
       </p:par>
     </p:tnLst>
+    <p:bldLst>
+      <p:bldP spid="2" grpId="0" animBg="1"/>
+      <p:bldP spid="3" grpId="0" animBg="1"/>
+      <p:bldP spid="4" grpId="0" animBg="1"/>
+      <p:bldP spid="17" grpId="0" animBg="1"/>
+      <p:bldP spid="18" grpId="0" animBg="1"/>
+    </p:bldLst>
   </p:timing>
 </p:sld>
 </file>
@@ -9295,14 +12356,7 @@
                 <a:latin typeface="YaHei Consolas Hybrid" pitchFamily="34" charset="-122"/>
                 <a:ea typeface="YaHei Consolas Hybrid" pitchFamily="34" charset="-122"/>
               </a:rPr>
-              <a:t>等等前端</a:t>
-            </a:r>
-            <a:r>
-              <a:rPr lang="zh-CN" altLang="en-US" dirty="0" smtClean="0">
-                <a:latin typeface="YaHei Consolas Hybrid" pitchFamily="34" charset="-122"/>
-                <a:ea typeface="YaHei Consolas Hybrid" pitchFamily="34" charset="-122"/>
-              </a:rPr>
-              <a:t>应有的功能</a:t>
+              <a:t>等等前端应有的功能</a:t>
             </a:r>
             <a:endParaRPr lang="en-US" altLang="zh-CN" dirty="0" smtClean="0">
               <a:latin typeface="YaHei Consolas Hybrid" pitchFamily="34" charset="-122"/>
@@ -9341,7 +12395,7 @@
           <a:blip r:embed="rId3" cstate="print">
             <a:extLst>
               <a:ext uri="{28A0092B-C50C-407E-A947-70E740481C1C}">
-                <a14:useLocalDpi xmlns:a14="http://schemas.microsoft.com/office/drawing/2010/main" xmlns="" val="0"/>
+                <a14:useLocalDpi xmlns:a14="http://schemas.microsoft.com/office/drawing/2010/main" val="0"/>
               </a:ext>
             </a:extLst>
           </a:blip>
@@ -9362,20 +12416,20 @@
     </p:spTree>
     <p:extLst>
       <p:ext uri="{BB962C8B-B14F-4D97-AF65-F5344CB8AC3E}">
-        <p14:creationId xmlns:p14="http://schemas.microsoft.com/office/powerpoint/2010/main" xmlns="" val="4245618278"/>
+        <p14:creationId xmlns:p14="http://schemas.microsoft.com/office/powerpoint/2010/main" val="4245618278"/>
       </p:ext>
     </p:extLst>
   </p:cSld>
   <p:clrMapOvr>
     <a:masterClrMapping/>
   </p:clrMapOvr>
-  <mc:AlternateContent xmlns:mc="http://schemas.openxmlformats.org/markup-compatibility/2006">
-    <mc:Choice xmlns:p14="http://schemas.microsoft.com/office/powerpoint/2010/main" xmlns="" Requires="p14">
+  <mc:AlternateContent xmlns:mc="http://schemas.openxmlformats.org/markup-compatibility/2006" xmlns:p14="http://schemas.microsoft.com/office/powerpoint/2010/main">
+    <mc:Choice Requires="p14">
       <p:transition spd="slow" p14:dur="1500">
         <p14:window dir="vert"/>
       </p:transition>
     </mc:Choice>
-    <mc:Fallback>
+    <mc:Fallback xmlns="">
       <p:transition spd="slow">
         <p:fade/>
       </p:transition>
@@ -10540,12 +13594,35 @@
           </a:p>
           <a:p>
             <a:pPr lvl="1"/>
+            <a:endParaRPr lang="en-US" altLang="zh-CN" dirty="0" smtClean="0">
+              <a:latin typeface="YaHei Consolas Hybrid" pitchFamily="49" charset="-122"/>
+              <a:ea typeface="YaHei Consolas Hybrid" pitchFamily="49" charset="-122"/>
+            </a:endParaRPr>
+          </a:p>
+          <a:p>
+            <a:pPr marL="457200" lvl="1" indent="0">
+              <a:buNone/>
+            </a:pPr>
+            <a:endParaRPr lang="en-US" altLang="zh-CN" dirty="0" smtClean="0">
+              <a:latin typeface="YaHei Consolas Hybrid" pitchFamily="49" charset="-122"/>
+              <a:ea typeface="YaHei Consolas Hybrid" pitchFamily="49" charset="-122"/>
+            </a:endParaRPr>
+          </a:p>
+          <a:p>
+            <a:pPr lvl="1"/>
             <a:r>
               <a:rPr lang="zh-CN" altLang="en-US" dirty="0" smtClean="0">
                 <a:latin typeface="YaHei Consolas Hybrid" pitchFamily="49" charset="-122"/>
                 <a:ea typeface="YaHei Consolas Hybrid" pitchFamily="49" charset="-122"/>
               </a:rPr>
-              <a:t>代码更新</a:t>
+              <a:t>代码</a:t>
+            </a:r>
+            <a:r>
+              <a:rPr lang="zh-CN" altLang="en-US" dirty="0" smtClean="0">
+                <a:latin typeface="YaHei Consolas Hybrid" pitchFamily="49" charset="-122"/>
+                <a:ea typeface="YaHei Consolas Hybrid" pitchFamily="49" charset="-122"/>
+              </a:rPr>
+              <a:t>更新</a:t>
             </a:r>
             <a:endParaRPr lang="en-US" altLang="zh-CN" dirty="0" smtClean="0">
               <a:latin typeface="YaHei Consolas Hybrid" pitchFamily="49" charset="-122"/>
@@ -10573,7 +13650,7 @@
           <a:blip r:embed="rId3" cstate="print">
             <a:extLst>
               <a:ext uri="{28A0092B-C50C-407E-A947-70E740481C1C}">
-                <a14:useLocalDpi xmlns:a14="http://schemas.microsoft.com/office/drawing/2010/main" xmlns="" val="0"/>
+                <a14:useLocalDpi xmlns:a14="http://schemas.microsoft.com/office/drawing/2010/main" val="0"/>
               </a:ext>
             </a:extLst>
           </a:blip>
@@ -10597,10 +13674,16 @@
           <p:cNvGraphicFramePr>
             <a:graphicFrameLocks noGrp="1"/>
           </p:cNvGraphicFramePr>
-          <p:nvPr/>
+          <p:nvPr>
+            <p:extLst>
+              <p:ext uri="{D42A27DB-BD31-4B8C-83A1-F6EECF244321}">
+                <p14:modId xmlns:p14="http://schemas.microsoft.com/office/powerpoint/2010/main" val="3553361850"/>
+              </p:ext>
+            </p:extLst>
+          </p:nvPr>
         </p:nvGraphicFramePr>
         <p:xfrm>
-          <a:off x="1547664" y="908720"/>
+          <a:off x="1259632" y="2132856"/>
           <a:ext cx="6096000" cy="1010920"/>
         </p:xfrm>
         <a:graphic>
@@ -10695,7 +13778,11 @@
                     <a:p>
                       <a:r>
                         <a:rPr lang="zh-CN" altLang="en-US" dirty="0" smtClean="0"/>
-                        <a:t>不加入版本控制的文件</a:t>
+                        <a:t>不加入</a:t>
+                      </a:r>
+                      <a:r>
+                        <a:rPr lang="zh-CN" altLang="en-US" dirty="0" smtClean="0"/>
+                        <a:t>版本控制</a:t>
                       </a:r>
                       <a:endParaRPr lang="zh-CN" altLang="en-US" dirty="0"/>
                     </a:p>
@@ -10709,7 +13796,11 @@
                     <a:p>
                       <a:r>
                         <a:rPr lang="zh-CN" altLang="en-US" dirty="0" smtClean="0"/>
-                        <a:t>未加入版本控制的文件</a:t>
+                        <a:t>未加入</a:t>
+                      </a:r>
+                      <a:r>
+                        <a:rPr lang="zh-CN" altLang="en-US" dirty="0" smtClean="0"/>
+                        <a:t>版本控</a:t>
                       </a:r>
                       <a:endParaRPr lang="zh-CN" altLang="en-US" dirty="0"/>
                     </a:p>
@@ -10723,7 +13814,11 @@
                     <a:p>
                       <a:r>
                         <a:rPr lang="zh-CN" altLang="en-US" dirty="0" smtClean="0"/>
-                        <a:t>已加入版本控件的文件</a:t>
+                        <a:t>已加入版本</a:t>
+                      </a:r>
+                      <a:r>
+                        <a:rPr lang="zh-CN" altLang="en-US" dirty="0" smtClean="0"/>
+                        <a:t>控件</a:t>
                       </a:r>
                       <a:endParaRPr lang="zh-CN" altLang="en-US" dirty="0"/>
                     </a:p>
@@ -10737,7 +13832,11 @@
                     <a:p>
                       <a:r>
                         <a:rPr lang="zh-CN" altLang="en-US" dirty="0" smtClean="0"/>
-                        <a:t>已修改的文件</a:t>
+                        <a:t>已</a:t>
+                      </a:r>
+                      <a:r>
+                        <a:rPr lang="zh-CN" altLang="en-US" dirty="0" smtClean="0"/>
+                        <a:t>修改</a:t>
                       </a:r>
                       <a:endParaRPr lang="zh-CN" altLang="en-US" dirty="0"/>
                     </a:p>
@@ -10752,20 +13851,20 @@
     </p:spTree>
     <p:extLst>
       <p:ext uri="{BB962C8B-B14F-4D97-AF65-F5344CB8AC3E}">
-        <p14:creationId xmlns:p14="http://schemas.microsoft.com/office/powerpoint/2010/main" xmlns="" val="3461232025"/>
+        <p14:creationId xmlns:p14="http://schemas.microsoft.com/office/powerpoint/2010/main" val="3461232025"/>
       </p:ext>
     </p:extLst>
   </p:cSld>
   <p:clrMapOvr>
     <a:masterClrMapping/>
   </p:clrMapOvr>
-  <mc:AlternateContent xmlns:mc="http://schemas.openxmlformats.org/markup-compatibility/2006">
-    <mc:Choice xmlns:p14="http://schemas.microsoft.com/office/powerpoint/2010/main" xmlns="" Requires="p14">
+  <mc:AlternateContent xmlns:mc="http://schemas.openxmlformats.org/markup-compatibility/2006" xmlns:p14="http://schemas.microsoft.com/office/powerpoint/2010/main">
+    <mc:Choice Requires="p14">
       <p:transition spd="slow" p14:dur="1500">
         <p14:window dir="vert"/>
       </p:transition>
     </mc:Choice>
-    <mc:Fallback>
+    <mc:Fallback xmlns="">
       <p:transition spd="slow">
         <p:fade/>
       </p:transition>
@@ -10910,7 +14009,7 @@
                                         <p:tgtEl>
                                           <p:spTgt spid="3">
                                             <p:txEl>
-                                              <p:pRg st="1" end="1"/>
+                                              <p:pRg st="3" end="3"/>
                                             </p:txEl>
                                           </p:spTgt>
                                         </p:tgtEl>
@@ -10928,7 +14027,7 @@
                                         <p:tgtEl>
                                           <p:spTgt spid="3">
                                             <p:txEl>
-                                              <p:pRg st="1" end="1"/>
+                                              <p:pRg st="3" end="3"/>
                                             </p:txEl>
                                           </p:spTgt>
                                         </p:tgtEl>
@@ -10955,7 +14054,7 @@
                                         <p:tgtEl>
                                           <p:spTgt spid="3">
                                             <p:txEl>
-                                              <p:pRg st="1" end="1"/>
+                                              <p:pRg st="3" end="3"/>
                                             </p:txEl>
                                           </p:spTgt>
                                         </p:tgtEl>
@@ -11088,7 +14187,7 @@
           <a:blip r:embed="rId3" cstate="print">
             <a:extLst>
               <a:ext uri="{28A0092B-C50C-407E-A947-70E740481C1C}">
-                <a14:useLocalDpi xmlns:a14="http://schemas.microsoft.com/office/drawing/2010/main" xmlns="" val="0"/>
+                <a14:useLocalDpi xmlns:a14="http://schemas.microsoft.com/office/drawing/2010/main" val="0"/>
               </a:ext>
             </a:extLst>
           </a:blip>
@@ -11198,20 +14297,20 @@
     </p:spTree>
     <p:extLst>
       <p:ext uri="{BB962C8B-B14F-4D97-AF65-F5344CB8AC3E}">
-        <p14:creationId xmlns:p14="http://schemas.microsoft.com/office/powerpoint/2010/main" xmlns="" val="2874167865"/>
+        <p14:creationId xmlns:p14="http://schemas.microsoft.com/office/powerpoint/2010/main" val="2874167865"/>
       </p:ext>
     </p:extLst>
   </p:cSld>
   <p:clrMapOvr>
     <a:masterClrMapping/>
   </p:clrMapOvr>
-  <mc:AlternateContent xmlns:mc="http://schemas.openxmlformats.org/markup-compatibility/2006">
-    <mc:Choice xmlns:p14="http://schemas.microsoft.com/office/powerpoint/2010/main" xmlns="" Requires="p14">
+  <mc:AlternateContent xmlns:mc="http://schemas.openxmlformats.org/markup-compatibility/2006" xmlns:p14="http://schemas.microsoft.com/office/powerpoint/2010/main">
+    <mc:Choice Requires="p14">
       <p:transition spd="slow" p14:dur="1500">
         <p14:window dir="vert"/>
       </p:transition>
     </mc:Choice>
-    <mc:Fallback>
+    <mc:Fallback xmlns="">
       <p:transition spd="slow">
         <p:fade/>
       </p:transition>

--- a/201311/webstorm.pptx
+++ b/201311/webstorm.pptx
@@ -18,11 +18,11 @@
     <p:sldId id="307" r:id="rId9"/>
     <p:sldId id="310" r:id="rId10"/>
     <p:sldId id="314" r:id="rId11"/>
-    <p:sldId id="316" r:id="rId12"/>
-    <p:sldId id="317" r:id="rId13"/>
-    <p:sldId id="315" r:id="rId14"/>
-    <p:sldId id="318" r:id="rId15"/>
-    <p:sldId id="311" r:id="rId16"/>
+    <p:sldId id="311" r:id="rId12"/>
+    <p:sldId id="316" r:id="rId13"/>
+    <p:sldId id="317" r:id="rId14"/>
+    <p:sldId id="315" r:id="rId15"/>
+    <p:sldId id="318" r:id="rId16"/>
     <p:sldId id="319" r:id="rId17"/>
     <p:sldId id="313" r:id="rId18"/>
     <p:sldId id="308" r:id="rId19"/>
@@ -211,7 +211,7 @@
             <a:fld id="{E9C7A8BD-8474-4F3C-A886-16F7D8ECFA12}" type="datetimeFigureOut">
               <a:rPr lang="zh-CN" altLang="en-US" smtClean="0"/>
               <a:pPr/>
-              <a:t>2013/11/11</a:t>
+              <a:t>2013/11/12</a:t>
             </a:fld>
             <a:endParaRPr lang="zh-CN" altLang="en-US"/>
           </a:p>
@@ -380,7 +380,7 @@
     </p:spTree>
     <p:extLst>
       <p:ext uri="{BB962C8B-B14F-4D97-AF65-F5344CB8AC3E}">
-        <p14:creationId xmlns:p14="http://schemas.microsoft.com/office/powerpoint/2010/main" val="1841647330"/>
+        <p14:creationId xmlns:p14="http://schemas.microsoft.com/office/powerpoint/2010/main" xmlns="" val="1841647330"/>
       </p:ext>
     </p:extLst>
   </p:cSld>
@@ -719,7 +719,7 @@
     </p:spTree>
     <p:extLst>
       <p:ext uri="{BB962C8B-B14F-4D97-AF65-F5344CB8AC3E}">
-        <p14:creationId xmlns:p14="http://schemas.microsoft.com/office/powerpoint/2010/main" val="3405078038"/>
+        <p14:creationId xmlns:p14="http://schemas.microsoft.com/office/powerpoint/2010/main" xmlns="" val="3405078038"/>
       </p:ext>
     </p:extLst>
   </p:cSld>
@@ -804,7 +804,7 @@
     </p:spTree>
     <p:extLst>
       <p:ext uri="{BB962C8B-B14F-4D97-AF65-F5344CB8AC3E}">
-        <p14:creationId xmlns:p14="http://schemas.microsoft.com/office/powerpoint/2010/main" val="711686011"/>
+        <p14:creationId xmlns:p14="http://schemas.microsoft.com/office/powerpoint/2010/main" xmlns="" val="711686011"/>
       </p:ext>
     </p:extLst>
   </p:cSld>
@@ -889,7 +889,7 @@
     </p:spTree>
     <p:extLst>
       <p:ext uri="{BB962C8B-B14F-4D97-AF65-F5344CB8AC3E}">
-        <p14:creationId xmlns:p14="http://schemas.microsoft.com/office/powerpoint/2010/main" val="711686011"/>
+        <p14:creationId xmlns:p14="http://schemas.microsoft.com/office/powerpoint/2010/main" xmlns="" val="711686011"/>
       </p:ext>
     </p:extLst>
   </p:cSld>
@@ -974,7 +974,7 @@
     </p:spTree>
     <p:extLst>
       <p:ext uri="{BB962C8B-B14F-4D97-AF65-F5344CB8AC3E}">
-        <p14:creationId xmlns:p14="http://schemas.microsoft.com/office/powerpoint/2010/main" val="711686011"/>
+        <p14:creationId xmlns:p14="http://schemas.microsoft.com/office/powerpoint/2010/main" xmlns="" val="711686011"/>
       </p:ext>
     </p:extLst>
   </p:cSld>
@@ -1028,6 +1028,226 @@
           <a:bodyPr/>
           <a:lstStyle/>
           <a:p>
+            <a:r>
+              <a:rPr lang="en-US" altLang="zh-CN" sz="1200" b="0" i="0" kern="1200" dirty="0" smtClean="0">
+                <a:solidFill>
+                  <a:schemeClr val="tx1"/>
+                </a:solidFill>
+                <a:latin typeface="+mn-lt"/>
+                <a:ea typeface="+mn-ea"/>
+                <a:cs typeface="+mn-cs"/>
+              </a:rPr>
+              <a:t>Karma</a:t>
+            </a:r>
+            <a:r>
+              <a:rPr lang="zh-CN" altLang="en-US" sz="1200" b="0" i="0" kern="1200" dirty="0" smtClean="0">
+                <a:solidFill>
+                  <a:schemeClr val="tx1"/>
+                </a:solidFill>
+                <a:latin typeface="+mn-lt"/>
+                <a:ea typeface="+mn-ea"/>
+                <a:cs typeface="+mn-cs"/>
+              </a:rPr>
+              <a:t>是</a:t>
+            </a:r>
+            <a:r>
+              <a:rPr lang="en-US" altLang="zh-CN" sz="1200" b="0" i="0" kern="1200" dirty="0" err="1" smtClean="0">
+                <a:solidFill>
+                  <a:schemeClr val="tx1"/>
+                </a:solidFill>
+                <a:latin typeface="+mn-lt"/>
+                <a:ea typeface="+mn-ea"/>
+                <a:cs typeface="+mn-cs"/>
+              </a:rPr>
+              <a:t>Testacular</a:t>
+            </a:r>
+            <a:r>
+              <a:rPr lang="zh-CN" altLang="en-US" sz="1200" b="0" i="0" kern="1200" dirty="0" smtClean="0">
+                <a:solidFill>
+                  <a:schemeClr val="tx1"/>
+                </a:solidFill>
+                <a:latin typeface="+mn-lt"/>
+                <a:ea typeface="+mn-ea"/>
+                <a:cs typeface="+mn-cs"/>
+              </a:rPr>
+              <a:t>的新名字，在</a:t>
+            </a:r>
+            <a:r>
+              <a:rPr lang="en-US" altLang="zh-CN" sz="1200" b="0" i="0" kern="1200" dirty="0" smtClean="0">
+                <a:solidFill>
+                  <a:schemeClr val="tx1"/>
+                </a:solidFill>
+                <a:latin typeface="+mn-lt"/>
+                <a:ea typeface="+mn-ea"/>
+                <a:cs typeface="+mn-cs"/>
+              </a:rPr>
+              <a:t>2012</a:t>
+            </a:r>
+            <a:r>
+              <a:rPr lang="zh-CN" altLang="en-US" sz="1200" b="0" i="0" kern="1200" dirty="0" smtClean="0">
+                <a:solidFill>
+                  <a:schemeClr val="tx1"/>
+                </a:solidFill>
+                <a:latin typeface="+mn-lt"/>
+                <a:ea typeface="+mn-ea"/>
+                <a:cs typeface="+mn-cs"/>
+              </a:rPr>
+              <a:t>年</a:t>
+            </a:r>
+            <a:r>
+              <a:rPr lang="en-US" altLang="zh-CN" sz="1200" b="0" i="0" kern="1200" dirty="0" err="1" smtClean="0">
+                <a:solidFill>
+                  <a:schemeClr val="tx1"/>
+                </a:solidFill>
+                <a:latin typeface="+mn-lt"/>
+                <a:ea typeface="+mn-ea"/>
+                <a:cs typeface="+mn-cs"/>
+              </a:rPr>
+              <a:t>google</a:t>
+            </a:r>
+            <a:r>
+              <a:rPr lang="zh-CN" altLang="en-US" sz="1200" b="0" i="0" kern="1200" dirty="0" smtClean="0">
+                <a:solidFill>
+                  <a:schemeClr val="tx1"/>
+                </a:solidFill>
+                <a:latin typeface="+mn-lt"/>
+                <a:ea typeface="+mn-ea"/>
+                <a:cs typeface="+mn-cs"/>
+              </a:rPr>
+              <a:t>开源了</a:t>
+            </a:r>
+            <a:r>
+              <a:rPr lang="en-US" altLang="zh-CN" sz="1200" b="0" i="0" kern="1200" dirty="0" err="1" smtClean="0">
+                <a:solidFill>
+                  <a:schemeClr val="tx1"/>
+                </a:solidFill>
+                <a:latin typeface="+mn-lt"/>
+                <a:ea typeface="+mn-ea"/>
+                <a:cs typeface="+mn-cs"/>
+              </a:rPr>
+              <a:t>Testacular</a:t>
+            </a:r>
+            <a:r>
+              <a:rPr lang="zh-CN" altLang="en-US" sz="1200" b="0" i="0" kern="1200" dirty="0" smtClean="0">
+                <a:solidFill>
+                  <a:schemeClr val="tx1"/>
+                </a:solidFill>
+                <a:latin typeface="+mn-lt"/>
+                <a:ea typeface="+mn-ea"/>
+                <a:cs typeface="+mn-cs"/>
+              </a:rPr>
+              <a:t>，</a:t>
+            </a:r>
+            <a:r>
+              <a:rPr lang="en-US" altLang="zh-CN" sz="1200" b="0" i="0" kern="1200" dirty="0" smtClean="0">
+                <a:solidFill>
+                  <a:schemeClr val="tx1"/>
+                </a:solidFill>
+                <a:latin typeface="+mn-lt"/>
+                <a:ea typeface="+mn-ea"/>
+                <a:cs typeface="+mn-cs"/>
+              </a:rPr>
+              <a:t>2013</a:t>
+            </a:r>
+            <a:r>
+              <a:rPr lang="zh-CN" altLang="en-US" sz="1200" b="0" i="0" kern="1200" dirty="0" smtClean="0">
+                <a:solidFill>
+                  <a:schemeClr val="tx1"/>
+                </a:solidFill>
+                <a:latin typeface="+mn-lt"/>
+                <a:ea typeface="+mn-ea"/>
+                <a:cs typeface="+mn-cs"/>
+              </a:rPr>
+              <a:t>年</a:t>
+            </a:r>
+            <a:r>
+              <a:rPr lang="en-US" altLang="zh-CN" sz="1200" b="0" i="0" kern="1200" dirty="0" err="1" smtClean="0">
+                <a:solidFill>
+                  <a:schemeClr val="tx1"/>
+                </a:solidFill>
+                <a:latin typeface="+mn-lt"/>
+                <a:ea typeface="+mn-ea"/>
+                <a:cs typeface="+mn-cs"/>
+              </a:rPr>
+              <a:t>Testacular</a:t>
+            </a:r>
+            <a:r>
+              <a:rPr lang="zh-CN" altLang="en-US" sz="1200" b="0" i="0" kern="1200" dirty="0" smtClean="0">
+                <a:solidFill>
+                  <a:schemeClr val="tx1"/>
+                </a:solidFill>
+                <a:latin typeface="+mn-lt"/>
+                <a:ea typeface="+mn-ea"/>
+                <a:cs typeface="+mn-cs"/>
+              </a:rPr>
+              <a:t>改名为</a:t>
+            </a:r>
+            <a:r>
+              <a:rPr lang="en-US" altLang="zh-CN" sz="1200" b="0" i="0" kern="1200" dirty="0" smtClean="0">
+                <a:solidFill>
+                  <a:schemeClr val="tx1"/>
+                </a:solidFill>
+                <a:latin typeface="+mn-lt"/>
+                <a:ea typeface="+mn-ea"/>
+                <a:cs typeface="+mn-cs"/>
+              </a:rPr>
+              <a:t>Karma</a:t>
+            </a:r>
+            <a:r>
+              <a:rPr lang="zh-CN" altLang="en-US" sz="1200" b="0" i="0" kern="1200" dirty="0" smtClean="0">
+                <a:solidFill>
+                  <a:schemeClr val="tx1"/>
+                </a:solidFill>
+                <a:latin typeface="+mn-lt"/>
+                <a:ea typeface="+mn-ea"/>
+                <a:cs typeface="+mn-cs"/>
+              </a:rPr>
+              <a:t>。</a:t>
+            </a:r>
+            <a:r>
+              <a:rPr lang="en-US" altLang="zh-CN" sz="1200" b="0" i="0" kern="1200" dirty="0" smtClean="0">
+                <a:solidFill>
+                  <a:schemeClr val="tx1"/>
+                </a:solidFill>
+                <a:latin typeface="+mn-lt"/>
+                <a:ea typeface="+mn-ea"/>
+                <a:cs typeface="+mn-cs"/>
+              </a:rPr>
+              <a:t>Karma</a:t>
+            </a:r>
+            <a:r>
+              <a:rPr lang="zh-CN" altLang="en-US" sz="1200" b="0" i="0" kern="1200" dirty="0" smtClean="0">
+                <a:solidFill>
+                  <a:schemeClr val="tx1"/>
+                </a:solidFill>
+                <a:latin typeface="+mn-lt"/>
+                <a:ea typeface="+mn-ea"/>
+                <a:cs typeface="+mn-cs"/>
+              </a:rPr>
+              <a:t>是一个让人感到非常神秘的名字，表示佛教中的缘分，因果报应，比</a:t>
+            </a:r>
+            <a:r>
+              <a:rPr lang="en-US" altLang="zh-CN" sz="1200" b="0" i="0" kern="1200" dirty="0" smtClean="0">
+                <a:solidFill>
+                  <a:schemeClr val="tx1"/>
+                </a:solidFill>
+                <a:latin typeface="+mn-lt"/>
+                <a:ea typeface="+mn-ea"/>
+                <a:cs typeface="+mn-cs"/>
+              </a:rPr>
+              <a:t>Cassandra</a:t>
+            </a:r>
+            <a:r>
+              <a:rPr lang="zh-CN" altLang="en-US" sz="1200" b="0" i="0" kern="1200" dirty="0" smtClean="0">
+                <a:solidFill>
+                  <a:schemeClr val="tx1"/>
+                </a:solidFill>
+                <a:latin typeface="+mn-lt"/>
+                <a:ea typeface="+mn-ea"/>
+                <a:cs typeface="+mn-cs"/>
+              </a:rPr>
+              <a:t>这种名字更让人猜不透！</a:t>
+            </a:r>
             <a:endParaRPr lang="zh-CN" altLang="en-US" dirty="0"/>
           </a:p>
         </p:txBody>
@@ -1059,7 +1279,7 @@
     </p:spTree>
     <p:extLst>
       <p:ext uri="{BB962C8B-B14F-4D97-AF65-F5344CB8AC3E}">
-        <p14:creationId xmlns:p14="http://schemas.microsoft.com/office/powerpoint/2010/main" val="711686011"/>
+        <p14:creationId xmlns:p14="http://schemas.microsoft.com/office/powerpoint/2010/main" xmlns="" val="711686011"/>
       </p:ext>
     </p:extLst>
   </p:cSld>
@@ -1144,7 +1364,7 @@
     </p:spTree>
     <p:extLst>
       <p:ext uri="{BB962C8B-B14F-4D97-AF65-F5344CB8AC3E}">
-        <p14:creationId xmlns:p14="http://schemas.microsoft.com/office/powerpoint/2010/main" val="711686011"/>
+        <p14:creationId xmlns:p14="http://schemas.microsoft.com/office/powerpoint/2010/main" xmlns="" val="711686011"/>
       </p:ext>
     </p:extLst>
   </p:cSld>
@@ -1229,7 +1449,7 @@
     </p:spTree>
     <p:extLst>
       <p:ext uri="{BB962C8B-B14F-4D97-AF65-F5344CB8AC3E}">
-        <p14:creationId xmlns:p14="http://schemas.microsoft.com/office/powerpoint/2010/main" val="711686011"/>
+        <p14:creationId xmlns:p14="http://schemas.microsoft.com/office/powerpoint/2010/main" xmlns="" val="711686011"/>
       </p:ext>
     </p:extLst>
   </p:cSld>
@@ -1314,7 +1534,7 @@
     </p:spTree>
     <p:extLst>
       <p:ext uri="{BB962C8B-B14F-4D97-AF65-F5344CB8AC3E}">
-        <p14:creationId xmlns:p14="http://schemas.microsoft.com/office/powerpoint/2010/main" val="711686011"/>
+        <p14:creationId xmlns:p14="http://schemas.microsoft.com/office/powerpoint/2010/main" xmlns="" val="711686011"/>
       </p:ext>
     </p:extLst>
   </p:cSld>
@@ -1370,7 +1590,18 @@
           <a:p>
             <a:r>
               <a:rPr lang="zh-CN" altLang="en-US" dirty="0" smtClean="0"/>
-              <a:t>扫地僧</a:t>
+              <a:t>找不到扫地僧扫地的出现的那一集，就随便截图一张</a:t>
+            </a:r>
+            <a:endParaRPr lang="en-US" altLang="zh-CN" dirty="0" smtClean="0"/>
+          </a:p>
+          <a:p>
+            <a:r>
+              <a:rPr lang="zh-CN" altLang="en-US" dirty="0" smtClean="0"/>
+              <a:t>扫地</a:t>
+            </a:r>
+            <a:r>
+              <a:rPr lang="zh-CN" altLang="en-US" dirty="0" smtClean="0"/>
+              <a:t>僧</a:t>
             </a:r>
             <a:r>
               <a:rPr lang="en-US" altLang="zh-CN" dirty="0" smtClean="0"/>
@@ -1666,7 +1897,7 @@
     </p:spTree>
     <p:extLst>
       <p:ext uri="{BB962C8B-B14F-4D97-AF65-F5344CB8AC3E}">
-        <p14:creationId xmlns:p14="http://schemas.microsoft.com/office/powerpoint/2010/main" val="711686011"/>
+        <p14:creationId xmlns:p14="http://schemas.microsoft.com/office/powerpoint/2010/main" xmlns="" val="711686011"/>
       </p:ext>
     </p:extLst>
   </p:cSld>
@@ -1751,7 +1982,7 @@
     </p:spTree>
     <p:extLst>
       <p:ext uri="{BB962C8B-B14F-4D97-AF65-F5344CB8AC3E}">
-        <p14:creationId xmlns:p14="http://schemas.microsoft.com/office/powerpoint/2010/main" val="711686011"/>
+        <p14:creationId xmlns:p14="http://schemas.microsoft.com/office/powerpoint/2010/main" xmlns="" val="711686011"/>
       </p:ext>
     </p:extLst>
   </p:cSld>
@@ -1805,6 +2036,26 @@
           <a:bodyPr/>
           <a:lstStyle/>
           <a:p>
+            <a:r>
+              <a:rPr lang="zh-CN" altLang="en-US" dirty="0" smtClean="0"/>
+              <a:t>参考  自淘宝网</a:t>
+            </a:r>
+            <a:r>
+              <a:rPr lang="zh-CN" altLang="en-US" baseline="0" dirty="0" smtClean="0"/>
+              <a:t>的明河</a:t>
+            </a:r>
+            <a:r>
+              <a:rPr lang="zh-CN" altLang="en-US" dirty="0" smtClean="0"/>
+              <a:t> </a:t>
+            </a:r>
+            <a:r>
+              <a:rPr lang="en-US" altLang="zh-CN" dirty="0" smtClean="0"/>
+              <a:t>webstorm5</a:t>
+            </a:r>
+            <a:r>
+              <a:rPr lang="zh-CN" altLang="en-US" dirty="0" smtClean="0"/>
+              <a:t>入门指南</a:t>
+            </a:r>
             <a:endParaRPr lang="zh-CN" altLang="en-US" dirty="0"/>
           </a:p>
         </p:txBody>
@@ -1836,7 +2087,7 @@
     </p:spTree>
     <p:extLst>
       <p:ext uri="{BB962C8B-B14F-4D97-AF65-F5344CB8AC3E}">
-        <p14:creationId xmlns:p14="http://schemas.microsoft.com/office/powerpoint/2010/main" val="711686011"/>
+        <p14:creationId xmlns:p14="http://schemas.microsoft.com/office/powerpoint/2010/main" xmlns="" val="711686011"/>
       </p:ext>
     </p:extLst>
   </p:cSld>
@@ -1948,7 +2199,7 @@
     </p:spTree>
     <p:extLst>
       <p:ext uri="{BB962C8B-B14F-4D97-AF65-F5344CB8AC3E}">
-        <p14:creationId xmlns:p14="http://schemas.microsoft.com/office/powerpoint/2010/main" val="711686011"/>
+        <p14:creationId xmlns:p14="http://schemas.microsoft.com/office/powerpoint/2010/main" xmlns="" val="711686011"/>
       </p:ext>
     </p:extLst>
   </p:cSld>
@@ -2134,7 +2385,7 @@
     </p:spTree>
     <p:extLst>
       <p:ext uri="{BB962C8B-B14F-4D97-AF65-F5344CB8AC3E}">
-        <p14:creationId xmlns:p14="http://schemas.microsoft.com/office/powerpoint/2010/main" val="711686011"/>
+        <p14:creationId xmlns:p14="http://schemas.microsoft.com/office/powerpoint/2010/main" xmlns="" val="711686011"/>
       </p:ext>
     </p:extLst>
   </p:cSld>
@@ -2254,7 +2505,7 @@
     </p:spTree>
     <p:extLst>
       <p:ext uri="{BB962C8B-B14F-4D97-AF65-F5344CB8AC3E}">
-        <p14:creationId xmlns:p14="http://schemas.microsoft.com/office/powerpoint/2010/main" val="711686011"/>
+        <p14:creationId xmlns:p14="http://schemas.microsoft.com/office/powerpoint/2010/main" xmlns="" val="711686011"/>
       </p:ext>
     </p:extLst>
   </p:cSld>
@@ -2347,7 +2598,7 @@
     </p:spTree>
     <p:extLst>
       <p:ext uri="{BB962C8B-B14F-4D97-AF65-F5344CB8AC3E}">
-        <p14:creationId xmlns:p14="http://schemas.microsoft.com/office/powerpoint/2010/main" val="711686011"/>
+        <p14:creationId xmlns:p14="http://schemas.microsoft.com/office/powerpoint/2010/main" xmlns="" val="711686011"/>
       </p:ext>
     </p:extLst>
   </p:cSld>
@@ -2416,11 +2667,7 @@
             </a:pPr>
             <a:r>
               <a:rPr lang="zh-CN" altLang="en-US" baseline="0" dirty="0" smtClean="0"/>
-              <a:t>工程目录</a:t>
-            </a:r>
-            <a:r>
-              <a:rPr lang="zh-CN" altLang="en-US" baseline="0" dirty="0" smtClean="0"/>
-              <a:t>面包屑</a:t>
+              <a:t>工程目录面包屑</a:t>
             </a:r>
             <a:endParaRPr lang="en-US" altLang="zh-CN" baseline="0" dirty="0" smtClean="0"/>
           </a:p>
@@ -2537,7 +2784,7 @@
     </p:spTree>
     <p:extLst>
       <p:ext uri="{BB962C8B-B14F-4D97-AF65-F5344CB8AC3E}">
-        <p14:creationId xmlns:p14="http://schemas.microsoft.com/office/powerpoint/2010/main" val="711686011"/>
+        <p14:creationId xmlns:p14="http://schemas.microsoft.com/office/powerpoint/2010/main" xmlns="" val="711686011"/>
       </p:ext>
     </p:extLst>
   </p:cSld>
@@ -2593,7 +2840,22 @@
           <a:p>
             <a:r>
               <a:rPr lang="zh-CN" altLang="en-US" dirty="0" smtClean="0"/>
-              <a:t>还有本地历史的功能</a:t>
+              <a:t>还有很多有助于开发的功能</a:t>
+            </a:r>
+            <a:endParaRPr lang="en-US" altLang="zh-CN" dirty="0" smtClean="0"/>
+          </a:p>
+          <a:p>
+            <a:r>
+              <a:rPr lang="zh-CN" altLang="en-US" dirty="0" smtClean="0"/>
+              <a:t>可自动保存，这在电脑</a:t>
+            </a:r>
+            <a:r>
+              <a:rPr lang="en-US" altLang="zh-CN" dirty="0" smtClean="0"/>
+              <a:t>down</a:t>
+            </a:r>
+            <a:r>
+              <a:rPr lang="zh-CN" altLang="en-US" dirty="0" smtClean="0"/>
+              <a:t>掉时，就显得重要了</a:t>
             </a:r>
             <a:endParaRPr lang="en-US" altLang="zh-CN" dirty="0" smtClean="0"/>
           </a:p>
@@ -2649,6 +2911,9 @@
               <a:rPr lang="zh-CN" altLang="en-US" baseline="0" dirty="0" smtClean="0"/>
               <a:t>模板</a:t>
             </a:r>
+            <a:endParaRPr lang="en-US" altLang="zh-CN" baseline="0" dirty="0" smtClean="0"/>
+          </a:p>
+          <a:p>
             <a:endParaRPr lang="en-US" altLang="zh-CN" baseline="0" dirty="0" smtClean="0"/>
           </a:p>
           <a:p>
@@ -2686,7 +2951,7 @@
     </p:spTree>
     <p:extLst>
       <p:ext uri="{BB962C8B-B14F-4D97-AF65-F5344CB8AC3E}">
-        <p14:creationId xmlns:p14="http://schemas.microsoft.com/office/powerpoint/2010/main" val="711686011"/>
+        <p14:creationId xmlns:p14="http://schemas.microsoft.com/office/powerpoint/2010/main" xmlns="" val="711686011"/>
       </p:ext>
     </p:extLst>
   </p:cSld>
@@ -2740,6 +3005,18 @@
           <a:bodyPr/>
           <a:lstStyle/>
           <a:p>
+            <a:r>
+              <a:rPr lang="en-US" altLang="zh-CN" dirty="0" err="1" smtClean="0"/>
+              <a:t>Svn</a:t>
+            </a:r>
+            <a:r>
+              <a:rPr lang="zh-CN" altLang="en-US" dirty="0" smtClean="0"/>
+              <a:t>操作，右键文件，点击</a:t>
+            </a:r>
+            <a:r>
+              <a:rPr lang="en-US" altLang="zh-CN" dirty="0" smtClean="0"/>
+              <a:t>subversion</a:t>
+            </a:r>
             <a:endParaRPr lang="zh-CN" altLang="en-US" dirty="0"/>
           </a:p>
         </p:txBody>
@@ -2771,7 +3048,7 @@
     </p:spTree>
     <p:extLst>
       <p:ext uri="{BB962C8B-B14F-4D97-AF65-F5344CB8AC3E}">
-        <p14:creationId xmlns:p14="http://schemas.microsoft.com/office/powerpoint/2010/main" val="711686011"/>
+        <p14:creationId xmlns:p14="http://schemas.microsoft.com/office/powerpoint/2010/main" xmlns="" val="711686011"/>
       </p:ext>
     </p:extLst>
   </p:cSld>
@@ -2825,6 +3102,22 @@
           <a:bodyPr/>
           <a:lstStyle/>
           <a:p>
+            <a:r>
+              <a:rPr lang="zh-CN" altLang="en-US" dirty="0" smtClean="0"/>
+              <a:t>在忘记提交到</a:t>
+            </a:r>
+            <a:r>
+              <a:rPr lang="en-US" altLang="zh-CN" dirty="0" err="1" smtClean="0"/>
+              <a:t>svn</a:t>
+            </a:r>
+            <a:r>
+              <a:rPr lang="zh-CN" altLang="en-US" dirty="0" smtClean="0"/>
+              <a:t>的情况</a:t>
+            </a:r>
+            <a:r>
+              <a:rPr lang="zh-CN" altLang="en-US" baseline="0" dirty="0" smtClean="0"/>
+              <a:t>，就可方便查看历史代码</a:t>
+            </a:r>
             <a:endParaRPr lang="zh-CN" altLang="en-US" dirty="0"/>
           </a:p>
         </p:txBody>
@@ -2856,7 +3149,7 @@
     </p:spTree>
     <p:extLst>
       <p:ext uri="{BB962C8B-B14F-4D97-AF65-F5344CB8AC3E}">
-        <p14:creationId xmlns:p14="http://schemas.microsoft.com/office/powerpoint/2010/main" val="711686011"/>
+        <p14:creationId xmlns:p14="http://schemas.microsoft.com/office/powerpoint/2010/main" xmlns="" val="711686011"/>
       </p:ext>
     </p:extLst>
   </p:cSld>
@@ -3048,7 +3341,7 @@
             <a:fld id="{530820CF-B880-4189-942D-D702A7CBA730}" type="datetimeFigureOut">
               <a:rPr lang="zh-CN" altLang="en-US" smtClean="0"/>
               <a:pPr/>
-              <a:t>2013/11/11</a:t>
+              <a:t>2013/11/12</a:t>
             </a:fld>
             <a:endParaRPr lang="zh-CN" altLang="en-US"/>
           </a:p>
@@ -3215,7 +3508,7 @@
             <a:fld id="{530820CF-B880-4189-942D-D702A7CBA730}" type="datetimeFigureOut">
               <a:rPr lang="zh-CN" altLang="en-US" smtClean="0"/>
               <a:pPr/>
-              <a:t>2013/11/11</a:t>
+              <a:t>2013/11/12</a:t>
             </a:fld>
             <a:endParaRPr lang="zh-CN" altLang="en-US"/>
           </a:p>
@@ -3392,7 +3685,7 @@
             <a:fld id="{530820CF-B880-4189-942D-D702A7CBA730}" type="datetimeFigureOut">
               <a:rPr lang="zh-CN" altLang="en-US" smtClean="0"/>
               <a:pPr/>
-              <a:t>2013/11/11</a:t>
+              <a:t>2013/11/12</a:t>
             </a:fld>
             <a:endParaRPr lang="zh-CN" altLang="en-US"/>
           </a:p>
@@ -3559,7 +3852,7 @@
             <a:fld id="{530820CF-B880-4189-942D-D702A7CBA730}" type="datetimeFigureOut">
               <a:rPr lang="zh-CN" altLang="en-US" smtClean="0"/>
               <a:pPr/>
-              <a:t>2013/11/11</a:t>
+              <a:t>2013/11/12</a:t>
             </a:fld>
             <a:endParaRPr lang="zh-CN" altLang="en-US"/>
           </a:p>
@@ -3802,7 +4095,7 @@
             <a:fld id="{530820CF-B880-4189-942D-D702A7CBA730}" type="datetimeFigureOut">
               <a:rPr lang="zh-CN" altLang="en-US" smtClean="0"/>
               <a:pPr/>
-              <a:t>2013/11/11</a:t>
+              <a:t>2013/11/12</a:t>
             </a:fld>
             <a:endParaRPr lang="zh-CN" altLang="en-US"/>
           </a:p>
@@ -4087,7 +4380,7 @@
             <a:fld id="{530820CF-B880-4189-942D-D702A7CBA730}" type="datetimeFigureOut">
               <a:rPr lang="zh-CN" altLang="en-US" smtClean="0"/>
               <a:pPr/>
-              <a:t>2013/11/11</a:t>
+              <a:t>2013/11/12</a:t>
             </a:fld>
             <a:endParaRPr lang="zh-CN" altLang="en-US"/>
           </a:p>
@@ -4506,7 +4799,7 @@
             <a:fld id="{530820CF-B880-4189-942D-D702A7CBA730}" type="datetimeFigureOut">
               <a:rPr lang="zh-CN" altLang="en-US" smtClean="0"/>
               <a:pPr/>
-              <a:t>2013/11/11</a:t>
+              <a:t>2013/11/12</a:t>
             </a:fld>
             <a:endParaRPr lang="zh-CN" altLang="en-US"/>
           </a:p>
@@ -4621,7 +4914,7 @@
             <a:fld id="{530820CF-B880-4189-942D-D702A7CBA730}" type="datetimeFigureOut">
               <a:rPr lang="zh-CN" altLang="en-US" smtClean="0"/>
               <a:pPr/>
-              <a:t>2013/11/11</a:t>
+              <a:t>2013/11/12</a:t>
             </a:fld>
             <a:endParaRPr lang="zh-CN" altLang="en-US"/>
           </a:p>
@@ -4713,7 +5006,7 @@
             <a:fld id="{530820CF-B880-4189-942D-D702A7CBA730}" type="datetimeFigureOut">
               <a:rPr lang="zh-CN" altLang="en-US" smtClean="0"/>
               <a:pPr/>
-              <a:t>2013/11/11</a:t>
+              <a:t>2013/11/12</a:t>
             </a:fld>
             <a:endParaRPr lang="zh-CN" altLang="en-US"/>
           </a:p>
@@ -4987,7 +5280,7 @@
             <a:fld id="{530820CF-B880-4189-942D-D702A7CBA730}" type="datetimeFigureOut">
               <a:rPr lang="zh-CN" altLang="en-US" smtClean="0"/>
               <a:pPr/>
-              <a:t>2013/11/11</a:t>
+              <a:t>2013/11/12</a:t>
             </a:fld>
             <a:endParaRPr lang="zh-CN" altLang="en-US"/>
           </a:p>
@@ -5237,7 +5530,7 @@
             <a:fld id="{530820CF-B880-4189-942D-D702A7CBA730}" type="datetimeFigureOut">
               <a:rPr lang="zh-CN" altLang="en-US" smtClean="0"/>
               <a:pPr/>
-              <a:t>2013/11/11</a:t>
+              <a:t>2013/11/12</a:t>
             </a:fld>
             <a:endParaRPr lang="zh-CN" altLang="en-US"/>
           </a:p>
@@ -5456,7 +5749,7 @@
             <a:fld id="{530820CF-B880-4189-942D-D702A7CBA730}" type="datetimeFigureOut">
               <a:rPr lang="zh-CN" altLang="en-US" smtClean="0"/>
               <a:pPr/>
-              <a:t>2013/11/11</a:t>
+              <a:t>2013/11/12</a:t>
             </a:fld>
             <a:endParaRPr lang="zh-CN" altLang="en-US"/>
           </a:p>
@@ -5957,20 +6250,20 @@
     </p:spTree>
     <p:extLst>
       <p:ext uri="{BB962C8B-B14F-4D97-AF65-F5344CB8AC3E}">
-        <p14:creationId xmlns:p14="http://schemas.microsoft.com/office/powerpoint/2010/main" val="3662862078"/>
+        <p14:creationId xmlns:p14="http://schemas.microsoft.com/office/powerpoint/2010/main" xmlns="" val="3662862078"/>
       </p:ext>
     </p:extLst>
   </p:cSld>
   <p:clrMapOvr>
     <a:masterClrMapping/>
   </p:clrMapOvr>
-  <mc:AlternateContent xmlns:mc="http://schemas.openxmlformats.org/markup-compatibility/2006" xmlns:p14="http://schemas.microsoft.com/office/powerpoint/2010/main">
-    <mc:Choice Requires="p14">
+  <mc:AlternateContent xmlns:mc="http://schemas.openxmlformats.org/markup-compatibility/2006">
+    <mc:Choice xmlns:p14="http://schemas.microsoft.com/office/powerpoint/2010/main" xmlns="" Requires="p14">
       <p:transition spd="slow" p14:dur="1600">
         <p14:conveyor dir="l"/>
       </p:transition>
     </mc:Choice>
-    <mc:Fallback xmlns="">
+    <mc:Fallback>
       <p:transition spd="slow">
         <p:fade/>
       </p:transition>
@@ -6018,6 +6311,40 @@
           <a:bodyPr/>
           <a:lstStyle/>
           <a:p>
+            <a:r>
+              <a:rPr lang="en-US" altLang="zh-CN" dirty="0" smtClean="0">
+                <a:solidFill>
+                  <a:srgbClr val="34221C"/>
+                </a:solidFill>
+                <a:effectLst>
+                  <a:outerShdw blurRad="38100" dist="38100" dir="2700000" algn="tl">
+                    <a:srgbClr val="000000">
+                      <a:alpha val="43137"/>
+                    </a:srgbClr>
+                  </a:outerShdw>
+                </a:effectLst>
+                <a:latin typeface="YaHei Consolas Hybrid" pitchFamily="49" charset="-122"/>
+                <a:ea typeface="YaHei Consolas Hybrid" pitchFamily="49" charset="-122"/>
+              </a:rPr>
+              <a:t>NPM</a:t>
+            </a:r>
+            <a:r>
+              <a:rPr lang="zh-CN" altLang="en-US" dirty="0" smtClean="0">
+                <a:solidFill>
+                  <a:srgbClr val="34221C"/>
+                </a:solidFill>
+                <a:effectLst>
+                  <a:outerShdw blurRad="38100" dist="38100" dir="2700000" algn="tl">
+                    <a:srgbClr val="000000">
+                      <a:alpha val="43137"/>
+                    </a:srgbClr>
+                  </a:outerShdw>
+                </a:effectLst>
+                <a:latin typeface="YaHei Consolas Hybrid" pitchFamily="49" charset="-122"/>
+                <a:ea typeface="YaHei Consolas Hybrid" pitchFamily="49" charset="-122"/>
+              </a:rPr>
+              <a:t>包管理</a:t>
+            </a:r>
             <a:endParaRPr lang="zh-CN" altLang="en-US" dirty="0">
               <a:solidFill>
                 <a:srgbClr val="34221C"/>
@@ -6035,29 +6362,29 @@
           </a:p>
         </p:txBody>
       </p:sp>
-      <p:sp>
-        <p:nvSpPr>
-          <p:cNvPr id="3" name="内容占位符 2"/>
-          <p:cNvSpPr>
-            <a:spLocks noGrp="1"/>
-          </p:cNvSpPr>
+      <p:pic>
+        <p:nvPicPr>
+          <p:cNvPr id="5" name="内容占位符 4" descr="npm.jpg"/>
+          <p:cNvPicPr>
+            <a:picLocks noGrp="1" noChangeAspect="1"/>
+          </p:cNvPicPr>
           <p:nvPr>
             <p:ph idx="1"/>
           </p:nvPr>
-        </p:nvSpPr>
-        <p:spPr/>
-        <p:txBody>
-          <a:bodyPr/>
-          <a:lstStyle/>
-          <a:p>
-            <a:pPr lvl="1"/>
-            <a:endParaRPr lang="en-US" altLang="zh-CN" dirty="0" smtClean="0">
-              <a:latin typeface="YaHei Consolas Hybrid" pitchFamily="49" charset="-122"/>
-              <a:ea typeface="YaHei Consolas Hybrid" pitchFamily="49" charset="-122"/>
-            </a:endParaRPr>
-          </a:p>
-        </p:txBody>
-      </p:sp>
+        </p:nvPicPr>
+        <p:blipFill>
+          <a:blip r:embed="rId3" cstate="print"/>
+          <a:stretch>
+            <a:fillRect/>
+          </a:stretch>
+        </p:blipFill>
+        <p:spPr>
+          <a:xfrm>
+            <a:off x="2051720" y="1268760"/>
+            <a:ext cx="4608512" cy="5394627"/>
+          </a:xfrm>
+        </p:spPr>
+      </p:pic>
       <p:pic>
         <p:nvPicPr>
           <p:cNvPr id="7" name="图片 6"/>
@@ -6067,10 +6394,10 @@
           <p:nvPr/>
         </p:nvPicPr>
         <p:blipFill>
-          <a:blip r:embed="rId3" cstate="print">
+          <a:blip r:embed="rId4" cstate="print">
             <a:extLst>
               <a:ext uri="{28A0092B-C50C-407E-A947-70E740481C1C}">
-                <a14:useLocalDpi xmlns:a14="http://schemas.microsoft.com/office/drawing/2010/main" val="0"/>
+                <a14:useLocalDpi xmlns:a14="http://schemas.microsoft.com/office/drawing/2010/main" xmlns="" val="0"/>
               </a:ext>
             </a:extLst>
           </a:blip>
@@ -6091,20 +6418,543 @@
     </p:spTree>
     <p:extLst>
       <p:ext uri="{BB962C8B-B14F-4D97-AF65-F5344CB8AC3E}">
-        <p14:creationId xmlns:p14="http://schemas.microsoft.com/office/powerpoint/2010/main" val="298730135"/>
+        <p14:creationId xmlns:p14="http://schemas.microsoft.com/office/powerpoint/2010/main" xmlns="" val="298730135"/>
       </p:ext>
     </p:extLst>
   </p:cSld>
   <p:clrMapOvr>
     <a:masterClrMapping/>
   </p:clrMapOvr>
-  <mc:AlternateContent xmlns:mc="http://schemas.openxmlformats.org/markup-compatibility/2006" xmlns:p14="http://schemas.microsoft.com/office/powerpoint/2010/main">
-    <mc:Choice Requires="p14">
+  <mc:AlternateContent xmlns:mc="http://schemas.openxmlformats.org/markup-compatibility/2006">
+    <mc:Choice xmlns:p14="http://schemas.microsoft.com/office/powerpoint/2010/main" xmlns="" Requires="p14">
       <p:transition spd="slow" p14:dur="1500">
         <p14:window dir="vert"/>
       </p:transition>
     </mc:Choice>
-    <mc:Fallback xmlns="">
+    <mc:Fallback>
+      <p:transition spd="slow">
+        <p:fade/>
+      </p:transition>
+    </mc:Fallback>
+  </mc:AlternateContent>
+  <p:timing>
+    <p:tnLst>
+      <p:par>
+        <p:cTn id="1" dur="indefinite" restart="never" nodeType="tmRoot"/>
+      </p:par>
+    </p:tnLst>
+  </p:timing>
+</p:sld>
+</file>
+
+<file path=ppt/slides/slide11.xml><?xml version="1.0" encoding="utf-8"?>
+<p:sld xmlns:a="http://schemas.openxmlformats.org/drawingml/2006/main" xmlns:r="http://schemas.openxmlformats.org/officeDocument/2006/relationships" xmlns:p="http://schemas.openxmlformats.org/presentationml/2006/main">
+  <p:cSld>
+    <p:spTree>
+      <p:nvGrpSpPr>
+        <p:cNvPr id="1" name=""/>
+        <p:cNvGrpSpPr/>
+        <p:nvPr/>
+      </p:nvGrpSpPr>
+      <p:grpSpPr>
+        <a:xfrm>
+          <a:off x="0" y="0"/>
+          <a:ext cx="0" cy="0"/>
+          <a:chOff x="0" y="0"/>
+          <a:chExt cx="0" cy="0"/>
+        </a:xfrm>
+      </p:grpSpPr>
+      <p:sp>
+        <p:nvSpPr>
+          <p:cNvPr id="2" name="标题 1"/>
+          <p:cNvSpPr>
+            <a:spLocks noGrp="1"/>
+          </p:cNvSpPr>
+          <p:nvPr>
+            <p:ph type="title"/>
+          </p:nvPr>
+        </p:nvSpPr>
+        <p:spPr/>
+        <p:txBody>
+          <a:bodyPr/>
+          <a:lstStyle/>
+          <a:p>
+            <a:r>
+              <a:rPr lang="zh-CN" altLang="en-US" dirty="0" smtClean="0">
+                <a:solidFill>
+                  <a:srgbClr val="34221C"/>
+                </a:solidFill>
+                <a:effectLst>
+                  <a:outerShdw blurRad="38100" dist="38100" dir="2700000" algn="tl">
+                    <a:srgbClr val="000000">
+                      <a:alpha val="43137"/>
+                    </a:srgbClr>
+                  </a:outerShdw>
+                </a:effectLst>
+                <a:latin typeface="YaHei Consolas Hybrid" pitchFamily="49" charset="-122"/>
+                <a:ea typeface="YaHei Consolas Hybrid" pitchFamily="49" charset="-122"/>
+              </a:rPr>
+              <a:t>终端窗口</a:t>
+            </a:r>
+            <a:endParaRPr lang="zh-CN" altLang="en-US" dirty="0">
+              <a:solidFill>
+                <a:srgbClr val="34221C"/>
+              </a:solidFill>
+              <a:effectLst>
+                <a:outerShdw blurRad="38100" dist="38100" dir="2700000" algn="tl">
+                  <a:srgbClr val="000000">
+                    <a:alpha val="43137"/>
+                  </a:srgbClr>
+                </a:outerShdw>
+              </a:effectLst>
+              <a:latin typeface="YaHei Consolas Hybrid" pitchFamily="49" charset="-122"/>
+              <a:ea typeface="YaHei Consolas Hybrid" pitchFamily="49" charset="-122"/>
+            </a:endParaRPr>
+          </a:p>
+        </p:txBody>
+      </p:sp>
+      <p:pic>
+        <p:nvPicPr>
+          <p:cNvPr id="5" name="内容占位符 4" descr="webstorm-terminal1.png"/>
+          <p:cNvPicPr>
+            <a:picLocks noGrp="1" noChangeAspect="1"/>
+          </p:cNvPicPr>
+          <p:nvPr>
+            <p:ph idx="1"/>
+          </p:nvPr>
+        </p:nvPicPr>
+        <p:blipFill>
+          <a:blip r:embed="rId3" cstate="print"/>
+          <a:stretch>
+            <a:fillRect/>
+          </a:stretch>
+        </p:blipFill>
+        <p:spPr>
+          <a:xfrm>
+            <a:off x="611560" y="2204864"/>
+            <a:ext cx="7277100" cy="3286125"/>
+          </a:xfrm>
+        </p:spPr>
+      </p:pic>
+      <p:pic>
+        <p:nvPicPr>
+          <p:cNvPr id="7" name="图片 6"/>
+          <p:cNvPicPr>
+            <a:picLocks noChangeAspect="1"/>
+          </p:cNvPicPr>
+          <p:nvPr/>
+        </p:nvPicPr>
+        <p:blipFill>
+          <a:blip r:embed="rId4" cstate="print">
+            <a:extLst>
+              <a:ext uri="{28A0092B-C50C-407E-A947-70E740481C1C}">
+                <a14:useLocalDpi xmlns:a14="http://schemas.microsoft.com/office/drawing/2010/main" xmlns="" val="0"/>
+              </a:ext>
+            </a:extLst>
+          </a:blip>
+          <a:stretch>
+            <a:fillRect/>
+          </a:stretch>
+        </p:blipFill>
+        <p:spPr>
+          <a:xfrm>
+            <a:off x="7092280" y="6278234"/>
+            <a:ext cx="1933845" cy="523948"/>
+          </a:xfrm>
+          <a:prstGeom prst="rect">
+            <a:avLst/>
+          </a:prstGeom>
+        </p:spPr>
+      </p:pic>
+      <p:sp>
+        <p:nvSpPr>
+          <p:cNvPr id="8" name="线形标注 1 7"/>
+          <p:cNvSpPr/>
+          <p:nvPr/>
+        </p:nvSpPr>
+        <p:spPr>
+          <a:xfrm>
+            <a:off x="2123728" y="1844824"/>
+            <a:ext cx="2808312" cy="612648"/>
+          </a:xfrm>
+          <a:prstGeom prst="borderCallout1">
+            <a:avLst>
+              <a:gd name="adj1" fmla="val 53078"/>
+              <a:gd name="adj2" fmla="val -193"/>
+              <a:gd name="adj3" fmla="val 112500"/>
+              <a:gd name="adj4" fmla="val -38333"/>
+            </a:avLst>
+          </a:prstGeom>
+        </p:spPr>
+        <p:style>
+          <a:lnRef idx="1">
+            <a:schemeClr val="accent1"/>
+          </a:lnRef>
+          <a:fillRef idx="2">
+            <a:schemeClr val="accent1"/>
+          </a:fillRef>
+          <a:effectRef idx="1">
+            <a:schemeClr val="accent1"/>
+          </a:effectRef>
+          <a:fontRef idx="minor">
+            <a:schemeClr val="dk1"/>
+          </a:fontRef>
+        </p:style>
+        <p:txBody>
+          <a:bodyPr rtlCol="0" anchor="ctr"/>
+          <a:lstStyle/>
+          <a:p>
+            <a:pPr algn="ctr"/>
+            <a:r>
+              <a:rPr lang="zh-CN" altLang="en-US" dirty="0" smtClean="0"/>
+              <a:t>打开新的终端窗口</a:t>
+            </a:r>
+            <a:endParaRPr lang="zh-CN" altLang="en-US" dirty="0"/>
+          </a:p>
+        </p:txBody>
+      </p:sp>
+      <p:sp>
+        <p:nvSpPr>
+          <p:cNvPr id="9" name="线形标注 1 8"/>
+          <p:cNvSpPr/>
+          <p:nvPr/>
+        </p:nvSpPr>
+        <p:spPr>
+          <a:xfrm>
+            <a:off x="2915816" y="3573016"/>
+            <a:ext cx="2160240" cy="612648"/>
+          </a:xfrm>
+          <a:prstGeom prst="borderCallout1">
+            <a:avLst>
+              <a:gd name="adj1" fmla="val 51586"/>
+              <a:gd name="adj2" fmla="val -714"/>
+              <a:gd name="adj3" fmla="val -120336"/>
+              <a:gd name="adj4" fmla="val -87333"/>
+            </a:avLst>
+          </a:prstGeom>
+        </p:spPr>
+        <p:style>
+          <a:lnRef idx="1">
+            <a:schemeClr val="accent1"/>
+          </a:lnRef>
+          <a:fillRef idx="2">
+            <a:schemeClr val="accent1"/>
+          </a:fillRef>
+          <a:effectRef idx="1">
+            <a:schemeClr val="accent1"/>
+          </a:effectRef>
+          <a:fontRef idx="minor">
+            <a:schemeClr val="dk1"/>
+          </a:fontRef>
+        </p:style>
+        <p:txBody>
+          <a:bodyPr rtlCol="0" anchor="ctr"/>
+          <a:lstStyle/>
+          <a:p>
+            <a:pPr algn="ctr"/>
+            <a:r>
+              <a:rPr lang="zh-CN" altLang="en-US" dirty="0" smtClean="0"/>
+              <a:t>关闭当前终端窗口</a:t>
+            </a:r>
+            <a:endParaRPr lang="zh-CN" altLang="en-US" dirty="0"/>
+          </a:p>
+        </p:txBody>
+      </p:sp>
+    </p:spTree>
+    <p:extLst>
+      <p:ext uri="{BB962C8B-B14F-4D97-AF65-F5344CB8AC3E}">
+        <p14:creationId xmlns:p14="http://schemas.microsoft.com/office/powerpoint/2010/main" xmlns="" val="2886733055"/>
+      </p:ext>
+    </p:extLst>
+  </p:cSld>
+  <p:clrMapOvr>
+    <a:masterClrMapping/>
+  </p:clrMapOvr>
+  <p:transition spd="slow">
+    <p:wipe dir="d"/>
+  </p:transition>
+  <p:timing>
+    <p:tnLst>
+      <p:par>
+        <p:cTn id="1" dur="indefinite" restart="never" nodeType="tmRoot"/>
+      </p:par>
+    </p:tnLst>
+  </p:timing>
+</p:sld>
+</file>
+
+<file path=ppt/slides/slide12.xml><?xml version="1.0" encoding="utf-8"?>
+<p:sld xmlns:a="http://schemas.openxmlformats.org/drawingml/2006/main" xmlns:r="http://schemas.openxmlformats.org/officeDocument/2006/relationships" xmlns:p="http://schemas.openxmlformats.org/presentationml/2006/main">
+  <p:cSld>
+    <p:spTree>
+      <p:nvGrpSpPr>
+        <p:cNvPr id="1" name=""/>
+        <p:cNvGrpSpPr/>
+        <p:nvPr/>
+      </p:nvGrpSpPr>
+      <p:grpSpPr>
+        <a:xfrm>
+          <a:off x="0" y="0"/>
+          <a:ext cx="0" cy="0"/>
+          <a:chOff x="0" y="0"/>
+          <a:chExt cx="0" cy="0"/>
+        </a:xfrm>
+      </p:grpSpPr>
+      <p:sp>
+        <p:nvSpPr>
+          <p:cNvPr id="2" name="标题 1"/>
+          <p:cNvSpPr>
+            <a:spLocks noGrp="1"/>
+          </p:cNvSpPr>
+          <p:nvPr>
+            <p:ph type="title"/>
+          </p:nvPr>
+        </p:nvSpPr>
+        <p:spPr/>
+        <p:txBody>
+          <a:bodyPr/>
+          <a:lstStyle/>
+          <a:p>
+            <a:r>
+              <a:rPr lang="en-US" altLang="zh-CN" dirty="0" smtClean="0">
+                <a:solidFill>
+                  <a:srgbClr val="34221C"/>
+                </a:solidFill>
+                <a:effectLst>
+                  <a:outerShdw blurRad="38100" dist="38100" dir="2700000" algn="tl">
+                    <a:srgbClr val="000000">
+                      <a:alpha val="43137"/>
+                    </a:srgbClr>
+                  </a:outerShdw>
+                </a:effectLst>
+                <a:latin typeface="YaHei Consolas Hybrid" pitchFamily="49" charset="-122"/>
+                <a:ea typeface="YaHei Consolas Hybrid" pitchFamily="49" charset="-122"/>
+              </a:rPr>
+              <a:t>File Watchers</a:t>
+            </a:r>
+            <a:endParaRPr lang="zh-CN" altLang="en-US" dirty="0">
+              <a:solidFill>
+                <a:srgbClr val="34221C"/>
+              </a:solidFill>
+              <a:effectLst>
+                <a:outerShdw blurRad="38100" dist="38100" dir="2700000" algn="tl">
+                  <a:srgbClr val="000000">
+                    <a:alpha val="43137"/>
+                  </a:srgbClr>
+                </a:outerShdw>
+              </a:effectLst>
+              <a:latin typeface="YaHei Consolas Hybrid" pitchFamily="49" charset="-122"/>
+              <a:ea typeface="YaHei Consolas Hybrid" pitchFamily="49" charset="-122"/>
+            </a:endParaRPr>
+          </a:p>
+        </p:txBody>
+      </p:sp>
+      <p:sp>
+        <p:nvSpPr>
+          <p:cNvPr id="3" name="内容占位符 2"/>
+          <p:cNvSpPr>
+            <a:spLocks noGrp="1"/>
+          </p:cNvSpPr>
+          <p:nvPr>
+            <p:ph idx="1"/>
+          </p:nvPr>
+        </p:nvSpPr>
+        <p:spPr/>
+        <p:txBody>
+          <a:bodyPr/>
+          <a:lstStyle/>
+          <a:p>
+            <a:pPr lvl="1"/>
+            <a:r>
+              <a:rPr lang="zh-CN" altLang="en-US" dirty="0" smtClean="0">
+                <a:latin typeface="YaHei Consolas Hybrid" pitchFamily="49" charset="-122"/>
+                <a:ea typeface="YaHei Consolas Hybrid" pitchFamily="49" charset="-122"/>
+              </a:rPr>
+              <a:t>可对</a:t>
+            </a:r>
+            <a:r>
+              <a:rPr lang="en-US" altLang="zh-CN" dirty="0" smtClean="0">
+                <a:latin typeface="YaHei Consolas Hybrid" pitchFamily="34" charset="-122"/>
+                <a:ea typeface="YaHei Consolas Hybrid" pitchFamily="34" charset="-122"/>
+              </a:rPr>
+              <a:t>Stylus</a:t>
+            </a:r>
+            <a:r>
+              <a:rPr lang="zh-CN" altLang="en-US" dirty="0" smtClean="0">
+                <a:latin typeface="YaHei Consolas Hybrid" pitchFamily="34" charset="-122"/>
+                <a:ea typeface="YaHei Consolas Hybrid" pitchFamily="34" charset="-122"/>
+              </a:rPr>
+              <a:t>、</a:t>
+            </a:r>
+            <a:r>
+              <a:rPr lang="en-US" altLang="zh-CN" dirty="0" smtClean="0">
+                <a:latin typeface="YaHei Consolas Hybrid" pitchFamily="34" charset="-122"/>
+                <a:ea typeface="YaHei Consolas Hybrid" pitchFamily="34" charset="-122"/>
+              </a:rPr>
+              <a:t>Sass</a:t>
+            </a:r>
+            <a:r>
+              <a:rPr lang="zh-CN" altLang="en-US" dirty="0" smtClean="0">
+                <a:latin typeface="YaHei Consolas Hybrid" pitchFamily="34" charset="-122"/>
+                <a:ea typeface="YaHei Consolas Hybrid" pitchFamily="34" charset="-122"/>
+              </a:rPr>
+              <a:t>、</a:t>
+            </a:r>
+            <a:r>
+              <a:rPr lang="en-US" altLang="zh-CN" dirty="0" smtClean="0">
+                <a:latin typeface="YaHei Consolas Hybrid" pitchFamily="34" charset="-122"/>
+                <a:ea typeface="YaHei Consolas Hybrid" pitchFamily="34" charset="-122"/>
+              </a:rPr>
+              <a:t>Less</a:t>
+            </a:r>
+            <a:r>
+              <a:rPr lang="zh-CN" altLang="en-US" dirty="0" smtClean="0">
+                <a:latin typeface="YaHei Consolas Hybrid" pitchFamily="34" charset="-122"/>
+                <a:ea typeface="YaHei Consolas Hybrid" pitchFamily="34" charset="-122"/>
+              </a:rPr>
+              <a:t>添加监听</a:t>
+            </a:r>
+            <a:endParaRPr lang="en-US" altLang="zh-CN" dirty="0" smtClean="0">
+              <a:latin typeface="YaHei Consolas Hybrid" pitchFamily="34" charset="-122"/>
+              <a:ea typeface="YaHei Consolas Hybrid" pitchFamily="34" charset="-122"/>
+            </a:endParaRPr>
+          </a:p>
+          <a:p>
+            <a:pPr lvl="1"/>
+            <a:r>
+              <a:rPr lang="zh-CN" altLang="en-US" dirty="0" smtClean="0">
+                <a:latin typeface="YaHei Consolas Hybrid" pitchFamily="34" charset="-122"/>
+                <a:ea typeface="YaHei Consolas Hybrid" pitchFamily="34" charset="-122"/>
+              </a:rPr>
+              <a:t>可对</a:t>
+            </a:r>
+            <a:r>
+              <a:rPr lang="en-US" altLang="zh-CN" dirty="0" err="1" smtClean="0">
+                <a:latin typeface="YaHei Consolas Hybrid" pitchFamily="34" charset="-122"/>
+                <a:ea typeface="YaHei Consolas Hybrid" pitchFamily="34" charset="-122"/>
+              </a:rPr>
+              <a:t>CoffeeScript</a:t>
+            </a:r>
+            <a:r>
+              <a:rPr lang="zh-CN" altLang="en-US" dirty="0" smtClean="0">
+                <a:latin typeface="YaHei Consolas Hybrid" pitchFamily="34" charset="-122"/>
+                <a:ea typeface="YaHei Consolas Hybrid" pitchFamily="34" charset="-122"/>
+              </a:rPr>
+              <a:t>、</a:t>
+            </a:r>
+            <a:r>
+              <a:rPr lang="en-US" altLang="zh-CN" dirty="0" err="1" smtClean="0">
+                <a:latin typeface="YaHei Consolas Hybrid" pitchFamily="34" charset="-122"/>
+                <a:ea typeface="YaHei Consolas Hybrid" pitchFamily="34" charset="-122"/>
+              </a:rPr>
+              <a:t>TypeScript</a:t>
+            </a:r>
+            <a:r>
+              <a:rPr lang="zh-CN" altLang="en-US" dirty="0" smtClean="0">
+                <a:latin typeface="YaHei Consolas Hybrid" pitchFamily="34" charset="-122"/>
+                <a:ea typeface="YaHei Consolas Hybrid" pitchFamily="34" charset="-122"/>
+              </a:rPr>
+              <a:t>、</a:t>
+            </a:r>
+            <a:r>
+              <a:rPr lang="en-US" altLang="zh-CN" dirty="0" smtClean="0">
+                <a:latin typeface="YaHei Consolas Hybrid" pitchFamily="34" charset="-122"/>
+                <a:ea typeface="YaHei Consolas Hybrid" pitchFamily="34" charset="-122"/>
+              </a:rPr>
+              <a:t>Dart</a:t>
+            </a:r>
+            <a:r>
+              <a:rPr lang="zh-CN" altLang="en-US" dirty="0" smtClean="0">
+                <a:latin typeface="YaHei Consolas Hybrid" pitchFamily="34" charset="-122"/>
+                <a:ea typeface="YaHei Consolas Hybrid" pitchFamily="34" charset="-122"/>
+              </a:rPr>
+              <a:t>添加监听</a:t>
+            </a:r>
+            <a:endParaRPr lang="en-US" altLang="zh-CN" dirty="0" smtClean="0">
+              <a:latin typeface="YaHei Consolas Hybrid" pitchFamily="34" charset="-122"/>
+              <a:ea typeface="YaHei Consolas Hybrid" pitchFamily="34" charset="-122"/>
+            </a:endParaRPr>
+          </a:p>
+          <a:p>
+            <a:pPr lvl="1"/>
+            <a:endParaRPr lang="en-US" altLang="zh-CN" dirty="0" smtClean="0">
+              <a:latin typeface="YaHei Consolas Hybrid" pitchFamily="49" charset="-122"/>
+              <a:ea typeface="YaHei Consolas Hybrid" pitchFamily="49" charset="-122"/>
+            </a:endParaRPr>
+          </a:p>
+        </p:txBody>
+      </p:sp>
+      <p:pic>
+        <p:nvPicPr>
+          <p:cNvPr id="7" name="图片 6"/>
+          <p:cNvPicPr>
+            <a:picLocks noChangeAspect="1"/>
+          </p:cNvPicPr>
+          <p:nvPr/>
+        </p:nvPicPr>
+        <p:blipFill>
+          <a:blip r:embed="rId3" cstate="print">
+            <a:extLst>
+              <a:ext uri="{28A0092B-C50C-407E-A947-70E740481C1C}">
+                <a14:useLocalDpi xmlns:a14="http://schemas.microsoft.com/office/drawing/2010/main" xmlns="" val="0"/>
+              </a:ext>
+            </a:extLst>
+          </a:blip>
+          <a:stretch>
+            <a:fillRect/>
+          </a:stretch>
+        </p:blipFill>
+        <p:spPr>
+          <a:xfrm>
+            <a:off x="7092280" y="6278234"/>
+            <a:ext cx="1933845" cy="523948"/>
+          </a:xfrm>
+          <a:prstGeom prst="rect">
+            <a:avLst/>
+          </a:prstGeom>
+        </p:spPr>
+      </p:pic>
+      <p:pic>
+        <p:nvPicPr>
+          <p:cNvPr id="5" name="图片 4" descr="file-watcher.jpg"/>
+          <p:cNvPicPr>
+            <a:picLocks noChangeAspect="1"/>
+          </p:cNvPicPr>
+          <p:nvPr/>
+        </p:nvPicPr>
+        <p:blipFill>
+          <a:blip r:embed="rId4" cstate="print"/>
+          <a:stretch>
+            <a:fillRect/>
+          </a:stretch>
+        </p:blipFill>
+        <p:spPr>
+          <a:xfrm>
+            <a:off x="0" y="3284984"/>
+            <a:ext cx="9134475" cy="5838825"/>
+          </a:xfrm>
+          <a:prstGeom prst="rect">
+            <a:avLst/>
+          </a:prstGeom>
+        </p:spPr>
+      </p:pic>
+    </p:spTree>
+    <p:extLst>
+      <p:ext uri="{BB962C8B-B14F-4D97-AF65-F5344CB8AC3E}">
+        <p14:creationId xmlns:p14="http://schemas.microsoft.com/office/powerpoint/2010/main" xmlns="" val="1358235552"/>
+      </p:ext>
+    </p:extLst>
+  </p:cSld>
+  <p:clrMapOvr>
+    <a:masterClrMapping/>
+  </p:clrMapOvr>
+  <mc:AlternateContent xmlns:mc="http://schemas.openxmlformats.org/markup-compatibility/2006">
+    <mc:Choice xmlns:p14="http://schemas.microsoft.com/office/powerpoint/2010/main" xmlns="" Requires="p14">
+      <p:transition spd="slow" p14:dur="1500">
+        <p14:window dir="vert"/>
+      </p:transition>
+    </mc:Choice>
+    <mc:Fallback>
       <p:transition spd="slow">
         <p:fade/>
       </p:transition>
@@ -6131,15 +6981,10 @@
                             </p:stCondLst>
                             <p:childTnLst>
                               <p:par>
-                                <p:cTn id="5" presetID="2" presetClass="entr" presetSubtype="4" fill="hold" nodeType="clickEffect" nodePh="1">
+                                <p:cTn id="5" presetID="2" presetClass="entr" presetSubtype="4" fill="hold" nodeType="clickEffect">
                                   <p:stCondLst>
                                     <p:cond delay="0"/>
                                   </p:stCondLst>
-                                  <p:endCondLst>
-                                    <p:cond evt="begin" delay="0">
-                                      <p:tn val="5"/>
-                                    </p:cond>
-                                  </p:endCondLst>
                                   <p:childTnLst>
                                     <p:set>
                                       <p:cBhvr>
@@ -6226,189 +7071,27 @@
                       </p:childTnLst>
                     </p:cTn>
                   </p:par>
-                </p:childTnLst>
-              </p:cTn>
-              <p:prevCondLst>
-                <p:cond evt="onPrev" delay="0">
-                  <p:tgtEl>
-                    <p:sldTgt/>
-                  </p:tgtEl>
-                </p:cond>
-              </p:prevCondLst>
-              <p:nextCondLst>
-                <p:cond evt="onNext" delay="0">
-                  <p:tgtEl>
-                    <p:sldTgt/>
-                  </p:tgtEl>
-                </p:cond>
-              </p:nextCondLst>
-            </p:seq>
-          </p:childTnLst>
-        </p:cTn>
-      </p:par>
-    </p:tnLst>
-  </p:timing>
-</p:sld>
-</file>
-
-<file path=ppt/slides/slide11.xml><?xml version="1.0" encoding="utf-8"?>
-<p:sld xmlns:a="http://schemas.openxmlformats.org/drawingml/2006/main" xmlns:r="http://schemas.openxmlformats.org/officeDocument/2006/relationships" xmlns:p="http://schemas.openxmlformats.org/presentationml/2006/main">
-  <p:cSld>
-    <p:spTree>
-      <p:nvGrpSpPr>
-        <p:cNvPr id="1" name=""/>
-        <p:cNvGrpSpPr/>
-        <p:nvPr/>
-      </p:nvGrpSpPr>
-      <p:grpSpPr>
-        <a:xfrm>
-          <a:off x="0" y="0"/>
-          <a:ext cx="0" cy="0"/>
-          <a:chOff x="0" y="0"/>
-          <a:chExt cx="0" cy="0"/>
-        </a:xfrm>
-      </p:grpSpPr>
-      <p:sp>
-        <p:nvSpPr>
-          <p:cNvPr id="2" name="标题 1"/>
-          <p:cNvSpPr>
-            <a:spLocks noGrp="1"/>
-          </p:cNvSpPr>
-          <p:nvPr>
-            <p:ph type="title"/>
-          </p:nvPr>
-        </p:nvSpPr>
-        <p:spPr/>
-        <p:txBody>
-          <a:bodyPr/>
-          <a:lstStyle/>
-          <a:p>
-            <a:endParaRPr lang="zh-CN" altLang="en-US" dirty="0">
-              <a:solidFill>
-                <a:srgbClr val="34221C"/>
-              </a:solidFill>
-              <a:effectLst>
-                <a:outerShdw blurRad="38100" dist="38100" dir="2700000" algn="tl">
-                  <a:srgbClr val="000000">
-                    <a:alpha val="43137"/>
-                  </a:srgbClr>
-                </a:outerShdw>
-              </a:effectLst>
-              <a:latin typeface="YaHei Consolas Hybrid" pitchFamily="49" charset="-122"/>
-              <a:ea typeface="YaHei Consolas Hybrid" pitchFamily="49" charset="-122"/>
-            </a:endParaRPr>
-          </a:p>
-        </p:txBody>
-      </p:sp>
-      <p:sp>
-        <p:nvSpPr>
-          <p:cNvPr id="3" name="内容占位符 2"/>
-          <p:cNvSpPr>
-            <a:spLocks noGrp="1"/>
-          </p:cNvSpPr>
-          <p:nvPr>
-            <p:ph idx="1"/>
-          </p:nvPr>
-        </p:nvSpPr>
-        <p:spPr/>
-        <p:txBody>
-          <a:bodyPr/>
-          <a:lstStyle/>
-          <a:p>
-            <a:pPr lvl="1"/>
-            <a:endParaRPr lang="en-US" altLang="zh-CN" dirty="0" smtClean="0">
-              <a:latin typeface="YaHei Consolas Hybrid" pitchFamily="49" charset="-122"/>
-              <a:ea typeface="YaHei Consolas Hybrid" pitchFamily="49" charset="-122"/>
-            </a:endParaRPr>
-          </a:p>
-        </p:txBody>
-      </p:sp>
-      <p:pic>
-        <p:nvPicPr>
-          <p:cNvPr id="7" name="图片 6"/>
-          <p:cNvPicPr>
-            <a:picLocks noChangeAspect="1"/>
-          </p:cNvPicPr>
-          <p:nvPr/>
-        </p:nvPicPr>
-        <p:blipFill>
-          <a:blip r:embed="rId3" cstate="print">
-            <a:extLst>
-              <a:ext uri="{28A0092B-C50C-407E-A947-70E740481C1C}">
-                <a14:useLocalDpi xmlns:a14="http://schemas.microsoft.com/office/drawing/2010/main" val="0"/>
-              </a:ext>
-            </a:extLst>
-          </a:blip>
-          <a:stretch>
-            <a:fillRect/>
-          </a:stretch>
-        </p:blipFill>
-        <p:spPr>
-          <a:xfrm>
-            <a:off x="7092280" y="6278234"/>
-            <a:ext cx="1933845" cy="523948"/>
-          </a:xfrm>
-          <a:prstGeom prst="rect">
-            <a:avLst/>
-          </a:prstGeom>
-        </p:spPr>
-      </p:pic>
-    </p:spTree>
-    <p:extLst>
-      <p:ext uri="{BB962C8B-B14F-4D97-AF65-F5344CB8AC3E}">
-        <p14:creationId xmlns:p14="http://schemas.microsoft.com/office/powerpoint/2010/main" val="1358235552"/>
-      </p:ext>
-    </p:extLst>
-  </p:cSld>
-  <p:clrMapOvr>
-    <a:masterClrMapping/>
-  </p:clrMapOvr>
-  <mc:AlternateContent xmlns:mc="http://schemas.openxmlformats.org/markup-compatibility/2006" xmlns:p14="http://schemas.microsoft.com/office/powerpoint/2010/main">
-    <mc:Choice Requires="p14">
-      <p:transition spd="slow" p14:dur="1500">
-        <p14:window dir="vert"/>
-      </p:transition>
-    </mc:Choice>
-    <mc:Fallback xmlns="">
-      <p:transition spd="slow">
-        <p:fade/>
-      </p:transition>
-    </mc:Fallback>
-  </mc:AlternateContent>
-  <p:timing>
-    <p:tnLst>
-      <p:par>
-        <p:cTn id="1" dur="indefinite" restart="never" nodeType="tmRoot">
-          <p:childTnLst>
-            <p:seq concurrent="1" nextAc="seek">
-              <p:cTn id="2" dur="indefinite" nodeType="mainSeq">
-                <p:childTnLst>
                   <p:par>
-                    <p:cTn id="3" fill="hold">
+                    <p:cTn id="9" fill="hold">
                       <p:stCondLst>
                         <p:cond delay="indefinite"/>
                       </p:stCondLst>
                       <p:childTnLst>
                         <p:par>
-                          <p:cTn id="4" fill="hold">
+                          <p:cTn id="10" fill="hold">
                             <p:stCondLst>
                               <p:cond delay="0"/>
                             </p:stCondLst>
                             <p:childTnLst>
                               <p:par>
-                                <p:cTn id="5" presetID="2" presetClass="entr" presetSubtype="4" fill="hold" nodeType="clickEffect" nodePh="1">
+                                <p:cTn id="11" presetID="2" presetClass="entr" presetSubtype="4" fill="hold" nodeType="clickEffect">
                                   <p:stCondLst>
                                     <p:cond delay="0"/>
                                   </p:stCondLst>
-                                  <p:endCondLst>
-                                    <p:cond evt="begin" delay="0">
-                                      <p:tn val="5"/>
-                                    </p:cond>
-                                  </p:endCondLst>
                                   <p:childTnLst>
                                     <p:set>
                                       <p:cBhvr>
-                                        <p:cTn id="6" dur="1" fill="hold">
+                                        <p:cTn id="12" dur="1" fill="hold">
                                           <p:stCondLst>
                                             <p:cond delay="0"/>
                                           </p:stCondLst>
@@ -6416,7 +7099,7 @@
                                         <p:tgtEl>
                                           <p:spTgt spid="3">
                                             <p:txEl>
-                                              <p:pRg st="0" end="0"/>
+                                              <p:pRg st="1" end="1"/>
                                             </p:txEl>
                                           </p:spTgt>
                                         </p:tgtEl>
@@ -6430,11 +7113,11 @@
                                     </p:set>
                                     <p:anim calcmode="lin" valueType="num">
                                       <p:cBhvr additive="base">
-                                        <p:cTn id="7" dur="500" fill="hold"/>
+                                        <p:cTn id="13" dur="500" fill="hold"/>
                                         <p:tgtEl>
                                           <p:spTgt spid="3">
                                             <p:txEl>
-                                              <p:pRg st="0" end="0"/>
+                                              <p:pRg st="1" end="1"/>
                                             </p:txEl>
                                           </p:spTgt>
                                         </p:tgtEl>
@@ -6457,276 +7140,11 @@
                                     </p:anim>
                                     <p:anim calcmode="lin" valueType="num">
                                       <p:cBhvr additive="base">
-                                        <p:cTn id="8" dur="500" fill="hold"/>
+                                        <p:cTn id="14" dur="500" fill="hold"/>
                                         <p:tgtEl>
                                           <p:spTgt spid="3">
                                             <p:txEl>
-                                              <p:pRg st="0" end="0"/>
-                                            </p:txEl>
-                                          </p:spTgt>
-                                        </p:tgtEl>
-                                        <p:attrNameLst>
-                                          <p:attrName>ppt_y</p:attrName>
-                                        </p:attrNameLst>
-                                      </p:cBhvr>
-                                      <p:tavLst>
-                                        <p:tav tm="0">
-                                          <p:val>
-                                            <p:strVal val="1+#ppt_h/2"/>
-                                          </p:val>
-                                        </p:tav>
-                                        <p:tav tm="100000">
-                                          <p:val>
-                                            <p:strVal val="#ppt_y"/>
-                                          </p:val>
-                                        </p:tav>
-                                      </p:tavLst>
-                                    </p:anim>
-                                  </p:childTnLst>
-                                </p:cTn>
-                              </p:par>
-                            </p:childTnLst>
-                          </p:cTn>
-                        </p:par>
-                      </p:childTnLst>
-                    </p:cTn>
-                  </p:par>
-                </p:childTnLst>
-              </p:cTn>
-              <p:prevCondLst>
-                <p:cond evt="onPrev" delay="0">
-                  <p:tgtEl>
-                    <p:sldTgt/>
-                  </p:tgtEl>
-                </p:cond>
-              </p:prevCondLst>
-              <p:nextCondLst>
-                <p:cond evt="onNext" delay="0">
-                  <p:tgtEl>
-                    <p:sldTgt/>
-                  </p:tgtEl>
-                </p:cond>
-              </p:nextCondLst>
-            </p:seq>
-          </p:childTnLst>
-        </p:cTn>
-      </p:par>
-    </p:tnLst>
-  </p:timing>
-</p:sld>
-</file>
-
-<file path=ppt/slides/slide12.xml><?xml version="1.0" encoding="utf-8"?>
-<p:sld xmlns:a="http://schemas.openxmlformats.org/drawingml/2006/main" xmlns:r="http://schemas.openxmlformats.org/officeDocument/2006/relationships" xmlns:p="http://schemas.openxmlformats.org/presentationml/2006/main">
-  <p:cSld>
-    <p:spTree>
-      <p:nvGrpSpPr>
-        <p:cNvPr id="1" name=""/>
-        <p:cNvGrpSpPr/>
-        <p:nvPr/>
-      </p:nvGrpSpPr>
-      <p:grpSpPr>
-        <a:xfrm>
-          <a:off x="0" y="0"/>
-          <a:ext cx="0" cy="0"/>
-          <a:chOff x="0" y="0"/>
-          <a:chExt cx="0" cy="0"/>
-        </a:xfrm>
-      </p:grpSpPr>
-      <p:sp>
-        <p:nvSpPr>
-          <p:cNvPr id="2" name="标题 1"/>
-          <p:cNvSpPr>
-            <a:spLocks noGrp="1"/>
-          </p:cNvSpPr>
-          <p:nvPr>
-            <p:ph type="title"/>
-          </p:nvPr>
-        </p:nvSpPr>
-        <p:spPr/>
-        <p:txBody>
-          <a:bodyPr/>
-          <a:lstStyle/>
-          <a:p>
-            <a:endParaRPr lang="zh-CN" altLang="en-US" dirty="0">
-              <a:solidFill>
-                <a:srgbClr val="34221C"/>
-              </a:solidFill>
-              <a:effectLst>
-                <a:outerShdw blurRad="38100" dist="38100" dir="2700000" algn="tl">
-                  <a:srgbClr val="000000">
-                    <a:alpha val="43137"/>
-                  </a:srgbClr>
-                </a:outerShdw>
-              </a:effectLst>
-              <a:latin typeface="YaHei Consolas Hybrid" pitchFamily="49" charset="-122"/>
-              <a:ea typeface="YaHei Consolas Hybrid" pitchFamily="49" charset="-122"/>
-            </a:endParaRPr>
-          </a:p>
-        </p:txBody>
-      </p:sp>
-      <p:sp>
-        <p:nvSpPr>
-          <p:cNvPr id="3" name="内容占位符 2"/>
-          <p:cNvSpPr>
-            <a:spLocks noGrp="1"/>
-          </p:cNvSpPr>
-          <p:nvPr>
-            <p:ph idx="1"/>
-          </p:nvPr>
-        </p:nvSpPr>
-        <p:spPr/>
-        <p:txBody>
-          <a:bodyPr/>
-          <a:lstStyle/>
-          <a:p>
-            <a:pPr lvl="1"/>
-            <a:endParaRPr lang="en-US" altLang="zh-CN" dirty="0" smtClean="0">
-              <a:latin typeface="YaHei Consolas Hybrid" pitchFamily="49" charset="-122"/>
-              <a:ea typeface="YaHei Consolas Hybrid" pitchFamily="49" charset="-122"/>
-            </a:endParaRPr>
-          </a:p>
-        </p:txBody>
-      </p:sp>
-      <p:pic>
-        <p:nvPicPr>
-          <p:cNvPr id="7" name="图片 6"/>
-          <p:cNvPicPr>
-            <a:picLocks noChangeAspect="1"/>
-          </p:cNvPicPr>
-          <p:nvPr/>
-        </p:nvPicPr>
-        <p:blipFill>
-          <a:blip r:embed="rId3" cstate="print">
-            <a:extLst>
-              <a:ext uri="{28A0092B-C50C-407E-A947-70E740481C1C}">
-                <a14:useLocalDpi xmlns:a14="http://schemas.microsoft.com/office/drawing/2010/main" val="0"/>
-              </a:ext>
-            </a:extLst>
-          </a:blip>
-          <a:stretch>
-            <a:fillRect/>
-          </a:stretch>
-        </p:blipFill>
-        <p:spPr>
-          <a:xfrm>
-            <a:off x="7092280" y="6278234"/>
-            <a:ext cx="1933845" cy="523948"/>
-          </a:xfrm>
-          <a:prstGeom prst="rect">
-            <a:avLst/>
-          </a:prstGeom>
-        </p:spPr>
-      </p:pic>
-    </p:spTree>
-    <p:extLst>
-      <p:ext uri="{BB962C8B-B14F-4D97-AF65-F5344CB8AC3E}">
-        <p14:creationId xmlns:p14="http://schemas.microsoft.com/office/powerpoint/2010/main" val="1358235552"/>
-      </p:ext>
-    </p:extLst>
-  </p:cSld>
-  <p:clrMapOvr>
-    <a:masterClrMapping/>
-  </p:clrMapOvr>
-  <mc:AlternateContent xmlns:mc="http://schemas.openxmlformats.org/markup-compatibility/2006" xmlns:p14="http://schemas.microsoft.com/office/powerpoint/2010/main">
-    <mc:Choice Requires="p14">
-      <p:transition spd="slow" p14:dur="1500">
-        <p14:window dir="vert"/>
-      </p:transition>
-    </mc:Choice>
-    <mc:Fallback xmlns="">
-      <p:transition spd="slow">
-        <p:fade/>
-      </p:transition>
-    </mc:Fallback>
-  </mc:AlternateContent>
-  <p:timing>
-    <p:tnLst>
-      <p:par>
-        <p:cTn id="1" dur="indefinite" restart="never" nodeType="tmRoot">
-          <p:childTnLst>
-            <p:seq concurrent="1" nextAc="seek">
-              <p:cTn id="2" dur="indefinite" nodeType="mainSeq">
-                <p:childTnLst>
-                  <p:par>
-                    <p:cTn id="3" fill="hold">
-                      <p:stCondLst>
-                        <p:cond delay="indefinite"/>
-                      </p:stCondLst>
-                      <p:childTnLst>
-                        <p:par>
-                          <p:cTn id="4" fill="hold">
-                            <p:stCondLst>
-                              <p:cond delay="0"/>
-                            </p:stCondLst>
-                            <p:childTnLst>
-                              <p:par>
-                                <p:cTn id="5" presetID="2" presetClass="entr" presetSubtype="4" fill="hold" nodeType="clickEffect" nodePh="1">
-                                  <p:stCondLst>
-                                    <p:cond delay="0"/>
-                                  </p:stCondLst>
-                                  <p:endCondLst>
-                                    <p:cond evt="begin" delay="0">
-                                      <p:tn val="5"/>
-                                    </p:cond>
-                                  </p:endCondLst>
-                                  <p:childTnLst>
-                                    <p:set>
-                                      <p:cBhvr>
-                                        <p:cTn id="6" dur="1" fill="hold">
-                                          <p:stCondLst>
-                                            <p:cond delay="0"/>
-                                          </p:stCondLst>
-                                        </p:cTn>
-                                        <p:tgtEl>
-                                          <p:spTgt spid="3">
-                                            <p:txEl>
-                                              <p:pRg st="0" end="0"/>
-                                            </p:txEl>
-                                          </p:spTgt>
-                                        </p:tgtEl>
-                                        <p:attrNameLst>
-                                          <p:attrName>style.visibility</p:attrName>
-                                        </p:attrNameLst>
-                                      </p:cBhvr>
-                                      <p:to>
-                                        <p:strVal val="visible"/>
-                                      </p:to>
-                                    </p:set>
-                                    <p:anim calcmode="lin" valueType="num">
-                                      <p:cBhvr additive="base">
-                                        <p:cTn id="7" dur="500" fill="hold"/>
-                                        <p:tgtEl>
-                                          <p:spTgt spid="3">
-                                            <p:txEl>
-                                              <p:pRg st="0" end="0"/>
-                                            </p:txEl>
-                                          </p:spTgt>
-                                        </p:tgtEl>
-                                        <p:attrNameLst>
-                                          <p:attrName>ppt_x</p:attrName>
-                                        </p:attrNameLst>
-                                      </p:cBhvr>
-                                      <p:tavLst>
-                                        <p:tav tm="0">
-                                          <p:val>
-                                            <p:strVal val="#ppt_x"/>
-                                          </p:val>
-                                        </p:tav>
-                                        <p:tav tm="100000">
-                                          <p:val>
-                                            <p:strVal val="#ppt_x"/>
-                                          </p:val>
-                                        </p:tav>
-                                      </p:tavLst>
-                                    </p:anim>
-                                    <p:anim calcmode="lin" valueType="num">
-                                      <p:cBhvr additive="base">
-                                        <p:cTn id="8" dur="500" fill="hold"/>
-                                        <p:tgtEl>
-                                          <p:spTgt spid="3">
-                                            <p:txEl>
-                                              <p:pRg st="0" end="0"/>
+                                              <p:pRg st="1" end="1"/>
                                             </p:txEl>
                                           </p:spTgt>
                                         </p:tgtEl>
@@ -6813,6 +7231,23 @@
           <a:bodyPr/>
           <a:lstStyle/>
           <a:p>
+            <a:r>
+              <a:rPr lang="en-US" altLang="zh-CN" dirty="0" smtClean="0">
+                <a:solidFill>
+                  <a:srgbClr val="34221C"/>
+                </a:solidFill>
+                <a:effectLst>
+                  <a:outerShdw blurRad="38100" dist="38100" dir="2700000" algn="tl">
+                    <a:srgbClr val="000000">
+                      <a:alpha val="43137"/>
+                    </a:srgbClr>
+                  </a:outerShdw>
+                </a:effectLst>
+                <a:latin typeface="YaHei Consolas Hybrid" pitchFamily="49" charset="-122"/>
+                <a:ea typeface="YaHei Consolas Hybrid" pitchFamily="49" charset="-122"/>
+              </a:rPr>
+              <a:t>Karma</a:t>
+            </a:r>
             <a:endParaRPr lang="zh-CN" altLang="en-US" dirty="0">
               <a:solidFill>
                 <a:srgbClr val="34221C"/>
@@ -6846,6 +7281,78 @@
           <a:lstStyle/>
           <a:p>
             <a:pPr lvl="1"/>
+            <a:r>
+              <a:rPr lang="en-US" altLang="zh-CN" dirty="0" smtClean="0"/>
+              <a:t>Karma</a:t>
+            </a:r>
+            <a:r>
+              <a:rPr lang="zh-CN" altLang="en-US" dirty="0" smtClean="0"/>
+              <a:t>是一个基于</a:t>
+            </a:r>
+            <a:r>
+              <a:rPr lang="en-US" altLang="zh-CN" dirty="0" smtClean="0"/>
+              <a:t>Node.js</a:t>
+            </a:r>
+            <a:r>
+              <a:rPr lang="zh-CN" altLang="en-US" dirty="0" smtClean="0"/>
+              <a:t>的</a:t>
+            </a:r>
+            <a:r>
+              <a:rPr lang="en-US" altLang="zh-CN" dirty="0" smtClean="0"/>
+              <a:t>JavaScript</a:t>
+            </a:r>
+            <a:r>
+              <a:rPr lang="zh-CN" altLang="en-US" dirty="0" smtClean="0"/>
+              <a:t>测试执行过程管理工具（</a:t>
+            </a:r>
+            <a:r>
+              <a:rPr lang="en-US" altLang="zh-CN" dirty="0" smtClean="0"/>
+              <a:t>Test Runner</a:t>
+            </a:r>
+            <a:r>
+              <a:rPr lang="zh-CN" altLang="en-US" dirty="0" smtClean="0"/>
+              <a:t>）。该工具可用于测试所有主流</a:t>
+            </a:r>
+            <a:r>
+              <a:rPr lang="en-US" altLang="zh-CN" dirty="0" smtClean="0"/>
+              <a:t>Web</a:t>
+            </a:r>
+            <a:r>
+              <a:rPr lang="zh-CN" altLang="en-US" dirty="0" smtClean="0"/>
+              <a:t>浏览器，也可集成到</a:t>
+            </a:r>
+            <a:r>
+              <a:rPr lang="en-US" altLang="zh-CN" dirty="0" smtClean="0"/>
+              <a:t>CI</a:t>
+            </a:r>
+            <a:r>
+              <a:rPr lang="zh-CN" altLang="en-US" dirty="0" smtClean="0"/>
+              <a:t>（</a:t>
+            </a:r>
+            <a:r>
+              <a:rPr lang="en-US" altLang="zh-CN" dirty="0" smtClean="0"/>
+              <a:t>Continuous integration</a:t>
+            </a:r>
+            <a:r>
+              <a:rPr lang="zh-CN" altLang="en-US" dirty="0" smtClean="0"/>
+              <a:t>）工具，也可和其他代码编辑器一起使用。这个测试工具的一个强大特性就是，它可以监控</a:t>
+            </a:r>
+            <a:r>
+              <a:rPr lang="en-US" altLang="zh-CN" dirty="0" smtClean="0"/>
+              <a:t>(Watch)</a:t>
+            </a:r>
+            <a:r>
+              <a:rPr lang="zh-CN" altLang="en-US" dirty="0" smtClean="0"/>
+              <a:t>文件的变化，然后自行执行，通过</a:t>
+            </a:r>
+            <a:r>
+              <a:rPr lang="en-US" altLang="zh-CN" dirty="0" smtClean="0"/>
+              <a:t>console.log</a:t>
+            </a:r>
+            <a:r>
+              <a:rPr lang="zh-CN" altLang="en-US" dirty="0" smtClean="0"/>
+              <a:t>显示测试结果。</a:t>
+            </a:r>
             <a:endParaRPr lang="en-US" altLang="zh-CN" dirty="0" smtClean="0">
               <a:latin typeface="YaHei Consolas Hybrid" pitchFamily="49" charset="-122"/>
               <a:ea typeface="YaHei Consolas Hybrid" pitchFamily="49" charset="-122"/>
@@ -6865,7 +7372,7 @@
           <a:blip r:embed="rId3" cstate="print">
             <a:extLst>
               <a:ext uri="{28A0092B-C50C-407E-A947-70E740481C1C}">
-                <a14:useLocalDpi xmlns:a14="http://schemas.microsoft.com/office/drawing/2010/main" val="0"/>
+                <a14:useLocalDpi xmlns:a14="http://schemas.microsoft.com/office/drawing/2010/main" xmlns="" val="0"/>
               </a:ext>
             </a:extLst>
           </a:blip>
@@ -6886,20 +7393,20 @@
     </p:spTree>
     <p:extLst>
       <p:ext uri="{BB962C8B-B14F-4D97-AF65-F5344CB8AC3E}">
-        <p14:creationId xmlns:p14="http://schemas.microsoft.com/office/powerpoint/2010/main" val="4024772275"/>
+        <p14:creationId xmlns:p14="http://schemas.microsoft.com/office/powerpoint/2010/main" xmlns="" val="1358235552"/>
       </p:ext>
     </p:extLst>
   </p:cSld>
   <p:clrMapOvr>
     <a:masterClrMapping/>
   </p:clrMapOvr>
-  <mc:AlternateContent xmlns:mc="http://schemas.openxmlformats.org/markup-compatibility/2006" xmlns:p14="http://schemas.microsoft.com/office/powerpoint/2010/main">
-    <mc:Choice Requires="p14">
+  <mc:AlternateContent xmlns:mc="http://schemas.openxmlformats.org/markup-compatibility/2006">
+    <mc:Choice xmlns:p14="http://schemas.microsoft.com/office/powerpoint/2010/main" xmlns="" Requires="p14">
       <p:transition spd="slow" p14:dur="1500">
         <p14:window dir="vert"/>
       </p:transition>
     </mc:Choice>
-    <mc:Fallback xmlns="">
+    <mc:Fallback>
       <p:transition spd="slow">
         <p:fade/>
       </p:transition>
@@ -6926,15 +7433,10 @@
                             </p:stCondLst>
                             <p:childTnLst>
                               <p:par>
-                                <p:cTn id="5" presetID="2" presetClass="entr" presetSubtype="4" fill="hold" nodeType="clickEffect" nodePh="1">
+                                <p:cTn id="5" presetID="2" presetClass="entr" presetSubtype="4" fill="hold" nodeType="clickEffect">
                                   <p:stCondLst>
                                     <p:cond delay="0"/>
                                   </p:stCondLst>
-                                  <p:endCondLst>
-                                    <p:cond evt="begin" delay="0">
-                                      <p:tn val="5"/>
-                                    </p:cond>
-                                  </p:endCondLst>
                                   <p:childTnLst>
                                     <p:set>
                                       <p:cBhvr>
@@ -7130,7 +7632,7 @@
           <a:blip r:embed="rId3" cstate="print">
             <a:extLst>
               <a:ext uri="{28A0092B-C50C-407E-A947-70E740481C1C}">
-                <a14:useLocalDpi xmlns:a14="http://schemas.microsoft.com/office/drawing/2010/main" val="0"/>
+                <a14:useLocalDpi xmlns:a14="http://schemas.microsoft.com/office/drawing/2010/main" xmlns="" val="0"/>
               </a:ext>
             </a:extLst>
           </a:blip>
@@ -7151,20 +7653,20 @@
     </p:spTree>
     <p:extLst>
       <p:ext uri="{BB962C8B-B14F-4D97-AF65-F5344CB8AC3E}">
-        <p14:creationId xmlns:p14="http://schemas.microsoft.com/office/powerpoint/2010/main" val="3272322428"/>
+        <p14:creationId xmlns:p14="http://schemas.microsoft.com/office/powerpoint/2010/main" xmlns="" val="4024772275"/>
       </p:ext>
     </p:extLst>
   </p:cSld>
   <p:clrMapOvr>
     <a:masterClrMapping/>
   </p:clrMapOvr>
-  <mc:AlternateContent xmlns:mc="http://schemas.openxmlformats.org/markup-compatibility/2006" xmlns:p14="http://schemas.microsoft.com/office/powerpoint/2010/main">
-    <mc:Choice Requires="p14">
+  <mc:AlternateContent xmlns:mc="http://schemas.openxmlformats.org/markup-compatibility/2006">
+    <mc:Choice xmlns:p14="http://schemas.microsoft.com/office/powerpoint/2010/main" xmlns="" Requires="p14">
       <p:transition spd="slow" p14:dur="1500">
         <p14:window dir="vert"/>
       </p:transition>
     </mc:Choice>
-    <mc:Fallback xmlns="">
+    <mc:Fallback>
       <p:transition spd="slow">
         <p:fade/>
       </p:transition>
@@ -7343,23 +7845,6 @@
           <a:bodyPr/>
           <a:lstStyle/>
           <a:p>
-            <a:r>
-              <a:rPr lang="zh-CN" altLang="en-US" dirty="0" smtClean="0">
-                <a:solidFill>
-                  <a:srgbClr val="34221C"/>
-                </a:solidFill>
-                <a:effectLst>
-                  <a:outerShdw blurRad="38100" dist="38100" dir="2700000" algn="tl">
-                    <a:srgbClr val="000000">
-                      <a:alpha val="43137"/>
-                    </a:srgbClr>
-                  </a:outerShdw>
-                </a:effectLst>
-                <a:latin typeface="YaHei Consolas Hybrid" pitchFamily="49" charset="-122"/>
-                <a:ea typeface="YaHei Consolas Hybrid" pitchFamily="49" charset="-122"/>
-              </a:rPr>
-              <a:t>终端窗口</a:t>
-            </a:r>
             <a:endParaRPr lang="zh-CN" altLang="en-US" dirty="0">
               <a:solidFill>
                 <a:srgbClr val="34221C"/>
@@ -7377,29 +7862,29 @@
           </a:p>
         </p:txBody>
       </p:sp>
-      <p:pic>
-        <p:nvPicPr>
-          <p:cNvPr id="5" name="内容占位符 4" descr="webstorm-terminal1.png"/>
-          <p:cNvPicPr>
-            <a:picLocks noGrp="1" noChangeAspect="1"/>
-          </p:cNvPicPr>
+      <p:sp>
+        <p:nvSpPr>
+          <p:cNvPr id="3" name="内容占位符 2"/>
+          <p:cNvSpPr>
+            <a:spLocks noGrp="1"/>
+          </p:cNvSpPr>
           <p:nvPr>
             <p:ph idx="1"/>
           </p:nvPr>
-        </p:nvPicPr>
-        <p:blipFill>
-          <a:blip r:embed="rId3" cstate="print"/>
-          <a:stretch>
-            <a:fillRect/>
-          </a:stretch>
-        </p:blipFill>
-        <p:spPr>
-          <a:xfrm>
-            <a:off x="611560" y="2204864"/>
-            <a:ext cx="7277100" cy="3286125"/>
-          </a:xfrm>
-        </p:spPr>
-      </p:pic>
+        </p:nvSpPr>
+        <p:spPr/>
+        <p:txBody>
+          <a:bodyPr/>
+          <a:lstStyle/>
+          <a:p>
+            <a:pPr lvl="1"/>
+            <a:endParaRPr lang="en-US" altLang="zh-CN" dirty="0" smtClean="0">
+              <a:latin typeface="YaHei Consolas Hybrid" pitchFamily="49" charset="-122"/>
+              <a:ea typeface="YaHei Consolas Hybrid" pitchFamily="49" charset="-122"/>
+            </a:endParaRPr>
+          </a:p>
+        </p:txBody>
+      </p:sp>
       <p:pic>
         <p:nvPicPr>
           <p:cNvPr id="7" name="图片 6"/>
@@ -7409,10 +7894,10 @@
           <p:nvPr/>
         </p:nvPicPr>
         <p:blipFill>
-          <a:blip r:embed="rId4" cstate="print">
+          <a:blip r:embed="rId3" cstate="print">
             <a:extLst>
               <a:ext uri="{28A0092B-C50C-407E-A947-70E740481C1C}">
-                <a14:useLocalDpi xmlns:a14="http://schemas.microsoft.com/office/drawing/2010/main" val="0"/>
+                <a14:useLocalDpi xmlns:a14="http://schemas.microsoft.com/office/drawing/2010/main" xmlns="" val="0"/>
               </a:ext>
             </a:extLst>
           </a:blip>
@@ -7430,117 +7915,163 @@
           </a:prstGeom>
         </p:spPr>
       </p:pic>
-      <p:sp>
-        <p:nvSpPr>
-          <p:cNvPr id="8" name="线形标注 1 7"/>
-          <p:cNvSpPr/>
-          <p:nvPr/>
-        </p:nvSpPr>
-        <p:spPr>
-          <a:xfrm>
-            <a:off x="2123728" y="1844824"/>
-            <a:ext cx="2808312" cy="612648"/>
-          </a:xfrm>
-          <a:prstGeom prst="borderCallout1">
-            <a:avLst>
-              <a:gd name="adj1" fmla="val 53078"/>
-              <a:gd name="adj2" fmla="val -193"/>
-              <a:gd name="adj3" fmla="val 112500"/>
-              <a:gd name="adj4" fmla="val -38333"/>
-            </a:avLst>
-          </a:prstGeom>
-        </p:spPr>
-        <p:style>
-          <a:lnRef idx="1">
-            <a:schemeClr val="accent1"/>
-          </a:lnRef>
-          <a:fillRef idx="2">
-            <a:schemeClr val="accent1"/>
-          </a:fillRef>
-          <a:effectRef idx="1">
-            <a:schemeClr val="accent1"/>
-          </a:effectRef>
-          <a:fontRef idx="minor">
-            <a:schemeClr val="dk1"/>
-          </a:fontRef>
-        </p:style>
-        <p:txBody>
-          <a:bodyPr rtlCol="0" anchor="ctr"/>
-          <a:lstStyle/>
-          <a:p>
-            <a:pPr algn="ctr"/>
-            <a:r>
-              <a:rPr lang="zh-CN" altLang="en-US" dirty="0" smtClean="0"/>
-              <a:t>打开新的终端窗口</a:t>
-            </a:r>
-            <a:endParaRPr lang="zh-CN" altLang="en-US" dirty="0"/>
-          </a:p>
-        </p:txBody>
-      </p:sp>
-      <p:sp>
-        <p:nvSpPr>
-          <p:cNvPr id="9" name="线形标注 1 8"/>
-          <p:cNvSpPr/>
-          <p:nvPr/>
-        </p:nvSpPr>
-        <p:spPr>
-          <a:xfrm>
-            <a:off x="2915816" y="3573016"/>
-            <a:ext cx="2160240" cy="612648"/>
-          </a:xfrm>
-          <a:prstGeom prst="borderCallout1">
-            <a:avLst>
-              <a:gd name="adj1" fmla="val 51586"/>
-              <a:gd name="adj2" fmla="val -714"/>
-              <a:gd name="adj3" fmla="val -120336"/>
-              <a:gd name="adj4" fmla="val -87333"/>
-            </a:avLst>
-          </a:prstGeom>
-        </p:spPr>
-        <p:style>
-          <a:lnRef idx="1">
-            <a:schemeClr val="accent1"/>
-          </a:lnRef>
-          <a:fillRef idx="2">
-            <a:schemeClr val="accent1"/>
-          </a:fillRef>
-          <a:effectRef idx="1">
-            <a:schemeClr val="accent1"/>
-          </a:effectRef>
-          <a:fontRef idx="minor">
-            <a:schemeClr val="dk1"/>
-          </a:fontRef>
-        </p:style>
-        <p:txBody>
-          <a:bodyPr rtlCol="0" anchor="ctr"/>
-          <a:lstStyle/>
-          <a:p>
-            <a:pPr algn="ctr"/>
-            <a:r>
-              <a:rPr lang="zh-CN" altLang="en-US" dirty="0" smtClean="0"/>
-              <a:t>关闭当前终端窗口</a:t>
-            </a:r>
-            <a:endParaRPr lang="zh-CN" altLang="en-US" dirty="0"/>
-          </a:p>
-        </p:txBody>
-      </p:sp>
     </p:spTree>
     <p:extLst>
       <p:ext uri="{BB962C8B-B14F-4D97-AF65-F5344CB8AC3E}">
-        <p14:creationId xmlns:p14="http://schemas.microsoft.com/office/powerpoint/2010/main" val="2886733055"/>
+        <p14:creationId xmlns:p14="http://schemas.microsoft.com/office/powerpoint/2010/main" xmlns="" val="3272322428"/>
       </p:ext>
     </p:extLst>
   </p:cSld>
   <p:clrMapOvr>
     <a:masterClrMapping/>
   </p:clrMapOvr>
-  <p:transition spd="slow">
-    <p:wipe dir="d"/>
-  </p:transition>
+  <mc:AlternateContent xmlns:mc="http://schemas.openxmlformats.org/markup-compatibility/2006">
+    <mc:Choice xmlns:p14="http://schemas.microsoft.com/office/powerpoint/2010/main" xmlns="" Requires="p14">
+      <p:transition spd="slow" p14:dur="1500">
+        <p14:window dir="vert"/>
+      </p:transition>
+    </mc:Choice>
+    <mc:Fallback>
+      <p:transition spd="slow">
+        <p:fade/>
+      </p:transition>
+    </mc:Fallback>
+  </mc:AlternateContent>
   <p:timing>
     <p:tnLst>
       <p:par>
-        <p:cTn id="1" dur="indefinite" restart="never" nodeType="tmRoot"/>
+        <p:cTn id="1" dur="indefinite" restart="never" nodeType="tmRoot">
+          <p:childTnLst>
+            <p:seq concurrent="1" nextAc="seek">
+              <p:cTn id="2" dur="indefinite" nodeType="mainSeq">
+                <p:childTnLst>
+                  <p:par>
+                    <p:cTn id="3" fill="hold">
+                      <p:stCondLst>
+                        <p:cond delay="indefinite"/>
+                      </p:stCondLst>
+                      <p:childTnLst>
+                        <p:par>
+                          <p:cTn id="4" fill="hold">
+                            <p:stCondLst>
+                              <p:cond delay="0"/>
+                            </p:stCondLst>
+                            <p:childTnLst>
+                              <p:par>
+                                <p:cTn id="5" presetID="2" presetClass="entr" presetSubtype="4" fill="hold" nodeType="clickEffect" nodePh="1">
+                                  <p:stCondLst>
+                                    <p:cond delay="0"/>
+                                  </p:stCondLst>
+                                  <p:endCondLst>
+                                    <p:cond evt="begin" delay="0">
+                                      <p:tn val="5"/>
+                                    </p:cond>
+                                  </p:endCondLst>
+                                  <p:childTnLst>
+                                    <p:set>
+                                      <p:cBhvr>
+                                        <p:cTn id="6" dur="1" fill="hold">
+                                          <p:stCondLst>
+                                            <p:cond delay="0"/>
+                                          </p:stCondLst>
+                                        </p:cTn>
+                                        <p:tgtEl>
+                                          <p:spTgt spid="3">
+                                            <p:txEl>
+                                              <p:pRg st="0" end="0"/>
+                                            </p:txEl>
+                                          </p:spTgt>
+                                        </p:tgtEl>
+                                        <p:attrNameLst>
+                                          <p:attrName>style.visibility</p:attrName>
+                                        </p:attrNameLst>
+                                      </p:cBhvr>
+                                      <p:to>
+                                        <p:strVal val="visible"/>
+                                      </p:to>
+                                    </p:set>
+                                    <p:anim calcmode="lin" valueType="num">
+                                      <p:cBhvr additive="base">
+                                        <p:cTn id="7" dur="500" fill="hold"/>
+                                        <p:tgtEl>
+                                          <p:spTgt spid="3">
+                                            <p:txEl>
+                                              <p:pRg st="0" end="0"/>
+                                            </p:txEl>
+                                          </p:spTgt>
+                                        </p:tgtEl>
+                                        <p:attrNameLst>
+                                          <p:attrName>ppt_x</p:attrName>
+                                        </p:attrNameLst>
+                                      </p:cBhvr>
+                                      <p:tavLst>
+                                        <p:tav tm="0">
+                                          <p:val>
+                                            <p:strVal val="#ppt_x"/>
+                                          </p:val>
+                                        </p:tav>
+                                        <p:tav tm="100000">
+                                          <p:val>
+                                            <p:strVal val="#ppt_x"/>
+                                          </p:val>
+                                        </p:tav>
+                                      </p:tavLst>
+                                    </p:anim>
+                                    <p:anim calcmode="lin" valueType="num">
+                                      <p:cBhvr additive="base">
+                                        <p:cTn id="8" dur="500" fill="hold"/>
+                                        <p:tgtEl>
+                                          <p:spTgt spid="3">
+                                            <p:txEl>
+                                              <p:pRg st="0" end="0"/>
+                                            </p:txEl>
+                                          </p:spTgt>
+                                        </p:tgtEl>
+                                        <p:attrNameLst>
+                                          <p:attrName>ppt_y</p:attrName>
+                                        </p:attrNameLst>
+                                      </p:cBhvr>
+                                      <p:tavLst>
+                                        <p:tav tm="0">
+                                          <p:val>
+                                            <p:strVal val="1+#ppt_h/2"/>
+                                          </p:val>
+                                        </p:tav>
+                                        <p:tav tm="100000">
+                                          <p:val>
+                                            <p:strVal val="#ppt_y"/>
+                                          </p:val>
+                                        </p:tav>
+                                      </p:tavLst>
+                                    </p:anim>
+                                  </p:childTnLst>
+                                </p:cTn>
+                              </p:par>
+                            </p:childTnLst>
+                          </p:cTn>
+                        </p:par>
+                      </p:childTnLst>
+                    </p:cTn>
+                  </p:par>
+                </p:childTnLst>
+              </p:cTn>
+              <p:prevCondLst>
+                <p:cond evt="onPrev" delay="0">
+                  <p:tgtEl>
+                    <p:sldTgt/>
+                  </p:tgtEl>
+                </p:cond>
+              </p:prevCondLst>
+              <p:nextCondLst>
+                <p:cond evt="onNext" delay="0">
+                  <p:tgtEl>
+                    <p:sldTgt/>
+                  </p:tgtEl>
+                </p:cond>
+              </p:nextCondLst>
+            </p:seq>
+          </p:childTnLst>
+        </p:cTn>
       </p:par>
     </p:tnLst>
   </p:timing>
@@ -7594,7 +8125,24 @@
                 <a:latin typeface="YaHei Consolas Hybrid" pitchFamily="49" charset="-122"/>
                 <a:ea typeface="YaHei Consolas Hybrid" pitchFamily="49" charset="-122"/>
               </a:rPr>
-              <a:t>我也不是完美的</a:t>
+              <a:t>我</a:t>
+            </a:r>
+            <a:r>
+              <a:rPr lang="zh-CN" altLang="en-US" dirty="0" smtClean="0">
+                <a:solidFill>
+                  <a:srgbClr val="34221C"/>
+                </a:solidFill>
+                <a:effectLst>
+                  <a:outerShdw blurRad="38100" dist="38100" dir="2700000" algn="tl">
+                    <a:srgbClr val="000000">
+                      <a:alpha val="43137"/>
+                    </a:srgbClr>
+                  </a:outerShdw>
+                </a:effectLst>
+                <a:latin typeface="YaHei Consolas Hybrid" pitchFamily="49" charset="-122"/>
+                <a:ea typeface="YaHei Consolas Hybrid" pitchFamily="49" charset="-122"/>
+              </a:rPr>
+              <a:t>也有不足</a:t>
             </a:r>
             <a:endParaRPr lang="zh-CN" altLang="en-US" dirty="0">
               <a:solidFill>
@@ -7648,7 +8196,21 @@
                 <a:latin typeface="YaHei Consolas Hybrid" pitchFamily="49" charset="-122"/>
                 <a:ea typeface="YaHei Consolas Hybrid" pitchFamily="49" charset="-122"/>
               </a:rPr>
-              <a:t>只能打开当个工程</a:t>
+              <a:t>只能打开当个</a:t>
+            </a:r>
+            <a:r>
+              <a:rPr lang="zh-CN" altLang="en-US" dirty="0" smtClean="0">
+                <a:latin typeface="YaHei Consolas Hybrid" pitchFamily="49" charset="-122"/>
+                <a:ea typeface="YaHei Consolas Hybrid" pitchFamily="49" charset="-122"/>
+              </a:rPr>
+              <a:t>工程</a:t>
+            </a:r>
+            <a:r>
+              <a:rPr lang="zh-CN" altLang="en-US" dirty="0" smtClean="0">
+                <a:latin typeface="YaHei Consolas Hybrid" pitchFamily="49" charset="-122"/>
+                <a:ea typeface="YaHei Consolas Hybrid" pitchFamily="49" charset="-122"/>
+              </a:rPr>
+              <a:t>，但我可多开</a:t>
             </a:r>
             <a:endParaRPr lang="en-US" altLang="zh-CN" dirty="0" smtClean="0">
               <a:latin typeface="YaHei Consolas Hybrid" pitchFamily="49" charset="-122"/>
@@ -7711,7 +8273,7 @@
           <a:blip r:embed="rId3" cstate="print">
             <a:extLst>
               <a:ext uri="{28A0092B-C50C-407E-A947-70E740481C1C}">
-                <a14:useLocalDpi xmlns:a14="http://schemas.microsoft.com/office/drawing/2010/main" val="0"/>
+                <a14:useLocalDpi xmlns:a14="http://schemas.microsoft.com/office/drawing/2010/main" xmlns="" val="0"/>
               </a:ext>
             </a:extLst>
           </a:blip>
@@ -7776,20 +8338,20 @@
     </p:spTree>
     <p:extLst>
       <p:ext uri="{BB962C8B-B14F-4D97-AF65-F5344CB8AC3E}">
-        <p14:creationId xmlns:p14="http://schemas.microsoft.com/office/powerpoint/2010/main" val="1842906623"/>
+        <p14:creationId xmlns:p14="http://schemas.microsoft.com/office/powerpoint/2010/main" xmlns="" val="1842906623"/>
       </p:ext>
     </p:extLst>
   </p:cSld>
   <p:clrMapOvr>
     <a:masterClrMapping/>
   </p:clrMapOvr>
-  <mc:AlternateContent xmlns:mc="http://schemas.openxmlformats.org/markup-compatibility/2006" xmlns:p14="http://schemas.microsoft.com/office/powerpoint/2010/main">
-    <mc:Choice Requires="p14">
+  <mc:AlternateContent xmlns:mc="http://schemas.openxmlformats.org/markup-compatibility/2006">
+    <mc:Choice xmlns:p14="http://schemas.microsoft.com/office/powerpoint/2010/main" xmlns="" Requires="p14">
       <p:transition spd="slow" p14:dur="1500">
         <p14:window dir="vert"/>
       </p:transition>
     </mc:Choice>
-    <mc:Fallback xmlns="">
+    <mc:Fallback>
       <p:transition spd="slow">
         <p:fade/>
       </p:transition>
@@ -8217,7 +8779,7 @@
           <a:blip r:embed="rId3" cstate="print">
             <a:extLst>
               <a:ext uri="{28A0092B-C50C-407E-A947-70E740481C1C}">
-                <a14:useLocalDpi xmlns:a14="http://schemas.microsoft.com/office/drawing/2010/main" val="0"/>
+                <a14:useLocalDpi xmlns:a14="http://schemas.microsoft.com/office/drawing/2010/main" xmlns="" val="0"/>
               </a:ext>
             </a:extLst>
           </a:blip>
@@ -8244,7 +8806,7 @@
           <a:blip r:embed="rId4" cstate="print">
             <a:extLst>
               <a:ext uri="{28A0092B-C50C-407E-A947-70E740481C1C}">
-                <a14:useLocalDpi xmlns:a14="http://schemas.microsoft.com/office/drawing/2010/main" val="0"/>
+                <a14:useLocalDpi xmlns:a14="http://schemas.microsoft.com/office/drawing/2010/main" xmlns="" val="0"/>
               </a:ext>
             </a:extLst>
           </a:blip>
@@ -8265,20 +8827,20 @@
     </p:spTree>
     <p:extLst>
       <p:ext uri="{BB962C8B-B14F-4D97-AF65-F5344CB8AC3E}">
-        <p14:creationId xmlns:p14="http://schemas.microsoft.com/office/powerpoint/2010/main" val="1302376210"/>
+        <p14:creationId xmlns:p14="http://schemas.microsoft.com/office/powerpoint/2010/main" xmlns="" val="1302376210"/>
       </p:ext>
     </p:extLst>
   </p:cSld>
   <p:clrMapOvr>
     <a:masterClrMapping/>
   </p:clrMapOvr>
-  <mc:AlternateContent xmlns:mc="http://schemas.openxmlformats.org/markup-compatibility/2006" xmlns:p14="http://schemas.microsoft.com/office/powerpoint/2010/main">
-    <mc:Choice Requires="p14">
+  <mc:AlternateContent xmlns:mc="http://schemas.openxmlformats.org/markup-compatibility/2006">
+    <mc:Choice xmlns:p14="http://schemas.microsoft.com/office/powerpoint/2010/main" xmlns="" Requires="p14">
       <p:transition spd="slow" p14:dur="1500">
         <p14:window dir="vert"/>
       </p:transition>
     </mc:Choice>
-    <mc:Fallback xmlns="">
+    <mc:Fallback>
       <p:transition spd="slow">
         <p:fade/>
       </p:transition>
@@ -8425,7 +8987,23 @@
               <a:rPr lang="en-US" altLang="zh-CN" dirty="0" smtClean="0">
                 <a:hlinkClick r:id="rId6"/>
               </a:rPr>
-              <a:t>https://github.com/yeoman/generator-angular</a:t>
+              <a:t>https://</a:t>
+            </a:r>
+            <a:r>
+              <a:rPr lang="en-US" altLang="zh-CN" dirty="0" smtClean="0">
+                <a:hlinkClick r:id="rId6"/>
+              </a:rPr>
+              <a:t>github.com/yeoman/generator-angular</a:t>
+            </a:r>
+            <a:endParaRPr lang="en-US" altLang="zh-CN" dirty="0" smtClean="0"/>
+          </a:p>
+          <a:p>
+            <a:pPr lvl="1"/>
+            <a:r>
+              <a:rPr lang="en-US" altLang="zh-CN" dirty="0" smtClean="0">
+                <a:hlinkClick r:id="rId7"/>
+              </a:rPr>
+              <a:t>http://blog.fens.me/nodejs-karma-jasmine/</a:t>
             </a:r>
             <a:endParaRPr lang="en-US" altLang="zh-CN" dirty="0" smtClean="0"/>
           </a:p>
@@ -8447,10 +9025,10 @@
           <p:nvPr/>
         </p:nvPicPr>
         <p:blipFill>
-          <a:blip r:embed="rId7" cstate="print">
+          <a:blip r:embed="rId8" cstate="print">
             <a:extLst>
               <a:ext uri="{28A0092B-C50C-407E-A947-70E740481C1C}">
-                <a14:useLocalDpi xmlns:a14="http://schemas.microsoft.com/office/drawing/2010/main" val="0"/>
+                <a14:useLocalDpi xmlns:a14="http://schemas.microsoft.com/office/drawing/2010/main" xmlns="" val="0"/>
               </a:ext>
             </a:extLst>
           </a:blip>
@@ -8471,20 +9049,20 @@
     </p:spTree>
     <p:extLst>
       <p:ext uri="{BB962C8B-B14F-4D97-AF65-F5344CB8AC3E}">
-        <p14:creationId xmlns:p14="http://schemas.microsoft.com/office/powerpoint/2010/main" val="2641232916"/>
+        <p14:creationId xmlns:p14="http://schemas.microsoft.com/office/powerpoint/2010/main" xmlns="" val="2641232916"/>
       </p:ext>
     </p:extLst>
   </p:cSld>
   <p:clrMapOvr>
     <a:masterClrMapping/>
   </p:clrMapOvr>
-  <mc:AlternateContent xmlns:mc="http://schemas.openxmlformats.org/markup-compatibility/2006" xmlns:p14="http://schemas.microsoft.com/office/powerpoint/2010/main">
-    <mc:Choice Requires="p14">
+  <mc:AlternateContent xmlns:mc="http://schemas.openxmlformats.org/markup-compatibility/2006">
+    <mc:Choice xmlns:p14="http://schemas.microsoft.com/office/powerpoint/2010/main" xmlns="" Requires="p14">
       <p:transition spd="slow" p14:dur="1500">
         <p14:window dir="vert"/>
       </p:transition>
     </mc:Choice>
-    <mc:Fallback xmlns="">
+    <mc:Fallback>
       <p:transition spd="slow">
         <p:fade/>
       </p:transition>
@@ -8910,6 +9488,109 @@
                       </p:childTnLst>
                     </p:cTn>
                   </p:par>
+                  <p:par>
+                    <p:cTn id="27" fill="hold">
+                      <p:stCondLst>
+                        <p:cond delay="indefinite"/>
+                      </p:stCondLst>
+                      <p:childTnLst>
+                        <p:par>
+                          <p:cTn id="28" fill="hold">
+                            <p:stCondLst>
+                              <p:cond delay="0"/>
+                            </p:stCondLst>
+                            <p:childTnLst>
+                              <p:par>
+                                <p:cTn id="29" presetID="2" presetClass="entr" presetSubtype="4" fill="hold" nodeType="clickEffect">
+                                  <p:stCondLst>
+                                    <p:cond delay="0"/>
+                                  </p:stCondLst>
+                                  <p:childTnLst>
+                                    <p:set>
+                                      <p:cBhvr>
+                                        <p:cTn id="30" dur="1" fill="hold">
+                                          <p:stCondLst>
+                                            <p:cond delay="0"/>
+                                          </p:stCondLst>
+                                        </p:cTn>
+                                        <p:tgtEl>
+                                          <p:spTgt spid="3">
+                                            <p:txEl>
+                                              <p:pRg st="4" end="4"/>
+                                            </p:txEl>
+                                          </p:spTgt>
+                                        </p:tgtEl>
+                                        <p:attrNameLst>
+                                          <p:attrName>style.visibility</p:attrName>
+                                        </p:attrNameLst>
+                                      </p:cBhvr>
+                                      <p:to>
+                                        <p:strVal val="visible"/>
+                                      </p:to>
+                                    </p:set>
+                                    <p:anim calcmode="lin" valueType="num">
+                                      <p:cBhvr additive="base">
+                                        <p:cTn id="31" dur="500" fill="hold"/>
+                                        <p:tgtEl>
+                                          <p:spTgt spid="3">
+                                            <p:txEl>
+                                              <p:pRg st="4" end="4"/>
+                                            </p:txEl>
+                                          </p:spTgt>
+                                        </p:tgtEl>
+                                        <p:attrNameLst>
+                                          <p:attrName>ppt_x</p:attrName>
+                                        </p:attrNameLst>
+                                      </p:cBhvr>
+                                      <p:tavLst>
+                                        <p:tav tm="0">
+                                          <p:val>
+                                            <p:strVal val="#ppt_x"/>
+                                          </p:val>
+                                        </p:tav>
+                                        <p:tav tm="100000">
+                                          <p:val>
+                                            <p:strVal val="#ppt_x"/>
+                                          </p:val>
+                                        </p:tav>
+                                      </p:tavLst>
+                                    </p:anim>
+                                    <p:anim calcmode="lin" valueType="num">
+                                      <p:cBhvr additive="base">
+                                        <p:cTn id="32" dur="500" fill="hold"/>
+                                        <p:tgtEl>
+                                          <p:spTgt spid="3">
+                                            <p:txEl>
+                                              <p:pRg st="4" end="4"/>
+                                            </p:txEl>
+                                          </p:spTgt>
+                                        </p:tgtEl>
+                                        <p:attrNameLst>
+                                          <p:attrName>ppt_y</p:attrName>
+                                        </p:attrNameLst>
+                                      </p:cBhvr>
+                                      <p:tavLst>
+                                        <p:tav tm="0">
+                                          <p:val>
+                                            <p:strVal val="1+#ppt_h/2"/>
+                                          </p:val>
+                                        </p:tav>
+                                        <p:tav tm="100000">
+                                          <p:val>
+                                            <p:strVal val="#ppt_y"/>
+                                          </p:val>
+                                        </p:tav>
+                                      </p:tavLst>
+                                    </p:anim>
+                                  </p:childTnLst>
+                                </p:cTn>
+                              </p:par>
+                            </p:childTnLst>
+                          </p:cTn>
+                        </p:par>
+                      </p:childTnLst>
+                    </p:cTn>
+                  </p:par>
                 </p:childTnLst>
               </p:cTn>
               <p:prevCondLst>
@@ -9192,7 +9873,7 @@
           <a:blip r:embed="rId3" cstate="print">
             <a:extLst>
               <a:ext uri="{28A0092B-C50C-407E-A947-70E740481C1C}">
-                <a14:useLocalDpi xmlns:a14="http://schemas.microsoft.com/office/drawing/2010/main" val="0"/>
+                <a14:useLocalDpi xmlns:a14="http://schemas.microsoft.com/office/drawing/2010/main" xmlns="" val="0"/>
               </a:ext>
             </a:extLst>
           </a:blip>
@@ -9213,20 +9894,20 @@
     </p:spTree>
     <p:extLst>
       <p:ext uri="{BB962C8B-B14F-4D97-AF65-F5344CB8AC3E}">
-        <p14:creationId xmlns:p14="http://schemas.microsoft.com/office/powerpoint/2010/main" val="3226780528"/>
+        <p14:creationId xmlns:p14="http://schemas.microsoft.com/office/powerpoint/2010/main" xmlns="" val="3226780528"/>
       </p:ext>
     </p:extLst>
   </p:cSld>
   <p:clrMapOvr>
     <a:masterClrMapping/>
   </p:clrMapOvr>
-  <mc:AlternateContent xmlns:mc="http://schemas.openxmlformats.org/markup-compatibility/2006" xmlns:p14="http://schemas.microsoft.com/office/powerpoint/2010/main">
-    <mc:Choice Requires="p14">
+  <mc:AlternateContent xmlns:mc="http://schemas.openxmlformats.org/markup-compatibility/2006">
+    <mc:Choice xmlns:p14="http://schemas.microsoft.com/office/powerpoint/2010/main" xmlns="" Requires="p14">
       <p:transition spd="slow" p14:dur="1500">
         <p14:window dir="vert"/>
       </p:transition>
     </mc:Choice>
-    <mc:Fallback xmlns="">
+    <mc:Fallback>
       <p:transition spd="slow">
         <p:fade/>
       </p:transition>
@@ -10070,7 +10751,7 @@
           <a:blip r:embed="rId3" cstate="print">
             <a:extLst>
               <a:ext uri="{28A0092B-C50C-407E-A947-70E740481C1C}">
-                <a14:useLocalDpi xmlns:a14="http://schemas.microsoft.com/office/drawing/2010/main" val="0"/>
+                <a14:useLocalDpi xmlns:a14="http://schemas.microsoft.com/office/drawing/2010/main" xmlns="" val="0"/>
               </a:ext>
             </a:extLst>
           </a:blip>
@@ -10100,7 +10781,7 @@
           <a:blip r:embed="rId4" cstate="print">
             <a:extLst>
               <a:ext uri="{28A0092B-C50C-407E-A947-70E740481C1C}">
-                <a14:useLocalDpi xmlns:a14="http://schemas.microsoft.com/office/drawing/2010/main" val="0"/>
+                <a14:useLocalDpi xmlns:a14="http://schemas.microsoft.com/office/drawing/2010/main" xmlns="" val="0"/>
               </a:ext>
             </a:extLst>
           </a:blip>
@@ -10120,7 +10801,7 @@
           <a:noFill/>
           <a:extLst>
             <a:ext uri="{909E8E84-426E-40DD-AFC4-6F175D3DCCD1}">
-              <a14:hiddenFill xmlns:a14="http://schemas.microsoft.com/office/drawing/2010/main">
+              <a14:hiddenFill xmlns:a14="http://schemas.microsoft.com/office/drawing/2010/main" xmlns="">
                 <a:solidFill>
                   <a:srgbClr val="FFFFFF"/>
                 </a:solidFill>
@@ -10132,20 +10813,20 @@
     </p:spTree>
     <p:extLst>
       <p:ext uri="{BB962C8B-B14F-4D97-AF65-F5344CB8AC3E}">
-        <p14:creationId xmlns:p14="http://schemas.microsoft.com/office/powerpoint/2010/main" val="3273569125"/>
+        <p14:creationId xmlns:p14="http://schemas.microsoft.com/office/powerpoint/2010/main" xmlns="" val="3273569125"/>
       </p:ext>
     </p:extLst>
   </p:cSld>
   <p:clrMapOvr>
     <a:masterClrMapping/>
   </p:clrMapOvr>
-  <mc:AlternateContent xmlns:mc="http://schemas.openxmlformats.org/markup-compatibility/2006" xmlns:p14="http://schemas.microsoft.com/office/powerpoint/2010/main">
-    <mc:Choice Requires="p14">
+  <mc:AlternateContent xmlns:mc="http://schemas.openxmlformats.org/markup-compatibility/2006">
+    <mc:Choice xmlns:p14="http://schemas.microsoft.com/office/powerpoint/2010/main" xmlns="" Requires="p14">
       <p:transition spd="slow" p14:dur="1500">
         <p14:window dir="vert"/>
       </p:transition>
     </mc:Choice>
-    <mc:Fallback xmlns="">
+    <mc:Fallback>
       <p:transition spd="slow">
         <p:fade/>
       </p:transition>
@@ -10227,7 +10908,7 @@
           <a:blip r:embed="rId3" cstate="print">
             <a:extLst>
               <a:ext uri="{28A0092B-C50C-407E-A947-70E740481C1C}">
-                <a14:useLocalDpi xmlns:a14="http://schemas.microsoft.com/office/drawing/2010/main" val="0"/>
+                <a14:useLocalDpi xmlns:a14="http://schemas.microsoft.com/office/drawing/2010/main" xmlns="" val="0"/>
               </a:ext>
             </a:extLst>
           </a:blip>
@@ -10257,7 +10938,7 @@
           <a:blip r:embed="rId4" cstate="print">
             <a:extLst>
               <a:ext uri="{28A0092B-C50C-407E-A947-70E740481C1C}">
-                <a14:useLocalDpi xmlns:a14="http://schemas.microsoft.com/office/drawing/2010/main" val="0"/>
+                <a14:useLocalDpi xmlns:a14="http://schemas.microsoft.com/office/drawing/2010/main" xmlns="" val="0"/>
               </a:ext>
             </a:extLst>
           </a:blip>
@@ -10277,7 +10958,7 @@
           <a:noFill/>
           <a:extLst>
             <a:ext uri="{909E8E84-426E-40DD-AFC4-6F175D3DCCD1}">
-              <a14:hiddenFill xmlns:a14="http://schemas.microsoft.com/office/drawing/2010/main">
+              <a14:hiddenFill xmlns:a14="http://schemas.microsoft.com/office/drawing/2010/main" xmlns="">
                 <a:solidFill>
                   <a:srgbClr val="FFFFFF"/>
                 </a:solidFill>
@@ -10458,7 +11139,7 @@
           <a:blip r:embed="rId5" cstate="print">
             <a:extLst>
               <a:ext uri="{28A0092B-C50C-407E-A947-70E740481C1C}">
-                <a14:useLocalDpi xmlns:a14="http://schemas.microsoft.com/office/drawing/2010/main" val="0"/>
+                <a14:useLocalDpi xmlns:a14="http://schemas.microsoft.com/office/drawing/2010/main" xmlns="" val="0"/>
               </a:ext>
             </a:extLst>
           </a:blip>
@@ -10478,7 +11159,7 @@
           <a:noFill/>
           <a:extLst>
             <a:ext uri="{909E8E84-426E-40DD-AFC4-6F175D3DCCD1}">
-              <a14:hiddenFill xmlns:a14="http://schemas.microsoft.com/office/drawing/2010/main">
+              <a14:hiddenFill xmlns:a14="http://schemas.microsoft.com/office/drawing/2010/main" xmlns="">
                 <a:solidFill>
                   <a:srgbClr val="FFFFFF"/>
                 </a:solidFill>
@@ -10499,7 +11180,7 @@
           <a:blip r:embed="rId6" cstate="print">
             <a:extLst>
               <a:ext uri="{28A0092B-C50C-407E-A947-70E740481C1C}">
-                <a14:useLocalDpi xmlns:a14="http://schemas.microsoft.com/office/drawing/2010/main" val="0"/>
+                <a14:useLocalDpi xmlns:a14="http://schemas.microsoft.com/office/drawing/2010/main" xmlns="" val="0"/>
               </a:ext>
             </a:extLst>
           </a:blip>
@@ -10520,20 +11201,20 @@
     </p:spTree>
     <p:extLst>
       <p:ext uri="{BB962C8B-B14F-4D97-AF65-F5344CB8AC3E}">
-        <p14:creationId xmlns:p14="http://schemas.microsoft.com/office/powerpoint/2010/main" val="175660331"/>
+        <p14:creationId xmlns:p14="http://schemas.microsoft.com/office/powerpoint/2010/main" xmlns="" val="175660331"/>
       </p:ext>
     </p:extLst>
   </p:cSld>
   <p:clrMapOvr>
     <a:masterClrMapping/>
   </p:clrMapOvr>
-  <mc:AlternateContent xmlns:mc="http://schemas.openxmlformats.org/markup-compatibility/2006" xmlns:p14="http://schemas.microsoft.com/office/powerpoint/2010/main">
-    <mc:Choice Requires="p14">
+  <mc:AlternateContent xmlns:mc="http://schemas.openxmlformats.org/markup-compatibility/2006">
+    <mc:Choice xmlns:p14="http://schemas.microsoft.com/office/powerpoint/2010/main" xmlns="" Requires="p14">
       <p:transition spd="slow" p14:dur="1500">
         <p14:window dir="vert"/>
       </p:transition>
     </mc:Choice>
-    <mc:Fallback xmlns="">
+    <mc:Fallback>
       <p:transition spd="slow">
         <p:fade/>
       </p:transition>
@@ -10707,7 +11388,7 @@
           <a:blip r:embed="rId3" cstate="print">
             <a:extLst>
               <a:ext uri="{28A0092B-C50C-407E-A947-70E740481C1C}">
-                <a14:useLocalDpi xmlns:a14="http://schemas.microsoft.com/office/drawing/2010/main" val="0"/>
+                <a14:useLocalDpi xmlns:a14="http://schemas.microsoft.com/office/drawing/2010/main" xmlns="" val="0"/>
               </a:ext>
             </a:extLst>
           </a:blip>
@@ -10737,7 +11418,7 @@
           <a:blip r:embed="rId4" cstate="print">
             <a:extLst>
               <a:ext uri="{28A0092B-C50C-407E-A947-70E740481C1C}">
-                <a14:useLocalDpi xmlns:a14="http://schemas.microsoft.com/office/drawing/2010/main" val="0"/>
+                <a14:useLocalDpi xmlns:a14="http://schemas.microsoft.com/office/drawing/2010/main" xmlns="" val="0"/>
               </a:ext>
             </a:extLst>
           </a:blip>
@@ -10757,7 +11438,7 @@
           <a:noFill/>
           <a:extLst>
             <a:ext uri="{909E8E84-426E-40DD-AFC4-6F175D3DCCD1}">
-              <a14:hiddenFill xmlns:a14="http://schemas.microsoft.com/office/drawing/2010/main">
+              <a14:hiddenFill xmlns:a14="http://schemas.microsoft.com/office/drawing/2010/main" xmlns="">
                 <a:solidFill>
                   <a:srgbClr val="FFFFFF"/>
                 </a:solidFill>
@@ -10769,20 +11450,20 @@
     </p:spTree>
     <p:extLst>
       <p:ext uri="{BB962C8B-B14F-4D97-AF65-F5344CB8AC3E}">
-        <p14:creationId xmlns:p14="http://schemas.microsoft.com/office/powerpoint/2010/main" val="220479022"/>
+        <p14:creationId xmlns:p14="http://schemas.microsoft.com/office/powerpoint/2010/main" xmlns="" val="220479022"/>
       </p:ext>
     </p:extLst>
   </p:cSld>
   <p:clrMapOvr>
     <a:masterClrMapping/>
   </p:clrMapOvr>
-  <mc:AlternateContent xmlns:mc="http://schemas.openxmlformats.org/markup-compatibility/2006" xmlns:p14="http://schemas.microsoft.com/office/powerpoint/2010/main">
-    <mc:Choice Requires="p14">
+  <mc:AlternateContent xmlns:mc="http://schemas.openxmlformats.org/markup-compatibility/2006">
+    <mc:Choice xmlns:p14="http://schemas.microsoft.com/office/powerpoint/2010/main" xmlns="" Requires="p14">
       <p:transition spd="slow" p14:dur="1500">
         <p14:window dir="vert"/>
       </p:transition>
     </mc:Choice>
-    <mc:Fallback xmlns="">
+    <mc:Fallback>
       <p:transition spd="slow">
         <p:fade/>
       </p:transition>
@@ -10827,7 +11508,7 @@
           <a:blip r:embed="rId3" cstate="print">
             <a:extLst>
               <a:ext uri="{28A0092B-C50C-407E-A947-70E740481C1C}">
-                <a14:useLocalDpi xmlns:a14="http://schemas.microsoft.com/office/drawing/2010/main" val="0"/>
+                <a14:useLocalDpi xmlns:a14="http://schemas.microsoft.com/office/drawing/2010/main" xmlns="" val="0"/>
               </a:ext>
             </a:extLst>
           </a:blip>
@@ -10904,20 +11585,20 @@
     </p:spTree>
     <p:extLst>
       <p:ext uri="{BB962C8B-B14F-4D97-AF65-F5344CB8AC3E}">
-        <p14:creationId xmlns:p14="http://schemas.microsoft.com/office/powerpoint/2010/main" val="648935037"/>
+        <p14:creationId xmlns:p14="http://schemas.microsoft.com/office/powerpoint/2010/main" xmlns="" val="648935037"/>
       </p:ext>
     </p:extLst>
   </p:cSld>
   <p:clrMapOvr>
     <a:masterClrMapping/>
   </p:clrMapOvr>
-  <mc:AlternateContent xmlns:mc="http://schemas.openxmlformats.org/markup-compatibility/2006" xmlns:p14="http://schemas.microsoft.com/office/powerpoint/2010/main">
-    <mc:Choice Requires="p14">
+  <mc:AlternateContent xmlns:mc="http://schemas.openxmlformats.org/markup-compatibility/2006">
+    <mc:Choice xmlns:p14="http://schemas.microsoft.com/office/powerpoint/2010/main" xmlns="" Requires="p14">
       <p:transition spd="slow" p14:dur="1500">
         <p14:window dir="vert"/>
       </p:transition>
     </mc:Choice>
-    <mc:Fallback xmlns="">
+    <mc:Fallback>
       <p:transition spd="slow">
         <p:fade/>
       </p:transition>
@@ -10962,7 +11643,7 @@
           <a:blip r:embed="rId3" cstate="print">
             <a:extLst>
               <a:ext uri="{28A0092B-C50C-407E-A947-70E740481C1C}">
-                <a14:useLocalDpi xmlns:a14="http://schemas.microsoft.com/office/drawing/2010/main" val="0"/>
+                <a14:useLocalDpi xmlns:a14="http://schemas.microsoft.com/office/drawing/2010/main" xmlns="" val="0"/>
               </a:ext>
             </a:extLst>
           </a:blip>
@@ -11593,20 +12274,20 @@
     </p:spTree>
     <p:extLst>
       <p:ext uri="{BB962C8B-B14F-4D97-AF65-F5344CB8AC3E}">
-        <p14:creationId xmlns:p14="http://schemas.microsoft.com/office/powerpoint/2010/main" val="3245424489"/>
+        <p14:creationId xmlns:p14="http://schemas.microsoft.com/office/powerpoint/2010/main" xmlns="" val="3245424489"/>
       </p:ext>
     </p:extLst>
   </p:cSld>
   <p:clrMapOvr>
     <a:masterClrMapping/>
   </p:clrMapOvr>
-  <mc:AlternateContent xmlns:mc="http://schemas.openxmlformats.org/markup-compatibility/2006" xmlns:p14="http://schemas.microsoft.com/office/powerpoint/2010/main">
-    <mc:Choice Requires="p14">
+  <mc:AlternateContent xmlns:mc="http://schemas.openxmlformats.org/markup-compatibility/2006">
+    <mc:Choice xmlns:p14="http://schemas.microsoft.com/office/powerpoint/2010/main" xmlns="" Requires="p14">
       <p:transition spd="slow" p14:dur="1500">
         <p14:window dir="vert"/>
       </p:transition>
     </mc:Choice>
-    <mc:Fallback xmlns="">
+    <mc:Fallback>
       <p:transition spd="slow">
         <p:fade/>
       </p:transition>
@@ -12013,7 +12694,7 @@
         <p:spPr/>
         <p:txBody>
           <a:bodyPr>
-            <a:normAutofit fontScale="92500" lnSpcReduction="10000"/>
+            <a:normAutofit fontScale="85000" lnSpcReduction="20000"/>
           </a:bodyPr>
           <a:lstStyle/>
           <a:p>
@@ -12169,21 +12850,28 @@
                 <a:latin typeface="YaHei Consolas Hybrid" pitchFamily="34" charset="-122"/>
                 <a:ea typeface="YaHei Consolas Hybrid" pitchFamily="34" charset="-122"/>
               </a:rPr>
-              <a:t>EJS</a:t>
-            </a:r>
+              <a:t>Emmet(Zen Coding)</a:t>
+            </a:r>
+            <a:endParaRPr lang="en-US" altLang="zh-CN" dirty="0" smtClean="0">
+              <a:latin typeface="YaHei Consolas Hybrid" pitchFamily="34" charset="-122"/>
+              <a:ea typeface="YaHei Consolas Hybrid" pitchFamily="34" charset="-122"/>
+            </a:endParaRPr>
+          </a:p>
+          <a:p>
+            <a:pPr lvl="1"/>
             <a:r>
               <a:rPr lang="zh-CN" altLang="en-US" dirty="0" smtClean="0">
                 <a:latin typeface="YaHei Consolas Hybrid" pitchFamily="34" charset="-122"/>
                 <a:ea typeface="YaHei Consolas Hybrid" pitchFamily="34" charset="-122"/>
               </a:rPr>
-              <a:t>、</a:t>
+              <a:t>支持</a:t>
             </a:r>
             <a:r>
               <a:rPr lang="en-US" altLang="zh-CN" dirty="0" smtClean="0">
                 <a:latin typeface="YaHei Consolas Hybrid" pitchFamily="34" charset="-122"/>
                 <a:ea typeface="YaHei Consolas Hybrid" pitchFamily="34" charset="-122"/>
               </a:rPr>
-              <a:t>Mustache</a:t>
+              <a:t>EJS</a:t>
             </a:r>
             <a:r>
               <a:rPr lang="zh-CN" altLang="en-US" dirty="0" smtClean="0">
@@ -12197,28 +12885,63 @@
                 <a:latin typeface="YaHei Consolas Hybrid" pitchFamily="34" charset="-122"/>
                 <a:ea typeface="YaHei Consolas Hybrid" pitchFamily="34" charset="-122"/>
               </a:rPr>
-              <a:t>Jade</a:t>
+              <a:t>Mustache</a:t>
             </a:r>
             <a:r>
               <a:rPr lang="zh-CN" altLang="en-US" dirty="0" smtClean="0">
                 <a:latin typeface="YaHei Consolas Hybrid" pitchFamily="34" charset="-122"/>
                 <a:ea typeface="YaHei Consolas Hybrid" pitchFamily="34" charset="-122"/>
               </a:rPr>
-              <a:t>和</a:t>
+              <a:t>、</a:t>
             </a:r>
             <a:r>
               <a:rPr lang="en-US" altLang="zh-CN" dirty="0" smtClean="0">
                 <a:latin typeface="YaHei Consolas Hybrid" pitchFamily="34" charset="-122"/>
                 <a:ea typeface="YaHei Consolas Hybrid" pitchFamily="34" charset="-122"/>
               </a:rPr>
-              <a:t>Handlebars</a:t>
+              <a:t>Jade</a:t>
             </a:r>
             <a:r>
               <a:rPr lang="zh-CN" altLang="en-US" dirty="0" smtClean="0">
                 <a:latin typeface="YaHei Consolas Hybrid" pitchFamily="34" charset="-122"/>
                 <a:ea typeface="YaHei Consolas Hybrid" pitchFamily="34" charset="-122"/>
               </a:rPr>
+              <a:t>和</a:t>
+            </a:r>
+            <a:r>
+              <a:rPr lang="en-US" altLang="zh-CN" dirty="0" smtClean="0">
+                <a:latin typeface="YaHei Consolas Hybrid" pitchFamily="34" charset="-122"/>
+                <a:ea typeface="YaHei Consolas Hybrid" pitchFamily="34" charset="-122"/>
+              </a:rPr>
+              <a:t>Handlebars</a:t>
+            </a:r>
+            <a:r>
+              <a:rPr lang="zh-CN" altLang="en-US" dirty="0" smtClean="0">
+                <a:latin typeface="YaHei Consolas Hybrid" pitchFamily="34" charset="-122"/>
+                <a:ea typeface="YaHei Consolas Hybrid" pitchFamily="34" charset="-122"/>
+              </a:rPr>
               <a:t>模板</a:t>
+            </a:r>
+            <a:endParaRPr lang="en-US" altLang="zh-CN" dirty="0" smtClean="0">
+              <a:latin typeface="YaHei Consolas Hybrid" pitchFamily="34" charset="-122"/>
+              <a:ea typeface="YaHei Consolas Hybrid" pitchFamily="34" charset="-122"/>
+            </a:endParaRPr>
+          </a:p>
+          <a:p>
+            <a:pPr lvl="1"/>
+            <a:r>
+              <a:rPr lang="zh-CN" altLang="en-US" dirty="0" smtClean="0">
+                <a:latin typeface="YaHei Consolas Hybrid" pitchFamily="34" charset="-122"/>
+                <a:ea typeface="YaHei Consolas Hybrid" pitchFamily="34" charset="-122"/>
+              </a:rPr>
+              <a:t>支持</a:t>
+            </a:r>
+            <a:r>
+              <a:rPr lang="en-US" altLang="zh-CN" dirty="0" smtClean="0">
+                <a:latin typeface="YaHei Consolas Hybrid" pitchFamily="34" charset="-122"/>
+                <a:ea typeface="YaHei Consolas Hybrid" pitchFamily="34" charset="-122"/>
+              </a:rPr>
+              <a:t>File Watchers</a:t>
             </a:r>
             <a:endParaRPr lang="en-US" altLang="zh-CN" dirty="0" smtClean="0">
               <a:latin typeface="YaHei Consolas Hybrid" pitchFamily="34" charset="-122"/>
@@ -12395,7 +13118,7 @@
           <a:blip r:embed="rId3" cstate="print">
             <a:extLst>
               <a:ext uri="{28A0092B-C50C-407E-A947-70E740481C1C}">
-                <a14:useLocalDpi xmlns:a14="http://schemas.microsoft.com/office/drawing/2010/main" val="0"/>
+                <a14:useLocalDpi xmlns:a14="http://schemas.microsoft.com/office/drawing/2010/main" xmlns="" val="0"/>
               </a:ext>
             </a:extLst>
           </a:blip>
@@ -12416,20 +13139,20 @@
     </p:spTree>
     <p:extLst>
       <p:ext uri="{BB962C8B-B14F-4D97-AF65-F5344CB8AC3E}">
-        <p14:creationId xmlns:p14="http://schemas.microsoft.com/office/powerpoint/2010/main" val="4245618278"/>
+        <p14:creationId xmlns:p14="http://schemas.microsoft.com/office/powerpoint/2010/main" xmlns="" val="4245618278"/>
       </p:ext>
     </p:extLst>
   </p:cSld>
   <p:clrMapOvr>
     <a:masterClrMapping/>
   </p:clrMapOvr>
-  <mc:AlternateContent xmlns:mc="http://schemas.openxmlformats.org/markup-compatibility/2006" xmlns:p14="http://schemas.microsoft.com/office/powerpoint/2010/main">
-    <mc:Choice Requires="p14">
+  <mc:AlternateContent xmlns:mc="http://schemas.openxmlformats.org/markup-compatibility/2006">
+    <mc:Choice xmlns:p14="http://schemas.microsoft.com/office/powerpoint/2010/main" xmlns="" Requires="p14">
       <p:transition spd="slow" p14:dur="1500">
         <p14:window dir="vert"/>
       </p:transition>
     </mc:Choice>
-    <mc:Fallback xmlns="">
+    <mc:Fallback>
       <p:transition spd="slow">
         <p:fade/>
       </p:transition>
@@ -13473,6 +14196,212 @@
                       </p:childTnLst>
                     </p:cTn>
                   </p:par>
+                  <p:par>
+                    <p:cTn id="63" fill="hold">
+                      <p:stCondLst>
+                        <p:cond delay="indefinite"/>
+                      </p:stCondLst>
+                      <p:childTnLst>
+                        <p:par>
+                          <p:cTn id="64" fill="hold">
+                            <p:stCondLst>
+                              <p:cond delay="0"/>
+                            </p:stCondLst>
+                            <p:childTnLst>
+                              <p:par>
+                                <p:cTn id="65" presetID="2" presetClass="entr" presetSubtype="4" fill="hold" nodeType="clickEffect">
+                                  <p:stCondLst>
+                                    <p:cond delay="0"/>
+                                  </p:stCondLst>
+                                  <p:childTnLst>
+                                    <p:set>
+                                      <p:cBhvr>
+                                        <p:cTn id="66" dur="1" fill="hold">
+                                          <p:stCondLst>
+                                            <p:cond delay="0"/>
+                                          </p:stCondLst>
+                                        </p:cTn>
+                                        <p:tgtEl>
+                                          <p:spTgt spid="3">
+                                            <p:txEl>
+                                              <p:pRg st="10" end="10"/>
+                                            </p:txEl>
+                                          </p:spTgt>
+                                        </p:tgtEl>
+                                        <p:attrNameLst>
+                                          <p:attrName>style.visibility</p:attrName>
+                                        </p:attrNameLst>
+                                      </p:cBhvr>
+                                      <p:to>
+                                        <p:strVal val="visible"/>
+                                      </p:to>
+                                    </p:set>
+                                    <p:anim calcmode="lin" valueType="num">
+                                      <p:cBhvr additive="base">
+                                        <p:cTn id="67" dur="500" fill="hold"/>
+                                        <p:tgtEl>
+                                          <p:spTgt spid="3">
+                                            <p:txEl>
+                                              <p:pRg st="10" end="10"/>
+                                            </p:txEl>
+                                          </p:spTgt>
+                                        </p:tgtEl>
+                                        <p:attrNameLst>
+                                          <p:attrName>ppt_x</p:attrName>
+                                        </p:attrNameLst>
+                                      </p:cBhvr>
+                                      <p:tavLst>
+                                        <p:tav tm="0">
+                                          <p:val>
+                                            <p:strVal val="#ppt_x"/>
+                                          </p:val>
+                                        </p:tav>
+                                        <p:tav tm="100000">
+                                          <p:val>
+                                            <p:strVal val="#ppt_x"/>
+                                          </p:val>
+                                        </p:tav>
+                                      </p:tavLst>
+                                    </p:anim>
+                                    <p:anim calcmode="lin" valueType="num">
+                                      <p:cBhvr additive="base">
+                                        <p:cTn id="68" dur="500" fill="hold"/>
+                                        <p:tgtEl>
+                                          <p:spTgt spid="3">
+                                            <p:txEl>
+                                              <p:pRg st="10" end="10"/>
+                                            </p:txEl>
+                                          </p:spTgt>
+                                        </p:tgtEl>
+                                        <p:attrNameLst>
+                                          <p:attrName>ppt_y</p:attrName>
+                                        </p:attrNameLst>
+                                      </p:cBhvr>
+                                      <p:tavLst>
+                                        <p:tav tm="0">
+                                          <p:val>
+                                            <p:strVal val="1+#ppt_h/2"/>
+                                          </p:val>
+                                        </p:tav>
+                                        <p:tav tm="100000">
+                                          <p:val>
+                                            <p:strVal val="#ppt_y"/>
+                                          </p:val>
+                                        </p:tav>
+                                      </p:tavLst>
+                                    </p:anim>
+                                  </p:childTnLst>
+                                </p:cTn>
+                              </p:par>
+                            </p:childTnLst>
+                          </p:cTn>
+                        </p:par>
+                      </p:childTnLst>
+                    </p:cTn>
+                  </p:par>
+                  <p:par>
+                    <p:cTn id="69" fill="hold">
+                      <p:stCondLst>
+                        <p:cond delay="indefinite"/>
+                      </p:stCondLst>
+                      <p:childTnLst>
+                        <p:par>
+                          <p:cTn id="70" fill="hold">
+                            <p:stCondLst>
+                              <p:cond delay="0"/>
+                            </p:stCondLst>
+                            <p:childTnLst>
+                              <p:par>
+                                <p:cTn id="71" presetID="2" presetClass="entr" presetSubtype="4" fill="hold" nodeType="clickEffect">
+                                  <p:stCondLst>
+                                    <p:cond delay="0"/>
+                                  </p:stCondLst>
+                                  <p:childTnLst>
+                                    <p:set>
+                                      <p:cBhvr>
+                                        <p:cTn id="72" dur="1" fill="hold">
+                                          <p:stCondLst>
+                                            <p:cond delay="0"/>
+                                          </p:stCondLst>
+                                        </p:cTn>
+                                        <p:tgtEl>
+                                          <p:spTgt spid="3">
+                                            <p:txEl>
+                                              <p:pRg st="11" end="11"/>
+                                            </p:txEl>
+                                          </p:spTgt>
+                                        </p:tgtEl>
+                                        <p:attrNameLst>
+                                          <p:attrName>style.visibility</p:attrName>
+                                        </p:attrNameLst>
+                                      </p:cBhvr>
+                                      <p:to>
+                                        <p:strVal val="visible"/>
+                                      </p:to>
+                                    </p:set>
+                                    <p:anim calcmode="lin" valueType="num">
+                                      <p:cBhvr additive="base">
+                                        <p:cTn id="73" dur="500" fill="hold"/>
+                                        <p:tgtEl>
+                                          <p:spTgt spid="3">
+                                            <p:txEl>
+                                              <p:pRg st="11" end="11"/>
+                                            </p:txEl>
+                                          </p:spTgt>
+                                        </p:tgtEl>
+                                        <p:attrNameLst>
+                                          <p:attrName>ppt_x</p:attrName>
+                                        </p:attrNameLst>
+                                      </p:cBhvr>
+                                      <p:tavLst>
+                                        <p:tav tm="0">
+                                          <p:val>
+                                            <p:strVal val="#ppt_x"/>
+                                          </p:val>
+                                        </p:tav>
+                                        <p:tav tm="100000">
+                                          <p:val>
+                                            <p:strVal val="#ppt_x"/>
+                                          </p:val>
+                                        </p:tav>
+                                      </p:tavLst>
+                                    </p:anim>
+                                    <p:anim calcmode="lin" valueType="num">
+                                      <p:cBhvr additive="base">
+                                        <p:cTn id="74" dur="500" fill="hold"/>
+                                        <p:tgtEl>
+                                          <p:spTgt spid="3">
+                                            <p:txEl>
+                                              <p:pRg st="11" end="11"/>
+                                            </p:txEl>
+                                          </p:spTgt>
+                                        </p:tgtEl>
+                                        <p:attrNameLst>
+                                          <p:attrName>ppt_y</p:attrName>
+                                        </p:attrNameLst>
+                                      </p:cBhvr>
+                                      <p:tavLst>
+                                        <p:tav tm="0">
+                                          <p:val>
+                                            <p:strVal val="1+#ppt_h/2"/>
+                                          </p:val>
+                                        </p:tav>
+                                        <p:tav tm="100000">
+                                          <p:val>
+                                            <p:strVal val="#ppt_y"/>
+                                          </p:val>
+                                        </p:tav>
+                                      </p:tavLst>
+                                    </p:anim>
+                                  </p:childTnLst>
+                                </p:cTn>
+                              </p:par>
+                            </p:childTnLst>
+                          </p:cTn>
+                        </p:par>
+                      </p:childTnLst>
+                    </p:cTn>
+                  </p:par>
                 </p:childTnLst>
               </p:cTn>
               <p:prevCondLst>
@@ -13622,8 +14551,17 @@
                 <a:latin typeface="YaHei Consolas Hybrid" pitchFamily="49" charset="-122"/>
                 <a:ea typeface="YaHei Consolas Hybrid" pitchFamily="49" charset="-122"/>
               </a:rPr>
-              <a:t>更新</a:t>
-            </a:r>
+              <a:t>更新，新增</a:t>
+            </a:r>
+            <a:endParaRPr lang="en-US" altLang="zh-CN" dirty="0" smtClean="0">
+              <a:latin typeface="YaHei Consolas Hybrid" pitchFamily="49" charset="-122"/>
+              <a:ea typeface="YaHei Consolas Hybrid" pitchFamily="49" charset="-122"/>
+            </a:endParaRPr>
+          </a:p>
+          <a:p>
+            <a:pPr lvl="1">
+              <a:buNone/>
+            </a:pPr>
             <a:endParaRPr lang="en-US" altLang="zh-CN" dirty="0" smtClean="0">
               <a:latin typeface="YaHei Consolas Hybrid" pitchFamily="49" charset="-122"/>
               <a:ea typeface="YaHei Consolas Hybrid" pitchFamily="49" charset="-122"/>
@@ -13650,7 +14588,7 @@
           <a:blip r:embed="rId3" cstate="print">
             <a:extLst>
               <a:ext uri="{28A0092B-C50C-407E-A947-70E740481C1C}">
-                <a14:useLocalDpi xmlns:a14="http://schemas.microsoft.com/office/drawing/2010/main" val="0"/>
+                <a14:useLocalDpi xmlns:a14="http://schemas.microsoft.com/office/drawing/2010/main" xmlns="" val="0"/>
               </a:ext>
             </a:extLst>
           </a:blip>
@@ -13677,7 +14615,7 @@
           <p:nvPr>
             <p:extLst>
               <p:ext uri="{D42A27DB-BD31-4B8C-83A1-F6EECF244321}">
-                <p14:modId xmlns:p14="http://schemas.microsoft.com/office/powerpoint/2010/main" val="3553361850"/>
+                <p14:modId xmlns:p14="http://schemas.microsoft.com/office/powerpoint/2010/main" xmlns="" val="3553361850"/>
               </p:ext>
             </p:extLst>
           </p:nvPr>
@@ -13778,11 +14716,7 @@
                     <a:p>
                       <a:r>
                         <a:rPr lang="zh-CN" altLang="en-US" dirty="0" smtClean="0"/>
-                        <a:t>不加入</a:t>
-                      </a:r>
-                      <a:r>
-                        <a:rPr lang="zh-CN" altLang="en-US" dirty="0" smtClean="0"/>
-                        <a:t>版本控制</a:t>
+                        <a:t>不加入版本控制</a:t>
                       </a:r>
                       <a:endParaRPr lang="zh-CN" altLang="en-US" dirty="0"/>
                     </a:p>
@@ -13796,11 +14730,7 @@
                     <a:p>
                       <a:r>
                         <a:rPr lang="zh-CN" altLang="en-US" dirty="0" smtClean="0"/>
-                        <a:t>未加入</a:t>
-                      </a:r>
-                      <a:r>
-                        <a:rPr lang="zh-CN" altLang="en-US" dirty="0" smtClean="0"/>
-                        <a:t>版本控</a:t>
+                        <a:t>未加入版本控</a:t>
                       </a:r>
                       <a:endParaRPr lang="zh-CN" altLang="en-US" dirty="0"/>
                     </a:p>
@@ -13814,11 +14744,7 @@
                     <a:p>
                       <a:r>
                         <a:rPr lang="zh-CN" altLang="en-US" dirty="0" smtClean="0"/>
-                        <a:t>已加入版本</a:t>
-                      </a:r>
-                      <a:r>
-                        <a:rPr lang="zh-CN" altLang="en-US" dirty="0" smtClean="0"/>
-                        <a:t>控件</a:t>
+                        <a:t>已加入版本控件</a:t>
                       </a:r>
                       <a:endParaRPr lang="zh-CN" altLang="en-US" dirty="0"/>
                     </a:p>
@@ -13832,11 +14758,7 @@
                     <a:p>
                       <a:r>
                         <a:rPr lang="zh-CN" altLang="en-US" dirty="0" smtClean="0"/>
-                        <a:t>已</a:t>
-                      </a:r>
-                      <a:r>
-                        <a:rPr lang="zh-CN" altLang="en-US" dirty="0" smtClean="0"/>
-                        <a:t>修改</a:t>
+                        <a:t>有修改</a:t>
                       </a:r>
                       <a:endParaRPr lang="zh-CN" altLang="en-US" dirty="0"/>
                     </a:p>
@@ -13851,20 +14773,20 @@
     </p:spTree>
     <p:extLst>
       <p:ext uri="{BB962C8B-B14F-4D97-AF65-F5344CB8AC3E}">
-        <p14:creationId xmlns:p14="http://schemas.microsoft.com/office/powerpoint/2010/main" val="3461232025"/>
+        <p14:creationId xmlns:p14="http://schemas.microsoft.com/office/powerpoint/2010/main" xmlns="" val="3461232025"/>
       </p:ext>
     </p:extLst>
   </p:cSld>
   <p:clrMapOvr>
     <a:masterClrMapping/>
   </p:clrMapOvr>
-  <mc:AlternateContent xmlns:mc="http://schemas.openxmlformats.org/markup-compatibility/2006" xmlns:p14="http://schemas.microsoft.com/office/powerpoint/2010/main">
-    <mc:Choice Requires="p14">
+  <mc:AlternateContent xmlns:mc="http://schemas.openxmlformats.org/markup-compatibility/2006">
+    <mc:Choice xmlns:p14="http://schemas.microsoft.com/office/powerpoint/2010/main" xmlns="" Requires="p14">
       <p:transition spd="slow" p14:dur="1500">
         <p14:window dir="vert"/>
       </p:transition>
     </mc:Choice>
-    <mc:Fallback xmlns="">
+    <mc:Fallback>
       <p:transition spd="slow">
         <p:fade/>
       </p:transition>
@@ -14187,7 +15109,7 @@
           <a:blip r:embed="rId3" cstate="print">
             <a:extLst>
               <a:ext uri="{28A0092B-C50C-407E-A947-70E740481C1C}">
-                <a14:useLocalDpi xmlns:a14="http://schemas.microsoft.com/office/drawing/2010/main" val="0"/>
+                <a14:useLocalDpi xmlns:a14="http://schemas.microsoft.com/office/drawing/2010/main" xmlns="" val="0"/>
               </a:ext>
             </a:extLst>
           </a:blip>
@@ -14297,20 +15219,20 @@
     </p:spTree>
     <p:extLst>
       <p:ext uri="{BB962C8B-B14F-4D97-AF65-F5344CB8AC3E}">
-        <p14:creationId xmlns:p14="http://schemas.microsoft.com/office/powerpoint/2010/main" val="2874167865"/>
+        <p14:creationId xmlns:p14="http://schemas.microsoft.com/office/powerpoint/2010/main" xmlns="" val="2874167865"/>
       </p:ext>
     </p:extLst>
   </p:cSld>
   <p:clrMapOvr>
     <a:masterClrMapping/>
   </p:clrMapOvr>
-  <mc:AlternateContent xmlns:mc="http://schemas.openxmlformats.org/markup-compatibility/2006" xmlns:p14="http://schemas.microsoft.com/office/powerpoint/2010/main">
-    <mc:Choice Requires="p14">
+  <mc:AlternateContent xmlns:mc="http://schemas.openxmlformats.org/markup-compatibility/2006">
+    <mc:Choice xmlns:p14="http://schemas.microsoft.com/office/powerpoint/2010/main" xmlns="" Requires="p14">
       <p:transition spd="slow" p14:dur="1500">
         <p14:window dir="vert"/>
       </p:transition>
     </mc:Choice>
-    <mc:Fallback xmlns="">
+    <mc:Fallback>
       <p:transition spd="slow">
         <p:fade/>
       </p:transition>
